--- a/software/Ch_3_rules_demo.pptx
+++ b/software/Ch_3_rules_demo.pptx
@@ -5,7 +5,7 @@
     <p:sldMasterId id="2147483665" r:id="rId1"/>
   </p:sldMasterIdLst>
   <p:notesMasterIdLst>
-    <p:notesMasterId r:id="rId58"/>
+    <p:notesMasterId r:id="rId59"/>
   </p:notesMasterIdLst>
   <p:sldIdLst>
     <p:sldId id="256" r:id="rId2"/>
@@ -23,47 +23,48 @@
     <p:sldId id="1166" r:id="rId14"/>
     <p:sldId id="1163" r:id="rId15"/>
     <p:sldId id="1127" r:id="rId16"/>
-    <p:sldId id="1126" r:id="rId17"/>
-    <p:sldId id="1129" r:id="rId18"/>
-    <p:sldId id="1149" r:id="rId19"/>
-    <p:sldId id="1156" r:id="rId20"/>
-    <p:sldId id="1157" r:id="rId21"/>
-    <p:sldId id="1134" r:id="rId22"/>
-    <p:sldId id="1219" r:id="rId23"/>
-    <p:sldId id="1103" r:id="rId24"/>
-    <p:sldId id="1109" r:id="rId25"/>
-    <p:sldId id="1218" r:id="rId26"/>
-    <p:sldId id="1119" r:id="rId27"/>
-    <p:sldId id="1121" r:id="rId28"/>
-    <p:sldId id="1122" r:id="rId29"/>
-    <p:sldId id="1168" r:id="rId30"/>
-    <p:sldId id="1220" r:id="rId31"/>
-    <p:sldId id="1104" r:id="rId32"/>
-    <p:sldId id="1113" r:id="rId33"/>
-    <p:sldId id="1105" r:id="rId34"/>
-    <p:sldId id="1114" r:id="rId35"/>
-    <p:sldId id="1120" r:id="rId36"/>
-    <p:sldId id="1117" r:id="rId37"/>
-    <p:sldId id="1106" r:id="rId38"/>
-    <p:sldId id="1115" r:id="rId39"/>
-    <p:sldId id="1107" r:id="rId40"/>
-    <p:sldId id="1221" r:id="rId41"/>
-    <p:sldId id="1108" r:id="rId42"/>
-    <p:sldId id="1143" r:id="rId43"/>
-    <p:sldId id="1146" r:id="rId44"/>
-    <p:sldId id="1142" r:id="rId45"/>
-    <p:sldId id="1128" r:id="rId46"/>
-    <p:sldId id="1222" r:id="rId47"/>
-    <p:sldId id="1130" r:id="rId48"/>
-    <p:sldId id="1132" r:id="rId49"/>
-    <p:sldId id="1136" r:id="rId50"/>
-    <p:sldId id="1140" r:id="rId51"/>
-    <p:sldId id="1135" r:id="rId52"/>
-    <p:sldId id="1133" r:id="rId53"/>
-    <p:sldId id="1137" r:id="rId54"/>
-    <p:sldId id="1138" r:id="rId55"/>
-    <p:sldId id="1139" r:id="rId56"/>
-    <p:sldId id="381" r:id="rId57"/>
+    <p:sldId id="1223" r:id="rId17"/>
+    <p:sldId id="1126" r:id="rId18"/>
+    <p:sldId id="1129" r:id="rId19"/>
+    <p:sldId id="1149" r:id="rId20"/>
+    <p:sldId id="1156" r:id="rId21"/>
+    <p:sldId id="1157" r:id="rId22"/>
+    <p:sldId id="1134" r:id="rId23"/>
+    <p:sldId id="1219" r:id="rId24"/>
+    <p:sldId id="1103" r:id="rId25"/>
+    <p:sldId id="1109" r:id="rId26"/>
+    <p:sldId id="1218" r:id="rId27"/>
+    <p:sldId id="1119" r:id="rId28"/>
+    <p:sldId id="1121" r:id="rId29"/>
+    <p:sldId id="1122" r:id="rId30"/>
+    <p:sldId id="1168" r:id="rId31"/>
+    <p:sldId id="1220" r:id="rId32"/>
+    <p:sldId id="1104" r:id="rId33"/>
+    <p:sldId id="1113" r:id="rId34"/>
+    <p:sldId id="1105" r:id="rId35"/>
+    <p:sldId id="1114" r:id="rId36"/>
+    <p:sldId id="1120" r:id="rId37"/>
+    <p:sldId id="1117" r:id="rId38"/>
+    <p:sldId id="1106" r:id="rId39"/>
+    <p:sldId id="1115" r:id="rId40"/>
+    <p:sldId id="1107" r:id="rId41"/>
+    <p:sldId id="1221" r:id="rId42"/>
+    <p:sldId id="1108" r:id="rId43"/>
+    <p:sldId id="1143" r:id="rId44"/>
+    <p:sldId id="1146" r:id="rId45"/>
+    <p:sldId id="1142" r:id="rId46"/>
+    <p:sldId id="1128" r:id="rId47"/>
+    <p:sldId id="1222" r:id="rId48"/>
+    <p:sldId id="1130" r:id="rId49"/>
+    <p:sldId id="1132" r:id="rId50"/>
+    <p:sldId id="1136" r:id="rId51"/>
+    <p:sldId id="1140" r:id="rId52"/>
+    <p:sldId id="1135" r:id="rId53"/>
+    <p:sldId id="1133" r:id="rId54"/>
+    <p:sldId id="1137" r:id="rId55"/>
+    <p:sldId id="1138" r:id="rId56"/>
+    <p:sldId id="1139" r:id="rId57"/>
+    <p:sldId id="381" r:id="rId58"/>
   </p:sldIdLst>
   <p:sldSz cx="9144000" cy="6858000" type="screen4x3"/>
   <p:notesSz cx="6858000" cy="9144000"/>
@@ -8151,14 +8152,23 @@
           <a:lstStyle/>
           <a:p>
             <a:r>
-              <a:rPr lang="zh-CN" altLang="en-US" dirty="0"/>
+              <a:rPr lang="zh-CN" altLang="en-US" dirty="0">
+                <a:latin typeface="Adobe 楷体 Std R" panose="02020400000000000000" pitchFamily="18" charset="-122"/>
+                <a:ea typeface="Adobe 楷体 Std R" panose="02020400000000000000" pitchFamily="18" charset="-122"/>
+              </a:rPr>
               <a:t>哪种更好？</a:t>
             </a:r>
-            <a:endParaRPr lang="en-US" altLang="zh-CN" dirty="0"/>
-          </a:p>
-          <a:p>
-            <a:r>
-              <a:rPr lang="zh-CN" altLang="en-US" dirty="0"/>
+            <a:endParaRPr lang="en-US" altLang="zh-CN" dirty="0">
+              <a:latin typeface="Adobe 楷体 Std R" panose="02020400000000000000" pitchFamily="18" charset="-122"/>
+              <a:ea typeface="Adobe 楷体 Std R" panose="02020400000000000000" pitchFamily="18" charset="-122"/>
+            </a:endParaRPr>
+          </a:p>
+          <a:p>
+            <a:r>
+              <a:rPr lang="zh-CN" altLang="en-US" dirty="0">
+                <a:latin typeface="Adobe 楷体 Std R" panose="02020400000000000000" pitchFamily="18" charset="-122"/>
+                <a:ea typeface="Adobe 楷体 Std R" panose="02020400000000000000" pitchFamily="18" charset="-122"/>
+              </a:rPr>
               <a:t>各自的缺点是什么？</a:t>
             </a:r>
           </a:p>
@@ -8235,7 +8245,7 @@
         </p:blipFill>
         <p:spPr>
           <a:xfrm>
-            <a:off x="2915816" y="1818895"/>
+            <a:off x="2587927" y="1700808"/>
             <a:ext cx="3968145" cy="4104456"/>
           </a:xfrm>
           <a:prstGeom prst="rect">
@@ -8314,8 +8324,8 @@
         </p:blipFill>
         <p:spPr>
           <a:xfrm>
-            <a:off x="0" y="2852937"/>
-            <a:ext cx="9144000" cy="1764961"/>
+            <a:off x="251520" y="3933056"/>
+            <a:ext cx="8580443" cy="1656184"/>
           </a:xfrm>
           <a:prstGeom prst="rect">
             <a:avLst/>
@@ -8393,32 +8403,56 @@
           <a:lstStyle/>
           <a:p>
             <a:r>
-              <a:rPr lang="zh-CN" altLang="en-US" dirty="0"/>
+              <a:rPr lang="zh-CN" altLang="en-US" dirty="0">
+                <a:latin typeface="Adobe 楷体 Std R" panose="02020400000000000000" pitchFamily="18" charset="-122"/>
+                <a:ea typeface="Adobe 楷体 Std R" panose="02020400000000000000" pitchFamily="18" charset="-122"/>
+              </a:rPr>
               <a:t>尽可能和开发环境的</a:t>
             </a:r>
             <a:r>
-              <a:rPr lang="en-US" altLang="zh-CN" dirty="0"/>
+              <a:rPr lang="en-US" altLang="zh-CN" dirty="0">
+                <a:latin typeface="Adobe 楷体 Std R" panose="02020400000000000000" pitchFamily="18" charset="-122"/>
+                <a:ea typeface="Adobe 楷体 Std R" panose="02020400000000000000" pitchFamily="18" charset="-122"/>
+              </a:rPr>
               <a:t>API</a:t>
             </a:r>
             <a:r>
-              <a:rPr lang="zh-CN" altLang="en-US" dirty="0"/>
+              <a:rPr lang="zh-CN" altLang="en-US" dirty="0">
+                <a:latin typeface="Adobe 楷体 Std R" panose="02020400000000000000" pitchFamily="18" charset="-122"/>
+                <a:ea typeface="Adobe 楷体 Std R" panose="02020400000000000000" pitchFamily="18" charset="-122"/>
+              </a:rPr>
               <a:t>保持一致</a:t>
             </a:r>
-            <a:endParaRPr lang="en-US" altLang="zh-CN" dirty="0"/>
-          </a:p>
-          <a:p>
-            <a:r>
-              <a:rPr lang="zh-CN" altLang="en-US" dirty="0"/>
+            <a:endParaRPr lang="en-US" altLang="zh-CN" dirty="0">
+              <a:latin typeface="Adobe 楷体 Std R" panose="02020400000000000000" pitchFamily="18" charset="-122"/>
+              <a:ea typeface="Adobe 楷体 Std R" panose="02020400000000000000" pitchFamily="18" charset="-122"/>
+            </a:endParaRPr>
+          </a:p>
+          <a:p>
+            <a:r>
+              <a:rPr lang="zh-CN" altLang="en-US" dirty="0">
+                <a:latin typeface="Adobe 楷体 Std R" panose="02020400000000000000" pitchFamily="18" charset="-122"/>
+                <a:ea typeface="Adobe 楷体 Std R" panose="02020400000000000000" pitchFamily="18" charset="-122"/>
+              </a:rPr>
               <a:t>一个项目按统一的方式</a:t>
             </a:r>
-            <a:endParaRPr lang="en-US" altLang="zh-CN" dirty="0"/>
-          </a:p>
-          <a:p>
-            <a:r>
-              <a:rPr lang="zh-CN" altLang="en-US" dirty="0"/>
+            <a:endParaRPr lang="en-US" altLang="zh-CN" dirty="0">
+              <a:latin typeface="Adobe 楷体 Std R" panose="02020400000000000000" pitchFamily="18" charset="-122"/>
+              <a:ea typeface="Adobe 楷体 Std R" panose="02020400000000000000" pitchFamily="18" charset="-122"/>
+            </a:endParaRPr>
+          </a:p>
+          <a:p>
+            <a:r>
+              <a:rPr lang="zh-CN" altLang="en-US" dirty="0">
+                <a:latin typeface="Adobe 楷体 Std R" panose="02020400000000000000" pitchFamily="18" charset="-122"/>
+                <a:ea typeface="Adobe 楷体 Std R" panose="02020400000000000000" pitchFamily="18" charset="-122"/>
+              </a:rPr>
               <a:t>有必要的说明</a:t>
             </a:r>
-            <a:endParaRPr lang="en-US" altLang="zh-CN" dirty="0"/>
+            <a:endParaRPr lang="en-US" altLang="zh-CN" dirty="0">
+              <a:latin typeface="Adobe 楷体 Std R" panose="02020400000000000000" pitchFamily="18" charset="-122"/>
+              <a:ea typeface="Adobe 楷体 Std R" panose="02020400000000000000" pitchFamily="18" charset="-122"/>
+            </a:endParaRPr>
           </a:p>
         </p:txBody>
       </p:sp>
@@ -8494,8 +8528,8 @@
         </p:nvSpPr>
         <p:spPr>
           <a:xfrm>
-            <a:off x="939552" y="2322410"/>
-            <a:ext cx="8229600" cy="3986910"/>
+            <a:off x="1115616" y="2564904"/>
+            <a:ext cx="6984776" cy="2575893"/>
           </a:xfrm>
         </p:spPr>
         <p:txBody>
@@ -8503,186 +8537,129 @@
           <a:lstStyle/>
           <a:p>
             <a:r>
-              <a:rPr lang="zh-CN" altLang="en-US" sz="1800" dirty="0"/>
+              <a:rPr lang="zh-CN" altLang="en-US" sz="1800" dirty="0">
+                <a:latin typeface="Adobe 楷体 Std R" panose="02020400000000000000" pitchFamily="18" charset="-122"/>
+                <a:ea typeface="Adobe 楷体 Std R" panose="02020400000000000000" pitchFamily="18" charset="-122"/>
+              </a:rPr>
               <a:t>变量尽量有意义，不要使用“鬼变量”</a:t>
             </a:r>
-            <a:endParaRPr lang="en-US" altLang="zh-CN" sz="1800" dirty="0"/>
+            <a:endParaRPr lang="en-US" altLang="zh-CN" sz="1800" dirty="0">
+              <a:latin typeface="Adobe 楷体 Std R" panose="02020400000000000000" pitchFamily="18" charset="-122"/>
+              <a:ea typeface="Adobe 楷体 Std R" panose="02020400000000000000" pitchFamily="18" charset="-122"/>
+            </a:endParaRPr>
           </a:p>
           <a:p>
             <a:pPr marL="0" indent="0">
               <a:buNone/>
             </a:pPr>
             <a:r>
-              <a:rPr lang="en-US" altLang="zh-CN" sz="1800" dirty="0"/>
+              <a:rPr lang="en-US" altLang="zh-CN" sz="1800" dirty="0">
+                <a:latin typeface="Adobe 楷体 Std R" panose="02020400000000000000" pitchFamily="18" charset="-122"/>
+                <a:ea typeface="Adobe 楷体 Std R" panose="02020400000000000000" pitchFamily="18" charset="-122"/>
+              </a:rPr>
               <a:t>	</a:t>
             </a:r>
             <a:r>
-              <a:rPr lang="en-US" altLang="zh-CN" sz="1800" dirty="0" err="1"/>
+              <a:rPr lang="en-US" altLang="zh-CN" sz="1800" dirty="0" err="1">
+                <a:latin typeface="Adobe 楷体 Std R" panose="02020400000000000000" pitchFamily="18" charset="-122"/>
+                <a:ea typeface="Adobe 楷体 Std R" panose="02020400000000000000" pitchFamily="18" charset="-122"/>
+              </a:rPr>
               <a:t>int</a:t>
             </a:r>
             <a:r>
-              <a:rPr lang="en-US" altLang="zh-CN" sz="1800" dirty="0"/>
+              <a:rPr lang="en-US" altLang="zh-CN" sz="1800" dirty="0">
+                <a:latin typeface="Adobe 楷体 Std R" panose="02020400000000000000" pitchFamily="18" charset="-122"/>
+                <a:ea typeface="Adobe 楷体 Std R" panose="02020400000000000000" pitchFamily="18" charset="-122"/>
+              </a:rPr>
               <a:t> x;  </a:t>
             </a:r>
             <a:r>
-              <a:rPr lang="en-US" altLang="zh-CN" sz="1800" dirty="0" err="1"/>
+              <a:rPr lang="en-US" altLang="zh-CN" sz="1800" dirty="0" err="1">
+                <a:latin typeface="Adobe 楷体 Std R" panose="02020400000000000000" pitchFamily="18" charset="-122"/>
+                <a:ea typeface="Adobe 楷体 Std R" panose="02020400000000000000" pitchFamily="18" charset="-122"/>
+              </a:rPr>
               <a:t>int</a:t>
             </a:r>
             <a:r>
-              <a:rPr lang="en-US" altLang="zh-CN" sz="1800" dirty="0"/>
+              <a:rPr lang="en-US" altLang="zh-CN" sz="1800" dirty="0">
+                <a:latin typeface="Adobe 楷体 Std R" panose="02020400000000000000" pitchFamily="18" charset="-122"/>
+                <a:ea typeface="Adobe 楷体 Std R" panose="02020400000000000000" pitchFamily="18" charset="-122"/>
+              </a:rPr>
               <a:t> xxx; </a:t>
             </a:r>
             <a:r>
-              <a:rPr lang="en-US" altLang="zh-CN" sz="1800" dirty="0" err="1"/>
+              <a:rPr lang="en-US" altLang="zh-CN" sz="1800" dirty="0" err="1">
+                <a:latin typeface="Adobe 楷体 Std R" panose="02020400000000000000" pitchFamily="18" charset="-122"/>
+                <a:ea typeface="Adobe 楷体 Std R" panose="02020400000000000000" pitchFamily="18" charset="-122"/>
+              </a:rPr>
               <a:t>int</a:t>
             </a:r>
             <a:r>
-              <a:rPr lang="en-US" altLang="zh-CN" sz="1800" dirty="0"/>
+              <a:rPr lang="en-US" altLang="zh-CN" sz="1800" dirty="0">
+                <a:latin typeface="Adobe 楷体 Std R" panose="02020400000000000000" pitchFamily="18" charset="-122"/>
+                <a:ea typeface="Adobe 楷体 Std R" panose="02020400000000000000" pitchFamily="18" charset="-122"/>
+              </a:rPr>
               <a:t> xxxxx_2;</a:t>
             </a:r>
           </a:p>
           <a:p>
             <a:r>
-              <a:rPr lang="zh-CN" altLang="en-US" sz="1800" dirty="0"/>
+              <a:rPr lang="zh-CN" altLang="en-US" sz="1800" dirty="0">
+                <a:latin typeface="Adobe 楷体 Std R" panose="02020400000000000000" pitchFamily="18" charset="-122"/>
+                <a:ea typeface="Adobe 楷体 Std R" panose="02020400000000000000" pitchFamily="18" charset="-122"/>
+              </a:rPr>
               <a:t>常量值尽可能描述清楚意义</a:t>
             </a:r>
-            <a:endParaRPr lang="en-US" altLang="zh-CN" sz="1800" dirty="0"/>
+            <a:endParaRPr lang="en-US" altLang="zh-CN" sz="1800" dirty="0">
+              <a:latin typeface="Adobe 楷体 Std R" panose="02020400000000000000" pitchFamily="18" charset="-122"/>
+              <a:ea typeface="Adobe 楷体 Std R" panose="02020400000000000000" pitchFamily="18" charset="-122"/>
+            </a:endParaRPr>
           </a:p>
           <a:p>
             <a:pPr marL="457200" lvl="1" indent="0">
               <a:buNone/>
             </a:pPr>
             <a:r>
-              <a:rPr lang="en-US" altLang="zh-CN" sz="1800" dirty="0"/>
-              <a:t>        if(1500 &lt; x)      // 1500</a:t>
-            </a:r>
-            <a:r>
-              <a:rPr lang="zh-CN" altLang="en-US" sz="1800" dirty="0"/>
+              <a:rPr lang="en-US" altLang="zh-CN" sz="1800" dirty="0">
+                <a:latin typeface="Adobe 楷体 Std R" panose="02020400000000000000" pitchFamily="18" charset="-122"/>
+                <a:ea typeface="Adobe 楷体 Std R" panose="02020400000000000000" pitchFamily="18" charset="-122"/>
+              </a:rPr>
+              <a:t>       if(1500 &lt; x)      // 1500</a:t>
+            </a:r>
+            <a:r>
+              <a:rPr lang="zh-CN" altLang="en-US" sz="1800" dirty="0">
+                <a:latin typeface="Adobe 楷体 Std R" panose="02020400000000000000" pitchFamily="18" charset="-122"/>
+                <a:ea typeface="Adobe 楷体 Std R" panose="02020400000000000000" pitchFamily="18" charset="-122"/>
+              </a:rPr>
               <a:t>请加以注释，改动或者经常使用，        </a:t>
             </a:r>
-            <a:endParaRPr lang="en-US" altLang="zh-CN" sz="1800" dirty="0"/>
+            <a:endParaRPr lang="en-US" altLang="zh-CN" sz="1800" dirty="0">
+              <a:latin typeface="Adobe 楷体 Std R" panose="02020400000000000000" pitchFamily="18" charset="-122"/>
+              <a:ea typeface="Adobe 楷体 Std R" panose="02020400000000000000" pitchFamily="18" charset="-122"/>
+            </a:endParaRPr>
           </a:p>
           <a:p>
             <a:pPr marL="457200" lvl="1" indent="0">
               <a:buNone/>
             </a:pPr>
             <a:r>
-              <a:rPr lang="en-US" altLang="zh-CN" sz="1800" dirty="0"/>
-              <a:t>                                  // </a:t>
-            </a:r>
-            <a:r>
-              <a:rPr lang="zh-CN" altLang="en-US" sz="1800" dirty="0"/>
+              <a:rPr lang="en-US" altLang="zh-CN" sz="1800" dirty="0">
+                <a:latin typeface="Adobe 楷体 Std R" panose="02020400000000000000" pitchFamily="18" charset="-122"/>
+                <a:ea typeface="Adobe 楷体 Std R" panose="02020400000000000000" pitchFamily="18" charset="-122"/>
+              </a:rPr>
+              <a:t>                                 // </a:t>
+            </a:r>
+            <a:r>
+              <a:rPr lang="zh-CN" altLang="en-US" sz="1800" dirty="0">
+                <a:latin typeface="Adobe 楷体 Std R" panose="02020400000000000000" pitchFamily="18" charset="-122"/>
+                <a:ea typeface="Adobe 楷体 Std R" panose="02020400000000000000" pitchFamily="18" charset="-122"/>
+              </a:rPr>
               <a:t>那么建议定义常量</a:t>
             </a:r>
-            <a:endParaRPr lang="en-US" altLang="zh-CN" sz="1800" dirty="0"/>
-          </a:p>
-          <a:p>
-            <a:r>
-              <a:rPr lang="zh-CN" altLang="en-US" sz="1800" dirty="0"/>
-              <a:t>用英文</a:t>
-            </a:r>
-            <a:r>
-              <a:rPr lang="en-US" altLang="zh-CN" sz="1800" dirty="0"/>
-              <a:t>(</a:t>
-            </a:r>
-            <a:r>
-              <a:rPr lang="zh-CN" altLang="en-US" sz="1800" dirty="0"/>
-              <a:t>或英文缩写</a:t>
-            </a:r>
-            <a:r>
-              <a:rPr lang="en-US" altLang="zh-CN" sz="1800" dirty="0"/>
-              <a:t>)</a:t>
-            </a:r>
-            <a:r>
-              <a:rPr lang="zh-CN" altLang="en-US" sz="1800" dirty="0"/>
-              <a:t>定义，不易翻译的，用拼音，并加以注释</a:t>
-            </a:r>
-            <a:endParaRPr lang="en-US" altLang="zh-CN" sz="1800" dirty="0"/>
-          </a:p>
-          <a:p>
-            <a:pPr marL="0" indent="0">
-              <a:buNone/>
-            </a:pPr>
-            <a:r>
-              <a:rPr lang="en-US" altLang="zh-CN" sz="1800" dirty="0"/>
-              <a:t>       </a:t>
-            </a:r>
-            <a:r>
-              <a:rPr lang="en-US" altLang="zh-CN" sz="1800" dirty="0" err="1"/>
-              <a:t>int</a:t>
-            </a:r>
-            <a:r>
-              <a:rPr lang="en-US" altLang="zh-CN" sz="1800" dirty="0"/>
-              <a:t> </a:t>
-            </a:r>
-            <a:r>
-              <a:rPr lang="en-US" altLang="zh-CN" sz="1800" dirty="0" err="1"/>
-              <a:t>hp</a:t>
-            </a:r>
-            <a:r>
-              <a:rPr lang="en-US" altLang="zh-CN" sz="1800" dirty="0"/>
-              <a:t>; 	          // </a:t>
-            </a:r>
-            <a:r>
-              <a:rPr lang="en-US" altLang="zh-CN" sz="1800" dirty="0" err="1"/>
-              <a:t>hp</a:t>
-            </a:r>
-            <a:r>
-              <a:rPr lang="zh-CN" altLang="en-US" sz="1800" dirty="0"/>
-              <a:t>就是</a:t>
-            </a:r>
-            <a:r>
-              <a:rPr lang="en-US" altLang="zh-CN" sz="1800" dirty="0"/>
-              <a:t>HP</a:t>
-            </a:r>
-          </a:p>
-          <a:p>
-            <a:pPr marL="0" indent="0">
-              <a:buNone/>
-            </a:pPr>
-            <a:r>
-              <a:rPr lang="en-US" altLang="zh-CN" sz="1800" dirty="0"/>
-              <a:t>       byte  char2byte;         // </a:t>
-            </a:r>
-            <a:r>
-              <a:rPr lang="zh-CN" altLang="en-US" sz="1800" dirty="0"/>
-              <a:t>字符转字节后的结果</a:t>
-            </a:r>
-            <a:r>
-              <a:rPr lang="en-US" altLang="zh-CN" sz="1800" dirty="0"/>
-              <a:t>            </a:t>
-            </a:r>
-          </a:p>
-          <a:p>
-            <a:pPr marL="0" indent="0">
-              <a:buNone/>
-            </a:pPr>
-            <a:r>
-              <a:rPr lang="en-US" altLang="zh-CN" sz="1800" dirty="0"/>
-              <a:t>       string value4use;        //  value for use</a:t>
-            </a:r>
-          </a:p>
-          <a:p>
-            <a:pPr marL="0" indent="0">
-              <a:buNone/>
-            </a:pPr>
-            <a:r>
-              <a:rPr lang="en-US" altLang="zh-CN" sz="1800" dirty="0"/>
-              <a:t>       string qigong               // </a:t>
-            </a:r>
-            <a:r>
-              <a:rPr lang="zh-CN" altLang="en-US" sz="1800" dirty="0"/>
-              <a:t>气功</a:t>
-            </a:r>
-            <a:r>
-              <a:rPr lang="en-US" altLang="zh-CN" sz="1800" dirty="0"/>
-              <a:t>/</a:t>
-            </a:r>
-            <a:r>
-              <a:rPr lang="zh-CN" altLang="en-US" sz="1800" dirty="0"/>
-              <a:t>奇功</a:t>
-            </a:r>
-            <a:endParaRPr lang="en-US" altLang="zh-CN" sz="1800" dirty="0"/>
+            <a:endParaRPr lang="en-US" altLang="zh-CN" sz="1800" dirty="0">
+              <a:latin typeface="Adobe 楷体 Std R" panose="02020400000000000000" pitchFamily="18" charset="-122"/>
+              <a:ea typeface="Adobe 楷体 Std R" panose="02020400000000000000" pitchFamily="18" charset="-122"/>
+            </a:endParaRPr>
           </a:p>
           <a:p>
             <a:pPr marL="457200" lvl="1" indent="0">
@@ -8779,7 +8756,286 @@
         </p:nvSpPr>
         <p:spPr>
           <a:xfrm>
-            <a:off x="1115616" y="2600908"/>
+            <a:off x="1073932" y="2636912"/>
+            <a:ext cx="7016824" cy="2690766"/>
+          </a:xfrm>
+        </p:spPr>
+        <p:txBody>
+          <a:bodyPr/>
+          <a:lstStyle/>
+          <a:p>
+            <a:r>
+              <a:rPr lang="zh-CN" altLang="en-US" sz="1800" dirty="0">
+                <a:latin typeface="Adobe 楷体 Std R" panose="02020400000000000000" pitchFamily="18" charset="-122"/>
+                <a:ea typeface="Adobe 楷体 Std R" panose="02020400000000000000" pitchFamily="18" charset="-122"/>
+              </a:rPr>
+              <a:t>用英文</a:t>
+            </a:r>
+            <a:r>
+              <a:rPr lang="en-US" altLang="zh-CN" sz="1800" dirty="0">
+                <a:latin typeface="Adobe 楷体 Std R" panose="02020400000000000000" pitchFamily="18" charset="-122"/>
+                <a:ea typeface="Adobe 楷体 Std R" panose="02020400000000000000" pitchFamily="18" charset="-122"/>
+              </a:rPr>
+              <a:t>(</a:t>
+            </a:r>
+            <a:r>
+              <a:rPr lang="zh-CN" altLang="en-US" sz="1800" dirty="0">
+                <a:latin typeface="Adobe 楷体 Std R" panose="02020400000000000000" pitchFamily="18" charset="-122"/>
+                <a:ea typeface="Adobe 楷体 Std R" panose="02020400000000000000" pitchFamily="18" charset="-122"/>
+              </a:rPr>
+              <a:t>或英文缩写</a:t>
+            </a:r>
+            <a:r>
+              <a:rPr lang="en-US" altLang="zh-CN" sz="1800" dirty="0">
+                <a:latin typeface="Adobe 楷体 Std R" panose="02020400000000000000" pitchFamily="18" charset="-122"/>
+                <a:ea typeface="Adobe 楷体 Std R" panose="02020400000000000000" pitchFamily="18" charset="-122"/>
+              </a:rPr>
+              <a:t>)</a:t>
+            </a:r>
+            <a:r>
+              <a:rPr lang="zh-CN" altLang="en-US" sz="1800" dirty="0">
+                <a:latin typeface="Adobe 楷体 Std R" panose="02020400000000000000" pitchFamily="18" charset="-122"/>
+                <a:ea typeface="Adobe 楷体 Std R" panose="02020400000000000000" pitchFamily="18" charset="-122"/>
+              </a:rPr>
+              <a:t>定义，不易翻译的，用拼音，并加以注释</a:t>
+            </a:r>
+            <a:endParaRPr lang="en-US" altLang="zh-CN" sz="1800" dirty="0">
+              <a:latin typeface="Adobe 楷体 Std R" panose="02020400000000000000" pitchFamily="18" charset="-122"/>
+              <a:ea typeface="Adobe 楷体 Std R" panose="02020400000000000000" pitchFamily="18" charset="-122"/>
+            </a:endParaRPr>
+          </a:p>
+          <a:p>
+            <a:pPr marL="0" indent="0">
+              <a:buNone/>
+            </a:pPr>
+            <a:r>
+              <a:rPr lang="en-US" altLang="zh-CN" sz="1800" dirty="0">
+                <a:latin typeface="Adobe 楷体 Std R" panose="02020400000000000000" pitchFamily="18" charset="-122"/>
+                <a:ea typeface="Adobe 楷体 Std R" panose="02020400000000000000" pitchFamily="18" charset="-122"/>
+              </a:rPr>
+              <a:t>       </a:t>
+            </a:r>
+            <a:r>
+              <a:rPr lang="en-US" altLang="zh-CN" sz="1800" dirty="0" err="1">
+                <a:latin typeface="Adobe 楷体 Std R" panose="02020400000000000000" pitchFamily="18" charset="-122"/>
+                <a:ea typeface="Adobe 楷体 Std R" panose="02020400000000000000" pitchFamily="18" charset="-122"/>
+              </a:rPr>
+              <a:t>int</a:t>
+            </a:r>
+            <a:r>
+              <a:rPr lang="en-US" altLang="zh-CN" sz="1800" dirty="0">
+                <a:latin typeface="Adobe 楷体 Std R" panose="02020400000000000000" pitchFamily="18" charset="-122"/>
+                <a:ea typeface="Adobe 楷体 Std R" panose="02020400000000000000" pitchFamily="18" charset="-122"/>
+              </a:rPr>
+              <a:t> </a:t>
+            </a:r>
+            <a:r>
+              <a:rPr lang="en-US" altLang="zh-CN" sz="1800" dirty="0" err="1">
+                <a:latin typeface="Adobe 楷体 Std R" panose="02020400000000000000" pitchFamily="18" charset="-122"/>
+                <a:ea typeface="Adobe 楷体 Std R" panose="02020400000000000000" pitchFamily="18" charset="-122"/>
+              </a:rPr>
+              <a:t>hp</a:t>
+            </a:r>
+            <a:r>
+              <a:rPr lang="en-US" altLang="zh-CN" sz="1800" dirty="0">
+                <a:latin typeface="Adobe 楷体 Std R" panose="02020400000000000000" pitchFamily="18" charset="-122"/>
+                <a:ea typeface="Adobe 楷体 Std R" panose="02020400000000000000" pitchFamily="18" charset="-122"/>
+              </a:rPr>
+              <a:t>; 	          // </a:t>
+            </a:r>
+            <a:r>
+              <a:rPr lang="en-US" altLang="zh-CN" sz="1800" dirty="0" err="1">
+                <a:latin typeface="Adobe 楷体 Std R" panose="02020400000000000000" pitchFamily="18" charset="-122"/>
+                <a:ea typeface="Adobe 楷体 Std R" panose="02020400000000000000" pitchFamily="18" charset="-122"/>
+              </a:rPr>
+              <a:t>hp</a:t>
+            </a:r>
+            <a:r>
+              <a:rPr lang="zh-CN" altLang="en-US" sz="1800" dirty="0">
+                <a:latin typeface="Adobe 楷体 Std R" panose="02020400000000000000" pitchFamily="18" charset="-122"/>
+                <a:ea typeface="Adobe 楷体 Std R" panose="02020400000000000000" pitchFamily="18" charset="-122"/>
+              </a:rPr>
+              <a:t>就是</a:t>
+            </a:r>
+            <a:r>
+              <a:rPr lang="en-US" altLang="zh-CN" sz="1800" dirty="0">
+                <a:latin typeface="Adobe 楷体 Std R" panose="02020400000000000000" pitchFamily="18" charset="-122"/>
+                <a:ea typeface="Adobe 楷体 Std R" panose="02020400000000000000" pitchFamily="18" charset="-122"/>
+              </a:rPr>
+              <a:t>HP</a:t>
+            </a:r>
+          </a:p>
+          <a:p>
+            <a:pPr marL="0" indent="0">
+              <a:buNone/>
+            </a:pPr>
+            <a:r>
+              <a:rPr lang="en-US" altLang="zh-CN" sz="1800" dirty="0">
+                <a:latin typeface="Adobe 楷体 Std R" panose="02020400000000000000" pitchFamily="18" charset="-122"/>
+                <a:ea typeface="Adobe 楷体 Std R" panose="02020400000000000000" pitchFamily="18" charset="-122"/>
+              </a:rPr>
+              <a:t>       byte  char2byte;         // </a:t>
+            </a:r>
+            <a:r>
+              <a:rPr lang="zh-CN" altLang="en-US" sz="1800" dirty="0">
+                <a:latin typeface="Adobe 楷体 Std R" panose="02020400000000000000" pitchFamily="18" charset="-122"/>
+                <a:ea typeface="Adobe 楷体 Std R" panose="02020400000000000000" pitchFamily="18" charset="-122"/>
+              </a:rPr>
+              <a:t>字符转字节后的结果</a:t>
+            </a:r>
+            <a:r>
+              <a:rPr lang="en-US" altLang="zh-CN" sz="1800" dirty="0">
+                <a:latin typeface="Adobe 楷体 Std R" panose="02020400000000000000" pitchFamily="18" charset="-122"/>
+                <a:ea typeface="Adobe 楷体 Std R" panose="02020400000000000000" pitchFamily="18" charset="-122"/>
+              </a:rPr>
+              <a:t>            </a:t>
+            </a:r>
+          </a:p>
+          <a:p>
+            <a:pPr marL="0" indent="0">
+              <a:buNone/>
+            </a:pPr>
+            <a:r>
+              <a:rPr lang="en-US" altLang="zh-CN" sz="1800" dirty="0">
+                <a:latin typeface="Adobe 楷体 Std R" panose="02020400000000000000" pitchFamily="18" charset="-122"/>
+                <a:ea typeface="Adobe 楷体 Std R" panose="02020400000000000000" pitchFamily="18" charset="-122"/>
+              </a:rPr>
+              <a:t>       string value4use;        //  value for use</a:t>
+            </a:r>
+          </a:p>
+          <a:p>
+            <a:pPr marL="0" indent="0">
+              <a:buNone/>
+            </a:pPr>
+            <a:r>
+              <a:rPr lang="en-US" altLang="zh-CN" sz="1800" dirty="0">
+                <a:latin typeface="Adobe 楷体 Std R" panose="02020400000000000000" pitchFamily="18" charset="-122"/>
+                <a:ea typeface="Adobe 楷体 Std R" panose="02020400000000000000" pitchFamily="18" charset="-122"/>
+              </a:rPr>
+              <a:t>       string qigong               // </a:t>
+            </a:r>
+            <a:r>
+              <a:rPr lang="zh-CN" altLang="en-US" sz="1800" dirty="0">
+                <a:latin typeface="Adobe 楷体 Std R" panose="02020400000000000000" pitchFamily="18" charset="-122"/>
+                <a:ea typeface="Adobe 楷体 Std R" panose="02020400000000000000" pitchFamily="18" charset="-122"/>
+              </a:rPr>
+              <a:t>气功</a:t>
+            </a:r>
+            <a:r>
+              <a:rPr lang="en-US" altLang="zh-CN" sz="1800" dirty="0">
+                <a:latin typeface="Adobe 楷体 Std R" panose="02020400000000000000" pitchFamily="18" charset="-122"/>
+                <a:ea typeface="Adobe 楷体 Std R" panose="02020400000000000000" pitchFamily="18" charset="-122"/>
+              </a:rPr>
+              <a:t>/</a:t>
+            </a:r>
+            <a:r>
+              <a:rPr lang="zh-CN" altLang="en-US" sz="1800" dirty="0">
+                <a:latin typeface="Adobe 楷体 Std R" panose="02020400000000000000" pitchFamily="18" charset="-122"/>
+                <a:ea typeface="Adobe 楷体 Std R" panose="02020400000000000000" pitchFamily="18" charset="-122"/>
+              </a:rPr>
+              <a:t>奇功</a:t>
+            </a:r>
+            <a:endParaRPr lang="en-US" altLang="zh-CN" sz="1800" dirty="0">
+              <a:latin typeface="Adobe 楷体 Std R" panose="02020400000000000000" pitchFamily="18" charset="-122"/>
+              <a:ea typeface="Adobe 楷体 Std R" panose="02020400000000000000" pitchFamily="18" charset="-122"/>
+            </a:endParaRPr>
+          </a:p>
+          <a:p>
+            <a:pPr marL="457200" lvl="1" indent="0">
+              <a:buNone/>
+            </a:pPr>
+            <a:endParaRPr lang="en-US" altLang="zh-CN" sz="1800" dirty="0"/>
+          </a:p>
+          <a:p>
+            <a:pPr marL="457200" lvl="1" indent="0">
+              <a:buNone/>
+            </a:pPr>
+            <a:endParaRPr lang="en-US" altLang="zh-CN" sz="1800" dirty="0"/>
+          </a:p>
+          <a:p>
+            <a:pPr marL="457200" lvl="1" indent="0">
+              <a:buNone/>
+            </a:pPr>
+            <a:br>
+              <a:rPr lang="en-US" altLang="zh-CN" dirty="0"/>
+            </a:br>
+            <a:endParaRPr lang="zh-CN" altLang="en-US" dirty="0"/>
+          </a:p>
+        </p:txBody>
+      </p:sp>
+    </p:spTree>
+    <p:extLst>
+      <p:ext uri="{BB962C8B-B14F-4D97-AF65-F5344CB8AC3E}">
+        <p14:creationId xmlns:p14="http://schemas.microsoft.com/office/powerpoint/2010/main" val="998636616"/>
+      </p:ext>
+    </p:extLst>
+  </p:cSld>
+  <p:clrMapOvr>
+    <a:masterClrMapping/>
+  </p:clrMapOvr>
+</p:sld>
+</file>
+
+<file path=ppt/slides/slide17.xml><?xml version="1.0" encoding="utf-8"?>
+<p:sld xmlns:a="http://schemas.openxmlformats.org/drawingml/2006/main" xmlns:r="http://schemas.openxmlformats.org/officeDocument/2006/relationships" xmlns:p="http://schemas.openxmlformats.org/presentationml/2006/main">
+  <p:cSld>
+    <p:spTree>
+      <p:nvGrpSpPr>
+        <p:cNvPr id="1" name=""/>
+        <p:cNvGrpSpPr/>
+        <p:nvPr/>
+      </p:nvGrpSpPr>
+      <p:grpSpPr>
+        <a:xfrm>
+          <a:off x="0" y="0"/>
+          <a:ext cx="0" cy="0"/>
+          <a:chOff x="0" y="0"/>
+          <a:chExt cx="0" cy="0"/>
+        </a:xfrm>
+      </p:grpSpPr>
+      <p:sp>
+        <p:nvSpPr>
+          <p:cNvPr id="2" name="标题 1"/>
+          <p:cNvSpPr>
+            <a:spLocks noGrp="1"/>
+          </p:cNvSpPr>
+          <p:nvPr>
+            <p:ph type="title"/>
+          </p:nvPr>
+        </p:nvSpPr>
+        <p:spPr>
+          <a:xfrm>
+            <a:off x="467544" y="764704"/>
+            <a:ext cx="8229600" cy="952500"/>
+          </a:xfrm>
+        </p:spPr>
+        <p:txBody>
+          <a:bodyPr/>
+          <a:lstStyle/>
+          <a:p>
+            <a:r>
+              <a:rPr lang="zh-CN" altLang="en-US" dirty="0">
+                <a:latin typeface="Adobe 黑体 Std R" panose="020B0400000000000000" pitchFamily="34" charset="-122"/>
+                <a:ea typeface="Adobe 黑体 Std R" panose="020B0400000000000000" pitchFamily="34" charset="-122"/>
+              </a:rPr>
+              <a:t>变量和常量</a:t>
+            </a:r>
+          </a:p>
+        </p:txBody>
+      </p:sp>
+      <p:sp>
+        <p:nvSpPr>
+          <p:cNvPr id="5" name="内容占位符 4"/>
+          <p:cNvSpPr>
+            <a:spLocks noGrp="1"/>
+          </p:cNvSpPr>
+          <p:nvPr>
+            <p:ph idx="1"/>
+          </p:nvPr>
+        </p:nvSpPr>
+        <p:spPr>
+          <a:xfrm>
+            <a:off x="1331640" y="2600908"/>
             <a:ext cx="6768752" cy="1656184"/>
           </a:xfrm>
         </p:spPr>
@@ -8791,37 +9047,61 @@
               <a:buNone/>
             </a:pPr>
             <a:r>
-              <a:rPr lang="zh-CN" altLang="en-US" sz="2800" dirty="0"/>
+              <a:rPr lang="zh-CN" altLang="en-US" sz="2800" dirty="0">
+                <a:latin typeface="Adobe 楷体 Std R" panose="02020400000000000000" pitchFamily="18" charset="-122"/>
+                <a:ea typeface="Adobe 楷体 Std R" panose="02020400000000000000" pitchFamily="18" charset="-122"/>
+              </a:rPr>
               <a:t>常量的定义方法</a:t>
             </a:r>
-            <a:endParaRPr lang="en-US" altLang="zh-CN" sz="2800" dirty="0"/>
+            <a:endParaRPr lang="en-US" altLang="zh-CN" sz="2800" dirty="0">
+              <a:latin typeface="Adobe 楷体 Std R" panose="02020400000000000000" pitchFamily="18" charset="-122"/>
+              <a:ea typeface="Adobe 楷体 Std R" panose="02020400000000000000" pitchFamily="18" charset="-122"/>
+            </a:endParaRPr>
           </a:p>
           <a:p>
             <a:pPr marL="0" indent="0">
               <a:buNone/>
             </a:pPr>
             <a:r>
-              <a:rPr lang="en-US" altLang="zh-CN" sz="2800" dirty="0"/>
+              <a:rPr lang="en-US" altLang="zh-CN" sz="2800" dirty="0">
+                <a:latin typeface="Adobe 楷体 Std R" panose="02020400000000000000" pitchFamily="18" charset="-122"/>
+                <a:ea typeface="Adobe 楷体 Std R" panose="02020400000000000000" pitchFamily="18" charset="-122"/>
+              </a:rPr>
               <a:t>   	</a:t>
             </a:r>
             <a:r>
-              <a:rPr lang="zh-CN" altLang="en-US" sz="2800" dirty="0"/>
+              <a:rPr lang="zh-CN" altLang="en-US" sz="2800" dirty="0">
+                <a:latin typeface="Adobe 楷体 Std R" panose="02020400000000000000" pitchFamily="18" charset="-122"/>
+                <a:ea typeface="Adobe 楷体 Std R" panose="02020400000000000000" pitchFamily="18" charset="-122"/>
+              </a:rPr>
               <a:t>关键字  </a:t>
             </a:r>
             <a:r>
-              <a:rPr lang="en-US" altLang="zh-CN" sz="2800" dirty="0" err="1"/>
+              <a:rPr lang="en-US" altLang="zh-CN" sz="2800" dirty="0" err="1">
+                <a:latin typeface="Adobe 楷体 Std R" panose="02020400000000000000" pitchFamily="18" charset="-122"/>
+                <a:ea typeface="Adobe 楷体 Std R" panose="02020400000000000000" pitchFamily="18" charset="-122"/>
+              </a:rPr>
               <a:t>const</a:t>
             </a:r>
             <a:r>
-              <a:rPr lang="en-US" altLang="zh-CN" sz="2800" dirty="0"/>
+              <a:rPr lang="en-US" altLang="zh-CN" sz="2800" dirty="0">
+                <a:latin typeface="Adobe 楷体 Std R" panose="02020400000000000000" pitchFamily="18" charset="-122"/>
+                <a:ea typeface="Adobe 楷体 Std R" panose="02020400000000000000" pitchFamily="18" charset="-122"/>
+              </a:rPr>
               <a:t> static </a:t>
             </a:r>
             <a:r>
-              <a:rPr lang="zh-CN" altLang="en-US" sz="2800" dirty="0"/>
+              <a:rPr lang="zh-CN" altLang="en-US" sz="2800" dirty="0">
+                <a:latin typeface="Adobe 楷体 Std R" panose="02020400000000000000" pitchFamily="18" charset="-122"/>
+                <a:ea typeface="Adobe 楷体 Std R" panose="02020400000000000000" pitchFamily="18" charset="-122"/>
+              </a:rPr>
               <a:t> </a:t>
             </a:r>
             <a:r>
-              <a:rPr lang="en-US" altLang="zh-CN" sz="2800" dirty="0"/>
+              <a:rPr lang="en-US" altLang="zh-CN" sz="2800" dirty="0">
+                <a:latin typeface="Adobe 楷体 Std R" panose="02020400000000000000" pitchFamily="18" charset="-122"/>
+                <a:ea typeface="Adobe 楷体 Std R" panose="02020400000000000000" pitchFamily="18" charset="-122"/>
+              </a:rPr>
               <a:t>/ final    </a:t>
             </a:r>
           </a:p>
@@ -8830,14 +9110,23 @@
               <a:buNone/>
             </a:pPr>
             <a:r>
-              <a:rPr lang="en-US" altLang="zh-CN" sz="2800" dirty="0"/>
+              <a:rPr lang="en-US" altLang="zh-CN" sz="2800" dirty="0">
+                <a:latin typeface="Adobe 楷体 Std R" panose="02020400000000000000" pitchFamily="18" charset="-122"/>
+                <a:ea typeface="Adobe 楷体 Std R" panose="02020400000000000000" pitchFamily="18" charset="-122"/>
+              </a:rPr>
               <a:t>	</a:t>
             </a:r>
             <a:r>
-              <a:rPr lang="zh-CN" altLang="en-US" sz="2800" dirty="0"/>
+              <a:rPr lang="zh-CN" altLang="en-US" sz="2800" dirty="0">
+                <a:latin typeface="Adobe 楷体 Std R" panose="02020400000000000000" pitchFamily="18" charset="-122"/>
+                <a:ea typeface="Adobe 楷体 Std R" panose="02020400000000000000" pitchFamily="18" charset="-122"/>
+              </a:rPr>
               <a:t>宏   （不利于调试）</a:t>
             </a:r>
-            <a:endParaRPr lang="en-US" altLang="zh-CN" sz="2800" dirty="0"/>
+            <a:endParaRPr lang="en-US" altLang="zh-CN" sz="2800" dirty="0">
+              <a:latin typeface="Adobe 楷体 Std R" panose="02020400000000000000" pitchFamily="18" charset="-122"/>
+              <a:ea typeface="Adobe 楷体 Std R" panose="02020400000000000000" pitchFamily="18" charset="-122"/>
+            </a:endParaRPr>
           </a:p>
           <a:p>
             <a:pPr marL="0" indent="0">
@@ -8981,7 +9270,7 @@
 </p:sld>
 </file>
 
-<file path=ppt/slides/slide17.xml><?xml version="1.0" encoding="utf-8"?>
+<file path=ppt/slides/slide18.xml><?xml version="1.0" encoding="utf-8"?>
 <p:sld xmlns:a="http://schemas.openxmlformats.org/drawingml/2006/main" xmlns:r="http://schemas.openxmlformats.org/officeDocument/2006/relationships" xmlns:p="http://schemas.openxmlformats.org/presentationml/2006/main">
   <p:cSld>
     <p:spTree>
@@ -9123,7 +9412,7 @@
 </p:sld>
 </file>
 
-<file path=ppt/slides/slide18.xml><?xml version="1.0" encoding="utf-8"?>
+<file path=ppt/slides/slide19.xml><?xml version="1.0" encoding="utf-8"?>
 <p:sld xmlns:a="http://schemas.openxmlformats.org/drawingml/2006/main" xmlns:r="http://schemas.openxmlformats.org/officeDocument/2006/relationships" xmlns:p="http://schemas.openxmlformats.org/presentationml/2006/main">
   <p:cSld>
     <p:spTree>
@@ -9186,35 +9475,59 @@
           <a:lstStyle/>
           <a:p>
             <a:r>
-              <a:rPr lang="zh-CN" altLang="en-US" dirty="0"/>
+              <a:rPr lang="zh-CN" altLang="en-US" dirty="0">
+                <a:latin typeface="Adobe 楷体 Std R" panose="02020400000000000000" pitchFamily="18" charset="-122"/>
+                <a:ea typeface="Adobe 楷体 Std R" panose="02020400000000000000" pitchFamily="18" charset="-122"/>
+              </a:rPr>
               <a:t>默认参数问题</a:t>
             </a:r>
-            <a:endParaRPr lang="en-US" altLang="zh-CN" dirty="0"/>
-          </a:p>
-          <a:p>
-            <a:r>
-              <a:rPr lang="zh-CN" altLang="en-US" dirty="0"/>
+            <a:endParaRPr lang="en-US" altLang="zh-CN" dirty="0">
+              <a:latin typeface="Adobe 楷体 Std R" panose="02020400000000000000" pitchFamily="18" charset="-122"/>
+              <a:ea typeface="Adobe 楷体 Std R" panose="02020400000000000000" pitchFamily="18" charset="-122"/>
+            </a:endParaRPr>
+          </a:p>
+          <a:p>
+            <a:r>
+              <a:rPr lang="zh-CN" altLang="en-US" dirty="0">
+                <a:latin typeface="Adobe 楷体 Std R" panose="02020400000000000000" pitchFamily="18" charset="-122"/>
+                <a:ea typeface="Adobe 楷体 Std R" panose="02020400000000000000" pitchFamily="18" charset="-122"/>
+              </a:rPr>
               <a:t>重载</a:t>
             </a:r>
             <a:r>
-              <a:rPr lang="en-US" altLang="zh-CN" dirty="0"/>
+              <a:rPr lang="en-US" altLang="zh-CN" dirty="0">
+                <a:latin typeface="Adobe 楷体 Std R" panose="02020400000000000000" pitchFamily="18" charset="-122"/>
+                <a:ea typeface="Adobe 楷体 Std R" panose="02020400000000000000" pitchFamily="18" charset="-122"/>
+              </a:rPr>
               <a:t>/</a:t>
             </a:r>
             <a:r>
-              <a:rPr lang="zh-CN" altLang="en-US" dirty="0"/>
+              <a:rPr lang="zh-CN" altLang="en-US" dirty="0">
+                <a:latin typeface="Adobe 楷体 Std R" panose="02020400000000000000" pitchFamily="18" charset="-122"/>
+                <a:ea typeface="Adobe 楷体 Std R" panose="02020400000000000000" pitchFamily="18" charset="-122"/>
+              </a:rPr>
               <a:t>重写问题 </a:t>
             </a:r>
             <a:r>
-              <a:rPr lang="en-US" altLang="zh-CN" dirty="0"/>
+              <a:rPr lang="en-US" altLang="zh-CN" dirty="0">
+                <a:latin typeface="Adobe 楷体 Std R" panose="02020400000000000000" pitchFamily="18" charset="-122"/>
+                <a:ea typeface="Adobe 楷体 Std R" panose="02020400000000000000" pitchFamily="18" charset="-122"/>
+              </a:rPr>
               <a:t>(overload/override)</a:t>
             </a:r>
           </a:p>
           <a:p>
             <a:r>
-              <a:rPr lang="zh-CN" altLang="en-US" dirty="0"/>
+              <a:rPr lang="zh-CN" altLang="en-US" dirty="0">
+                <a:latin typeface="Adobe 楷体 Std R" panose="02020400000000000000" pitchFamily="18" charset="-122"/>
+                <a:ea typeface="Adobe 楷体 Std R" panose="02020400000000000000" pitchFamily="18" charset="-122"/>
+              </a:rPr>
               <a:t>避免大文件，大类，大函数体</a:t>
             </a:r>
-            <a:endParaRPr lang="en-US" altLang="zh-CN" dirty="0"/>
+            <a:endParaRPr lang="en-US" altLang="zh-CN" dirty="0">
+              <a:latin typeface="Adobe 楷体 Std R" panose="02020400000000000000" pitchFamily="18" charset="-122"/>
+              <a:ea typeface="Adobe 楷体 Std R" panose="02020400000000000000" pitchFamily="18" charset="-122"/>
+            </a:endParaRPr>
           </a:p>
           <a:p>
             <a:endParaRPr lang="zh-CN" altLang="en-US" dirty="0"/>
@@ -9243,7 +9556,7 @@
         </p:blipFill>
         <p:spPr>
           <a:xfrm>
-            <a:off x="3851920" y="3731015"/>
+            <a:off x="1043608" y="3860570"/>
             <a:ext cx="4536504" cy="2389765"/>
           </a:xfrm>
           <a:prstGeom prst="rect">
@@ -9255,263 +9568,6 @@
     <p:extLst>
       <p:ext uri="{BB962C8B-B14F-4D97-AF65-F5344CB8AC3E}">
         <p14:creationId xmlns:p14="http://schemas.microsoft.com/office/powerpoint/2010/main" val="1959654242"/>
-      </p:ext>
-    </p:extLst>
-  </p:cSld>
-  <p:clrMapOvr>
-    <a:masterClrMapping/>
-  </p:clrMapOvr>
-</p:sld>
-</file>
-
-<file path=ppt/slides/slide19.xml><?xml version="1.0" encoding="utf-8"?>
-<p:sld xmlns:a="http://schemas.openxmlformats.org/drawingml/2006/main" xmlns:r="http://schemas.openxmlformats.org/officeDocument/2006/relationships" xmlns:p="http://schemas.openxmlformats.org/presentationml/2006/main">
-  <p:cSld>
-    <p:spTree>
-      <p:nvGrpSpPr>
-        <p:cNvPr id="1" name=""/>
-        <p:cNvGrpSpPr/>
-        <p:nvPr/>
-      </p:nvGrpSpPr>
-      <p:grpSpPr>
-        <a:xfrm>
-          <a:off x="0" y="0"/>
-          <a:ext cx="0" cy="0"/>
-          <a:chOff x="0" y="0"/>
-          <a:chExt cx="0" cy="0"/>
-        </a:xfrm>
-      </p:grpSpPr>
-      <p:sp>
-        <p:nvSpPr>
-          <p:cNvPr id="2" name="标题 1"/>
-          <p:cNvSpPr>
-            <a:spLocks noGrp="1"/>
-          </p:cNvSpPr>
-          <p:nvPr>
-            <p:ph type="title"/>
-          </p:nvPr>
-        </p:nvSpPr>
-        <p:spPr/>
-        <p:txBody>
-          <a:bodyPr/>
-          <a:lstStyle/>
-          <a:p>
-            <a:r>
-              <a:rPr lang="zh-CN" altLang="en-US" dirty="0"/>
-              <a:t>函数</a:t>
-            </a:r>
-          </a:p>
-        </p:txBody>
-      </p:sp>
-      <p:sp>
-        <p:nvSpPr>
-          <p:cNvPr id="3" name="内容占位符 2"/>
-          <p:cNvSpPr>
-            <a:spLocks noGrp="1"/>
-          </p:cNvSpPr>
-          <p:nvPr>
-            <p:ph idx="1"/>
-          </p:nvPr>
-        </p:nvSpPr>
-        <p:spPr/>
-        <p:txBody>
-          <a:bodyPr/>
-          <a:lstStyle/>
-          <a:p>
-            <a:r>
-              <a:rPr lang="zh-CN" altLang="en-US" dirty="0"/>
-              <a:t>重载方法过多不是好的设计</a:t>
-            </a:r>
-            <a:endParaRPr lang="en-US" altLang="zh-CN" dirty="0"/>
-          </a:p>
-          <a:p>
-            <a:pPr lvl="3"/>
-            <a:r>
-              <a:rPr lang="en-US" altLang="zh-CN" dirty="0" err="1"/>
-              <a:t>getConnection</a:t>
-            </a:r>
-            <a:r>
-              <a:rPr lang="zh-CN" altLang="en-US" dirty="0"/>
-              <a:t>（</a:t>
-            </a:r>
-            <a:r>
-              <a:rPr lang="en-US" altLang="zh-CN" dirty="0"/>
-              <a:t>String </a:t>
-            </a:r>
-            <a:r>
-              <a:rPr lang="en-US" altLang="zh-CN" dirty="0" err="1"/>
-              <a:t>url</a:t>
-            </a:r>
-            <a:r>
-              <a:rPr lang="zh-CN" altLang="en-US" dirty="0"/>
-              <a:t>）</a:t>
-            </a:r>
-            <a:endParaRPr lang="en-US" altLang="zh-CN" dirty="0"/>
-          </a:p>
-          <a:p>
-            <a:pPr lvl="3"/>
-            <a:r>
-              <a:rPr lang="en-US" altLang="zh-CN" dirty="0" err="1"/>
-              <a:t>getConnection</a:t>
-            </a:r>
-            <a:r>
-              <a:rPr lang="zh-CN" altLang="en-US" dirty="0"/>
-              <a:t>（</a:t>
-            </a:r>
-            <a:r>
-              <a:rPr lang="en-US" altLang="zh-CN" dirty="0"/>
-              <a:t>String </a:t>
-            </a:r>
-            <a:r>
-              <a:rPr lang="en-US" altLang="zh-CN" dirty="0" err="1"/>
-              <a:t>ip,String</a:t>
-            </a:r>
-            <a:r>
-              <a:rPr lang="en-US" altLang="zh-CN" dirty="0"/>
-              <a:t> path</a:t>
-            </a:r>
-            <a:r>
-              <a:rPr lang="zh-CN" altLang="en-US" dirty="0"/>
-              <a:t>）</a:t>
-            </a:r>
-          </a:p>
-          <a:p>
-            <a:pPr lvl="3"/>
-            <a:r>
-              <a:rPr lang="en-US" altLang="zh-CN" dirty="0" err="1"/>
-              <a:t>getConnection</a:t>
-            </a:r>
-            <a:r>
-              <a:rPr lang="zh-CN" altLang="en-US" dirty="0"/>
-              <a:t>（</a:t>
-            </a:r>
-            <a:r>
-              <a:rPr lang="en-US" altLang="zh-CN" dirty="0"/>
-              <a:t>String </a:t>
-            </a:r>
-            <a:r>
-              <a:rPr lang="en-US" altLang="zh-CN" dirty="0" err="1"/>
-              <a:t>ip,String</a:t>
-            </a:r>
-            <a:r>
-              <a:rPr lang="en-US" altLang="zh-CN" dirty="0"/>
-              <a:t> </a:t>
-            </a:r>
-            <a:r>
-              <a:rPr lang="en-US" altLang="zh-CN" dirty="0" err="1"/>
-              <a:t>port,String</a:t>
-            </a:r>
-            <a:r>
-              <a:rPr lang="en-US" altLang="zh-CN" dirty="0"/>
-              <a:t> path</a:t>
-            </a:r>
-            <a:r>
-              <a:rPr lang="zh-CN" altLang="en-US" dirty="0"/>
-              <a:t>）</a:t>
-            </a:r>
-            <a:endParaRPr lang="en-US" altLang="zh-CN" dirty="0"/>
-          </a:p>
-          <a:p>
-            <a:pPr lvl="3"/>
-            <a:r>
-              <a:rPr lang="en-US" altLang="zh-CN" dirty="0" err="1"/>
-              <a:t>getConnection</a:t>
-            </a:r>
-            <a:r>
-              <a:rPr lang="zh-CN" altLang="en-US" dirty="0"/>
-              <a:t>（</a:t>
-            </a:r>
-            <a:r>
-              <a:rPr lang="en-US" altLang="zh-CN" dirty="0"/>
-              <a:t>String </a:t>
-            </a:r>
-            <a:r>
-              <a:rPr lang="en-US" altLang="zh-CN" dirty="0" err="1"/>
-              <a:t>ip,String</a:t>
-            </a:r>
-            <a:r>
-              <a:rPr lang="en-US" altLang="zh-CN" dirty="0"/>
-              <a:t> </a:t>
-            </a:r>
-            <a:r>
-              <a:rPr lang="en-US" altLang="zh-CN" dirty="0" err="1"/>
-              <a:t>port,String</a:t>
-            </a:r>
-            <a:r>
-              <a:rPr lang="en-US" altLang="zh-CN" dirty="0"/>
-              <a:t> </a:t>
-            </a:r>
-            <a:r>
-              <a:rPr lang="en-US" altLang="zh-CN" dirty="0" err="1"/>
-              <a:t>path,String</a:t>
-            </a:r>
-            <a:r>
-              <a:rPr lang="en-US" altLang="zh-CN" dirty="0"/>
-              <a:t> </a:t>
-            </a:r>
-            <a:r>
-              <a:rPr lang="en-US" altLang="zh-CN" dirty="0" err="1"/>
-              <a:t>user,String</a:t>
-            </a:r>
-            <a:r>
-              <a:rPr lang="en-US" altLang="zh-CN" dirty="0"/>
-              <a:t> </a:t>
-            </a:r>
-            <a:r>
-              <a:rPr lang="en-US" altLang="zh-CN" dirty="0" err="1"/>
-              <a:t>passwd</a:t>
-            </a:r>
-            <a:r>
-              <a:rPr lang="zh-CN" altLang="en-US" dirty="0"/>
-              <a:t>）</a:t>
-            </a:r>
-            <a:endParaRPr lang="en-US" altLang="zh-CN" dirty="0"/>
-          </a:p>
-          <a:p>
-            <a:pPr lvl="1"/>
-            <a:r>
-              <a:rPr lang="en-US" altLang="zh-CN" dirty="0" err="1"/>
-              <a:t>getConnection</a:t>
-            </a:r>
-            <a:r>
-              <a:rPr lang="en-US" altLang="zh-CN" dirty="0"/>
-              <a:t>(</a:t>
-            </a:r>
-            <a:r>
-              <a:rPr lang="en-US" altLang="zh-CN" dirty="0" err="1"/>
-              <a:t>ConnectParam</a:t>
-            </a:r>
-            <a:r>
-              <a:rPr lang="en-US" altLang="zh-CN" dirty="0"/>
-              <a:t> </a:t>
-            </a:r>
-            <a:r>
-              <a:rPr lang="en-US" altLang="zh-CN" dirty="0" err="1"/>
-              <a:t>param</a:t>
-            </a:r>
-            <a:r>
-              <a:rPr lang="en-US" altLang="zh-CN" dirty="0"/>
-              <a:t>):</a:t>
-            </a:r>
-            <a:r>
-              <a:rPr lang="zh-CN" altLang="en-US" dirty="0"/>
-              <a:t>把参数封装在类中</a:t>
-            </a:r>
-          </a:p>
-          <a:p>
-            <a:pPr lvl="1"/>
-            <a:endParaRPr lang="zh-CN" altLang="en-US" dirty="0"/>
-          </a:p>
-          <a:p>
-            <a:pPr lvl="1"/>
-            <a:endParaRPr lang="zh-CN" altLang="en-US" dirty="0"/>
-          </a:p>
-        </p:txBody>
-      </p:sp>
-    </p:spTree>
-    <p:extLst>
-      <p:ext uri="{BB962C8B-B14F-4D97-AF65-F5344CB8AC3E}">
-        <p14:creationId xmlns:p14="http://schemas.microsoft.com/office/powerpoint/2010/main" val="1690887469"/>
       </p:ext>
     </p:extLst>
   </p:cSld>
@@ -10022,26 +10078,433 @@
           <a:lstStyle/>
           <a:p>
             <a:r>
+              <a:rPr lang="zh-CN" altLang="en-US" dirty="0">
+                <a:latin typeface="Adobe 楷体 Std R" panose="02020400000000000000" pitchFamily="18" charset="-122"/>
+                <a:ea typeface="Adobe 楷体 Std R" panose="02020400000000000000" pitchFamily="18" charset="-122"/>
+              </a:rPr>
+              <a:t>重载方法过多不是好的设计</a:t>
+            </a:r>
+            <a:endParaRPr lang="en-US" altLang="zh-CN" dirty="0">
+              <a:latin typeface="Adobe 楷体 Std R" panose="02020400000000000000" pitchFamily="18" charset="-122"/>
+              <a:ea typeface="Adobe 楷体 Std R" panose="02020400000000000000" pitchFamily="18" charset="-122"/>
+            </a:endParaRPr>
+          </a:p>
+          <a:p>
+            <a:pPr lvl="3"/>
+            <a:r>
+              <a:rPr lang="en-US" altLang="zh-CN" dirty="0" err="1">
+                <a:latin typeface="Adobe 楷体 Std R" panose="02020400000000000000" pitchFamily="18" charset="-122"/>
+                <a:ea typeface="Adobe 楷体 Std R" panose="02020400000000000000" pitchFamily="18" charset="-122"/>
+              </a:rPr>
+              <a:t>getConnection</a:t>
+            </a:r>
+            <a:r>
+              <a:rPr lang="zh-CN" altLang="en-US" dirty="0">
+                <a:latin typeface="Adobe 楷体 Std R" panose="02020400000000000000" pitchFamily="18" charset="-122"/>
+                <a:ea typeface="Adobe 楷体 Std R" panose="02020400000000000000" pitchFamily="18" charset="-122"/>
+              </a:rPr>
+              <a:t>（</a:t>
+            </a:r>
+            <a:r>
+              <a:rPr lang="en-US" altLang="zh-CN" dirty="0">
+                <a:latin typeface="Adobe 楷体 Std R" panose="02020400000000000000" pitchFamily="18" charset="-122"/>
+                <a:ea typeface="Adobe 楷体 Std R" panose="02020400000000000000" pitchFamily="18" charset="-122"/>
+              </a:rPr>
+              <a:t>String </a:t>
+            </a:r>
+            <a:r>
+              <a:rPr lang="en-US" altLang="zh-CN" dirty="0" err="1">
+                <a:latin typeface="Adobe 楷体 Std R" panose="02020400000000000000" pitchFamily="18" charset="-122"/>
+                <a:ea typeface="Adobe 楷体 Std R" panose="02020400000000000000" pitchFamily="18" charset="-122"/>
+              </a:rPr>
+              <a:t>url</a:t>
+            </a:r>
+            <a:r>
+              <a:rPr lang="zh-CN" altLang="en-US" dirty="0">
+                <a:latin typeface="Adobe 楷体 Std R" panose="02020400000000000000" pitchFamily="18" charset="-122"/>
+                <a:ea typeface="Adobe 楷体 Std R" panose="02020400000000000000" pitchFamily="18" charset="-122"/>
+              </a:rPr>
+              <a:t>）</a:t>
+            </a:r>
+            <a:endParaRPr lang="en-US" altLang="zh-CN" dirty="0">
+              <a:latin typeface="Adobe 楷体 Std R" panose="02020400000000000000" pitchFamily="18" charset="-122"/>
+              <a:ea typeface="Adobe 楷体 Std R" panose="02020400000000000000" pitchFamily="18" charset="-122"/>
+            </a:endParaRPr>
+          </a:p>
+          <a:p>
+            <a:pPr lvl="3"/>
+            <a:r>
+              <a:rPr lang="en-US" altLang="zh-CN" dirty="0" err="1">
+                <a:latin typeface="Adobe 楷体 Std R" panose="02020400000000000000" pitchFamily="18" charset="-122"/>
+                <a:ea typeface="Adobe 楷体 Std R" panose="02020400000000000000" pitchFamily="18" charset="-122"/>
+              </a:rPr>
+              <a:t>getConnection</a:t>
+            </a:r>
+            <a:r>
+              <a:rPr lang="zh-CN" altLang="en-US" dirty="0">
+                <a:latin typeface="Adobe 楷体 Std R" panose="02020400000000000000" pitchFamily="18" charset="-122"/>
+                <a:ea typeface="Adobe 楷体 Std R" panose="02020400000000000000" pitchFamily="18" charset="-122"/>
+              </a:rPr>
+              <a:t>（</a:t>
+            </a:r>
+            <a:r>
+              <a:rPr lang="en-US" altLang="zh-CN" dirty="0">
+                <a:latin typeface="Adobe 楷体 Std R" panose="02020400000000000000" pitchFamily="18" charset="-122"/>
+                <a:ea typeface="Adobe 楷体 Std R" panose="02020400000000000000" pitchFamily="18" charset="-122"/>
+              </a:rPr>
+              <a:t>String </a:t>
+            </a:r>
+            <a:r>
+              <a:rPr lang="en-US" altLang="zh-CN" dirty="0" err="1">
+                <a:latin typeface="Adobe 楷体 Std R" panose="02020400000000000000" pitchFamily="18" charset="-122"/>
+                <a:ea typeface="Adobe 楷体 Std R" panose="02020400000000000000" pitchFamily="18" charset="-122"/>
+              </a:rPr>
+              <a:t>ip,String</a:t>
+            </a:r>
+            <a:r>
+              <a:rPr lang="en-US" altLang="zh-CN" dirty="0">
+                <a:latin typeface="Adobe 楷体 Std R" panose="02020400000000000000" pitchFamily="18" charset="-122"/>
+                <a:ea typeface="Adobe 楷体 Std R" panose="02020400000000000000" pitchFamily="18" charset="-122"/>
+              </a:rPr>
+              <a:t> path</a:t>
+            </a:r>
+            <a:r>
+              <a:rPr lang="zh-CN" altLang="en-US" dirty="0">
+                <a:latin typeface="Adobe 楷体 Std R" panose="02020400000000000000" pitchFamily="18" charset="-122"/>
+                <a:ea typeface="Adobe 楷体 Std R" panose="02020400000000000000" pitchFamily="18" charset="-122"/>
+              </a:rPr>
+              <a:t>）</a:t>
+            </a:r>
+          </a:p>
+          <a:p>
+            <a:pPr lvl="3"/>
+            <a:r>
+              <a:rPr lang="en-US" altLang="zh-CN" dirty="0" err="1">
+                <a:latin typeface="Adobe 楷体 Std R" panose="02020400000000000000" pitchFamily="18" charset="-122"/>
+                <a:ea typeface="Adobe 楷体 Std R" panose="02020400000000000000" pitchFamily="18" charset="-122"/>
+              </a:rPr>
+              <a:t>getConnection</a:t>
+            </a:r>
+            <a:r>
+              <a:rPr lang="zh-CN" altLang="en-US" dirty="0">
+                <a:latin typeface="Adobe 楷体 Std R" panose="02020400000000000000" pitchFamily="18" charset="-122"/>
+                <a:ea typeface="Adobe 楷体 Std R" panose="02020400000000000000" pitchFamily="18" charset="-122"/>
+              </a:rPr>
+              <a:t>（</a:t>
+            </a:r>
+            <a:r>
+              <a:rPr lang="en-US" altLang="zh-CN" dirty="0">
+                <a:latin typeface="Adobe 楷体 Std R" panose="02020400000000000000" pitchFamily="18" charset="-122"/>
+                <a:ea typeface="Adobe 楷体 Std R" panose="02020400000000000000" pitchFamily="18" charset="-122"/>
+              </a:rPr>
+              <a:t>String </a:t>
+            </a:r>
+            <a:r>
+              <a:rPr lang="en-US" altLang="zh-CN" dirty="0" err="1">
+                <a:latin typeface="Adobe 楷体 Std R" panose="02020400000000000000" pitchFamily="18" charset="-122"/>
+                <a:ea typeface="Adobe 楷体 Std R" panose="02020400000000000000" pitchFamily="18" charset="-122"/>
+              </a:rPr>
+              <a:t>ip,String</a:t>
+            </a:r>
+            <a:r>
+              <a:rPr lang="en-US" altLang="zh-CN" dirty="0">
+                <a:latin typeface="Adobe 楷体 Std R" panose="02020400000000000000" pitchFamily="18" charset="-122"/>
+                <a:ea typeface="Adobe 楷体 Std R" panose="02020400000000000000" pitchFamily="18" charset="-122"/>
+              </a:rPr>
+              <a:t> </a:t>
+            </a:r>
+            <a:r>
+              <a:rPr lang="en-US" altLang="zh-CN" dirty="0" err="1">
+                <a:latin typeface="Adobe 楷体 Std R" panose="02020400000000000000" pitchFamily="18" charset="-122"/>
+                <a:ea typeface="Adobe 楷体 Std R" panose="02020400000000000000" pitchFamily="18" charset="-122"/>
+              </a:rPr>
+              <a:t>port,String</a:t>
+            </a:r>
+            <a:r>
+              <a:rPr lang="en-US" altLang="zh-CN" dirty="0">
+                <a:latin typeface="Adobe 楷体 Std R" panose="02020400000000000000" pitchFamily="18" charset="-122"/>
+                <a:ea typeface="Adobe 楷体 Std R" panose="02020400000000000000" pitchFamily="18" charset="-122"/>
+              </a:rPr>
+              <a:t> path</a:t>
+            </a:r>
+            <a:r>
+              <a:rPr lang="zh-CN" altLang="en-US" dirty="0">
+                <a:latin typeface="Adobe 楷体 Std R" panose="02020400000000000000" pitchFamily="18" charset="-122"/>
+                <a:ea typeface="Adobe 楷体 Std R" panose="02020400000000000000" pitchFamily="18" charset="-122"/>
+              </a:rPr>
+              <a:t>）</a:t>
+            </a:r>
+            <a:endParaRPr lang="en-US" altLang="zh-CN" dirty="0">
+              <a:latin typeface="Adobe 楷体 Std R" panose="02020400000000000000" pitchFamily="18" charset="-122"/>
+              <a:ea typeface="Adobe 楷体 Std R" panose="02020400000000000000" pitchFamily="18" charset="-122"/>
+            </a:endParaRPr>
+          </a:p>
+          <a:p>
+            <a:pPr lvl="3"/>
+            <a:r>
+              <a:rPr lang="en-US" altLang="zh-CN" dirty="0" err="1">
+                <a:latin typeface="Adobe 楷体 Std R" panose="02020400000000000000" pitchFamily="18" charset="-122"/>
+                <a:ea typeface="Adobe 楷体 Std R" panose="02020400000000000000" pitchFamily="18" charset="-122"/>
+              </a:rPr>
+              <a:t>getConnection</a:t>
+            </a:r>
+            <a:r>
+              <a:rPr lang="zh-CN" altLang="en-US" dirty="0">
+                <a:latin typeface="Adobe 楷体 Std R" panose="02020400000000000000" pitchFamily="18" charset="-122"/>
+                <a:ea typeface="Adobe 楷体 Std R" panose="02020400000000000000" pitchFamily="18" charset="-122"/>
+              </a:rPr>
+              <a:t>（</a:t>
+            </a:r>
+            <a:r>
+              <a:rPr lang="en-US" altLang="zh-CN" dirty="0">
+                <a:latin typeface="Adobe 楷体 Std R" panose="02020400000000000000" pitchFamily="18" charset="-122"/>
+                <a:ea typeface="Adobe 楷体 Std R" panose="02020400000000000000" pitchFamily="18" charset="-122"/>
+              </a:rPr>
+              <a:t>String </a:t>
+            </a:r>
+            <a:r>
+              <a:rPr lang="en-US" altLang="zh-CN" dirty="0" err="1">
+                <a:latin typeface="Adobe 楷体 Std R" panose="02020400000000000000" pitchFamily="18" charset="-122"/>
+                <a:ea typeface="Adobe 楷体 Std R" panose="02020400000000000000" pitchFamily="18" charset="-122"/>
+              </a:rPr>
+              <a:t>ip,String</a:t>
+            </a:r>
+            <a:r>
+              <a:rPr lang="en-US" altLang="zh-CN" dirty="0">
+                <a:latin typeface="Adobe 楷体 Std R" panose="02020400000000000000" pitchFamily="18" charset="-122"/>
+                <a:ea typeface="Adobe 楷体 Std R" panose="02020400000000000000" pitchFamily="18" charset="-122"/>
+              </a:rPr>
+              <a:t> </a:t>
+            </a:r>
+            <a:r>
+              <a:rPr lang="en-US" altLang="zh-CN" dirty="0" err="1">
+                <a:latin typeface="Adobe 楷体 Std R" panose="02020400000000000000" pitchFamily="18" charset="-122"/>
+                <a:ea typeface="Adobe 楷体 Std R" panose="02020400000000000000" pitchFamily="18" charset="-122"/>
+              </a:rPr>
+              <a:t>port,String</a:t>
+            </a:r>
+            <a:r>
+              <a:rPr lang="en-US" altLang="zh-CN" dirty="0">
+                <a:latin typeface="Adobe 楷体 Std R" panose="02020400000000000000" pitchFamily="18" charset="-122"/>
+                <a:ea typeface="Adobe 楷体 Std R" panose="02020400000000000000" pitchFamily="18" charset="-122"/>
+              </a:rPr>
+              <a:t> </a:t>
+            </a:r>
+            <a:r>
+              <a:rPr lang="en-US" altLang="zh-CN" dirty="0" err="1">
+                <a:latin typeface="Adobe 楷体 Std R" panose="02020400000000000000" pitchFamily="18" charset="-122"/>
+                <a:ea typeface="Adobe 楷体 Std R" panose="02020400000000000000" pitchFamily="18" charset="-122"/>
+              </a:rPr>
+              <a:t>path,String</a:t>
+            </a:r>
+            <a:r>
+              <a:rPr lang="en-US" altLang="zh-CN" dirty="0">
+                <a:latin typeface="Adobe 楷体 Std R" panose="02020400000000000000" pitchFamily="18" charset="-122"/>
+                <a:ea typeface="Adobe 楷体 Std R" panose="02020400000000000000" pitchFamily="18" charset="-122"/>
+              </a:rPr>
+              <a:t> </a:t>
+            </a:r>
+            <a:r>
+              <a:rPr lang="en-US" altLang="zh-CN" dirty="0" err="1">
+                <a:latin typeface="Adobe 楷体 Std R" panose="02020400000000000000" pitchFamily="18" charset="-122"/>
+                <a:ea typeface="Adobe 楷体 Std R" panose="02020400000000000000" pitchFamily="18" charset="-122"/>
+              </a:rPr>
+              <a:t>user,String</a:t>
+            </a:r>
+            <a:r>
+              <a:rPr lang="en-US" altLang="zh-CN" dirty="0">
+                <a:latin typeface="Adobe 楷体 Std R" panose="02020400000000000000" pitchFamily="18" charset="-122"/>
+                <a:ea typeface="Adobe 楷体 Std R" panose="02020400000000000000" pitchFamily="18" charset="-122"/>
+              </a:rPr>
+              <a:t> </a:t>
+            </a:r>
+            <a:r>
+              <a:rPr lang="en-US" altLang="zh-CN" dirty="0" err="1">
+                <a:latin typeface="Adobe 楷体 Std R" panose="02020400000000000000" pitchFamily="18" charset="-122"/>
+                <a:ea typeface="Adobe 楷体 Std R" panose="02020400000000000000" pitchFamily="18" charset="-122"/>
+              </a:rPr>
+              <a:t>passwd</a:t>
+            </a:r>
+            <a:r>
+              <a:rPr lang="zh-CN" altLang="en-US" dirty="0">
+                <a:latin typeface="Adobe 楷体 Std R" panose="02020400000000000000" pitchFamily="18" charset="-122"/>
+                <a:ea typeface="Adobe 楷体 Std R" panose="02020400000000000000" pitchFamily="18" charset="-122"/>
+              </a:rPr>
+              <a:t>）</a:t>
+            </a:r>
+            <a:endParaRPr lang="en-US" altLang="zh-CN" dirty="0">
+              <a:latin typeface="Adobe 楷体 Std R" panose="02020400000000000000" pitchFamily="18" charset="-122"/>
+              <a:ea typeface="Adobe 楷体 Std R" panose="02020400000000000000" pitchFamily="18" charset="-122"/>
+            </a:endParaRPr>
+          </a:p>
+          <a:p>
+            <a:pPr lvl="1"/>
+            <a:r>
+              <a:rPr lang="en-US" altLang="zh-CN" dirty="0" err="1">
+                <a:latin typeface="Adobe 楷体 Std R" panose="02020400000000000000" pitchFamily="18" charset="-122"/>
+                <a:ea typeface="Adobe 楷体 Std R" panose="02020400000000000000" pitchFamily="18" charset="-122"/>
+              </a:rPr>
+              <a:t>getConnection</a:t>
+            </a:r>
+            <a:r>
+              <a:rPr lang="en-US" altLang="zh-CN" dirty="0">
+                <a:latin typeface="Adobe 楷体 Std R" panose="02020400000000000000" pitchFamily="18" charset="-122"/>
+                <a:ea typeface="Adobe 楷体 Std R" panose="02020400000000000000" pitchFamily="18" charset="-122"/>
+              </a:rPr>
+              <a:t>(</a:t>
+            </a:r>
+            <a:r>
+              <a:rPr lang="en-US" altLang="zh-CN" dirty="0" err="1">
+                <a:latin typeface="Adobe 楷体 Std R" panose="02020400000000000000" pitchFamily="18" charset="-122"/>
+                <a:ea typeface="Adobe 楷体 Std R" panose="02020400000000000000" pitchFamily="18" charset="-122"/>
+              </a:rPr>
+              <a:t>ConnectParam</a:t>
+            </a:r>
+            <a:r>
+              <a:rPr lang="en-US" altLang="zh-CN" dirty="0">
+                <a:latin typeface="Adobe 楷体 Std R" panose="02020400000000000000" pitchFamily="18" charset="-122"/>
+                <a:ea typeface="Adobe 楷体 Std R" panose="02020400000000000000" pitchFamily="18" charset="-122"/>
+              </a:rPr>
+              <a:t> </a:t>
+            </a:r>
+            <a:r>
+              <a:rPr lang="en-US" altLang="zh-CN" dirty="0" err="1">
+                <a:latin typeface="Adobe 楷体 Std R" panose="02020400000000000000" pitchFamily="18" charset="-122"/>
+                <a:ea typeface="Adobe 楷体 Std R" panose="02020400000000000000" pitchFamily="18" charset="-122"/>
+              </a:rPr>
+              <a:t>param</a:t>
+            </a:r>
+            <a:r>
+              <a:rPr lang="en-US" altLang="zh-CN" dirty="0">
+                <a:latin typeface="Adobe 楷体 Std R" panose="02020400000000000000" pitchFamily="18" charset="-122"/>
+                <a:ea typeface="Adobe 楷体 Std R" panose="02020400000000000000" pitchFamily="18" charset="-122"/>
+              </a:rPr>
+              <a:t>):</a:t>
+            </a:r>
+            <a:r>
+              <a:rPr lang="zh-CN" altLang="en-US" dirty="0">
+                <a:latin typeface="Adobe 楷体 Std R" panose="02020400000000000000" pitchFamily="18" charset="-122"/>
+                <a:ea typeface="Adobe 楷体 Std R" panose="02020400000000000000" pitchFamily="18" charset="-122"/>
+              </a:rPr>
+              <a:t>把参数封装在类中</a:t>
+            </a:r>
+          </a:p>
+          <a:p>
+            <a:pPr lvl="1"/>
+            <a:endParaRPr lang="zh-CN" altLang="en-US" dirty="0"/>
+          </a:p>
+          <a:p>
+            <a:pPr lvl="1"/>
+            <a:endParaRPr lang="zh-CN" altLang="en-US" dirty="0"/>
+          </a:p>
+        </p:txBody>
+      </p:sp>
+    </p:spTree>
+    <p:extLst>
+      <p:ext uri="{BB962C8B-B14F-4D97-AF65-F5344CB8AC3E}">
+        <p14:creationId xmlns:p14="http://schemas.microsoft.com/office/powerpoint/2010/main" val="1690887469"/>
+      </p:ext>
+    </p:extLst>
+  </p:cSld>
+  <p:clrMapOvr>
+    <a:masterClrMapping/>
+  </p:clrMapOvr>
+</p:sld>
+</file>
+
+<file path=ppt/slides/slide21.xml><?xml version="1.0" encoding="utf-8"?>
+<p:sld xmlns:a="http://schemas.openxmlformats.org/drawingml/2006/main" xmlns:r="http://schemas.openxmlformats.org/officeDocument/2006/relationships" xmlns:p="http://schemas.openxmlformats.org/presentationml/2006/main">
+  <p:cSld>
+    <p:spTree>
+      <p:nvGrpSpPr>
+        <p:cNvPr id="1" name=""/>
+        <p:cNvGrpSpPr/>
+        <p:nvPr/>
+      </p:nvGrpSpPr>
+      <p:grpSpPr>
+        <a:xfrm>
+          <a:off x="0" y="0"/>
+          <a:ext cx="0" cy="0"/>
+          <a:chOff x="0" y="0"/>
+          <a:chExt cx="0" cy="0"/>
+        </a:xfrm>
+      </p:grpSpPr>
+      <p:sp>
+        <p:nvSpPr>
+          <p:cNvPr id="2" name="标题 1"/>
+          <p:cNvSpPr>
+            <a:spLocks noGrp="1"/>
+          </p:cNvSpPr>
+          <p:nvPr>
+            <p:ph type="title"/>
+          </p:nvPr>
+        </p:nvSpPr>
+        <p:spPr/>
+        <p:txBody>
+          <a:bodyPr/>
+          <a:lstStyle/>
+          <a:p>
+            <a:r>
               <a:rPr lang="zh-CN" altLang="en-US" dirty="0"/>
+              <a:t>函数</a:t>
+            </a:r>
+          </a:p>
+        </p:txBody>
+      </p:sp>
+      <p:sp>
+        <p:nvSpPr>
+          <p:cNvPr id="3" name="内容占位符 2"/>
+          <p:cNvSpPr>
+            <a:spLocks noGrp="1"/>
+          </p:cNvSpPr>
+          <p:nvPr>
+            <p:ph idx="1"/>
+          </p:nvPr>
+        </p:nvSpPr>
+        <p:spPr/>
+        <p:txBody>
+          <a:bodyPr/>
+          <a:lstStyle/>
+          <a:p>
+            <a:r>
+              <a:rPr lang="zh-CN" altLang="en-US" dirty="0">
+                <a:latin typeface="Adobe 楷体 Std R" panose="02020400000000000000" pitchFamily="18" charset="-122"/>
+                <a:ea typeface="Adobe 楷体 Std R" panose="02020400000000000000" pitchFamily="18" charset="-122"/>
+              </a:rPr>
               <a:t>方法被频繁重写不是好设计</a:t>
             </a:r>
-            <a:endParaRPr lang="en-US" altLang="zh-CN" dirty="0"/>
+            <a:endParaRPr lang="en-US" altLang="zh-CN" dirty="0">
+              <a:latin typeface="Adobe 楷体 Std R" panose="02020400000000000000" pitchFamily="18" charset="-122"/>
+              <a:ea typeface="Adobe 楷体 Std R" panose="02020400000000000000" pitchFamily="18" charset="-122"/>
+            </a:endParaRPr>
           </a:p>
           <a:p>
             <a:pPr lvl="1"/>
             <a:r>
-              <a:rPr lang="zh-CN" altLang="en-US" dirty="0"/>
+              <a:rPr lang="zh-CN" altLang="en-US" dirty="0">
+                <a:latin typeface="Adobe 楷体 Std R" panose="02020400000000000000" pitchFamily="18" charset="-122"/>
+                <a:ea typeface="Adobe 楷体 Std R" panose="02020400000000000000" pitchFamily="18" charset="-122"/>
+              </a:rPr>
               <a:t>如果父类方法频繁被子类重写，考虑把该方法变成抽象方法</a:t>
             </a:r>
-            <a:endParaRPr lang="en-US" altLang="zh-CN" dirty="0"/>
+            <a:endParaRPr lang="en-US" altLang="zh-CN" dirty="0">
+              <a:latin typeface="Adobe 楷体 Std R" panose="02020400000000000000" pitchFamily="18" charset="-122"/>
+              <a:ea typeface="Adobe 楷体 Std R" panose="02020400000000000000" pitchFamily="18" charset="-122"/>
+            </a:endParaRPr>
           </a:p>
           <a:p>
             <a:pPr lvl="1"/>
             <a:r>
-              <a:rPr lang="zh-CN" altLang="en-US" dirty="0"/>
+              <a:rPr lang="zh-CN" altLang="en-US" dirty="0">
+                <a:latin typeface="Adobe 楷体 Std R" panose="02020400000000000000" pitchFamily="18" charset="-122"/>
+                <a:ea typeface="Adobe 楷体 Std R" panose="02020400000000000000" pitchFamily="18" charset="-122"/>
+              </a:rPr>
               <a:t>父类方法应只负责通用的、较少变化的逻辑</a:t>
             </a:r>
-            <a:endParaRPr lang="en-US" altLang="zh-CN" dirty="0"/>
+            <a:endParaRPr lang="en-US" altLang="zh-CN" dirty="0">
+              <a:latin typeface="Adobe 楷体 Std R" panose="02020400000000000000" pitchFamily="18" charset="-122"/>
+              <a:ea typeface="Adobe 楷体 Std R" panose="02020400000000000000" pitchFamily="18" charset="-122"/>
+            </a:endParaRPr>
           </a:p>
           <a:p>
             <a:pPr lvl="3"/>
@@ -10070,7 +10533,7 @@
 </p:sld>
 </file>
 
-<file path=ppt/slides/slide21.xml><?xml version="1.0" encoding="utf-8"?>
+<file path=ppt/slides/slide22.xml><?xml version="1.0" encoding="utf-8"?>
 <p:sld xmlns:a="http://schemas.openxmlformats.org/drawingml/2006/main" xmlns:r="http://schemas.openxmlformats.org/officeDocument/2006/relationships" xmlns:p="http://schemas.openxmlformats.org/presentationml/2006/main">
   <p:cSld>
     <p:spTree>
@@ -10182,452 +10645,6 @@
 </p:sld>
 </file>
 
-<file path=ppt/slides/slide22.xml><?xml version="1.0" encoding="utf-8"?>
-<p:sld xmlns:a="http://schemas.openxmlformats.org/drawingml/2006/main" xmlns:r="http://schemas.openxmlformats.org/officeDocument/2006/relationships" xmlns:p="http://schemas.openxmlformats.org/presentationml/2006/main">
-  <p:cSld>
-    <p:spTree>
-      <p:nvGrpSpPr>
-        <p:cNvPr id="1" name=""/>
-        <p:cNvGrpSpPr/>
-        <p:nvPr/>
-      </p:nvGrpSpPr>
-      <p:grpSpPr>
-        <a:xfrm>
-          <a:off x="0" y="0"/>
-          <a:ext cx="0" cy="0"/>
-          <a:chOff x="0" y="0"/>
-          <a:chExt cx="0" cy="0"/>
-        </a:xfrm>
-      </p:grpSpPr>
-      <p:sp>
-        <p:nvSpPr>
-          <p:cNvPr id="2" name="内容占位符 2"/>
-          <p:cNvSpPr txBox="1">
-            <a:spLocks/>
-          </p:cNvSpPr>
-          <p:nvPr/>
-        </p:nvSpPr>
-        <p:spPr>
-          <a:xfrm>
-            <a:off x="827584" y="2420888"/>
-            <a:ext cx="8229600" cy="3384376"/>
-          </a:xfrm>
-          <a:prstGeom prst="rect">
-            <a:avLst/>
-          </a:prstGeom>
-        </p:spPr>
-        <p:txBody>
-          <a:bodyPr/>
-          <a:lstStyle>
-            <a:lvl1pPr marL="342900" indent="-342900" algn="l" rtl="0" eaLnBrk="0" fontAlgn="base" hangingPunct="0">
-              <a:spcBef>
-                <a:spcPct val="20000"/>
-              </a:spcBef>
-              <a:spcAft>
-                <a:spcPct val="0"/>
-              </a:spcAft>
-              <a:buFont typeface="Arial" charset="0"/>
-              <a:buChar char="•"/>
-              <a:defRPr sz="3200" kern="1200">
-                <a:solidFill>
-                  <a:schemeClr val="tx1"/>
-                </a:solidFill>
-                <a:latin typeface="+mn-lt"/>
-                <a:ea typeface="+mn-ea"/>
-                <a:cs typeface="+mn-cs"/>
-              </a:defRPr>
-            </a:lvl1pPr>
-            <a:lvl2pPr marL="742950" indent="-285750" algn="l" rtl="0" eaLnBrk="0" fontAlgn="base" hangingPunct="0">
-              <a:spcBef>
-                <a:spcPct val="20000"/>
-              </a:spcBef>
-              <a:spcAft>
-                <a:spcPct val="0"/>
-              </a:spcAft>
-              <a:buFont typeface="Arial" charset="0"/>
-              <a:buChar char="–"/>
-              <a:defRPr sz="2800" kern="1200">
-                <a:solidFill>
-                  <a:schemeClr val="tx1"/>
-                </a:solidFill>
-                <a:latin typeface="+mn-lt"/>
-                <a:ea typeface="+mn-ea"/>
-                <a:cs typeface="+mn-cs"/>
-              </a:defRPr>
-            </a:lvl2pPr>
-            <a:lvl3pPr marL="1143000" indent="-228600" algn="l" rtl="0" eaLnBrk="0" fontAlgn="base" hangingPunct="0">
-              <a:spcBef>
-                <a:spcPct val="20000"/>
-              </a:spcBef>
-              <a:spcAft>
-                <a:spcPct val="0"/>
-              </a:spcAft>
-              <a:buFont typeface="Arial" charset="0"/>
-              <a:buChar char="•"/>
-              <a:defRPr sz="2400" kern="1200">
-                <a:solidFill>
-                  <a:schemeClr val="tx1"/>
-                </a:solidFill>
-                <a:latin typeface="+mn-lt"/>
-                <a:ea typeface="+mn-ea"/>
-                <a:cs typeface="+mn-cs"/>
-              </a:defRPr>
-            </a:lvl3pPr>
-            <a:lvl4pPr marL="1600200" indent="-228600" algn="l" rtl="0" eaLnBrk="0" fontAlgn="base" hangingPunct="0">
-              <a:spcBef>
-                <a:spcPct val="20000"/>
-              </a:spcBef>
-              <a:spcAft>
-                <a:spcPct val="0"/>
-              </a:spcAft>
-              <a:buFont typeface="Arial" charset="0"/>
-              <a:buChar char="–"/>
-              <a:defRPr sz="2000" kern="1200">
-                <a:solidFill>
-                  <a:schemeClr val="tx1"/>
-                </a:solidFill>
-                <a:latin typeface="+mn-lt"/>
-                <a:ea typeface="+mn-ea"/>
-                <a:cs typeface="+mn-cs"/>
-              </a:defRPr>
-            </a:lvl4pPr>
-            <a:lvl5pPr marL="2057400" indent="-228600" algn="l" rtl="0" eaLnBrk="0" fontAlgn="base" hangingPunct="0">
-              <a:spcBef>
-                <a:spcPct val="20000"/>
-              </a:spcBef>
-              <a:spcAft>
-                <a:spcPct val="0"/>
-              </a:spcAft>
-              <a:buFont typeface="Arial" charset="0"/>
-              <a:buChar char="»"/>
-              <a:defRPr sz="2000" kern="1200">
-                <a:solidFill>
-                  <a:schemeClr val="tx1"/>
-                </a:solidFill>
-                <a:latin typeface="+mn-lt"/>
-                <a:ea typeface="+mn-ea"/>
-                <a:cs typeface="+mn-cs"/>
-              </a:defRPr>
-            </a:lvl5pPr>
-            <a:lvl6pPr marL="2514600" indent="-228600" algn="l" defTabSz="914400" rtl="0" eaLnBrk="1" latinLnBrk="0" hangingPunct="1">
-              <a:spcBef>
-                <a:spcPct val="20000"/>
-              </a:spcBef>
-              <a:buFont typeface="Arial" pitchFamily="34" charset="0"/>
-              <a:buChar char="•"/>
-              <a:defRPr sz="2000" kern="1200">
-                <a:solidFill>
-                  <a:schemeClr val="tx1"/>
-                </a:solidFill>
-                <a:latin typeface="+mn-lt"/>
-                <a:ea typeface="+mn-ea"/>
-                <a:cs typeface="+mn-cs"/>
-              </a:defRPr>
-            </a:lvl6pPr>
-            <a:lvl7pPr marL="2971800" indent="-228600" algn="l" defTabSz="914400" rtl="0" eaLnBrk="1" latinLnBrk="0" hangingPunct="1">
-              <a:spcBef>
-                <a:spcPct val="20000"/>
-              </a:spcBef>
-              <a:buFont typeface="Arial" pitchFamily="34" charset="0"/>
-              <a:buChar char="•"/>
-              <a:defRPr sz="2000" kern="1200">
-                <a:solidFill>
-                  <a:schemeClr val="tx1"/>
-                </a:solidFill>
-                <a:latin typeface="+mn-lt"/>
-                <a:ea typeface="+mn-ea"/>
-                <a:cs typeface="+mn-cs"/>
-              </a:defRPr>
-            </a:lvl7pPr>
-            <a:lvl8pPr marL="3429000" indent="-228600" algn="l" defTabSz="914400" rtl="0" eaLnBrk="1" latinLnBrk="0" hangingPunct="1">
-              <a:spcBef>
-                <a:spcPct val="20000"/>
-              </a:spcBef>
-              <a:buFont typeface="Arial" pitchFamily="34" charset="0"/>
-              <a:buChar char="•"/>
-              <a:defRPr sz="2000" kern="1200">
-                <a:solidFill>
-                  <a:schemeClr val="tx1"/>
-                </a:solidFill>
-                <a:latin typeface="+mn-lt"/>
-                <a:ea typeface="+mn-ea"/>
-                <a:cs typeface="+mn-cs"/>
-              </a:defRPr>
-            </a:lvl8pPr>
-            <a:lvl9pPr marL="3886200" indent="-228600" algn="l" defTabSz="914400" rtl="0" eaLnBrk="1" latinLnBrk="0" hangingPunct="1">
-              <a:spcBef>
-                <a:spcPct val="20000"/>
-              </a:spcBef>
-              <a:buFont typeface="Arial" pitchFamily="34" charset="0"/>
-              <a:buChar char="•"/>
-              <a:defRPr sz="2000" kern="1200">
-                <a:solidFill>
-                  <a:schemeClr val="tx1"/>
-                </a:solidFill>
-                <a:latin typeface="+mn-lt"/>
-                <a:ea typeface="+mn-ea"/>
-                <a:cs typeface="+mn-cs"/>
-              </a:defRPr>
-            </a:lvl9pPr>
-          </a:lstStyle>
-          <a:p>
-            <a:r>
-              <a:rPr lang="zh-CN" altLang="en-US" dirty="0">
-                <a:latin typeface="Adobe 楷体 Std R" panose="02020400000000000000" pitchFamily="18" charset="-122"/>
-                <a:ea typeface="Adobe 楷体 Std R" panose="02020400000000000000" pitchFamily="18" charset="-122"/>
-              </a:rPr>
-              <a:t>标识符相关</a:t>
-            </a:r>
-            <a:endParaRPr lang="en-US" altLang="zh-CN" dirty="0">
-              <a:latin typeface="Adobe 楷体 Std R" panose="02020400000000000000" pitchFamily="18" charset="-122"/>
-              <a:ea typeface="Adobe 楷体 Std R" panose="02020400000000000000" pitchFamily="18" charset="-122"/>
-            </a:endParaRPr>
-          </a:p>
-          <a:p>
-            <a:r>
-              <a:rPr lang="zh-CN" altLang="en-US" dirty="0">
-                <a:solidFill>
-                  <a:srgbClr val="FF0000"/>
-                </a:solidFill>
-                <a:latin typeface="Adobe 楷体 Std R" panose="02020400000000000000" pitchFamily="18" charset="-122"/>
-                <a:ea typeface="Adobe 楷体 Std R" panose="02020400000000000000" pitchFamily="18" charset="-122"/>
-              </a:rPr>
-              <a:t>注释相关</a:t>
-            </a:r>
-            <a:endParaRPr lang="en-US" altLang="zh-CN" dirty="0">
-              <a:solidFill>
-                <a:srgbClr val="FF0000"/>
-              </a:solidFill>
-              <a:latin typeface="Adobe 楷体 Std R" panose="02020400000000000000" pitchFamily="18" charset="-122"/>
-              <a:ea typeface="Adobe 楷体 Std R" panose="02020400000000000000" pitchFamily="18" charset="-122"/>
-            </a:endParaRPr>
-          </a:p>
-          <a:p>
-            <a:r>
-              <a:rPr lang="zh-CN" altLang="en-US" dirty="0">
-                <a:latin typeface="Adobe 楷体 Std R" panose="02020400000000000000" pitchFamily="18" charset="-122"/>
-                <a:ea typeface="Adobe 楷体 Std R" panose="02020400000000000000" pitchFamily="18" charset="-122"/>
-              </a:rPr>
-              <a:t>逻辑相关</a:t>
-            </a:r>
-            <a:endParaRPr lang="en-US" altLang="zh-CN" dirty="0">
-              <a:latin typeface="Adobe 楷体 Std R" panose="02020400000000000000" pitchFamily="18" charset="-122"/>
-              <a:ea typeface="Adobe 楷体 Std R" panose="02020400000000000000" pitchFamily="18" charset="-122"/>
-            </a:endParaRPr>
-          </a:p>
-          <a:p>
-            <a:r>
-              <a:rPr lang="zh-CN" altLang="en-US" dirty="0">
-                <a:latin typeface="Adobe 楷体 Std R" panose="02020400000000000000" pitchFamily="18" charset="-122"/>
-                <a:ea typeface="Adobe 楷体 Std R" panose="02020400000000000000" pitchFamily="18" charset="-122"/>
-              </a:rPr>
-              <a:t>特殊问题</a:t>
-            </a:r>
-            <a:endParaRPr lang="en-US" altLang="zh-CN" dirty="0">
-              <a:latin typeface="Adobe 楷体 Std R" panose="02020400000000000000" pitchFamily="18" charset="-122"/>
-              <a:ea typeface="Adobe 楷体 Std R" panose="02020400000000000000" pitchFamily="18" charset="-122"/>
-            </a:endParaRPr>
-          </a:p>
-          <a:p>
-            <a:r>
-              <a:rPr lang="zh-CN" altLang="en-US" dirty="0">
-                <a:latin typeface="Adobe 楷体 Std R" panose="02020400000000000000" pitchFamily="18" charset="-122"/>
-                <a:ea typeface="Adobe 楷体 Std R" panose="02020400000000000000" pitchFamily="18" charset="-122"/>
-              </a:rPr>
-              <a:t>异常相关</a:t>
-            </a:r>
-            <a:endParaRPr lang="en-US" altLang="zh-CN" dirty="0">
-              <a:latin typeface="Adobe 楷体 Std R" panose="02020400000000000000" pitchFamily="18" charset="-122"/>
-              <a:ea typeface="Adobe 楷体 Std R" panose="02020400000000000000" pitchFamily="18" charset="-122"/>
-            </a:endParaRPr>
-          </a:p>
-          <a:p>
-            <a:endParaRPr lang="en-US" altLang="zh-CN" sz="1600" dirty="0"/>
-          </a:p>
-        </p:txBody>
-      </p:sp>
-      <p:sp>
-        <p:nvSpPr>
-          <p:cNvPr id="3" name="标题 1"/>
-          <p:cNvSpPr txBox="1">
-            <a:spLocks/>
-          </p:cNvSpPr>
-          <p:nvPr/>
-        </p:nvSpPr>
-        <p:spPr>
-          <a:xfrm>
-            <a:off x="539552" y="1196752"/>
-            <a:ext cx="8208912" cy="952500"/>
-          </a:xfrm>
-          <a:prstGeom prst="rect">
-            <a:avLst/>
-          </a:prstGeom>
-        </p:spPr>
-        <p:txBody>
-          <a:bodyPr/>
-          <a:lstStyle>
-            <a:lvl1pPr algn="ctr" rtl="0" eaLnBrk="0" fontAlgn="base" hangingPunct="0">
-              <a:spcBef>
-                <a:spcPct val="0"/>
-              </a:spcBef>
-              <a:spcAft>
-                <a:spcPct val="0"/>
-              </a:spcAft>
-              <a:defRPr sz="4400" kern="1200">
-                <a:solidFill>
-                  <a:schemeClr val="tx1"/>
-                </a:solidFill>
-                <a:latin typeface="+mj-lt"/>
-                <a:ea typeface="+mj-ea"/>
-                <a:cs typeface="+mj-cs"/>
-              </a:defRPr>
-            </a:lvl1pPr>
-            <a:lvl2pPr algn="ctr" rtl="0" eaLnBrk="0" fontAlgn="base" hangingPunct="0">
-              <a:spcBef>
-                <a:spcPct val="0"/>
-              </a:spcBef>
-              <a:spcAft>
-                <a:spcPct val="0"/>
-              </a:spcAft>
-              <a:defRPr sz="4400">
-                <a:solidFill>
-                  <a:schemeClr val="tx1"/>
-                </a:solidFill>
-                <a:latin typeface="Calibri" pitchFamily="34" charset="0"/>
-                <a:ea typeface="宋体" pitchFamily="2" charset="-122"/>
-              </a:defRPr>
-            </a:lvl2pPr>
-            <a:lvl3pPr algn="ctr" rtl="0" eaLnBrk="0" fontAlgn="base" hangingPunct="0">
-              <a:spcBef>
-                <a:spcPct val="0"/>
-              </a:spcBef>
-              <a:spcAft>
-                <a:spcPct val="0"/>
-              </a:spcAft>
-              <a:defRPr sz="4400">
-                <a:solidFill>
-                  <a:schemeClr val="tx1"/>
-                </a:solidFill>
-                <a:latin typeface="Calibri" pitchFamily="34" charset="0"/>
-                <a:ea typeface="宋体" pitchFamily="2" charset="-122"/>
-              </a:defRPr>
-            </a:lvl3pPr>
-            <a:lvl4pPr algn="ctr" rtl="0" eaLnBrk="0" fontAlgn="base" hangingPunct="0">
-              <a:spcBef>
-                <a:spcPct val="0"/>
-              </a:spcBef>
-              <a:spcAft>
-                <a:spcPct val="0"/>
-              </a:spcAft>
-              <a:defRPr sz="4400">
-                <a:solidFill>
-                  <a:schemeClr val="tx1"/>
-                </a:solidFill>
-                <a:latin typeface="Calibri" pitchFamily="34" charset="0"/>
-                <a:ea typeface="宋体" pitchFamily="2" charset="-122"/>
-              </a:defRPr>
-            </a:lvl4pPr>
-            <a:lvl5pPr algn="ctr" rtl="0" eaLnBrk="0" fontAlgn="base" hangingPunct="0">
-              <a:spcBef>
-                <a:spcPct val="0"/>
-              </a:spcBef>
-              <a:spcAft>
-                <a:spcPct val="0"/>
-              </a:spcAft>
-              <a:defRPr sz="4400">
-                <a:solidFill>
-                  <a:schemeClr val="tx1"/>
-                </a:solidFill>
-                <a:latin typeface="Calibri" pitchFamily="34" charset="0"/>
-                <a:ea typeface="宋体" pitchFamily="2" charset="-122"/>
-              </a:defRPr>
-            </a:lvl5pPr>
-            <a:lvl6pPr marL="457200" algn="ctr" rtl="0" fontAlgn="base">
-              <a:spcBef>
-                <a:spcPct val="0"/>
-              </a:spcBef>
-              <a:spcAft>
-                <a:spcPct val="0"/>
-              </a:spcAft>
-              <a:defRPr sz="4400">
-                <a:solidFill>
-                  <a:schemeClr val="tx1"/>
-                </a:solidFill>
-                <a:latin typeface="Calibri" pitchFamily="34" charset="0"/>
-                <a:ea typeface="宋体" pitchFamily="2" charset="-122"/>
-              </a:defRPr>
-            </a:lvl6pPr>
-            <a:lvl7pPr marL="914400" algn="ctr" rtl="0" fontAlgn="base">
-              <a:spcBef>
-                <a:spcPct val="0"/>
-              </a:spcBef>
-              <a:spcAft>
-                <a:spcPct val="0"/>
-              </a:spcAft>
-              <a:defRPr sz="4400">
-                <a:solidFill>
-                  <a:schemeClr val="tx1"/>
-                </a:solidFill>
-                <a:latin typeface="Calibri" pitchFamily="34" charset="0"/>
-                <a:ea typeface="宋体" pitchFamily="2" charset="-122"/>
-              </a:defRPr>
-            </a:lvl7pPr>
-            <a:lvl8pPr marL="1371600" algn="ctr" rtl="0" fontAlgn="base">
-              <a:spcBef>
-                <a:spcPct val="0"/>
-              </a:spcBef>
-              <a:spcAft>
-                <a:spcPct val="0"/>
-              </a:spcAft>
-              <a:defRPr sz="4400">
-                <a:solidFill>
-                  <a:schemeClr val="tx1"/>
-                </a:solidFill>
-                <a:latin typeface="Calibri" pitchFamily="34" charset="0"/>
-                <a:ea typeface="宋体" pitchFamily="2" charset="-122"/>
-              </a:defRPr>
-            </a:lvl8pPr>
-            <a:lvl9pPr marL="1828800" algn="ctr" rtl="0" fontAlgn="base">
-              <a:spcBef>
-                <a:spcPct val="0"/>
-              </a:spcBef>
-              <a:spcAft>
-                <a:spcPct val="0"/>
-              </a:spcAft>
-              <a:defRPr sz="4400">
-                <a:solidFill>
-                  <a:schemeClr val="tx1"/>
-                </a:solidFill>
-                <a:latin typeface="Calibri" pitchFamily="34" charset="0"/>
-                <a:ea typeface="宋体" pitchFamily="2" charset="-122"/>
-              </a:defRPr>
-            </a:lvl9pPr>
-          </a:lstStyle>
-          <a:p>
-            <a:pPr algn="l"/>
-            <a:r>
-              <a:rPr lang="zh-CN" altLang="en-US" b="1" dirty="0">
-                <a:latin typeface="Adobe 楷体 Std R" panose="02020400000000000000" pitchFamily="18" charset="-122"/>
-                <a:ea typeface="Adobe 楷体 Std R" panose="02020400000000000000" pitchFamily="18" charset="-122"/>
-              </a:rPr>
-              <a:t>目录</a:t>
-            </a:r>
-          </a:p>
-        </p:txBody>
-      </p:sp>
-    </p:spTree>
-    <p:extLst>
-      <p:ext uri="{BB962C8B-B14F-4D97-AF65-F5344CB8AC3E}">
-        <p14:creationId xmlns:p14="http://schemas.microsoft.com/office/powerpoint/2010/main" val="1930703770"/>
-      </p:ext>
-    </p:extLst>
-  </p:cSld>
-  <p:clrMapOvr>
-    <a:masterClrMapping/>
-  </p:clrMapOvr>
-</p:sld>
-</file>
-
 <file path=ppt/slides/slide23.xml><?xml version="1.0" encoding="utf-8"?>
 <p:sld xmlns:a="http://schemas.openxmlformats.org/drawingml/2006/main" xmlns:r="http://schemas.openxmlformats.org/officeDocument/2006/relationships" xmlns:p="http://schemas.openxmlformats.org/presentationml/2006/main">
   <p:cSld>
@@ -10647,153 +10664,424 @@
       </p:grpSpPr>
       <p:sp>
         <p:nvSpPr>
-          <p:cNvPr id="2" name="标题 1"/>
-          <p:cNvSpPr>
-            <a:spLocks noGrp="1"/>
+          <p:cNvPr id="2" name="内容占位符 2"/>
+          <p:cNvSpPr txBox="1">
+            <a:spLocks/>
           </p:cNvSpPr>
-          <p:nvPr>
-            <p:ph type="title"/>
-          </p:nvPr>
-        </p:nvSpPr>
-        <p:spPr/>
-        <p:txBody>
-          <a:bodyPr/>
-          <a:lstStyle/>
-          <a:p>
-            <a:r>
-              <a:rPr lang="en-US" altLang="zh-CN" dirty="0"/>
-              <a:t> </a:t>
-            </a:r>
-            <a:r>
-              <a:rPr lang="zh-CN" altLang="en-US" dirty="0"/>
-              <a:t>注释</a:t>
-            </a:r>
-          </a:p>
-        </p:txBody>
-      </p:sp>
-      <p:sp>
-        <p:nvSpPr>
-          <p:cNvPr id="3" name="内容占位符 2"/>
-          <p:cNvSpPr>
-            <a:spLocks noGrp="1"/>
-          </p:cNvSpPr>
-          <p:nvPr>
-            <p:ph idx="1"/>
-          </p:nvPr>
+          <p:nvPr/>
         </p:nvSpPr>
         <p:spPr>
           <a:xfrm>
-            <a:off x="1204144" y="2420888"/>
-            <a:ext cx="6912768" cy="3180184"/>
+            <a:off x="827584" y="2420888"/>
+            <a:ext cx="8229600" cy="3384376"/>
           </a:xfrm>
+          <a:prstGeom prst="rect">
+            <a:avLst/>
+          </a:prstGeom>
         </p:spPr>
         <p:txBody>
           <a:bodyPr/>
-          <a:lstStyle/>
-          <a:p>
-            <a:r>
-              <a:rPr lang="zh-CN" altLang="en-US" sz="2000" dirty="0"/>
-              <a:t>使代码让人容易读懂</a:t>
-            </a:r>
-            <a:endParaRPr lang="en-US" altLang="zh-CN" sz="2000" dirty="0"/>
-          </a:p>
-          <a:p>
-            <a:pPr marL="685800" lvl="1"/>
-            <a:r>
-              <a:rPr lang="zh-CN" altLang="en-US" sz="1800" dirty="0"/>
-              <a:t>自己可能一段时间后会忘</a:t>
-            </a:r>
-            <a:endParaRPr lang="en-US" altLang="zh-CN" sz="1800" dirty="0"/>
-          </a:p>
-          <a:p>
-            <a:pPr marL="685800" lvl="1"/>
-            <a:r>
-              <a:rPr lang="zh-CN" altLang="en-US" sz="1800" dirty="0"/>
-              <a:t>别人看你的代码的时候，不至于给你打电话</a:t>
-            </a:r>
-            <a:endParaRPr lang="en-US" altLang="zh-CN" sz="1800" dirty="0"/>
-          </a:p>
-          <a:p>
-            <a:pPr marL="0" indent="0">
-              <a:buNone/>
-            </a:pPr>
-            <a:r>
-              <a:rPr lang="en-US" altLang="zh-CN" dirty="0"/>
-              <a:t>/**</a:t>
-            </a:r>
-          </a:p>
-          <a:p>
-            <a:pPr marL="0" indent="0">
-              <a:buNone/>
-            </a:pPr>
-            <a:r>
-              <a:rPr lang="en-US" altLang="zh-CN" dirty="0"/>
-              <a:t> * </a:t>
-            </a:r>
-            <a:r>
-              <a:rPr lang="en-US" altLang="zh-CN" u="sng" dirty="0" err="1"/>
-              <a:t>funtion</a:t>
-            </a:r>
-            <a:r>
-              <a:rPr lang="en-US" altLang="zh-CN" u="sng" dirty="0"/>
-              <a:t> </a:t>
-            </a:r>
-            <a:r>
-              <a:rPr lang="zh-CN" altLang="en-US" u="sng" dirty="0"/>
-              <a:t>注释</a:t>
-            </a:r>
-          </a:p>
-          <a:p>
-            <a:pPr marL="0" indent="0">
-              <a:buNone/>
-            </a:pPr>
-            <a:r>
-              <a:rPr lang="zh-CN" altLang="en-US" dirty="0"/>
-              <a:t> *</a:t>
-            </a:r>
-            <a:r>
-              <a:rPr lang="en-US" altLang="zh-CN" dirty="0"/>
-              <a:t>/</a:t>
-            </a:r>
-          </a:p>
-          <a:p>
-            <a:pPr marL="0" indent="0">
-              <a:buNone/>
-            </a:pPr>
-            <a:r>
-              <a:rPr lang="en-US" altLang="zh-CN" dirty="0"/>
-              <a:t>// </a:t>
-            </a:r>
-            <a:r>
-              <a:rPr lang="en-US" altLang="zh-CN" dirty="0" err="1"/>
-              <a:t>hp</a:t>
-            </a:r>
-            <a:r>
-              <a:rPr lang="zh-CN" altLang="en-US" dirty="0"/>
-              <a:t>就是</a:t>
-            </a:r>
-            <a:r>
-              <a:rPr lang="en-US" altLang="zh-CN" dirty="0"/>
-              <a:t>HP     </a:t>
-            </a:r>
-            <a:r>
-              <a:rPr lang="zh-CN" altLang="en-US" dirty="0"/>
-              <a:t>！ 无意义的注释</a:t>
-            </a:r>
-            <a:endParaRPr lang="en-US" altLang="zh-CN" dirty="0"/>
-          </a:p>
-          <a:p>
-            <a:pPr marL="0" indent="0">
-              <a:buNone/>
-            </a:pPr>
-            <a:endParaRPr lang="zh-CN" altLang="en-US" dirty="0"/>
+          <a:lstStyle>
+            <a:lvl1pPr marL="342900" indent="-342900" algn="l" rtl="0" eaLnBrk="0" fontAlgn="base" hangingPunct="0">
+              <a:spcBef>
+                <a:spcPct val="20000"/>
+              </a:spcBef>
+              <a:spcAft>
+                <a:spcPct val="0"/>
+              </a:spcAft>
+              <a:buFont typeface="Arial" charset="0"/>
+              <a:buChar char="•"/>
+              <a:defRPr sz="3200" kern="1200">
+                <a:solidFill>
+                  <a:schemeClr val="tx1"/>
+                </a:solidFill>
+                <a:latin typeface="+mn-lt"/>
+                <a:ea typeface="+mn-ea"/>
+                <a:cs typeface="+mn-cs"/>
+              </a:defRPr>
+            </a:lvl1pPr>
+            <a:lvl2pPr marL="742950" indent="-285750" algn="l" rtl="0" eaLnBrk="0" fontAlgn="base" hangingPunct="0">
+              <a:spcBef>
+                <a:spcPct val="20000"/>
+              </a:spcBef>
+              <a:spcAft>
+                <a:spcPct val="0"/>
+              </a:spcAft>
+              <a:buFont typeface="Arial" charset="0"/>
+              <a:buChar char="–"/>
+              <a:defRPr sz="2800" kern="1200">
+                <a:solidFill>
+                  <a:schemeClr val="tx1"/>
+                </a:solidFill>
+                <a:latin typeface="+mn-lt"/>
+                <a:ea typeface="+mn-ea"/>
+                <a:cs typeface="+mn-cs"/>
+              </a:defRPr>
+            </a:lvl2pPr>
+            <a:lvl3pPr marL="1143000" indent="-228600" algn="l" rtl="0" eaLnBrk="0" fontAlgn="base" hangingPunct="0">
+              <a:spcBef>
+                <a:spcPct val="20000"/>
+              </a:spcBef>
+              <a:spcAft>
+                <a:spcPct val="0"/>
+              </a:spcAft>
+              <a:buFont typeface="Arial" charset="0"/>
+              <a:buChar char="•"/>
+              <a:defRPr sz="2400" kern="1200">
+                <a:solidFill>
+                  <a:schemeClr val="tx1"/>
+                </a:solidFill>
+                <a:latin typeface="+mn-lt"/>
+                <a:ea typeface="+mn-ea"/>
+                <a:cs typeface="+mn-cs"/>
+              </a:defRPr>
+            </a:lvl3pPr>
+            <a:lvl4pPr marL="1600200" indent="-228600" algn="l" rtl="0" eaLnBrk="0" fontAlgn="base" hangingPunct="0">
+              <a:spcBef>
+                <a:spcPct val="20000"/>
+              </a:spcBef>
+              <a:spcAft>
+                <a:spcPct val="0"/>
+              </a:spcAft>
+              <a:buFont typeface="Arial" charset="0"/>
+              <a:buChar char="–"/>
+              <a:defRPr sz="2000" kern="1200">
+                <a:solidFill>
+                  <a:schemeClr val="tx1"/>
+                </a:solidFill>
+                <a:latin typeface="+mn-lt"/>
+                <a:ea typeface="+mn-ea"/>
+                <a:cs typeface="+mn-cs"/>
+              </a:defRPr>
+            </a:lvl4pPr>
+            <a:lvl5pPr marL="2057400" indent="-228600" algn="l" rtl="0" eaLnBrk="0" fontAlgn="base" hangingPunct="0">
+              <a:spcBef>
+                <a:spcPct val="20000"/>
+              </a:spcBef>
+              <a:spcAft>
+                <a:spcPct val="0"/>
+              </a:spcAft>
+              <a:buFont typeface="Arial" charset="0"/>
+              <a:buChar char="»"/>
+              <a:defRPr sz="2000" kern="1200">
+                <a:solidFill>
+                  <a:schemeClr val="tx1"/>
+                </a:solidFill>
+                <a:latin typeface="+mn-lt"/>
+                <a:ea typeface="+mn-ea"/>
+                <a:cs typeface="+mn-cs"/>
+              </a:defRPr>
+            </a:lvl5pPr>
+            <a:lvl6pPr marL="2514600" indent="-228600" algn="l" defTabSz="914400" rtl="0" eaLnBrk="1" latinLnBrk="0" hangingPunct="1">
+              <a:spcBef>
+                <a:spcPct val="20000"/>
+              </a:spcBef>
+              <a:buFont typeface="Arial" pitchFamily="34" charset="0"/>
+              <a:buChar char="•"/>
+              <a:defRPr sz="2000" kern="1200">
+                <a:solidFill>
+                  <a:schemeClr val="tx1"/>
+                </a:solidFill>
+                <a:latin typeface="+mn-lt"/>
+                <a:ea typeface="+mn-ea"/>
+                <a:cs typeface="+mn-cs"/>
+              </a:defRPr>
+            </a:lvl6pPr>
+            <a:lvl7pPr marL="2971800" indent="-228600" algn="l" defTabSz="914400" rtl="0" eaLnBrk="1" latinLnBrk="0" hangingPunct="1">
+              <a:spcBef>
+                <a:spcPct val="20000"/>
+              </a:spcBef>
+              <a:buFont typeface="Arial" pitchFamily="34" charset="0"/>
+              <a:buChar char="•"/>
+              <a:defRPr sz="2000" kern="1200">
+                <a:solidFill>
+                  <a:schemeClr val="tx1"/>
+                </a:solidFill>
+                <a:latin typeface="+mn-lt"/>
+                <a:ea typeface="+mn-ea"/>
+                <a:cs typeface="+mn-cs"/>
+              </a:defRPr>
+            </a:lvl7pPr>
+            <a:lvl8pPr marL="3429000" indent="-228600" algn="l" defTabSz="914400" rtl="0" eaLnBrk="1" latinLnBrk="0" hangingPunct="1">
+              <a:spcBef>
+                <a:spcPct val="20000"/>
+              </a:spcBef>
+              <a:buFont typeface="Arial" pitchFamily="34" charset="0"/>
+              <a:buChar char="•"/>
+              <a:defRPr sz="2000" kern="1200">
+                <a:solidFill>
+                  <a:schemeClr val="tx1"/>
+                </a:solidFill>
+                <a:latin typeface="+mn-lt"/>
+                <a:ea typeface="+mn-ea"/>
+                <a:cs typeface="+mn-cs"/>
+              </a:defRPr>
+            </a:lvl8pPr>
+            <a:lvl9pPr marL="3886200" indent="-228600" algn="l" defTabSz="914400" rtl="0" eaLnBrk="1" latinLnBrk="0" hangingPunct="1">
+              <a:spcBef>
+                <a:spcPct val="20000"/>
+              </a:spcBef>
+              <a:buFont typeface="Arial" pitchFamily="34" charset="0"/>
+              <a:buChar char="•"/>
+              <a:defRPr sz="2000" kern="1200">
+                <a:solidFill>
+                  <a:schemeClr val="tx1"/>
+                </a:solidFill>
+                <a:latin typeface="+mn-lt"/>
+                <a:ea typeface="+mn-ea"/>
+                <a:cs typeface="+mn-cs"/>
+              </a:defRPr>
+            </a:lvl9pPr>
+          </a:lstStyle>
+          <a:p>
+            <a:r>
+              <a:rPr lang="zh-CN" altLang="en-US" dirty="0">
+                <a:latin typeface="Adobe 楷体 Std R" panose="02020400000000000000" pitchFamily="18" charset="-122"/>
+                <a:ea typeface="Adobe 楷体 Std R" panose="02020400000000000000" pitchFamily="18" charset="-122"/>
+              </a:rPr>
+              <a:t>标识符相关</a:t>
+            </a:r>
+            <a:endParaRPr lang="en-US" altLang="zh-CN" dirty="0">
+              <a:latin typeface="Adobe 楷体 Std R" panose="02020400000000000000" pitchFamily="18" charset="-122"/>
+              <a:ea typeface="Adobe 楷体 Std R" panose="02020400000000000000" pitchFamily="18" charset="-122"/>
+            </a:endParaRPr>
+          </a:p>
+          <a:p>
+            <a:r>
+              <a:rPr lang="zh-CN" altLang="en-US" dirty="0">
+                <a:solidFill>
+                  <a:srgbClr val="FF0000"/>
+                </a:solidFill>
+                <a:latin typeface="Adobe 楷体 Std R" panose="02020400000000000000" pitchFamily="18" charset="-122"/>
+                <a:ea typeface="Adobe 楷体 Std R" panose="02020400000000000000" pitchFamily="18" charset="-122"/>
+              </a:rPr>
+              <a:t>注释相关</a:t>
+            </a:r>
+            <a:endParaRPr lang="en-US" altLang="zh-CN" dirty="0">
+              <a:solidFill>
+                <a:srgbClr val="FF0000"/>
+              </a:solidFill>
+              <a:latin typeface="Adobe 楷体 Std R" panose="02020400000000000000" pitchFamily="18" charset="-122"/>
+              <a:ea typeface="Adobe 楷体 Std R" panose="02020400000000000000" pitchFamily="18" charset="-122"/>
+            </a:endParaRPr>
+          </a:p>
+          <a:p>
+            <a:r>
+              <a:rPr lang="zh-CN" altLang="en-US" dirty="0">
+                <a:latin typeface="Adobe 楷体 Std R" panose="02020400000000000000" pitchFamily="18" charset="-122"/>
+                <a:ea typeface="Adobe 楷体 Std R" panose="02020400000000000000" pitchFamily="18" charset="-122"/>
+              </a:rPr>
+              <a:t>逻辑相关</a:t>
+            </a:r>
+            <a:endParaRPr lang="en-US" altLang="zh-CN" dirty="0">
+              <a:latin typeface="Adobe 楷体 Std R" panose="02020400000000000000" pitchFamily="18" charset="-122"/>
+              <a:ea typeface="Adobe 楷体 Std R" panose="02020400000000000000" pitchFamily="18" charset="-122"/>
+            </a:endParaRPr>
+          </a:p>
+          <a:p>
+            <a:r>
+              <a:rPr lang="zh-CN" altLang="en-US" dirty="0">
+                <a:latin typeface="Adobe 楷体 Std R" panose="02020400000000000000" pitchFamily="18" charset="-122"/>
+                <a:ea typeface="Adobe 楷体 Std R" panose="02020400000000000000" pitchFamily="18" charset="-122"/>
+              </a:rPr>
+              <a:t>特殊问题</a:t>
+            </a:r>
+            <a:endParaRPr lang="en-US" altLang="zh-CN" dirty="0">
+              <a:latin typeface="Adobe 楷体 Std R" panose="02020400000000000000" pitchFamily="18" charset="-122"/>
+              <a:ea typeface="Adobe 楷体 Std R" panose="02020400000000000000" pitchFamily="18" charset="-122"/>
+            </a:endParaRPr>
+          </a:p>
+          <a:p>
+            <a:r>
+              <a:rPr lang="zh-CN" altLang="en-US" dirty="0">
+                <a:latin typeface="Adobe 楷体 Std R" panose="02020400000000000000" pitchFamily="18" charset="-122"/>
+                <a:ea typeface="Adobe 楷体 Std R" panose="02020400000000000000" pitchFamily="18" charset="-122"/>
+              </a:rPr>
+              <a:t>异常相关</a:t>
+            </a:r>
+            <a:endParaRPr lang="en-US" altLang="zh-CN" dirty="0">
+              <a:latin typeface="Adobe 楷体 Std R" panose="02020400000000000000" pitchFamily="18" charset="-122"/>
+              <a:ea typeface="Adobe 楷体 Std R" panose="02020400000000000000" pitchFamily="18" charset="-122"/>
+            </a:endParaRPr>
+          </a:p>
+          <a:p>
+            <a:endParaRPr lang="en-US" altLang="zh-CN" sz="1600" dirty="0"/>
+          </a:p>
+        </p:txBody>
+      </p:sp>
+      <p:sp>
+        <p:nvSpPr>
+          <p:cNvPr id="3" name="标题 1"/>
+          <p:cNvSpPr txBox="1">
+            <a:spLocks/>
+          </p:cNvSpPr>
+          <p:nvPr/>
+        </p:nvSpPr>
+        <p:spPr>
+          <a:xfrm>
+            <a:off x="539552" y="1196752"/>
+            <a:ext cx="8208912" cy="952500"/>
+          </a:xfrm>
+          <a:prstGeom prst="rect">
+            <a:avLst/>
+          </a:prstGeom>
+        </p:spPr>
+        <p:txBody>
+          <a:bodyPr/>
+          <a:lstStyle>
+            <a:lvl1pPr algn="ctr" rtl="0" eaLnBrk="0" fontAlgn="base" hangingPunct="0">
+              <a:spcBef>
+                <a:spcPct val="0"/>
+              </a:spcBef>
+              <a:spcAft>
+                <a:spcPct val="0"/>
+              </a:spcAft>
+              <a:defRPr sz="4400" kern="1200">
+                <a:solidFill>
+                  <a:schemeClr val="tx1"/>
+                </a:solidFill>
+                <a:latin typeface="+mj-lt"/>
+                <a:ea typeface="+mj-ea"/>
+                <a:cs typeface="+mj-cs"/>
+              </a:defRPr>
+            </a:lvl1pPr>
+            <a:lvl2pPr algn="ctr" rtl="0" eaLnBrk="0" fontAlgn="base" hangingPunct="0">
+              <a:spcBef>
+                <a:spcPct val="0"/>
+              </a:spcBef>
+              <a:spcAft>
+                <a:spcPct val="0"/>
+              </a:spcAft>
+              <a:defRPr sz="4400">
+                <a:solidFill>
+                  <a:schemeClr val="tx1"/>
+                </a:solidFill>
+                <a:latin typeface="Calibri" pitchFamily="34" charset="0"/>
+                <a:ea typeface="宋体" pitchFamily="2" charset="-122"/>
+              </a:defRPr>
+            </a:lvl2pPr>
+            <a:lvl3pPr algn="ctr" rtl="0" eaLnBrk="0" fontAlgn="base" hangingPunct="0">
+              <a:spcBef>
+                <a:spcPct val="0"/>
+              </a:spcBef>
+              <a:spcAft>
+                <a:spcPct val="0"/>
+              </a:spcAft>
+              <a:defRPr sz="4400">
+                <a:solidFill>
+                  <a:schemeClr val="tx1"/>
+                </a:solidFill>
+                <a:latin typeface="Calibri" pitchFamily="34" charset="0"/>
+                <a:ea typeface="宋体" pitchFamily="2" charset="-122"/>
+              </a:defRPr>
+            </a:lvl3pPr>
+            <a:lvl4pPr algn="ctr" rtl="0" eaLnBrk="0" fontAlgn="base" hangingPunct="0">
+              <a:spcBef>
+                <a:spcPct val="0"/>
+              </a:spcBef>
+              <a:spcAft>
+                <a:spcPct val="0"/>
+              </a:spcAft>
+              <a:defRPr sz="4400">
+                <a:solidFill>
+                  <a:schemeClr val="tx1"/>
+                </a:solidFill>
+                <a:latin typeface="Calibri" pitchFamily="34" charset="0"/>
+                <a:ea typeface="宋体" pitchFamily="2" charset="-122"/>
+              </a:defRPr>
+            </a:lvl4pPr>
+            <a:lvl5pPr algn="ctr" rtl="0" eaLnBrk="0" fontAlgn="base" hangingPunct="0">
+              <a:spcBef>
+                <a:spcPct val="0"/>
+              </a:spcBef>
+              <a:spcAft>
+                <a:spcPct val="0"/>
+              </a:spcAft>
+              <a:defRPr sz="4400">
+                <a:solidFill>
+                  <a:schemeClr val="tx1"/>
+                </a:solidFill>
+                <a:latin typeface="Calibri" pitchFamily="34" charset="0"/>
+                <a:ea typeface="宋体" pitchFamily="2" charset="-122"/>
+              </a:defRPr>
+            </a:lvl5pPr>
+            <a:lvl6pPr marL="457200" algn="ctr" rtl="0" fontAlgn="base">
+              <a:spcBef>
+                <a:spcPct val="0"/>
+              </a:spcBef>
+              <a:spcAft>
+                <a:spcPct val="0"/>
+              </a:spcAft>
+              <a:defRPr sz="4400">
+                <a:solidFill>
+                  <a:schemeClr val="tx1"/>
+                </a:solidFill>
+                <a:latin typeface="Calibri" pitchFamily="34" charset="0"/>
+                <a:ea typeface="宋体" pitchFamily="2" charset="-122"/>
+              </a:defRPr>
+            </a:lvl6pPr>
+            <a:lvl7pPr marL="914400" algn="ctr" rtl="0" fontAlgn="base">
+              <a:spcBef>
+                <a:spcPct val="0"/>
+              </a:spcBef>
+              <a:spcAft>
+                <a:spcPct val="0"/>
+              </a:spcAft>
+              <a:defRPr sz="4400">
+                <a:solidFill>
+                  <a:schemeClr val="tx1"/>
+                </a:solidFill>
+                <a:latin typeface="Calibri" pitchFamily="34" charset="0"/>
+                <a:ea typeface="宋体" pitchFamily="2" charset="-122"/>
+              </a:defRPr>
+            </a:lvl7pPr>
+            <a:lvl8pPr marL="1371600" algn="ctr" rtl="0" fontAlgn="base">
+              <a:spcBef>
+                <a:spcPct val="0"/>
+              </a:spcBef>
+              <a:spcAft>
+                <a:spcPct val="0"/>
+              </a:spcAft>
+              <a:defRPr sz="4400">
+                <a:solidFill>
+                  <a:schemeClr val="tx1"/>
+                </a:solidFill>
+                <a:latin typeface="Calibri" pitchFamily="34" charset="0"/>
+                <a:ea typeface="宋体" pitchFamily="2" charset="-122"/>
+              </a:defRPr>
+            </a:lvl8pPr>
+            <a:lvl9pPr marL="1828800" algn="ctr" rtl="0" fontAlgn="base">
+              <a:spcBef>
+                <a:spcPct val="0"/>
+              </a:spcBef>
+              <a:spcAft>
+                <a:spcPct val="0"/>
+              </a:spcAft>
+              <a:defRPr sz="4400">
+                <a:solidFill>
+                  <a:schemeClr val="tx1"/>
+                </a:solidFill>
+                <a:latin typeface="Calibri" pitchFamily="34" charset="0"/>
+                <a:ea typeface="宋体" pitchFamily="2" charset="-122"/>
+              </a:defRPr>
+            </a:lvl9pPr>
+          </a:lstStyle>
+          <a:p>
+            <a:pPr algn="l"/>
+            <a:r>
+              <a:rPr lang="zh-CN" altLang="en-US" b="1" dirty="0">
+                <a:latin typeface="Adobe 楷体 Std R" panose="02020400000000000000" pitchFamily="18" charset="-122"/>
+                <a:ea typeface="Adobe 楷体 Std R" panose="02020400000000000000" pitchFamily="18" charset="-122"/>
+              </a:rPr>
+              <a:t>目录</a:t>
+            </a:r>
           </a:p>
         </p:txBody>
       </p:sp>
     </p:spTree>
     <p:extLst>
       <p:ext uri="{BB962C8B-B14F-4D97-AF65-F5344CB8AC3E}">
-        <p14:creationId xmlns:p14="http://schemas.microsoft.com/office/powerpoint/2010/main" val="3011785596"/>
+        <p14:creationId xmlns:p14="http://schemas.microsoft.com/office/powerpoint/2010/main" val="1930703770"/>
       </p:ext>
     </p:extLst>
   </p:cSld>
@@ -10858,20 +11146,64 @@
         </p:nvSpPr>
         <p:spPr>
           <a:xfrm>
-            <a:off x="1763688" y="2492896"/>
-            <a:ext cx="5688632" cy="3312368"/>
+            <a:off x="1204144" y="2420888"/>
+            <a:ext cx="6912768" cy="3180184"/>
           </a:xfrm>
         </p:spPr>
         <p:txBody>
           <a:bodyPr/>
           <a:lstStyle/>
           <a:p>
+            <a:r>
+              <a:rPr lang="zh-CN" altLang="en-US" sz="2000" dirty="0">
+                <a:latin typeface="Adobe 楷体 Std R" panose="02020400000000000000" pitchFamily="18" charset="-122"/>
+                <a:ea typeface="Adobe 楷体 Std R" panose="02020400000000000000" pitchFamily="18" charset="-122"/>
+              </a:rPr>
+              <a:t>使代码让人容易读懂</a:t>
+            </a:r>
+            <a:endParaRPr lang="en-US" altLang="zh-CN" sz="2000" dirty="0">
+              <a:latin typeface="Adobe 楷体 Std R" panose="02020400000000000000" pitchFamily="18" charset="-122"/>
+              <a:ea typeface="Adobe 楷体 Std R" panose="02020400000000000000" pitchFamily="18" charset="-122"/>
+            </a:endParaRPr>
+          </a:p>
+          <a:p>
+            <a:pPr marL="685800" lvl="1"/>
+            <a:r>
+              <a:rPr lang="zh-CN" altLang="en-US" sz="1800" dirty="0">
+                <a:latin typeface="Adobe 楷体 Std R" panose="02020400000000000000" pitchFamily="18" charset="-122"/>
+                <a:ea typeface="Adobe 楷体 Std R" panose="02020400000000000000" pitchFamily="18" charset="-122"/>
+              </a:rPr>
+              <a:t>自己可能一段时间后会忘</a:t>
+            </a:r>
+            <a:endParaRPr lang="en-US" altLang="zh-CN" sz="1800" dirty="0">
+              <a:latin typeface="Adobe 楷体 Std R" panose="02020400000000000000" pitchFamily="18" charset="-122"/>
+              <a:ea typeface="Adobe 楷体 Std R" panose="02020400000000000000" pitchFamily="18" charset="-122"/>
+            </a:endParaRPr>
+          </a:p>
+          <a:p>
+            <a:pPr marL="685800" lvl="1"/>
+            <a:r>
+              <a:rPr lang="zh-CN" altLang="en-US" sz="1800" dirty="0">
+                <a:latin typeface="Adobe 楷体 Std R" panose="02020400000000000000" pitchFamily="18" charset="-122"/>
+                <a:ea typeface="Adobe 楷体 Std R" panose="02020400000000000000" pitchFamily="18" charset="-122"/>
+              </a:rPr>
+              <a:t>别人看你的代码的时候，不至于给你打电话</a:t>
+            </a:r>
+            <a:endParaRPr lang="en-US" altLang="zh-CN" sz="1800" dirty="0">
+              <a:latin typeface="Adobe 楷体 Std R" panose="02020400000000000000" pitchFamily="18" charset="-122"/>
+              <a:ea typeface="Adobe 楷体 Std R" panose="02020400000000000000" pitchFamily="18" charset="-122"/>
+            </a:endParaRPr>
+          </a:p>
+          <a:p>
             <a:pPr marL="0" indent="0">
               <a:buNone/>
             </a:pPr>
             <a:r>
-              <a:rPr lang="en-US" altLang="zh-CN" sz="1600" dirty="0"/>
-              <a:t>////////////////////////////////////////////////</a:t>
+              <a:rPr lang="en-US" altLang="zh-CN" dirty="0">
+                <a:latin typeface="Adobe 楷体 Std R" panose="02020400000000000000" pitchFamily="18" charset="-122"/>
+                <a:ea typeface="Adobe 楷体 Std R" panose="02020400000000000000" pitchFamily="18" charset="-122"/>
+              </a:rPr>
+              <a:t>/**</a:t>
             </a:r>
           </a:p>
           <a:p>
@@ -10879,8 +11211,32 @@
               <a:buNone/>
             </a:pPr>
             <a:r>
-              <a:rPr lang="en-US" altLang="zh-CN" sz="1600" dirty="0"/>
-              <a:t>////////////////////////////////////////////////</a:t>
+              <a:rPr lang="en-US" altLang="zh-CN" dirty="0">
+                <a:latin typeface="Adobe 楷体 Std R" panose="02020400000000000000" pitchFamily="18" charset="-122"/>
+                <a:ea typeface="Adobe 楷体 Std R" panose="02020400000000000000" pitchFamily="18" charset="-122"/>
+              </a:rPr>
+              <a:t> * </a:t>
+            </a:r>
+            <a:r>
+              <a:rPr lang="en-US" altLang="zh-CN" u="sng" dirty="0" err="1">
+                <a:latin typeface="Adobe 楷体 Std R" panose="02020400000000000000" pitchFamily="18" charset="-122"/>
+                <a:ea typeface="Adobe 楷体 Std R" panose="02020400000000000000" pitchFamily="18" charset="-122"/>
+              </a:rPr>
+              <a:t>funtion</a:t>
+            </a:r>
+            <a:r>
+              <a:rPr lang="en-US" altLang="zh-CN" u="sng" dirty="0">
+                <a:latin typeface="Adobe 楷体 Std R" panose="02020400000000000000" pitchFamily="18" charset="-122"/>
+                <a:ea typeface="Adobe 楷体 Std R" panose="02020400000000000000" pitchFamily="18" charset="-122"/>
+              </a:rPr>
+              <a:t> </a:t>
+            </a:r>
+            <a:r>
+              <a:rPr lang="zh-CN" altLang="en-US" u="sng" dirty="0">
+                <a:latin typeface="Adobe 楷体 Std R" panose="02020400000000000000" pitchFamily="18" charset="-122"/>
+                <a:ea typeface="Adobe 楷体 Std R" panose="02020400000000000000" pitchFamily="18" charset="-122"/>
+              </a:rPr>
+              <a:t>注释</a:t>
             </a:r>
           </a:p>
           <a:p>
@@ -10888,19 +11244,18 @@
               <a:buNone/>
             </a:pPr>
             <a:r>
-              <a:rPr lang="en-US" altLang="zh-CN" sz="1600" dirty="0"/>
-              <a:t>// //////////</a:t>
-            </a:r>
-            <a:r>
-              <a:rPr lang="zh-CN" altLang="en-US" sz="1100" dirty="0">
-                <a:latin typeface="Adobe 宋体 Std L" panose="02020300000000000000" pitchFamily="18" charset="-122"/>
-                <a:ea typeface="Adobe 宋体 Std L" panose="02020300000000000000" pitchFamily="18" charset="-122"/>
-              </a:rPr>
-              <a:t>众里寻她千百度的注释</a:t>
-            </a:r>
-            <a:r>
-              <a:rPr lang="en-US" altLang="zh-CN" sz="1600" dirty="0"/>
-              <a:t>/////////</a:t>
+              <a:rPr lang="zh-CN" altLang="en-US" dirty="0">
+                <a:latin typeface="Adobe 楷体 Std R" panose="02020400000000000000" pitchFamily="18" charset="-122"/>
+                <a:ea typeface="Adobe 楷体 Std R" panose="02020400000000000000" pitchFamily="18" charset="-122"/>
+              </a:rPr>
+              <a:t> *</a:t>
+            </a:r>
+            <a:r>
+              <a:rPr lang="en-US" altLang="zh-CN" dirty="0">
+                <a:latin typeface="Adobe 楷体 Std R" panose="02020400000000000000" pitchFamily="18" charset="-122"/>
+                <a:ea typeface="Adobe 楷体 Std R" panose="02020400000000000000" pitchFamily="18" charset="-122"/>
+              </a:rPr>
+              <a:t>/</a:t>
             </a:r>
           </a:p>
           <a:p>
@@ -10908,31 +11263,57 @@
               <a:buNone/>
             </a:pPr>
             <a:r>
-              <a:rPr lang="en-US" altLang="zh-CN" sz="1600" dirty="0"/>
-              <a:t>////////////////////////////////////////////////</a:t>
-            </a:r>
+              <a:rPr lang="en-US" altLang="zh-CN" dirty="0">
+                <a:latin typeface="Adobe 楷体 Std R" panose="02020400000000000000" pitchFamily="18" charset="-122"/>
+                <a:ea typeface="Adobe 楷体 Std R" panose="02020400000000000000" pitchFamily="18" charset="-122"/>
+              </a:rPr>
+              <a:t>// </a:t>
+            </a:r>
+            <a:r>
+              <a:rPr lang="en-US" altLang="zh-CN" dirty="0" err="1">
+                <a:latin typeface="Adobe 楷体 Std R" panose="02020400000000000000" pitchFamily="18" charset="-122"/>
+                <a:ea typeface="Adobe 楷体 Std R" panose="02020400000000000000" pitchFamily="18" charset="-122"/>
+              </a:rPr>
+              <a:t>hp</a:t>
+            </a:r>
+            <a:r>
+              <a:rPr lang="zh-CN" altLang="en-US" dirty="0">
+                <a:latin typeface="Adobe 楷体 Std R" panose="02020400000000000000" pitchFamily="18" charset="-122"/>
+                <a:ea typeface="Adobe 楷体 Std R" panose="02020400000000000000" pitchFamily="18" charset="-122"/>
+              </a:rPr>
+              <a:t>就是</a:t>
+            </a:r>
+            <a:r>
+              <a:rPr lang="en-US" altLang="zh-CN" dirty="0">
+                <a:latin typeface="Adobe 楷体 Std R" panose="02020400000000000000" pitchFamily="18" charset="-122"/>
+                <a:ea typeface="Adobe 楷体 Std R" panose="02020400000000000000" pitchFamily="18" charset="-122"/>
+              </a:rPr>
+              <a:t>HP     </a:t>
+            </a:r>
+            <a:r>
+              <a:rPr lang="zh-CN" altLang="en-US" dirty="0">
+                <a:latin typeface="Adobe 楷体 Std R" panose="02020400000000000000" pitchFamily="18" charset="-122"/>
+                <a:ea typeface="Adobe 楷体 Std R" panose="02020400000000000000" pitchFamily="18" charset="-122"/>
+              </a:rPr>
+              <a:t>！ 无意义的注释</a:t>
+            </a:r>
+            <a:endParaRPr lang="en-US" altLang="zh-CN" dirty="0">
+              <a:latin typeface="Adobe 楷体 Std R" panose="02020400000000000000" pitchFamily="18" charset="-122"/>
+              <a:ea typeface="Adobe 楷体 Std R" panose="02020400000000000000" pitchFamily="18" charset="-122"/>
+            </a:endParaRPr>
           </a:p>
           <a:p>
             <a:pPr marL="0" indent="0">
               <a:buNone/>
             </a:pPr>
-            <a:r>
-              <a:rPr lang="en-US" altLang="zh-CN" sz="1600" dirty="0"/>
-              <a:t>////////////////////////////////////////////////</a:t>
-            </a:r>
-          </a:p>
-          <a:p>
-            <a:pPr marL="0" indent="0">
-              <a:buNone/>
-            </a:pPr>
-            <a:endParaRPr lang="zh-CN" altLang="en-US" sz="1600" dirty="0"/>
+            <a:endParaRPr lang="zh-CN" altLang="en-US" dirty="0"/>
           </a:p>
         </p:txBody>
       </p:sp>
     </p:spTree>
     <p:extLst>
       <p:ext uri="{BB962C8B-B14F-4D97-AF65-F5344CB8AC3E}">
-        <p14:creationId xmlns:p14="http://schemas.microsoft.com/office/powerpoint/2010/main" val="4212088264"/>
+        <p14:creationId xmlns:p14="http://schemas.microsoft.com/office/powerpoint/2010/main" val="3011785596"/>
       </p:ext>
     </p:extLst>
   </p:cSld>
@@ -10987,14 +11368,153 @@
       </p:sp>
       <p:sp>
         <p:nvSpPr>
+          <p:cNvPr id="3" name="内容占位符 2"/>
+          <p:cNvSpPr>
+            <a:spLocks noGrp="1"/>
+          </p:cNvSpPr>
+          <p:nvPr>
+            <p:ph idx="1"/>
+          </p:nvPr>
+        </p:nvSpPr>
+        <p:spPr>
+          <a:xfrm>
+            <a:off x="1763688" y="2492896"/>
+            <a:ext cx="5688632" cy="3312368"/>
+          </a:xfrm>
+        </p:spPr>
+        <p:txBody>
+          <a:bodyPr/>
+          <a:lstStyle/>
+          <a:p>
+            <a:pPr marL="0" indent="0">
+              <a:buNone/>
+            </a:pPr>
+            <a:r>
+              <a:rPr lang="en-US" altLang="zh-CN" sz="1600" dirty="0"/>
+              <a:t>////////////////////////////////////////////////</a:t>
+            </a:r>
+          </a:p>
+          <a:p>
+            <a:pPr marL="0" indent="0">
+              <a:buNone/>
+            </a:pPr>
+            <a:r>
+              <a:rPr lang="en-US" altLang="zh-CN" sz="1600" dirty="0"/>
+              <a:t>////////////////////////////////////////////////</a:t>
+            </a:r>
+          </a:p>
+          <a:p>
+            <a:pPr marL="0" indent="0">
+              <a:buNone/>
+            </a:pPr>
+            <a:r>
+              <a:rPr lang="en-US" altLang="zh-CN" sz="1600" dirty="0"/>
+              <a:t>// //////////</a:t>
+            </a:r>
+            <a:r>
+              <a:rPr lang="zh-CN" altLang="en-US" sz="1100" dirty="0">
+                <a:latin typeface="Adobe 宋体 Std L" panose="02020300000000000000" pitchFamily="18" charset="-122"/>
+                <a:ea typeface="Adobe 宋体 Std L" panose="02020300000000000000" pitchFamily="18" charset="-122"/>
+              </a:rPr>
+              <a:t>众里寻她千百度的注释</a:t>
+            </a:r>
+            <a:r>
+              <a:rPr lang="en-US" altLang="zh-CN" sz="1600" dirty="0"/>
+              <a:t>/////////</a:t>
+            </a:r>
+          </a:p>
+          <a:p>
+            <a:pPr marL="0" indent="0">
+              <a:buNone/>
+            </a:pPr>
+            <a:r>
+              <a:rPr lang="en-US" altLang="zh-CN" sz="1600" dirty="0"/>
+              <a:t>////////////////////////////////////////////////</a:t>
+            </a:r>
+          </a:p>
+          <a:p>
+            <a:pPr marL="0" indent="0">
+              <a:buNone/>
+            </a:pPr>
+            <a:r>
+              <a:rPr lang="en-US" altLang="zh-CN" sz="1600" dirty="0"/>
+              <a:t>////////////////////////////////////////////////</a:t>
+            </a:r>
+          </a:p>
+          <a:p>
+            <a:pPr marL="0" indent="0">
+              <a:buNone/>
+            </a:pPr>
+            <a:endParaRPr lang="zh-CN" altLang="en-US" sz="1600" dirty="0"/>
+          </a:p>
+        </p:txBody>
+      </p:sp>
+    </p:spTree>
+    <p:extLst>
+      <p:ext uri="{BB962C8B-B14F-4D97-AF65-F5344CB8AC3E}">
+        <p14:creationId xmlns:p14="http://schemas.microsoft.com/office/powerpoint/2010/main" val="4212088264"/>
+      </p:ext>
+    </p:extLst>
+  </p:cSld>
+  <p:clrMapOvr>
+    <a:masterClrMapping/>
+  </p:clrMapOvr>
+</p:sld>
+</file>
+
+<file path=ppt/slides/slide26.xml><?xml version="1.0" encoding="utf-8"?>
+<p:sld xmlns:a="http://schemas.openxmlformats.org/drawingml/2006/main" xmlns:r="http://schemas.openxmlformats.org/officeDocument/2006/relationships" xmlns:p="http://schemas.openxmlformats.org/presentationml/2006/main">
+  <p:cSld>
+    <p:spTree>
+      <p:nvGrpSpPr>
+        <p:cNvPr id="1" name=""/>
+        <p:cNvGrpSpPr/>
+        <p:nvPr/>
+      </p:nvGrpSpPr>
+      <p:grpSpPr>
+        <a:xfrm>
+          <a:off x="0" y="0"/>
+          <a:ext cx="0" cy="0"/>
+          <a:chOff x="0" y="0"/>
+          <a:chExt cx="0" cy="0"/>
+        </a:xfrm>
+      </p:grpSpPr>
+      <p:sp>
+        <p:nvSpPr>
+          <p:cNvPr id="2" name="标题 1"/>
+          <p:cNvSpPr>
+            <a:spLocks noGrp="1"/>
+          </p:cNvSpPr>
+          <p:nvPr>
+            <p:ph type="title"/>
+          </p:nvPr>
+        </p:nvSpPr>
+        <p:spPr/>
+        <p:txBody>
+          <a:bodyPr/>
+          <a:lstStyle/>
+          <a:p>
+            <a:r>
+              <a:rPr lang="en-US" altLang="zh-CN" dirty="0"/>
+              <a:t> </a:t>
+            </a:r>
+            <a:r>
+              <a:rPr lang="zh-CN" altLang="en-US" dirty="0"/>
+              <a:t>注释</a:t>
+            </a:r>
+          </a:p>
+        </p:txBody>
+      </p:sp>
+      <p:sp>
+        <p:nvSpPr>
           <p:cNvPr id="4" name="矩形 3"/>
           <p:cNvSpPr/>
           <p:nvPr/>
         </p:nvSpPr>
         <p:spPr>
           <a:xfrm>
-            <a:off x="2987824" y="2839710"/>
-            <a:ext cx="4987776" cy="2585323"/>
+            <a:off x="2725936" y="2884350"/>
+            <a:ext cx="5806504" cy="1754326"/>
           </a:xfrm>
           <a:prstGeom prst="rect">
             <a:avLst/>
@@ -11099,7 +11619,7 @@
         </p:blipFill>
         <p:spPr bwMode="auto">
           <a:xfrm>
-            <a:off x="1141760" y="2996952"/>
+            <a:off x="786400" y="2981517"/>
             <a:ext cx="1584176" cy="1559991"/>
           </a:xfrm>
           <a:prstGeom prst="rect">
@@ -11153,130 +11673,6 @@
 </p:sld>
 </file>
 
-<file path=ppt/slides/slide26.xml><?xml version="1.0" encoding="utf-8"?>
-<p:sld xmlns:a="http://schemas.openxmlformats.org/drawingml/2006/main" xmlns:r="http://schemas.openxmlformats.org/officeDocument/2006/relationships" xmlns:p="http://schemas.openxmlformats.org/presentationml/2006/main">
-  <p:cSld>
-    <p:spTree>
-      <p:nvGrpSpPr>
-        <p:cNvPr id="1" name=""/>
-        <p:cNvGrpSpPr/>
-        <p:nvPr/>
-      </p:nvGrpSpPr>
-      <p:grpSpPr>
-        <a:xfrm>
-          <a:off x="0" y="0"/>
-          <a:ext cx="0" cy="0"/>
-          <a:chOff x="0" y="0"/>
-          <a:chExt cx="0" cy="0"/>
-        </a:xfrm>
-      </p:grpSpPr>
-      <p:sp>
-        <p:nvSpPr>
-          <p:cNvPr id="2" name="标题 1"/>
-          <p:cNvSpPr>
-            <a:spLocks noGrp="1"/>
-          </p:cNvSpPr>
-          <p:nvPr>
-            <p:ph type="title"/>
-          </p:nvPr>
-        </p:nvSpPr>
-        <p:spPr/>
-        <p:txBody>
-          <a:bodyPr/>
-          <a:lstStyle/>
-          <a:p>
-            <a:r>
-              <a:rPr lang="en-US" altLang="zh-CN" dirty="0"/>
-              <a:t> </a:t>
-            </a:r>
-            <a:r>
-              <a:rPr lang="zh-CN" altLang="en-US" dirty="0"/>
-              <a:t>注释</a:t>
-            </a:r>
-          </a:p>
-        </p:txBody>
-      </p:sp>
-      <p:sp>
-        <p:nvSpPr>
-          <p:cNvPr id="5" name="内容占位符 4"/>
-          <p:cNvSpPr>
-            <a:spLocks noGrp="1"/>
-          </p:cNvSpPr>
-          <p:nvPr>
-            <p:ph idx="1"/>
-          </p:nvPr>
-        </p:nvSpPr>
-        <p:spPr>
-          <a:xfrm>
-            <a:off x="2051720" y="2492896"/>
-            <a:ext cx="4752528" cy="3024336"/>
-          </a:xfrm>
-        </p:spPr>
-        <p:txBody>
-          <a:bodyPr/>
-          <a:lstStyle/>
-          <a:p>
-            <a:r>
-              <a:rPr lang="zh-CN" altLang="en-US" dirty="0"/>
-              <a:t>单行注释（短注释）</a:t>
-            </a:r>
-            <a:endParaRPr lang="en-US" altLang="zh-CN" dirty="0"/>
-          </a:p>
-          <a:p>
-            <a:pPr marL="457200" lvl="1" indent="0">
-              <a:buNone/>
-            </a:pPr>
-            <a:r>
-              <a:rPr lang="en-US" altLang="zh-CN" dirty="0"/>
-              <a:t>//……  </a:t>
-            </a:r>
-          </a:p>
-          <a:p>
-            <a:r>
-              <a:rPr lang="zh-CN" altLang="en-US" dirty="0"/>
-              <a:t>多行注释（块注释）</a:t>
-            </a:r>
-            <a:endParaRPr lang="en-US" altLang="zh-CN" dirty="0"/>
-          </a:p>
-          <a:p>
-            <a:pPr marL="457200" lvl="1" indent="0">
-              <a:buNone/>
-            </a:pPr>
-            <a:r>
-              <a:rPr lang="en-US" altLang="zh-CN" dirty="0"/>
-              <a:t>/*</a:t>
-            </a:r>
-          </a:p>
-          <a:p>
-            <a:pPr marL="457200" lvl="1" indent="0">
-              <a:buNone/>
-            </a:pPr>
-            <a:endParaRPr lang="en-US" altLang="zh-CN" dirty="0"/>
-          </a:p>
-          <a:p>
-            <a:pPr marL="457200" lvl="1" indent="0">
-              <a:buNone/>
-            </a:pPr>
-            <a:r>
-              <a:rPr lang="en-US" altLang="zh-CN" dirty="0"/>
-              <a:t>*/</a:t>
-            </a:r>
-          </a:p>
-        </p:txBody>
-      </p:sp>
-    </p:spTree>
-    <p:extLst>
-      <p:ext uri="{BB962C8B-B14F-4D97-AF65-F5344CB8AC3E}">
-        <p14:creationId xmlns:p14="http://schemas.microsoft.com/office/powerpoint/2010/main" val="2583775805"/>
-      </p:ext>
-    </p:extLst>
-  </p:cSld>
-  <p:clrMapOvr>
-    <a:masterClrMapping/>
-  </p:clrMapOvr>
-</p:sld>
-</file>
-
 <file path=ppt/slides/slide27.xml><?xml version="1.0" encoding="utf-8"?>
 <p:sld xmlns:a="http://schemas.openxmlformats.org/drawingml/2006/main" xmlns:r="http://schemas.openxmlformats.org/officeDocument/2006/relationships" xmlns:p="http://schemas.openxmlformats.org/presentationml/2006/main">
   <p:cSld>
@@ -11310,6 +11706,10 @@
           <a:lstStyle/>
           <a:p>
             <a:r>
+              <a:rPr lang="en-US" altLang="zh-CN" dirty="0"/>
+              <a:t> </a:t>
+            </a:r>
+            <a:r>
               <a:rPr lang="zh-CN" altLang="en-US" dirty="0"/>
               <a:t>注释</a:t>
             </a:r>
@@ -11328,6 +11728,150 @@
         </p:nvSpPr>
         <p:spPr>
           <a:xfrm>
+            <a:off x="2051720" y="2492896"/>
+            <a:ext cx="4752528" cy="3024336"/>
+          </a:xfrm>
+        </p:spPr>
+        <p:txBody>
+          <a:bodyPr/>
+          <a:lstStyle/>
+          <a:p>
+            <a:r>
+              <a:rPr lang="zh-CN" altLang="en-US" dirty="0">
+                <a:latin typeface="Adobe 楷体 Std R" panose="02020400000000000000" pitchFamily="18" charset="-122"/>
+                <a:ea typeface="Adobe 楷体 Std R" panose="02020400000000000000" pitchFamily="18" charset="-122"/>
+              </a:rPr>
+              <a:t>单行注释（短注释）</a:t>
+            </a:r>
+            <a:endParaRPr lang="en-US" altLang="zh-CN" dirty="0">
+              <a:latin typeface="Adobe 楷体 Std R" panose="02020400000000000000" pitchFamily="18" charset="-122"/>
+              <a:ea typeface="Adobe 楷体 Std R" panose="02020400000000000000" pitchFamily="18" charset="-122"/>
+            </a:endParaRPr>
+          </a:p>
+          <a:p>
+            <a:pPr marL="457200" lvl="1" indent="0">
+              <a:buNone/>
+            </a:pPr>
+            <a:r>
+              <a:rPr lang="en-US" altLang="zh-CN" dirty="0">
+                <a:latin typeface="Adobe 楷体 Std R" panose="02020400000000000000" pitchFamily="18" charset="-122"/>
+                <a:ea typeface="Adobe 楷体 Std R" panose="02020400000000000000" pitchFamily="18" charset="-122"/>
+              </a:rPr>
+              <a:t>//……  </a:t>
+            </a:r>
+          </a:p>
+          <a:p>
+            <a:r>
+              <a:rPr lang="zh-CN" altLang="en-US" dirty="0">
+                <a:latin typeface="Adobe 楷体 Std R" panose="02020400000000000000" pitchFamily="18" charset="-122"/>
+                <a:ea typeface="Adobe 楷体 Std R" panose="02020400000000000000" pitchFamily="18" charset="-122"/>
+              </a:rPr>
+              <a:t>多行注释（块注释）</a:t>
+            </a:r>
+            <a:endParaRPr lang="en-US" altLang="zh-CN" dirty="0">
+              <a:latin typeface="Adobe 楷体 Std R" panose="02020400000000000000" pitchFamily="18" charset="-122"/>
+              <a:ea typeface="Adobe 楷体 Std R" panose="02020400000000000000" pitchFamily="18" charset="-122"/>
+            </a:endParaRPr>
+          </a:p>
+          <a:p>
+            <a:pPr marL="457200" lvl="1" indent="0">
+              <a:buNone/>
+            </a:pPr>
+            <a:r>
+              <a:rPr lang="en-US" altLang="zh-CN" dirty="0">
+                <a:latin typeface="Adobe 楷体 Std R" panose="02020400000000000000" pitchFamily="18" charset="-122"/>
+                <a:ea typeface="Adobe 楷体 Std R" panose="02020400000000000000" pitchFamily="18" charset="-122"/>
+              </a:rPr>
+              <a:t>/*</a:t>
+            </a:r>
+          </a:p>
+          <a:p>
+            <a:pPr marL="457200" lvl="1" indent="0">
+              <a:buNone/>
+            </a:pPr>
+            <a:endParaRPr lang="en-US" altLang="zh-CN" dirty="0">
+              <a:latin typeface="Adobe 楷体 Std R" panose="02020400000000000000" pitchFamily="18" charset="-122"/>
+              <a:ea typeface="Adobe 楷体 Std R" panose="02020400000000000000" pitchFamily="18" charset="-122"/>
+            </a:endParaRPr>
+          </a:p>
+          <a:p>
+            <a:pPr marL="457200" lvl="1" indent="0">
+              <a:buNone/>
+            </a:pPr>
+            <a:r>
+              <a:rPr lang="en-US" altLang="zh-CN" dirty="0">
+                <a:latin typeface="Adobe 楷体 Std R" panose="02020400000000000000" pitchFamily="18" charset="-122"/>
+                <a:ea typeface="Adobe 楷体 Std R" panose="02020400000000000000" pitchFamily="18" charset="-122"/>
+              </a:rPr>
+              <a:t>*/</a:t>
+            </a:r>
+          </a:p>
+        </p:txBody>
+      </p:sp>
+    </p:spTree>
+    <p:extLst>
+      <p:ext uri="{BB962C8B-B14F-4D97-AF65-F5344CB8AC3E}">
+        <p14:creationId xmlns:p14="http://schemas.microsoft.com/office/powerpoint/2010/main" val="2583775805"/>
+      </p:ext>
+    </p:extLst>
+  </p:cSld>
+  <p:clrMapOvr>
+    <a:masterClrMapping/>
+  </p:clrMapOvr>
+</p:sld>
+</file>
+
+<file path=ppt/slides/slide28.xml><?xml version="1.0" encoding="utf-8"?>
+<p:sld xmlns:a="http://schemas.openxmlformats.org/drawingml/2006/main" xmlns:r="http://schemas.openxmlformats.org/officeDocument/2006/relationships" xmlns:p="http://schemas.openxmlformats.org/presentationml/2006/main">
+  <p:cSld>
+    <p:spTree>
+      <p:nvGrpSpPr>
+        <p:cNvPr id="1" name=""/>
+        <p:cNvGrpSpPr/>
+        <p:nvPr/>
+      </p:nvGrpSpPr>
+      <p:grpSpPr>
+        <a:xfrm>
+          <a:off x="0" y="0"/>
+          <a:ext cx="0" cy="0"/>
+          <a:chOff x="0" y="0"/>
+          <a:chExt cx="0" cy="0"/>
+        </a:xfrm>
+      </p:grpSpPr>
+      <p:sp>
+        <p:nvSpPr>
+          <p:cNvPr id="2" name="标题 1"/>
+          <p:cNvSpPr>
+            <a:spLocks noGrp="1"/>
+          </p:cNvSpPr>
+          <p:nvPr>
+            <p:ph type="title"/>
+          </p:nvPr>
+        </p:nvSpPr>
+        <p:spPr/>
+        <p:txBody>
+          <a:bodyPr/>
+          <a:lstStyle/>
+          <a:p>
+            <a:r>
+              <a:rPr lang="zh-CN" altLang="en-US" dirty="0"/>
+              <a:t>注释</a:t>
+            </a:r>
+          </a:p>
+        </p:txBody>
+      </p:sp>
+      <p:sp>
+        <p:nvSpPr>
+          <p:cNvPr id="5" name="内容占位符 4"/>
+          <p:cNvSpPr>
+            <a:spLocks noGrp="1"/>
+          </p:cNvSpPr>
+          <p:nvPr>
+            <p:ph idx="1"/>
+          </p:nvPr>
+        </p:nvSpPr>
+        <p:spPr>
+          <a:xfrm>
             <a:off x="1176338" y="2420888"/>
             <a:ext cx="6912768" cy="3771900"/>
           </a:xfrm>
@@ -11337,93 +11881,153 @@
           <a:lstStyle/>
           <a:p>
             <a:r>
-              <a:rPr lang="zh-CN" altLang="en-US" dirty="0"/>
+              <a:rPr lang="zh-CN" altLang="en-US" dirty="0">
+                <a:latin typeface="Adobe 楷体 Std R" panose="02020400000000000000" pitchFamily="18" charset="-122"/>
+                <a:ea typeface="Adobe 楷体 Std R" panose="02020400000000000000" pitchFamily="18" charset="-122"/>
+              </a:rPr>
               <a:t>源码文件头注释</a:t>
             </a:r>
-            <a:endParaRPr lang="en-US" altLang="zh-CN" dirty="0"/>
+            <a:endParaRPr lang="en-US" altLang="zh-CN" dirty="0">
+              <a:latin typeface="Adobe 楷体 Std R" panose="02020400000000000000" pitchFamily="18" charset="-122"/>
+              <a:ea typeface="Adobe 楷体 Std R" panose="02020400000000000000" pitchFamily="18" charset="-122"/>
+            </a:endParaRPr>
           </a:p>
           <a:p>
             <a:pPr marL="857250" lvl="2" indent="0">
               <a:buNone/>
             </a:pPr>
             <a:r>
-              <a:rPr lang="en-US" altLang="zh-CN" dirty="0"/>
+              <a:rPr lang="en-US" altLang="zh-CN" dirty="0">
+                <a:latin typeface="Adobe 楷体 Std R" panose="02020400000000000000" pitchFamily="18" charset="-122"/>
+                <a:ea typeface="Adobe 楷体 Std R" panose="02020400000000000000" pitchFamily="18" charset="-122"/>
+              </a:rPr>
               <a:t>/</a:t>
             </a:r>
             <a:r>
-              <a:rPr lang="zh-CN" altLang="en-US" dirty="0"/>
+              <a:rPr lang="zh-CN" altLang="en-US" dirty="0">
+                <a:latin typeface="Adobe 楷体 Std R" panose="02020400000000000000" pitchFamily="18" charset="-122"/>
+                <a:ea typeface="Adobe 楷体 Std R" panose="02020400000000000000" pitchFamily="18" charset="-122"/>
+              </a:rPr>
               <a:t>**</a:t>
             </a:r>
-            <a:endParaRPr lang="en-US" altLang="zh-CN" dirty="0"/>
+            <a:endParaRPr lang="en-US" altLang="zh-CN" dirty="0">
+              <a:latin typeface="Adobe 楷体 Std R" panose="02020400000000000000" pitchFamily="18" charset="-122"/>
+              <a:ea typeface="Adobe 楷体 Std R" panose="02020400000000000000" pitchFamily="18" charset="-122"/>
+            </a:endParaRPr>
           </a:p>
           <a:p>
             <a:pPr marL="857250" lvl="2" indent="0">
               <a:buNone/>
             </a:pPr>
             <a:r>
-              <a:rPr lang="zh-CN" altLang="en-US" dirty="0"/>
+              <a:rPr lang="zh-CN" altLang="en-US" dirty="0">
+                <a:latin typeface="Adobe 楷体 Std R" panose="02020400000000000000" pitchFamily="18" charset="-122"/>
+                <a:ea typeface="Adobe 楷体 Std R" panose="02020400000000000000" pitchFamily="18" charset="-122"/>
+              </a:rPr>
               <a:t>*</a:t>
             </a:r>
             <a:r>
-              <a:rPr lang="en-US" altLang="zh-CN" dirty="0"/>
+              <a:rPr lang="en-US" altLang="zh-CN" dirty="0">
+                <a:latin typeface="Adobe 楷体 Std R" panose="02020400000000000000" pitchFamily="18" charset="-122"/>
+                <a:ea typeface="Adobe 楷体 Std R" panose="02020400000000000000" pitchFamily="18" charset="-122"/>
+              </a:rPr>
               <a:t>Class</a:t>
             </a:r>
             <a:r>
-              <a:rPr lang="zh-CN" altLang="en-US" dirty="0"/>
+              <a:rPr lang="zh-CN" altLang="en-US" dirty="0">
+                <a:latin typeface="Adobe 楷体 Std R" panose="02020400000000000000" pitchFamily="18" charset="-122"/>
+                <a:ea typeface="Adobe 楷体 Std R" panose="02020400000000000000" pitchFamily="18" charset="-122"/>
+              </a:rPr>
               <a:t>：</a:t>
             </a:r>
             <a:r>
-              <a:rPr lang="en-US" altLang="zh-CN" dirty="0" err="1"/>
+              <a:rPr lang="en-US" altLang="zh-CN" dirty="0" err="1">
+                <a:latin typeface="Adobe 楷体 Std R" panose="02020400000000000000" pitchFamily="18" charset="-122"/>
+                <a:ea typeface="Adobe 楷体 Std R" panose="02020400000000000000" pitchFamily="18" charset="-122"/>
+              </a:rPr>
               <a:t>classname</a:t>
             </a:r>
-            <a:endParaRPr lang="en-US" altLang="zh-CN" dirty="0"/>
+            <a:endParaRPr lang="en-US" altLang="zh-CN" dirty="0">
+              <a:latin typeface="Adobe 楷体 Std R" panose="02020400000000000000" pitchFamily="18" charset="-122"/>
+              <a:ea typeface="Adobe 楷体 Std R" panose="02020400000000000000" pitchFamily="18" charset="-122"/>
+            </a:endParaRPr>
           </a:p>
           <a:p>
             <a:pPr marL="857250" lvl="2" indent="0">
               <a:buNone/>
             </a:pPr>
             <a:r>
-              <a:rPr lang="zh-CN" altLang="en-US" dirty="0"/>
+              <a:rPr lang="zh-CN" altLang="en-US" dirty="0">
+                <a:latin typeface="Adobe 楷体 Std R" panose="02020400000000000000" pitchFamily="18" charset="-122"/>
+                <a:ea typeface="Adobe 楷体 Std R" panose="02020400000000000000" pitchFamily="18" charset="-122"/>
+              </a:rPr>
               <a:t>*</a:t>
             </a:r>
             <a:r>
-              <a:rPr lang="en-US" altLang="zh-CN" dirty="0"/>
+              <a:rPr lang="en-US" altLang="zh-CN" dirty="0">
+                <a:latin typeface="Adobe 楷体 Std R" panose="02020400000000000000" pitchFamily="18" charset="-122"/>
+                <a:ea typeface="Adobe 楷体 Std R" panose="02020400000000000000" pitchFamily="18" charset="-122"/>
+              </a:rPr>
               <a:t>Package</a:t>
             </a:r>
             <a:r>
-              <a:rPr lang="zh-CN" altLang="en-US" dirty="0"/>
+              <a:rPr lang="zh-CN" altLang="en-US" dirty="0">
+                <a:latin typeface="Adobe 楷体 Std R" panose="02020400000000000000" pitchFamily="18" charset="-122"/>
+                <a:ea typeface="Adobe 楷体 Std R" panose="02020400000000000000" pitchFamily="18" charset="-122"/>
+              </a:rPr>
               <a:t>：</a:t>
             </a:r>
             <a:r>
-              <a:rPr lang="en-US" altLang="zh-CN" dirty="0" err="1"/>
+              <a:rPr lang="en-US" altLang="zh-CN" dirty="0" err="1">
+                <a:latin typeface="Adobe 楷体 Std R" panose="02020400000000000000" pitchFamily="18" charset="-122"/>
+                <a:ea typeface="Adobe 楷体 Std R" panose="02020400000000000000" pitchFamily="18" charset="-122"/>
+              </a:rPr>
               <a:t>packagename</a:t>
             </a:r>
-            <a:endParaRPr lang="en-US" altLang="zh-CN" dirty="0"/>
+            <a:endParaRPr lang="en-US" altLang="zh-CN" dirty="0">
+              <a:latin typeface="Adobe 楷体 Std R" panose="02020400000000000000" pitchFamily="18" charset="-122"/>
+              <a:ea typeface="Adobe 楷体 Std R" panose="02020400000000000000" pitchFamily="18" charset="-122"/>
+            </a:endParaRPr>
           </a:p>
           <a:p>
             <a:pPr marL="857250" lvl="2" indent="0">
               <a:buNone/>
             </a:pPr>
             <a:r>
-              <a:rPr lang="zh-CN" altLang="en-US" dirty="0"/>
+              <a:rPr lang="zh-CN" altLang="en-US" dirty="0">
+                <a:latin typeface="Adobe 楷体 Std R" panose="02020400000000000000" pitchFamily="18" charset="-122"/>
+                <a:ea typeface="Adobe 楷体 Std R" panose="02020400000000000000" pitchFamily="18" charset="-122"/>
+              </a:rPr>
               <a:t>*</a:t>
             </a:r>
-            <a:endParaRPr lang="en-US" altLang="zh-CN" dirty="0"/>
+            <a:endParaRPr lang="en-US" altLang="zh-CN" dirty="0">
+              <a:latin typeface="Adobe 楷体 Std R" panose="02020400000000000000" pitchFamily="18" charset="-122"/>
+              <a:ea typeface="Adobe 楷体 Std R" panose="02020400000000000000" pitchFamily="18" charset="-122"/>
+            </a:endParaRPr>
           </a:p>
           <a:p>
             <a:pPr marL="857250" lvl="2" indent="0">
               <a:buNone/>
             </a:pPr>
             <a:r>
-              <a:rPr lang="en-US" altLang="zh-CN" dirty="0"/>
+              <a:rPr lang="en-US" altLang="zh-CN" dirty="0">
+                <a:latin typeface="Adobe 楷体 Std R" panose="02020400000000000000" pitchFamily="18" charset="-122"/>
+                <a:ea typeface="Adobe 楷体 Std R" panose="02020400000000000000" pitchFamily="18" charset="-122"/>
+              </a:rPr>
               <a:t>*</a:t>
             </a:r>
             <a:r>
-              <a:rPr lang="en-US" altLang="zh-CN" dirty="0" err="1"/>
+              <a:rPr lang="en-US" altLang="zh-CN" dirty="0" err="1">
+                <a:latin typeface="Adobe 楷体 Std R" panose="02020400000000000000" pitchFamily="18" charset="-122"/>
+                <a:ea typeface="Adobe 楷体 Std R" panose="02020400000000000000" pitchFamily="18" charset="-122"/>
+              </a:rPr>
               <a:t>ver</a:t>
             </a:r>
             <a:r>
-              <a:rPr lang="en-US" altLang="zh-CN" dirty="0"/>
+              <a:rPr lang="en-US" altLang="zh-CN" dirty="0">
+                <a:latin typeface="Adobe 楷体 Std R" panose="02020400000000000000" pitchFamily="18" charset="-122"/>
+                <a:ea typeface="Adobe 楷体 Std R" panose="02020400000000000000" pitchFamily="18" charset="-122"/>
+              </a:rPr>
               <a:t>           date           author</a:t>
             </a:r>
           </a:p>
@@ -11432,21 +12036,33 @@
               <a:buNone/>
             </a:pPr>
             <a:r>
-              <a:rPr lang="en-US" altLang="zh-CN" dirty="0"/>
+              <a:rPr lang="en-US" altLang="zh-CN" dirty="0">
+                <a:latin typeface="Adobe 楷体 Std R" panose="02020400000000000000" pitchFamily="18" charset="-122"/>
+                <a:ea typeface="Adobe 楷体 Std R" panose="02020400000000000000" pitchFamily="18" charset="-122"/>
+              </a:rPr>
               <a:t>*1.0     2015-03-09    </a:t>
             </a:r>
             <a:r>
-              <a:rPr lang="en-US" altLang="zh-CN" dirty="0" err="1"/>
+              <a:rPr lang="en-US" altLang="zh-CN" dirty="0" err="1">
+                <a:latin typeface="Adobe 楷体 Std R" panose="02020400000000000000" pitchFamily="18" charset="-122"/>
+                <a:ea typeface="Adobe 楷体 Std R" panose="02020400000000000000" pitchFamily="18" charset="-122"/>
+              </a:rPr>
               <a:t>authorname</a:t>
             </a:r>
-            <a:endParaRPr lang="en-US" altLang="zh-CN" dirty="0"/>
+            <a:endParaRPr lang="en-US" altLang="zh-CN" dirty="0">
+              <a:latin typeface="Adobe 楷体 Std R" panose="02020400000000000000" pitchFamily="18" charset="-122"/>
+              <a:ea typeface="Adobe 楷体 Std R" panose="02020400000000000000" pitchFamily="18" charset="-122"/>
+            </a:endParaRPr>
           </a:p>
           <a:p>
             <a:pPr marL="857250" lvl="2" indent="0">
               <a:buNone/>
             </a:pPr>
             <a:r>
-              <a:rPr lang="en-US" altLang="zh-CN" dirty="0"/>
+              <a:rPr lang="en-US" altLang="zh-CN" dirty="0">
+                <a:latin typeface="Adobe 楷体 Std R" panose="02020400000000000000" pitchFamily="18" charset="-122"/>
+                <a:ea typeface="Adobe 楷体 Std R" panose="02020400000000000000" pitchFamily="18" charset="-122"/>
+              </a:rPr>
               <a:t>*Copyright(c) 2015,LEDO All Rights Reserved</a:t>
             </a:r>
           </a:p>
@@ -11455,7 +12071,10 @@
               <a:buNone/>
             </a:pPr>
             <a:r>
-              <a:rPr lang="en-US" altLang="zh-CN" dirty="0"/>
+              <a:rPr lang="en-US" altLang="zh-CN" dirty="0">
+                <a:latin typeface="Adobe 楷体 Std R" panose="02020400000000000000" pitchFamily="18" charset="-122"/>
+                <a:ea typeface="Adobe 楷体 Std R" panose="02020400000000000000" pitchFamily="18" charset="-122"/>
+              </a:rPr>
               <a:t>*/</a:t>
             </a:r>
           </a:p>
@@ -11474,7 +12093,7 @@
 </p:sld>
 </file>
 
-<file path=ppt/slides/slide28.xml><?xml version="1.0" encoding="utf-8"?>
+<file path=ppt/slides/slide29.xml><?xml version="1.0" encoding="utf-8"?>
 <p:sld xmlns:a="http://schemas.openxmlformats.org/drawingml/2006/main" xmlns:r="http://schemas.openxmlformats.org/officeDocument/2006/relationships" xmlns:p="http://schemas.openxmlformats.org/presentationml/2006/main">
   <p:cSld>
     <p:spTree>
@@ -11633,7 +12252,7 @@
 </p:sld>
 </file>
 
-<file path=ppt/slides/slide29.xml><?xml version="1.0" encoding="utf-8"?>
+<file path=ppt/slides/slide3.xml><?xml version="1.0" encoding="utf-8"?>
 <p:sld xmlns:a="http://schemas.openxmlformats.org/drawingml/2006/main" xmlns:r="http://schemas.openxmlformats.org/officeDocument/2006/relationships" xmlns:p="http://schemas.openxmlformats.org/presentationml/2006/main">
   <p:cSld>
     <p:spTree>
@@ -11665,7 +12284,20 @@
           <a:bodyPr/>
           <a:lstStyle/>
           <a:p>
-            <a:endParaRPr lang="zh-CN" altLang="en-US"/>
+            <a:r>
+              <a:rPr lang="en-US" altLang="zh-CN" dirty="0">
+                <a:latin typeface="Adobe 黑体 Std R" panose="020B0400000000000000" pitchFamily="34" charset="-122"/>
+                <a:ea typeface="Adobe 黑体 Std R" panose="020B0400000000000000" pitchFamily="34" charset="-122"/>
+              </a:rPr>
+              <a:t> C++</a:t>
+            </a:r>
+            <a:r>
+              <a:rPr lang="zh-CN" altLang="en-US" dirty="0">
+                <a:latin typeface="Adobe 黑体 Std R" panose="020B0400000000000000" pitchFamily="34" charset="-122"/>
+                <a:ea typeface="Adobe 黑体 Std R" panose="020B0400000000000000" pitchFamily="34" charset="-122"/>
+              </a:rPr>
+              <a:t>标识符</a:t>
+            </a:r>
           </a:p>
         </p:txBody>
       </p:sp>
@@ -11681,8 +12313,202 @@
         </p:nvSpPr>
         <p:spPr>
           <a:xfrm>
+            <a:off x="1475656" y="2492896"/>
+            <a:ext cx="6048672" cy="3240360"/>
+          </a:xfrm>
+        </p:spPr>
+        <p:txBody>
+          <a:bodyPr/>
+          <a:lstStyle/>
+          <a:p>
+            <a:r>
+              <a:rPr lang="zh-CN" altLang="en-US" b="1" dirty="0">
+                <a:latin typeface="华文新魏" panose="02010800040101010101" pitchFamily="2" charset="-122"/>
+                <a:ea typeface="华文新魏" panose="02010800040101010101" pitchFamily="2" charset="-122"/>
+              </a:rPr>
+              <a:t>标识符由字母、数字、下划线“</a:t>
+            </a:r>
+            <a:r>
+              <a:rPr lang="en-US" altLang="zh-CN" b="1" dirty="0">
+                <a:latin typeface="华文新魏" panose="02010800040101010101" pitchFamily="2" charset="-122"/>
+                <a:ea typeface="华文新魏" panose="02010800040101010101" pitchFamily="2" charset="-122"/>
+              </a:rPr>
+              <a:t>_”</a:t>
+            </a:r>
+            <a:r>
+              <a:rPr lang="zh-CN" altLang="en-US" b="1" dirty="0">
+                <a:latin typeface="华文新魏" panose="02010800040101010101" pitchFamily="2" charset="-122"/>
+                <a:ea typeface="华文新魏" panose="02010800040101010101" pitchFamily="2" charset="-122"/>
+              </a:rPr>
+              <a:t>组成 （</a:t>
+            </a:r>
+            <a:r>
+              <a:rPr lang="en-US" altLang="zh-CN" b="1" dirty="0">
+                <a:latin typeface="华文新魏" panose="02010800040101010101" pitchFamily="2" charset="-122"/>
+                <a:ea typeface="华文新魏" panose="02010800040101010101" pitchFamily="2" charset="-122"/>
+              </a:rPr>
+              <a:t>$ </a:t>
+            </a:r>
+            <a:r>
+              <a:rPr lang="zh-CN" altLang="en-US" b="1" dirty="0">
+                <a:latin typeface="华文新魏" panose="02010800040101010101" pitchFamily="2" charset="-122"/>
+                <a:ea typeface="华文新魏" panose="02010800040101010101" pitchFamily="2" charset="-122"/>
+              </a:rPr>
+              <a:t>也可以）。</a:t>
+            </a:r>
+          </a:p>
+          <a:p>
+            <a:r>
+              <a:rPr lang="zh-CN" altLang="en-US" b="1" dirty="0">
+                <a:latin typeface="华文新魏" panose="02010800040101010101" pitchFamily="2" charset="-122"/>
+                <a:ea typeface="华文新魏" panose="02010800040101010101" pitchFamily="2" charset="-122"/>
+              </a:rPr>
+              <a:t>不能把</a:t>
+            </a:r>
+            <a:r>
+              <a:rPr lang="en-US" altLang="zh-CN" b="1" dirty="0">
+                <a:latin typeface="华文新魏" panose="02010800040101010101" pitchFamily="2" charset="-122"/>
+                <a:ea typeface="华文新魏" panose="02010800040101010101" pitchFamily="2" charset="-122"/>
+                <a:hlinkClick r:id="rId2">
+                  <a:extLst>
+                    <a:ext uri="{A12FA001-AC4F-418D-AE19-62706E023703}">
+                      <ahyp:hlinkClr xmlns:ahyp="http://schemas.microsoft.com/office/drawing/2018/hyperlinkcolor" val="tx"/>
+                    </a:ext>
+                  </a:extLst>
+                </a:hlinkClick>
+              </a:rPr>
+              <a:t>C++</a:t>
+            </a:r>
+            <a:r>
+              <a:rPr lang="zh-CN" altLang="en-US" b="1" dirty="0">
+                <a:latin typeface="华文新魏" panose="02010800040101010101" pitchFamily="2" charset="-122"/>
+                <a:ea typeface="华文新魏" panose="02010800040101010101" pitchFamily="2" charset="-122"/>
+                <a:hlinkClick r:id="rId2">
+                  <a:extLst>
+                    <a:ext uri="{A12FA001-AC4F-418D-AE19-62706E023703}">
+                      <ahyp:hlinkClr xmlns:ahyp="http://schemas.microsoft.com/office/drawing/2018/hyperlinkcolor" val="tx"/>
+                    </a:ext>
+                  </a:extLst>
+                </a:hlinkClick>
+              </a:rPr>
+              <a:t>关键字</a:t>
+            </a:r>
+            <a:r>
+              <a:rPr lang="zh-CN" altLang="en-US" b="1" dirty="0">
+                <a:latin typeface="华文新魏" panose="02010800040101010101" pitchFamily="2" charset="-122"/>
+                <a:ea typeface="华文新魏" panose="02010800040101010101" pitchFamily="2" charset="-122"/>
+              </a:rPr>
+              <a:t>作为标识符</a:t>
+            </a:r>
+          </a:p>
+          <a:p>
+            <a:r>
+              <a:rPr lang="zh-CN" altLang="en-US" b="1" dirty="0">
+                <a:latin typeface="华文新魏" panose="02010800040101010101" pitchFamily="2" charset="-122"/>
+                <a:ea typeface="华文新魏" panose="02010800040101010101" pitchFamily="2" charset="-122"/>
+              </a:rPr>
+              <a:t>标识符长度限制</a:t>
+            </a:r>
+            <a:r>
+              <a:rPr lang="en-US" altLang="zh-CN" b="1" dirty="0">
+                <a:latin typeface="华文新魏" panose="02010800040101010101" pitchFamily="2" charset="-122"/>
+                <a:ea typeface="华文新魏" panose="02010800040101010101" pitchFamily="2" charset="-122"/>
+              </a:rPr>
+              <a:t>32</a:t>
+            </a:r>
+            <a:r>
+              <a:rPr lang="zh-CN" altLang="en-US" b="1" dirty="0">
+                <a:latin typeface="华文新魏" panose="02010800040101010101" pitchFamily="2" charset="-122"/>
+                <a:ea typeface="华文新魏" panose="02010800040101010101" pitchFamily="2" charset="-122"/>
+              </a:rPr>
+              <a:t>字符。</a:t>
+            </a:r>
+          </a:p>
+          <a:p>
+            <a:r>
+              <a:rPr lang="zh-CN" altLang="en-US" b="1" dirty="0">
+                <a:latin typeface="华文新魏" panose="02010800040101010101" pitchFamily="2" charset="-122"/>
+                <a:ea typeface="华文新魏" panose="02010800040101010101" pitchFamily="2" charset="-122"/>
+              </a:rPr>
+              <a:t>标识符对大小写敏感。</a:t>
+            </a:r>
+          </a:p>
+          <a:p>
+            <a:r>
+              <a:rPr lang="zh-CN" altLang="en-US" b="1" dirty="0">
+                <a:latin typeface="华文新魏" panose="02010800040101010101" pitchFamily="2" charset="-122"/>
+                <a:ea typeface="华文新魏" panose="02010800040101010101" pitchFamily="2" charset="-122"/>
+              </a:rPr>
+              <a:t>首</a:t>
+            </a:r>
+            <a:r>
+              <a:rPr lang="zh-CN" altLang="en-US" b="1" dirty="0">
+                <a:latin typeface="华文新魏" panose="02010800040101010101" pitchFamily="2" charset="-122"/>
+                <a:ea typeface="华文新魏" panose="02010800040101010101" pitchFamily="2" charset="-122"/>
+                <a:hlinkClick r:id="rId3">
+                  <a:extLst>
+                    <a:ext uri="{A12FA001-AC4F-418D-AE19-62706E023703}">
+                      <ahyp:hlinkClr xmlns:ahyp="http://schemas.microsoft.com/office/drawing/2018/hyperlinkcolor" val="tx"/>
+                    </a:ext>
+                  </a:extLst>
+                </a:hlinkClick>
+              </a:rPr>
+              <a:t>字符</a:t>
+            </a:r>
+            <a:r>
+              <a:rPr lang="zh-CN" altLang="en-US" b="1" dirty="0">
+                <a:latin typeface="华文新魏" panose="02010800040101010101" pitchFamily="2" charset="-122"/>
+                <a:ea typeface="华文新魏" panose="02010800040101010101" pitchFamily="2" charset="-122"/>
+              </a:rPr>
+              <a:t>只能是字母或下划线，不能是数字。</a:t>
+            </a:r>
+          </a:p>
+        </p:txBody>
+      </p:sp>
+    </p:spTree>
+    <p:extLst>
+      <p:ext uri="{BB962C8B-B14F-4D97-AF65-F5344CB8AC3E}">
+        <p14:creationId xmlns:p14="http://schemas.microsoft.com/office/powerpoint/2010/main" val="1229034376"/>
+      </p:ext>
+    </p:extLst>
+  </p:cSld>
+  <p:clrMapOvr>
+    <a:masterClrMapping/>
+  </p:clrMapOvr>
+</p:sld>
+</file>
+
+<file path=ppt/slides/slide30.xml><?xml version="1.0" encoding="utf-8"?>
+<p:sld xmlns:a="http://schemas.openxmlformats.org/drawingml/2006/main" xmlns:r="http://schemas.openxmlformats.org/officeDocument/2006/relationships" xmlns:p="http://schemas.openxmlformats.org/presentationml/2006/main">
+  <p:cSld>
+    <p:spTree>
+      <p:nvGrpSpPr>
+        <p:cNvPr id="1" name=""/>
+        <p:cNvGrpSpPr/>
+        <p:nvPr/>
+      </p:nvGrpSpPr>
+      <p:grpSpPr>
+        <a:xfrm>
+          <a:off x="0" y="0"/>
+          <a:ext cx="0" cy="0"/>
+          <a:chOff x="0" y="0"/>
+          <a:chExt cx="0" cy="0"/>
+        </a:xfrm>
+      </p:grpSpPr>
+      <p:sp>
+        <p:nvSpPr>
+          <p:cNvPr id="3" name="内容占位符 2"/>
+          <p:cNvSpPr>
+            <a:spLocks noGrp="1"/>
+          </p:cNvSpPr>
+          <p:nvPr>
+            <p:ph idx="1"/>
+          </p:nvPr>
+        </p:nvSpPr>
+        <p:spPr>
+          <a:xfrm>
             <a:off x="2915816" y="2856757"/>
-            <a:ext cx="5554960" cy="2172072"/>
+            <a:ext cx="5059784" cy="2172072"/>
           </a:xfrm>
         </p:spPr>
         <p:txBody>
@@ -11700,6 +12526,8 @@
                     <a:lumOff val="15000"/>
                   </a:schemeClr>
                 </a:solidFill>
+                <a:latin typeface="Adobe 楷体 Std R" panose="02020400000000000000" pitchFamily="18" charset="-122"/>
+                <a:ea typeface="Adobe 楷体 Std R" panose="02020400000000000000" pitchFamily="18" charset="-122"/>
               </a:rPr>
               <a:t>如果代码有改动，一定要记得修改相关的注释！“过期”的注释比没有注释危害更大！</a:t>
             </a:r>
@@ -11773,6 +12601,43 @@
           </a:extLst>
         </p:spPr>
       </p:pic>
+      <p:sp>
+        <p:nvSpPr>
+          <p:cNvPr id="6" name="标题 1">
+            <a:extLst>
+              <a:ext uri="{FF2B5EF4-FFF2-40B4-BE49-F238E27FC236}">
+                <a16:creationId xmlns:a16="http://schemas.microsoft.com/office/drawing/2014/main" id="{33443512-04E0-4AE2-9676-2F71975D36C2}"/>
+              </a:ext>
+            </a:extLst>
+          </p:cNvPr>
+          <p:cNvSpPr>
+            <a:spLocks noGrp="1"/>
+          </p:cNvSpPr>
+          <p:nvPr>
+            <p:ph type="title"/>
+          </p:nvPr>
+        </p:nvSpPr>
+        <p:spPr>
+          <a:xfrm>
+            <a:off x="1176338" y="915988"/>
+            <a:ext cx="6799262" cy="1303337"/>
+          </a:xfrm>
+        </p:spPr>
+        <p:txBody>
+          <a:bodyPr/>
+          <a:lstStyle/>
+          <a:p>
+            <a:r>
+              <a:rPr lang="en-US" altLang="zh-CN" dirty="0"/>
+              <a:t> </a:t>
+            </a:r>
+            <a:r>
+              <a:rPr lang="zh-CN" altLang="en-US" dirty="0"/>
+              <a:t>注释</a:t>
+            </a:r>
+          </a:p>
+        </p:txBody>
+      </p:sp>
     </p:spTree>
     <p:extLst>
       <p:ext uri="{BB962C8B-B14F-4D97-AF65-F5344CB8AC3E}">
@@ -11786,7 +12651,7 @@
 </p:sld>
 </file>
 
-<file path=ppt/slides/slide3.xml><?xml version="1.0" encoding="utf-8"?>
+<file path=ppt/slides/slide31.xml><?xml version="1.0" encoding="utf-8"?>
 <p:sld xmlns:a="http://schemas.openxmlformats.org/drawingml/2006/main" xmlns:r="http://schemas.openxmlformats.org/officeDocument/2006/relationships" xmlns:p="http://schemas.openxmlformats.org/presentationml/2006/main">
   <p:cSld>
     <p:spTree>
@@ -11805,232 +12670,6 @@
       </p:grpSpPr>
       <p:sp>
         <p:nvSpPr>
-          <p:cNvPr id="2" name="标题 1"/>
-          <p:cNvSpPr>
-            <a:spLocks noGrp="1"/>
-          </p:cNvSpPr>
-          <p:nvPr>
-            <p:ph type="title"/>
-          </p:nvPr>
-        </p:nvSpPr>
-        <p:spPr/>
-        <p:txBody>
-          <a:bodyPr/>
-          <a:lstStyle/>
-          <a:p>
-            <a:r>
-              <a:rPr lang="en-US" altLang="zh-CN" dirty="0">
-                <a:latin typeface="Adobe 黑体 Std R" panose="020B0400000000000000" pitchFamily="34" charset="-122"/>
-                <a:ea typeface="Adobe 黑体 Std R" panose="020B0400000000000000" pitchFamily="34" charset="-122"/>
-              </a:rPr>
-              <a:t> C++</a:t>
-            </a:r>
-            <a:r>
-              <a:rPr lang="zh-CN" altLang="en-US" dirty="0">
-                <a:latin typeface="Adobe 黑体 Std R" panose="020B0400000000000000" pitchFamily="34" charset="-122"/>
-                <a:ea typeface="Adobe 黑体 Std R" panose="020B0400000000000000" pitchFamily="34" charset="-122"/>
-              </a:rPr>
-              <a:t>标识符</a:t>
-            </a:r>
-          </a:p>
-        </p:txBody>
-      </p:sp>
-      <p:sp>
-        <p:nvSpPr>
-          <p:cNvPr id="3" name="内容占位符 2"/>
-          <p:cNvSpPr>
-            <a:spLocks noGrp="1"/>
-          </p:cNvSpPr>
-          <p:nvPr>
-            <p:ph idx="1"/>
-          </p:nvPr>
-        </p:nvSpPr>
-        <p:spPr>
-          <a:xfrm>
-            <a:off x="1475656" y="2492896"/>
-            <a:ext cx="6048672" cy="3240360"/>
-          </a:xfrm>
-        </p:spPr>
-        <p:txBody>
-          <a:bodyPr/>
-          <a:lstStyle/>
-          <a:p>
-            <a:r>
-              <a:rPr lang="zh-CN" altLang="en-US" b="1" dirty="0">
-                <a:latin typeface="华文新魏" panose="02010800040101010101" pitchFamily="2" charset="-122"/>
-                <a:ea typeface="华文新魏" panose="02010800040101010101" pitchFamily="2" charset="-122"/>
-              </a:rPr>
-              <a:t>标识符由字母、数字、下划线“</a:t>
-            </a:r>
-            <a:r>
-              <a:rPr lang="en-US" altLang="zh-CN" b="1" dirty="0">
-                <a:latin typeface="华文新魏" panose="02010800040101010101" pitchFamily="2" charset="-122"/>
-                <a:ea typeface="华文新魏" panose="02010800040101010101" pitchFamily="2" charset="-122"/>
-              </a:rPr>
-              <a:t>_”</a:t>
-            </a:r>
-            <a:r>
-              <a:rPr lang="zh-CN" altLang="en-US" b="1" dirty="0">
-                <a:latin typeface="华文新魏" panose="02010800040101010101" pitchFamily="2" charset="-122"/>
-                <a:ea typeface="华文新魏" panose="02010800040101010101" pitchFamily="2" charset="-122"/>
-              </a:rPr>
-              <a:t>组成 （</a:t>
-            </a:r>
-            <a:r>
-              <a:rPr lang="en-US" altLang="zh-CN" b="1" dirty="0">
-                <a:latin typeface="华文新魏" panose="02010800040101010101" pitchFamily="2" charset="-122"/>
-                <a:ea typeface="华文新魏" panose="02010800040101010101" pitchFamily="2" charset="-122"/>
-              </a:rPr>
-              <a:t>$ </a:t>
-            </a:r>
-            <a:r>
-              <a:rPr lang="zh-CN" altLang="en-US" b="1" dirty="0">
-                <a:latin typeface="华文新魏" panose="02010800040101010101" pitchFamily="2" charset="-122"/>
-                <a:ea typeface="华文新魏" panose="02010800040101010101" pitchFamily="2" charset="-122"/>
-              </a:rPr>
-              <a:t>也可以）。</a:t>
-            </a:r>
-          </a:p>
-          <a:p>
-            <a:r>
-              <a:rPr lang="zh-CN" altLang="en-US" b="1" dirty="0">
-                <a:latin typeface="华文新魏" panose="02010800040101010101" pitchFamily="2" charset="-122"/>
-                <a:ea typeface="华文新魏" panose="02010800040101010101" pitchFamily="2" charset="-122"/>
-              </a:rPr>
-              <a:t>不能把</a:t>
-            </a:r>
-            <a:r>
-              <a:rPr lang="en-US" altLang="zh-CN" b="1" dirty="0">
-                <a:latin typeface="华文新魏" panose="02010800040101010101" pitchFamily="2" charset="-122"/>
-                <a:ea typeface="华文新魏" panose="02010800040101010101" pitchFamily="2" charset="-122"/>
-                <a:hlinkClick r:id="rId2">
-                  <a:extLst>
-                    <a:ext uri="{A12FA001-AC4F-418D-AE19-62706E023703}">
-                      <ahyp:hlinkClr xmlns:ahyp="http://schemas.microsoft.com/office/drawing/2018/hyperlinkcolor" val="tx"/>
-                    </a:ext>
-                  </a:extLst>
-                </a:hlinkClick>
-              </a:rPr>
-              <a:t>C++</a:t>
-            </a:r>
-            <a:r>
-              <a:rPr lang="zh-CN" altLang="en-US" b="1" dirty="0">
-                <a:latin typeface="华文新魏" panose="02010800040101010101" pitchFamily="2" charset="-122"/>
-                <a:ea typeface="华文新魏" panose="02010800040101010101" pitchFamily="2" charset="-122"/>
-                <a:hlinkClick r:id="rId2">
-                  <a:extLst>
-                    <a:ext uri="{A12FA001-AC4F-418D-AE19-62706E023703}">
-                      <ahyp:hlinkClr xmlns:ahyp="http://schemas.microsoft.com/office/drawing/2018/hyperlinkcolor" val="tx"/>
-                    </a:ext>
-                  </a:extLst>
-                </a:hlinkClick>
-              </a:rPr>
-              <a:t>关键字</a:t>
-            </a:r>
-            <a:r>
-              <a:rPr lang="zh-CN" altLang="en-US" b="1" dirty="0">
-                <a:latin typeface="华文新魏" panose="02010800040101010101" pitchFamily="2" charset="-122"/>
-                <a:ea typeface="华文新魏" panose="02010800040101010101" pitchFamily="2" charset="-122"/>
-              </a:rPr>
-              <a:t>作为标识符。</a:t>
-            </a:r>
-          </a:p>
-          <a:p>
-            <a:r>
-              <a:rPr lang="zh-CN" altLang="en-US" b="1" dirty="0">
-                <a:latin typeface="华文新魏" panose="02010800040101010101" pitchFamily="2" charset="-122"/>
-                <a:ea typeface="华文新魏" panose="02010800040101010101" pitchFamily="2" charset="-122"/>
-              </a:rPr>
-              <a:t>标识符长度限制</a:t>
-            </a:r>
-            <a:r>
-              <a:rPr lang="en-US" altLang="zh-CN" b="1" dirty="0">
-                <a:latin typeface="华文新魏" panose="02010800040101010101" pitchFamily="2" charset="-122"/>
-                <a:ea typeface="华文新魏" panose="02010800040101010101" pitchFamily="2" charset="-122"/>
-              </a:rPr>
-              <a:t>32</a:t>
-            </a:r>
-            <a:r>
-              <a:rPr lang="zh-CN" altLang="en-US" b="1" dirty="0">
-                <a:latin typeface="华文新魏" panose="02010800040101010101" pitchFamily="2" charset="-122"/>
-                <a:ea typeface="华文新魏" panose="02010800040101010101" pitchFamily="2" charset="-122"/>
-              </a:rPr>
-              <a:t>字符。</a:t>
-            </a:r>
-          </a:p>
-          <a:p>
-            <a:r>
-              <a:rPr lang="zh-CN" altLang="en-US" b="1" dirty="0">
-                <a:latin typeface="华文新魏" panose="02010800040101010101" pitchFamily="2" charset="-122"/>
-                <a:ea typeface="华文新魏" panose="02010800040101010101" pitchFamily="2" charset="-122"/>
-              </a:rPr>
-              <a:t>标识符对大小写敏感。</a:t>
-            </a:r>
-          </a:p>
-          <a:p>
-            <a:r>
-              <a:rPr lang="zh-CN" altLang="en-US" b="1" dirty="0">
-                <a:latin typeface="华文新魏" panose="02010800040101010101" pitchFamily="2" charset="-122"/>
-                <a:ea typeface="华文新魏" panose="02010800040101010101" pitchFamily="2" charset="-122"/>
-              </a:rPr>
-              <a:t>首</a:t>
-            </a:r>
-            <a:r>
-              <a:rPr lang="zh-CN" altLang="en-US" b="1" dirty="0">
-                <a:latin typeface="华文新魏" panose="02010800040101010101" pitchFamily="2" charset="-122"/>
-                <a:ea typeface="华文新魏" panose="02010800040101010101" pitchFamily="2" charset="-122"/>
-                <a:hlinkClick r:id="rId3">
-                  <a:extLst>
-                    <a:ext uri="{A12FA001-AC4F-418D-AE19-62706E023703}">
-                      <ahyp:hlinkClr xmlns:ahyp="http://schemas.microsoft.com/office/drawing/2018/hyperlinkcolor" val="tx"/>
-                    </a:ext>
-                  </a:extLst>
-                </a:hlinkClick>
-              </a:rPr>
-              <a:t>字符</a:t>
-            </a:r>
-            <a:r>
-              <a:rPr lang="zh-CN" altLang="en-US" b="1" dirty="0">
-                <a:latin typeface="华文新魏" panose="02010800040101010101" pitchFamily="2" charset="-122"/>
-                <a:ea typeface="华文新魏" panose="02010800040101010101" pitchFamily="2" charset="-122"/>
-              </a:rPr>
-              <a:t>只能是字母或下划线，不能是数字。</a:t>
-            </a:r>
-          </a:p>
-        </p:txBody>
-      </p:sp>
-    </p:spTree>
-    <p:extLst>
-      <p:ext uri="{BB962C8B-B14F-4D97-AF65-F5344CB8AC3E}">
-        <p14:creationId xmlns:p14="http://schemas.microsoft.com/office/powerpoint/2010/main" val="1229034376"/>
-      </p:ext>
-    </p:extLst>
-  </p:cSld>
-  <p:clrMapOvr>
-    <a:masterClrMapping/>
-  </p:clrMapOvr>
-</p:sld>
-</file>
-
-<file path=ppt/slides/slide30.xml><?xml version="1.0" encoding="utf-8"?>
-<p:sld xmlns:a="http://schemas.openxmlformats.org/drawingml/2006/main" xmlns:r="http://schemas.openxmlformats.org/officeDocument/2006/relationships" xmlns:p="http://schemas.openxmlformats.org/presentationml/2006/main">
-  <p:cSld>
-    <p:spTree>
-      <p:nvGrpSpPr>
-        <p:cNvPr id="1" name=""/>
-        <p:cNvGrpSpPr/>
-        <p:nvPr/>
-      </p:nvGrpSpPr>
-      <p:grpSpPr>
-        <a:xfrm>
-          <a:off x="0" y="0"/>
-          <a:ext cx="0" cy="0"/>
-          <a:chOff x="0" y="0"/>
-          <a:chExt cx="0" cy="0"/>
-        </a:xfrm>
-      </p:grpSpPr>
-      <p:sp>
-        <p:nvSpPr>
           <p:cNvPr id="2" name="内容占位符 2"/>
           <p:cNvSpPr txBox="1">
             <a:spLocks/>
@@ -12458,7 +13097,7 @@
 </p:sld>
 </file>
 
-<file path=ppt/slides/slide31.xml><?xml version="1.0" encoding="utf-8"?>
+<file path=ppt/slides/slide32.xml><?xml version="1.0" encoding="utf-8"?>
 <p:sld xmlns:a="http://schemas.openxmlformats.org/drawingml/2006/main" xmlns:r="http://schemas.openxmlformats.org/officeDocument/2006/relationships" xmlns:p="http://schemas.openxmlformats.org/presentationml/2006/main">
   <p:cSld>
     <p:spTree>
@@ -12642,7 +13281,7 @@
 </p:sld>
 </file>
 
-<file path=ppt/slides/slide32.xml><?xml version="1.0" encoding="utf-8"?>
+<file path=ppt/slides/slide33.xml><?xml version="1.0" encoding="utf-8"?>
 <p:sld xmlns:a="http://schemas.openxmlformats.org/drawingml/2006/main" xmlns:r="http://schemas.openxmlformats.org/officeDocument/2006/relationships" xmlns:p="http://schemas.openxmlformats.org/presentationml/2006/main">
   <p:cSld>
     <p:spTree>
@@ -12730,7 +13369,7 @@
 </p:sld>
 </file>
 
-<file path=ppt/slides/slide33.xml><?xml version="1.0" encoding="utf-8"?>
+<file path=ppt/slides/slide34.xml><?xml version="1.0" encoding="utf-8"?>
 <p:sld xmlns:a="http://schemas.openxmlformats.org/drawingml/2006/main" xmlns:r="http://schemas.openxmlformats.org/officeDocument/2006/relationships" xmlns:p="http://schemas.openxmlformats.org/presentationml/2006/main">
   <p:cSld>
     <p:spTree>
@@ -12868,7 +13507,7 @@
 </p:sld>
 </file>
 
-<file path=ppt/slides/slide34.xml><?xml version="1.0" encoding="utf-8"?>
+<file path=ppt/slides/slide35.xml><?xml version="1.0" encoding="utf-8"?>
 <p:sld xmlns:a="http://schemas.openxmlformats.org/drawingml/2006/main" xmlns:r="http://schemas.openxmlformats.org/officeDocument/2006/relationships" xmlns:p="http://schemas.openxmlformats.org/presentationml/2006/main">
   <p:cSld>
     <p:spTree>
@@ -13048,7 +13687,7 @@
 </p:sld>
 </file>
 
-<file path=ppt/slides/slide35.xml><?xml version="1.0" encoding="utf-8"?>
+<file path=ppt/slides/slide36.xml><?xml version="1.0" encoding="utf-8"?>
 <p:sld xmlns:a="http://schemas.openxmlformats.org/drawingml/2006/main" xmlns:r="http://schemas.openxmlformats.org/officeDocument/2006/relationships" xmlns:p="http://schemas.openxmlformats.org/presentationml/2006/main">
   <p:cSld>
     <p:spTree>
@@ -13326,7 +13965,7 @@
 </p:sld>
 </file>
 
-<file path=ppt/slides/slide36.xml><?xml version="1.0" encoding="utf-8"?>
+<file path=ppt/slides/slide37.xml><?xml version="1.0" encoding="utf-8"?>
 <p:sld xmlns:a="http://schemas.openxmlformats.org/drawingml/2006/main" xmlns:r="http://schemas.openxmlformats.org/officeDocument/2006/relationships" xmlns:p="http://schemas.openxmlformats.org/presentationml/2006/main">
   <p:cSld>
     <p:spTree>
@@ -13464,7 +14103,7 @@
 </p:sld>
 </file>
 
-<file path=ppt/slides/slide37.xml><?xml version="1.0" encoding="utf-8"?>
+<file path=ppt/slides/slide38.xml><?xml version="1.0" encoding="utf-8"?>
 <p:sld xmlns:a="http://schemas.openxmlformats.org/drawingml/2006/main" xmlns:r="http://schemas.openxmlformats.org/officeDocument/2006/relationships" xmlns:p="http://schemas.openxmlformats.org/presentationml/2006/main">
   <p:cSld>
     <p:spTree>
@@ -13561,7 +14200,7 @@
 </p:sld>
 </file>
 
-<file path=ppt/slides/slide38.xml><?xml version="1.0" encoding="utf-8"?>
+<file path=ppt/slides/slide39.xml><?xml version="1.0" encoding="utf-8"?>
 <p:sld xmlns:a="http://schemas.openxmlformats.org/drawingml/2006/main" xmlns:r="http://schemas.openxmlformats.org/officeDocument/2006/relationships" xmlns:p="http://schemas.openxmlformats.org/presentationml/2006/main">
   <p:cSld>
     <p:spTree>
@@ -13699,7 +14338,226 @@
 </p:sld>
 </file>
 
-<file path=ppt/slides/slide39.xml><?xml version="1.0" encoding="utf-8"?>
+<file path=ppt/slides/slide4.xml><?xml version="1.0" encoding="utf-8"?>
+<p:sld xmlns:a="http://schemas.openxmlformats.org/drawingml/2006/main" xmlns:r="http://schemas.openxmlformats.org/officeDocument/2006/relationships" xmlns:p="http://schemas.openxmlformats.org/presentationml/2006/main">
+  <p:cSld>
+    <p:spTree>
+      <p:nvGrpSpPr>
+        <p:cNvPr id="1" name=""/>
+        <p:cNvGrpSpPr/>
+        <p:nvPr/>
+      </p:nvGrpSpPr>
+      <p:grpSpPr>
+        <a:xfrm>
+          <a:off x="0" y="0"/>
+          <a:ext cx="0" cy="0"/>
+          <a:chOff x="0" y="0"/>
+          <a:chExt cx="0" cy="0"/>
+        </a:xfrm>
+      </p:grpSpPr>
+      <p:sp>
+        <p:nvSpPr>
+          <p:cNvPr id="2" name="标题 1">
+            <a:extLst>
+              <a:ext uri="{FF2B5EF4-FFF2-40B4-BE49-F238E27FC236}">
+                <a16:creationId xmlns:a16="http://schemas.microsoft.com/office/drawing/2014/main" id="{4DA0613F-403A-4311-89FA-05AFE0E95AE3}"/>
+              </a:ext>
+            </a:extLst>
+          </p:cNvPr>
+          <p:cNvSpPr>
+            <a:spLocks noGrp="1"/>
+          </p:cNvSpPr>
+          <p:nvPr>
+            <p:ph type="title"/>
+          </p:nvPr>
+        </p:nvSpPr>
+        <p:spPr/>
+        <p:txBody>
+          <a:bodyPr/>
+          <a:lstStyle/>
+          <a:p>
+            <a:r>
+              <a:rPr lang="en-US" altLang="zh-CN" dirty="0">
+                <a:latin typeface="Adobe 黑体 Std R" panose="020B0400000000000000" pitchFamily="34" charset="-122"/>
+                <a:ea typeface="Adobe 黑体 Std R" panose="020B0400000000000000" pitchFamily="34" charset="-122"/>
+              </a:rPr>
+              <a:t>Java</a:t>
+            </a:r>
+            <a:r>
+              <a:rPr lang="zh-CN" altLang="en-US" dirty="0">
+                <a:latin typeface="Adobe 黑体 Std R" panose="020B0400000000000000" pitchFamily="34" charset="-122"/>
+                <a:ea typeface="Adobe 黑体 Std R" panose="020B0400000000000000" pitchFamily="34" charset="-122"/>
+              </a:rPr>
+              <a:t>标识符</a:t>
+            </a:r>
+          </a:p>
+        </p:txBody>
+      </p:sp>
+      <p:sp>
+        <p:nvSpPr>
+          <p:cNvPr id="4" name="内容占位符 2">
+            <a:extLst>
+              <a:ext uri="{FF2B5EF4-FFF2-40B4-BE49-F238E27FC236}">
+                <a16:creationId xmlns:a16="http://schemas.microsoft.com/office/drawing/2014/main" id="{E106B62F-742C-443B-B758-6E661E0DEE83}"/>
+              </a:ext>
+            </a:extLst>
+          </p:cNvPr>
+          <p:cNvSpPr>
+            <a:spLocks noGrp="1"/>
+          </p:cNvSpPr>
+          <p:nvPr>
+            <p:ph idx="1"/>
+          </p:nvPr>
+        </p:nvSpPr>
+        <p:spPr>
+          <a:xfrm>
+            <a:off x="1365672" y="2492896"/>
+            <a:ext cx="6609928" cy="3672408"/>
+          </a:xfrm>
+        </p:spPr>
+        <p:txBody>
+          <a:bodyPr/>
+          <a:lstStyle/>
+          <a:p>
+            <a:r>
+              <a:rPr lang="zh-CN" altLang="en-US" b="1" dirty="0">
+                <a:latin typeface="华文新魏" panose="02010800040101010101" pitchFamily="2" charset="-122"/>
+                <a:ea typeface="华文新魏" panose="02010800040101010101" pitchFamily="2" charset="-122"/>
+              </a:rPr>
+              <a:t>标识符由字母、数字、下划线“</a:t>
+            </a:r>
+            <a:r>
+              <a:rPr lang="en-US" altLang="zh-CN" b="1" dirty="0">
+                <a:latin typeface="华文新魏" panose="02010800040101010101" pitchFamily="2" charset="-122"/>
+                <a:ea typeface="华文新魏" panose="02010800040101010101" pitchFamily="2" charset="-122"/>
+              </a:rPr>
+              <a:t>_”</a:t>
+            </a:r>
+            <a:r>
+              <a:rPr lang="zh-CN" altLang="en-US" b="1" dirty="0">
+                <a:latin typeface="华文新魏" panose="02010800040101010101" pitchFamily="2" charset="-122"/>
+                <a:ea typeface="华文新魏" panose="02010800040101010101" pitchFamily="2" charset="-122"/>
+              </a:rPr>
+              <a:t>、美元符号“</a:t>
+            </a:r>
+            <a:r>
+              <a:rPr lang="en-US" altLang="zh-CN" b="1" dirty="0">
+                <a:latin typeface="华文新魏" panose="02010800040101010101" pitchFamily="2" charset="-122"/>
+                <a:ea typeface="华文新魏" panose="02010800040101010101" pitchFamily="2" charset="-122"/>
+              </a:rPr>
+              <a:t>$”</a:t>
+            </a:r>
+            <a:r>
+              <a:rPr lang="zh-CN" altLang="en-US" b="1" dirty="0">
+                <a:latin typeface="华文新魏" panose="02010800040101010101" pitchFamily="2" charset="-122"/>
+                <a:ea typeface="华文新魏" panose="02010800040101010101" pitchFamily="2" charset="-122"/>
+              </a:rPr>
+              <a:t>组成，第一个字符不能是数字。</a:t>
+            </a:r>
+          </a:p>
+          <a:p>
+            <a:r>
+              <a:rPr lang="zh-CN" altLang="en-US" b="1" dirty="0">
+                <a:latin typeface="华文新魏" panose="02010800040101010101" pitchFamily="2" charset="-122"/>
+                <a:ea typeface="华文新魏" panose="02010800040101010101" pitchFamily="2" charset="-122"/>
+              </a:rPr>
+              <a:t>不能把</a:t>
+            </a:r>
+            <a:r>
+              <a:rPr lang="en-US" altLang="zh-CN" b="1" dirty="0">
+                <a:latin typeface="华文新魏" panose="02010800040101010101" pitchFamily="2" charset="-122"/>
+                <a:ea typeface="华文新魏" panose="02010800040101010101" pitchFamily="2" charset="-122"/>
+                <a:hlinkClick r:id="rId2">
+                  <a:extLst>
+                    <a:ext uri="{A12FA001-AC4F-418D-AE19-62706E023703}">
+                      <ahyp:hlinkClr xmlns:ahyp="http://schemas.microsoft.com/office/drawing/2018/hyperlinkcolor" val="tx"/>
+                    </a:ext>
+                  </a:extLst>
+                </a:hlinkClick>
+              </a:rPr>
+              <a:t>java</a:t>
+            </a:r>
+            <a:r>
+              <a:rPr lang="zh-CN" altLang="en-US" b="1" dirty="0">
+                <a:latin typeface="华文新魏" panose="02010800040101010101" pitchFamily="2" charset="-122"/>
+                <a:ea typeface="华文新魏" panose="02010800040101010101" pitchFamily="2" charset="-122"/>
+                <a:hlinkClick r:id="rId2">
+                  <a:extLst>
+                    <a:ext uri="{A12FA001-AC4F-418D-AE19-62706E023703}">
+                      <ahyp:hlinkClr xmlns:ahyp="http://schemas.microsoft.com/office/drawing/2018/hyperlinkcolor" val="tx"/>
+                    </a:ext>
+                  </a:extLst>
+                </a:hlinkClick>
+              </a:rPr>
+              <a:t>关键字</a:t>
+            </a:r>
+            <a:r>
+              <a:rPr lang="zh-CN" altLang="en-US" b="1" dirty="0">
+                <a:latin typeface="华文新魏" panose="02010800040101010101" pitchFamily="2" charset="-122"/>
+                <a:ea typeface="华文新魏" panose="02010800040101010101" pitchFamily="2" charset="-122"/>
+              </a:rPr>
+              <a:t>和</a:t>
+            </a:r>
+            <a:r>
+              <a:rPr lang="zh-CN" altLang="en-US" b="1" dirty="0">
+                <a:latin typeface="华文新魏" panose="02010800040101010101" pitchFamily="2" charset="-122"/>
+                <a:ea typeface="华文新魏" panose="02010800040101010101" pitchFamily="2" charset="-122"/>
+                <a:hlinkClick r:id="rId3">
+                  <a:extLst>
+                    <a:ext uri="{A12FA001-AC4F-418D-AE19-62706E023703}">
+                      <ahyp:hlinkClr xmlns:ahyp="http://schemas.microsoft.com/office/drawing/2018/hyperlinkcolor" val="tx"/>
+                    </a:ext>
+                  </a:extLst>
+                </a:hlinkClick>
+              </a:rPr>
+              <a:t>保留字</a:t>
+            </a:r>
+            <a:r>
+              <a:rPr lang="zh-CN" altLang="en-US" b="1" dirty="0">
+                <a:latin typeface="华文新魏" panose="02010800040101010101" pitchFamily="2" charset="-122"/>
+                <a:ea typeface="华文新魏" panose="02010800040101010101" pitchFamily="2" charset="-122"/>
+              </a:rPr>
+              <a:t>作为标识符。</a:t>
+            </a:r>
+          </a:p>
+          <a:p>
+            <a:r>
+              <a:rPr lang="zh-CN" altLang="en-US" b="1" dirty="0">
+                <a:latin typeface="华文新魏" panose="02010800040101010101" pitchFamily="2" charset="-122"/>
+                <a:ea typeface="华文新魏" panose="02010800040101010101" pitchFamily="2" charset="-122"/>
+              </a:rPr>
+              <a:t>标识符没有长度限制。</a:t>
+            </a:r>
+          </a:p>
+          <a:p>
+            <a:r>
+              <a:rPr lang="zh-CN" altLang="en-US" b="1" dirty="0">
+                <a:latin typeface="华文新魏" panose="02010800040101010101" pitchFamily="2" charset="-122"/>
+                <a:ea typeface="华文新魏" panose="02010800040101010101" pitchFamily="2" charset="-122"/>
+              </a:rPr>
+              <a:t>标识符对大小写敏感。</a:t>
+            </a:r>
+            <a:endParaRPr lang="en-US" altLang="zh-CN" b="1" dirty="0">
+              <a:latin typeface="华文新魏" panose="02010800040101010101" pitchFamily="2" charset="-122"/>
+              <a:ea typeface="华文新魏" panose="02010800040101010101" pitchFamily="2" charset="-122"/>
+            </a:endParaRPr>
+          </a:p>
+        </p:txBody>
+      </p:sp>
+    </p:spTree>
+    <p:extLst>
+      <p:ext uri="{BB962C8B-B14F-4D97-AF65-F5344CB8AC3E}">
+        <p14:creationId xmlns:p14="http://schemas.microsoft.com/office/powerpoint/2010/main" val="2241142518"/>
+      </p:ext>
+    </p:extLst>
+  </p:cSld>
+  <p:clrMapOvr>
+    <a:masterClrMapping/>
+  </p:clrMapOvr>
+</p:sld>
+</file>
+
+<file path=ppt/slides/slide40.xml><?xml version="1.0" encoding="utf-8"?>
 <p:sld xmlns:a="http://schemas.openxmlformats.org/drawingml/2006/main" xmlns:r="http://schemas.openxmlformats.org/officeDocument/2006/relationships" xmlns:p="http://schemas.openxmlformats.org/presentationml/2006/main">
   <p:cSld>
     <p:spTree>
@@ -13761,7 +14619,7 @@
           <a:graphicData uri="http://schemas.openxmlformats.org/presentationml/2006/ole">
             <mc:AlternateContent xmlns:mc="http://schemas.openxmlformats.org/markup-compatibility/2006">
               <mc:Choice xmlns:v="urn:schemas-microsoft-com:vml" Requires="v">
-                <p:oleObj spid="_x0000_s1052" name="PicObj Class" r:id="rId3" imgW="4543560" imgH="3876840" progId="Picture.PicObj.1">
+                <p:oleObj spid="_x0000_s1072" name="PicObj Class" r:id="rId3" imgW="4543560" imgH="3876840" progId="Picture.PicObj.1">
                   <p:embed/>
                 </p:oleObj>
               </mc:Choice>
@@ -13809,671 +14667,6 @@
 </p:sld>
 </file>
 
-<file path=ppt/slides/slide4.xml><?xml version="1.0" encoding="utf-8"?>
-<p:sld xmlns:a="http://schemas.openxmlformats.org/drawingml/2006/main" xmlns:r="http://schemas.openxmlformats.org/officeDocument/2006/relationships" xmlns:p="http://schemas.openxmlformats.org/presentationml/2006/main">
-  <p:cSld>
-    <p:spTree>
-      <p:nvGrpSpPr>
-        <p:cNvPr id="1" name=""/>
-        <p:cNvGrpSpPr/>
-        <p:nvPr/>
-      </p:nvGrpSpPr>
-      <p:grpSpPr>
-        <a:xfrm>
-          <a:off x="0" y="0"/>
-          <a:ext cx="0" cy="0"/>
-          <a:chOff x="0" y="0"/>
-          <a:chExt cx="0" cy="0"/>
-        </a:xfrm>
-      </p:grpSpPr>
-      <p:sp>
-        <p:nvSpPr>
-          <p:cNvPr id="2" name="标题 1">
-            <a:extLst>
-              <a:ext uri="{FF2B5EF4-FFF2-40B4-BE49-F238E27FC236}">
-                <a16:creationId xmlns:a16="http://schemas.microsoft.com/office/drawing/2014/main" id="{4DA0613F-403A-4311-89FA-05AFE0E95AE3}"/>
-              </a:ext>
-            </a:extLst>
-          </p:cNvPr>
-          <p:cNvSpPr>
-            <a:spLocks noGrp="1"/>
-          </p:cNvSpPr>
-          <p:nvPr>
-            <p:ph type="title"/>
-          </p:nvPr>
-        </p:nvSpPr>
-        <p:spPr/>
-        <p:txBody>
-          <a:bodyPr/>
-          <a:lstStyle/>
-          <a:p>
-            <a:r>
-              <a:rPr lang="en-US" altLang="zh-CN" dirty="0">
-                <a:latin typeface="Adobe 黑体 Std R" panose="020B0400000000000000" pitchFamily="34" charset="-122"/>
-                <a:ea typeface="Adobe 黑体 Std R" panose="020B0400000000000000" pitchFamily="34" charset="-122"/>
-              </a:rPr>
-              <a:t>Java</a:t>
-            </a:r>
-            <a:r>
-              <a:rPr lang="zh-CN" altLang="en-US" dirty="0">
-                <a:latin typeface="Adobe 黑体 Std R" panose="020B0400000000000000" pitchFamily="34" charset="-122"/>
-                <a:ea typeface="Adobe 黑体 Std R" panose="020B0400000000000000" pitchFamily="34" charset="-122"/>
-              </a:rPr>
-              <a:t>标识符</a:t>
-            </a:r>
-          </a:p>
-        </p:txBody>
-      </p:sp>
-      <p:sp>
-        <p:nvSpPr>
-          <p:cNvPr id="4" name="内容占位符 2">
-            <a:extLst>
-              <a:ext uri="{FF2B5EF4-FFF2-40B4-BE49-F238E27FC236}">
-                <a16:creationId xmlns:a16="http://schemas.microsoft.com/office/drawing/2014/main" id="{E106B62F-742C-443B-B758-6E661E0DEE83}"/>
-              </a:ext>
-            </a:extLst>
-          </p:cNvPr>
-          <p:cNvSpPr>
-            <a:spLocks noGrp="1"/>
-          </p:cNvSpPr>
-          <p:nvPr>
-            <p:ph idx="1"/>
-          </p:nvPr>
-        </p:nvSpPr>
-        <p:spPr>
-          <a:xfrm>
-            <a:off x="1365672" y="2492896"/>
-            <a:ext cx="6609928" cy="3672408"/>
-          </a:xfrm>
-        </p:spPr>
-        <p:txBody>
-          <a:bodyPr/>
-          <a:lstStyle/>
-          <a:p>
-            <a:r>
-              <a:rPr lang="zh-CN" altLang="en-US" b="1" dirty="0">
-                <a:latin typeface="华文新魏" panose="02010800040101010101" pitchFamily="2" charset="-122"/>
-                <a:ea typeface="华文新魏" panose="02010800040101010101" pitchFamily="2" charset="-122"/>
-              </a:rPr>
-              <a:t>标识符由字母、数字、下划线“</a:t>
-            </a:r>
-            <a:r>
-              <a:rPr lang="en-US" altLang="zh-CN" b="1" dirty="0">
-                <a:latin typeface="华文新魏" panose="02010800040101010101" pitchFamily="2" charset="-122"/>
-                <a:ea typeface="华文新魏" panose="02010800040101010101" pitchFamily="2" charset="-122"/>
-              </a:rPr>
-              <a:t>_”</a:t>
-            </a:r>
-            <a:r>
-              <a:rPr lang="zh-CN" altLang="en-US" b="1" dirty="0">
-                <a:latin typeface="华文新魏" panose="02010800040101010101" pitchFamily="2" charset="-122"/>
-                <a:ea typeface="华文新魏" panose="02010800040101010101" pitchFamily="2" charset="-122"/>
-              </a:rPr>
-              <a:t>、美元符号“</a:t>
-            </a:r>
-            <a:r>
-              <a:rPr lang="en-US" altLang="zh-CN" b="1" dirty="0">
-                <a:latin typeface="华文新魏" panose="02010800040101010101" pitchFamily="2" charset="-122"/>
-                <a:ea typeface="华文新魏" panose="02010800040101010101" pitchFamily="2" charset="-122"/>
-              </a:rPr>
-              <a:t>$”</a:t>
-            </a:r>
-            <a:r>
-              <a:rPr lang="zh-CN" altLang="en-US" b="1" dirty="0">
-                <a:latin typeface="华文新魏" panose="02010800040101010101" pitchFamily="2" charset="-122"/>
-                <a:ea typeface="华文新魏" panose="02010800040101010101" pitchFamily="2" charset="-122"/>
-              </a:rPr>
-              <a:t>组成，第一个字符不能是数字。</a:t>
-            </a:r>
-          </a:p>
-          <a:p>
-            <a:r>
-              <a:rPr lang="zh-CN" altLang="en-US" b="1" dirty="0">
-                <a:latin typeface="华文新魏" panose="02010800040101010101" pitchFamily="2" charset="-122"/>
-                <a:ea typeface="华文新魏" panose="02010800040101010101" pitchFamily="2" charset="-122"/>
-              </a:rPr>
-              <a:t>不能把</a:t>
-            </a:r>
-            <a:r>
-              <a:rPr lang="en-US" altLang="zh-CN" b="1" dirty="0">
-                <a:latin typeface="华文新魏" panose="02010800040101010101" pitchFamily="2" charset="-122"/>
-                <a:ea typeface="华文新魏" panose="02010800040101010101" pitchFamily="2" charset="-122"/>
-                <a:hlinkClick r:id="rId2">
-                  <a:extLst>
-                    <a:ext uri="{A12FA001-AC4F-418D-AE19-62706E023703}">
-                      <ahyp:hlinkClr xmlns:ahyp="http://schemas.microsoft.com/office/drawing/2018/hyperlinkcolor" val="tx"/>
-                    </a:ext>
-                  </a:extLst>
-                </a:hlinkClick>
-              </a:rPr>
-              <a:t>java</a:t>
-            </a:r>
-            <a:r>
-              <a:rPr lang="zh-CN" altLang="en-US" b="1" dirty="0">
-                <a:latin typeface="华文新魏" panose="02010800040101010101" pitchFamily="2" charset="-122"/>
-                <a:ea typeface="华文新魏" panose="02010800040101010101" pitchFamily="2" charset="-122"/>
-                <a:hlinkClick r:id="rId2">
-                  <a:extLst>
-                    <a:ext uri="{A12FA001-AC4F-418D-AE19-62706E023703}">
-                      <ahyp:hlinkClr xmlns:ahyp="http://schemas.microsoft.com/office/drawing/2018/hyperlinkcolor" val="tx"/>
-                    </a:ext>
-                  </a:extLst>
-                </a:hlinkClick>
-              </a:rPr>
-              <a:t>关键字</a:t>
-            </a:r>
-            <a:r>
-              <a:rPr lang="zh-CN" altLang="en-US" b="1" dirty="0">
-                <a:latin typeface="华文新魏" panose="02010800040101010101" pitchFamily="2" charset="-122"/>
-                <a:ea typeface="华文新魏" panose="02010800040101010101" pitchFamily="2" charset="-122"/>
-              </a:rPr>
-              <a:t>和</a:t>
-            </a:r>
-            <a:r>
-              <a:rPr lang="zh-CN" altLang="en-US" b="1" dirty="0">
-                <a:latin typeface="华文新魏" panose="02010800040101010101" pitchFamily="2" charset="-122"/>
-                <a:ea typeface="华文新魏" panose="02010800040101010101" pitchFamily="2" charset="-122"/>
-                <a:hlinkClick r:id="rId3">
-                  <a:extLst>
-                    <a:ext uri="{A12FA001-AC4F-418D-AE19-62706E023703}">
-                      <ahyp:hlinkClr xmlns:ahyp="http://schemas.microsoft.com/office/drawing/2018/hyperlinkcolor" val="tx"/>
-                    </a:ext>
-                  </a:extLst>
-                </a:hlinkClick>
-              </a:rPr>
-              <a:t>保留字</a:t>
-            </a:r>
-            <a:r>
-              <a:rPr lang="zh-CN" altLang="en-US" b="1" dirty="0">
-                <a:latin typeface="华文新魏" panose="02010800040101010101" pitchFamily="2" charset="-122"/>
-                <a:ea typeface="华文新魏" panose="02010800040101010101" pitchFamily="2" charset="-122"/>
-              </a:rPr>
-              <a:t>作为标识符。</a:t>
-            </a:r>
-          </a:p>
-          <a:p>
-            <a:r>
-              <a:rPr lang="zh-CN" altLang="en-US" b="1" dirty="0">
-                <a:latin typeface="华文新魏" panose="02010800040101010101" pitchFamily="2" charset="-122"/>
-                <a:ea typeface="华文新魏" panose="02010800040101010101" pitchFamily="2" charset="-122"/>
-              </a:rPr>
-              <a:t>标识符没有长度限制。</a:t>
-            </a:r>
-          </a:p>
-          <a:p>
-            <a:r>
-              <a:rPr lang="zh-CN" altLang="en-US" b="1" dirty="0">
-                <a:latin typeface="华文新魏" panose="02010800040101010101" pitchFamily="2" charset="-122"/>
-                <a:ea typeface="华文新魏" panose="02010800040101010101" pitchFamily="2" charset="-122"/>
-              </a:rPr>
-              <a:t>标识符对大小写敏感。</a:t>
-            </a:r>
-            <a:endParaRPr lang="en-US" altLang="zh-CN" b="1" dirty="0">
-              <a:latin typeface="华文新魏" panose="02010800040101010101" pitchFamily="2" charset="-122"/>
-              <a:ea typeface="华文新魏" panose="02010800040101010101" pitchFamily="2" charset="-122"/>
-            </a:endParaRPr>
-          </a:p>
-        </p:txBody>
-      </p:sp>
-    </p:spTree>
-    <p:extLst>
-      <p:ext uri="{BB962C8B-B14F-4D97-AF65-F5344CB8AC3E}">
-        <p14:creationId xmlns:p14="http://schemas.microsoft.com/office/powerpoint/2010/main" val="2241142518"/>
-      </p:ext>
-    </p:extLst>
-  </p:cSld>
-  <p:clrMapOvr>
-    <a:masterClrMapping/>
-  </p:clrMapOvr>
-</p:sld>
-</file>
-
-<file path=ppt/slides/slide40.xml><?xml version="1.0" encoding="utf-8"?>
-<p:sld xmlns:a="http://schemas.openxmlformats.org/drawingml/2006/main" xmlns:r="http://schemas.openxmlformats.org/officeDocument/2006/relationships" xmlns:p="http://schemas.openxmlformats.org/presentationml/2006/main">
-  <p:cSld>
-    <p:spTree>
-      <p:nvGrpSpPr>
-        <p:cNvPr id="1" name=""/>
-        <p:cNvGrpSpPr/>
-        <p:nvPr/>
-      </p:nvGrpSpPr>
-      <p:grpSpPr>
-        <a:xfrm>
-          <a:off x="0" y="0"/>
-          <a:ext cx="0" cy="0"/>
-          <a:chOff x="0" y="0"/>
-          <a:chExt cx="0" cy="0"/>
-        </a:xfrm>
-      </p:grpSpPr>
-      <p:sp>
-        <p:nvSpPr>
-          <p:cNvPr id="2" name="内容占位符 2"/>
-          <p:cNvSpPr txBox="1">
-            <a:spLocks/>
-          </p:cNvSpPr>
-          <p:nvPr/>
-        </p:nvSpPr>
-        <p:spPr>
-          <a:xfrm>
-            <a:off x="827584" y="2420888"/>
-            <a:ext cx="8229600" cy="3384376"/>
-          </a:xfrm>
-          <a:prstGeom prst="rect">
-            <a:avLst/>
-          </a:prstGeom>
-        </p:spPr>
-        <p:txBody>
-          <a:bodyPr/>
-          <a:lstStyle>
-            <a:lvl1pPr marL="342900" indent="-342900" algn="l" rtl="0" eaLnBrk="0" fontAlgn="base" hangingPunct="0">
-              <a:spcBef>
-                <a:spcPct val="20000"/>
-              </a:spcBef>
-              <a:spcAft>
-                <a:spcPct val="0"/>
-              </a:spcAft>
-              <a:buFont typeface="Arial" charset="0"/>
-              <a:buChar char="•"/>
-              <a:defRPr sz="3200" kern="1200">
-                <a:solidFill>
-                  <a:schemeClr val="tx1"/>
-                </a:solidFill>
-                <a:latin typeface="+mn-lt"/>
-                <a:ea typeface="+mn-ea"/>
-                <a:cs typeface="+mn-cs"/>
-              </a:defRPr>
-            </a:lvl1pPr>
-            <a:lvl2pPr marL="742950" indent="-285750" algn="l" rtl="0" eaLnBrk="0" fontAlgn="base" hangingPunct="0">
-              <a:spcBef>
-                <a:spcPct val="20000"/>
-              </a:spcBef>
-              <a:spcAft>
-                <a:spcPct val="0"/>
-              </a:spcAft>
-              <a:buFont typeface="Arial" charset="0"/>
-              <a:buChar char="–"/>
-              <a:defRPr sz="2800" kern="1200">
-                <a:solidFill>
-                  <a:schemeClr val="tx1"/>
-                </a:solidFill>
-                <a:latin typeface="+mn-lt"/>
-                <a:ea typeface="+mn-ea"/>
-                <a:cs typeface="+mn-cs"/>
-              </a:defRPr>
-            </a:lvl2pPr>
-            <a:lvl3pPr marL="1143000" indent="-228600" algn="l" rtl="0" eaLnBrk="0" fontAlgn="base" hangingPunct="0">
-              <a:spcBef>
-                <a:spcPct val="20000"/>
-              </a:spcBef>
-              <a:spcAft>
-                <a:spcPct val="0"/>
-              </a:spcAft>
-              <a:buFont typeface="Arial" charset="0"/>
-              <a:buChar char="•"/>
-              <a:defRPr sz="2400" kern="1200">
-                <a:solidFill>
-                  <a:schemeClr val="tx1"/>
-                </a:solidFill>
-                <a:latin typeface="+mn-lt"/>
-                <a:ea typeface="+mn-ea"/>
-                <a:cs typeface="+mn-cs"/>
-              </a:defRPr>
-            </a:lvl3pPr>
-            <a:lvl4pPr marL="1600200" indent="-228600" algn="l" rtl="0" eaLnBrk="0" fontAlgn="base" hangingPunct="0">
-              <a:spcBef>
-                <a:spcPct val="20000"/>
-              </a:spcBef>
-              <a:spcAft>
-                <a:spcPct val="0"/>
-              </a:spcAft>
-              <a:buFont typeface="Arial" charset="0"/>
-              <a:buChar char="–"/>
-              <a:defRPr sz="2000" kern="1200">
-                <a:solidFill>
-                  <a:schemeClr val="tx1"/>
-                </a:solidFill>
-                <a:latin typeface="+mn-lt"/>
-                <a:ea typeface="+mn-ea"/>
-                <a:cs typeface="+mn-cs"/>
-              </a:defRPr>
-            </a:lvl4pPr>
-            <a:lvl5pPr marL="2057400" indent="-228600" algn="l" rtl="0" eaLnBrk="0" fontAlgn="base" hangingPunct="0">
-              <a:spcBef>
-                <a:spcPct val="20000"/>
-              </a:spcBef>
-              <a:spcAft>
-                <a:spcPct val="0"/>
-              </a:spcAft>
-              <a:buFont typeface="Arial" charset="0"/>
-              <a:buChar char="»"/>
-              <a:defRPr sz="2000" kern="1200">
-                <a:solidFill>
-                  <a:schemeClr val="tx1"/>
-                </a:solidFill>
-                <a:latin typeface="+mn-lt"/>
-                <a:ea typeface="+mn-ea"/>
-                <a:cs typeface="+mn-cs"/>
-              </a:defRPr>
-            </a:lvl5pPr>
-            <a:lvl6pPr marL="2514600" indent="-228600" algn="l" defTabSz="914400" rtl="0" eaLnBrk="1" latinLnBrk="0" hangingPunct="1">
-              <a:spcBef>
-                <a:spcPct val="20000"/>
-              </a:spcBef>
-              <a:buFont typeface="Arial" pitchFamily="34" charset="0"/>
-              <a:buChar char="•"/>
-              <a:defRPr sz="2000" kern="1200">
-                <a:solidFill>
-                  <a:schemeClr val="tx1"/>
-                </a:solidFill>
-                <a:latin typeface="+mn-lt"/>
-                <a:ea typeface="+mn-ea"/>
-                <a:cs typeface="+mn-cs"/>
-              </a:defRPr>
-            </a:lvl6pPr>
-            <a:lvl7pPr marL="2971800" indent="-228600" algn="l" defTabSz="914400" rtl="0" eaLnBrk="1" latinLnBrk="0" hangingPunct="1">
-              <a:spcBef>
-                <a:spcPct val="20000"/>
-              </a:spcBef>
-              <a:buFont typeface="Arial" pitchFamily="34" charset="0"/>
-              <a:buChar char="•"/>
-              <a:defRPr sz="2000" kern="1200">
-                <a:solidFill>
-                  <a:schemeClr val="tx1"/>
-                </a:solidFill>
-                <a:latin typeface="+mn-lt"/>
-                <a:ea typeface="+mn-ea"/>
-                <a:cs typeface="+mn-cs"/>
-              </a:defRPr>
-            </a:lvl7pPr>
-            <a:lvl8pPr marL="3429000" indent="-228600" algn="l" defTabSz="914400" rtl="0" eaLnBrk="1" latinLnBrk="0" hangingPunct="1">
-              <a:spcBef>
-                <a:spcPct val="20000"/>
-              </a:spcBef>
-              <a:buFont typeface="Arial" pitchFamily="34" charset="0"/>
-              <a:buChar char="•"/>
-              <a:defRPr sz="2000" kern="1200">
-                <a:solidFill>
-                  <a:schemeClr val="tx1"/>
-                </a:solidFill>
-                <a:latin typeface="+mn-lt"/>
-                <a:ea typeface="+mn-ea"/>
-                <a:cs typeface="+mn-cs"/>
-              </a:defRPr>
-            </a:lvl8pPr>
-            <a:lvl9pPr marL="3886200" indent="-228600" algn="l" defTabSz="914400" rtl="0" eaLnBrk="1" latinLnBrk="0" hangingPunct="1">
-              <a:spcBef>
-                <a:spcPct val="20000"/>
-              </a:spcBef>
-              <a:buFont typeface="Arial" pitchFamily="34" charset="0"/>
-              <a:buChar char="•"/>
-              <a:defRPr sz="2000" kern="1200">
-                <a:solidFill>
-                  <a:schemeClr val="tx1"/>
-                </a:solidFill>
-                <a:latin typeface="+mn-lt"/>
-                <a:ea typeface="+mn-ea"/>
-                <a:cs typeface="+mn-cs"/>
-              </a:defRPr>
-            </a:lvl9pPr>
-          </a:lstStyle>
-          <a:p>
-            <a:r>
-              <a:rPr lang="zh-CN" altLang="en-US" dirty="0">
-                <a:latin typeface="Adobe 楷体 Std R" panose="02020400000000000000" pitchFamily="18" charset="-122"/>
-                <a:ea typeface="Adobe 楷体 Std R" panose="02020400000000000000" pitchFamily="18" charset="-122"/>
-              </a:rPr>
-              <a:t>标识符相关</a:t>
-            </a:r>
-            <a:endParaRPr lang="en-US" altLang="zh-CN" dirty="0">
-              <a:latin typeface="Adobe 楷体 Std R" panose="02020400000000000000" pitchFamily="18" charset="-122"/>
-              <a:ea typeface="Adobe 楷体 Std R" panose="02020400000000000000" pitchFamily="18" charset="-122"/>
-            </a:endParaRPr>
-          </a:p>
-          <a:p>
-            <a:r>
-              <a:rPr lang="zh-CN" altLang="en-US" dirty="0">
-                <a:latin typeface="Adobe 楷体 Std R" panose="02020400000000000000" pitchFamily="18" charset="-122"/>
-                <a:ea typeface="Adobe 楷体 Std R" panose="02020400000000000000" pitchFamily="18" charset="-122"/>
-              </a:rPr>
-              <a:t>注释相关</a:t>
-            </a:r>
-            <a:endParaRPr lang="en-US" altLang="zh-CN" dirty="0">
-              <a:latin typeface="Adobe 楷体 Std R" panose="02020400000000000000" pitchFamily="18" charset="-122"/>
-              <a:ea typeface="Adobe 楷体 Std R" panose="02020400000000000000" pitchFamily="18" charset="-122"/>
-            </a:endParaRPr>
-          </a:p>
-          <a:p>
-            <a:r>
-              <a:rPr lang="zh-CN" altLang="en-US" dirty="0">
-                <a:latin typeface="Adobe 楷体 Std R" panose="02020400000000000000" pitchFamily="18" charset="-122"/>
-                <a:ea typeface="Adobe 楷体 Std R" panose="02020400000000000000" pitchFamily="18" charset="-122"/>
-              </a:rPr>
-              <a:t>逻辑相关</a:t>
-            </a:r>
-            <a:endParaRPr lang="en-US" altLang="zh-CN" dirty="0">
-              <a:latin typeface="Adobe 楷体 Std R" panose="02020400000000000000" pitchFamily="18" charset="-122"/>
-              <a:ea typeface="Adobe 楷体 Std R" panose="02020400000000000000" pitchFamily="18" charset="-122"/>
-            </a:endParaRPr>
-          </a:p>
-          <a:p>
-            <a:r>
-              <a:rPr lang="zh-CN" altLang="en-US" dirty="0">
-                <a:solidFill>
-                  <a:srgbClr val="FF0000"/>
-                </a:solidFill>
-                <a:latin typeface="Adobe 楷体 Std R" panose="02020400000000000000" pitchFamily="18" charset="-122"/>
-                <a:ea typeface="Adobe 楷体 Std R" panose="02020400000000000000" pitchFamily="18" charset="-122"/>
-              </a:rPr>
-              <a:t>特殊问题</a:t>
-            </a:r>
-            <a:endParaRPr lang="en-US" altLang="zh-CN" dirty="0">
-              <a:solidFill>
-                <a:srgbClr val="FF0000"/>
-              </a:solidFill>
-              <a:latin typeface="Adobe 楷体 Std R" panose="02020400000000000000" pitchFamily="18" charset="-122"/>
-              <a:ea typeface="Adobe 楷体 Std R" panose="02020400000000000000" pitchFamily="18" charset="-122"/>
-            </a:endParaRPr>
-          </a:p>
-          <a:p>
-            <a:r>
-              <a:rPr lang="zh-CN" altLang="en-US" dirty="0">
-                <a:latin typeface="Adobe 楷体 Std R" panose="02020400000000000000" pitchFamily="18" charset="-122"/>
-                <a:ea typeface="Adobe 楷体 Std R" panose="02020400000000000000" pitchFamily="18" charset="-122"/>
-              </a:rPr>
-              <a:t>异常相关</a:t>
-            </a:r>
-            <a:endParaRPr lang="en-US" altLang="zh-CN" dirty="0">
-              <a:latin typeface="Adobe 楷体 Std R" panose="02020400000000000000" pitchFamily="18" charset="-122"/>
-              <a:ea typeface="Adobe 楷体 Std R" panose="02020400000000000000" pitchFamily="18" charset="-122"/>
-            </a:endParaRPr>
-          </a:p>
-          <a:p>
-            <a:endParaRPr lang="en-US" altLang="zh-CN" sz="1600" dirty="0"/>
-          </a:p>
-        </p:txBody>
-      </p:sp>
-      <p:sp>
-        <p:nvSpPr>
-          <p:cNvPr id="3" name="标题 1"/>
-          <p:cNvSpPr txBox="1">
-            <a:spLocks/>
-          </p:cNvSpPr>
-          <p:nvPr/>
-        </p:nvSpPr>
-        <p:spPr>
-          <a:xfrm>
-            <a:off x="539552" y="1196752"/>
-            <a:ext cx="8208912" cy="952500"/>
-          </a:xfrm>
-          <a:prstGeom prst="rect">
-            <a:avLst/>
-          </a:prstGeom>
-        </p:spPr>
-        <p:txBody>
-          <a:bodyPr/>
-          <a:lstStyle>
-            <a:lvl1pPr algn="ctr" rtl="0" eaLnBrk="0" fontAlgn="base" hangingPunct="0">
-              <a:spcBef>
-                <a:spcPct val="0"/>
-              </a:spcBef>
-              <a:spcAft>
-                <a:spcPct val="0"/>
-              </a:spcAft>
-              <a:defRPr sz="4400" kern="1200">
-                <a:solidFill>
-                  <a:schemeClr val="tx1"/>
-                </a:solidFill>
-                <a:latin typeface="+mj-lt"/>
-                <a:ea typeface="+mj-ea"/>
-                <a:cs typeface="+mj-cs"/>
-              </a:defRPr>
-            </a:lvl1pPr>
-            <a:lvl2pPr algn="ctr" rtl="0" eaLnBrk="0" fontAlgn="base" hangingPunct="0">
-              <a:spcBef>
-                <a:spcPct val="0"/>
-              </a:spcBef>
-              <a:spcAft>
-                <a:spcPct val="0"/>
-              </a:spcAft>
-              <a:defRPr sz="4400">
-                <a:solidFill>
-                  <a:schemeClr val="tx1"/>
-                </a:solidFill>
-                <a:latin typeface="Calibri" pitchFamily="34" charset="0"/>
-                <a:ea typeface="宋体" pitchFamily="2" charset="-122"/>
-              </a:defRPr>
-            </a:lvl2pPr>
-            <a:lvl3pPr algn="ctr" rtl="0" eaLnBrk="0" fontAlgn="base" hangingPunct="0">
-              <a:spcBef>
-                <a:spcPct val="0"/>
-              </a:spcBef>
-              <a:spcAft>
-                <a:spcPct val="0"/>
-              </a:spcAft>
-              <a:defRPr sz="4400">
-                <a:solidFill>
-                  <a:schemeClr val="tx1"/>
-                </a:solidFill>
-                <a:latin typeface="Calibri" pitchFamily="34" charset="0"/>
-                <a:ea typeface="宋体" pitchFamily="2" charset="-122"/>
-              </a:defRPr>
-            </a:lvl3pPr>
-            <a:lvl4pPr algn="ctr" rtl="0" eaLnBrk="0" fontAlgn="base" hangingPunct="0">
-              <a:spcBef>
-                <a:spcPct val="0"/>
-              </a:spcBef>
-              <a:spcAft>
-                <a:spcPct val="0"/>
-              </a:spcAft>
-              <a:defRPr sz="4400">
-                <a:solidFill>
-                  <a:schemeClr val="tx1"/>
-                </a:solidFill>
-                <a:latin typeface="Calibri" pitchFamily="34" charset="0"/>
-                <a:ea typeface="宋体" pitchFamily="2" charset="-122"/>
-              </a:defRPr>
-            </a:lvl4pPr>
-            <a:lvl5pPr algn="ctr" rtl="0" eaLnBrk="0" fontAlgn="base" hangingPunct="0">
-              <a:spcBef>
-                <a:spcPct val="0"/>
-              </a:spcBef>
-              <a:spcAft>
-                <a:spcPct val="0"/>
-              </a:spcAft>
-              <a:defRPr sz="4400">
-                <a:solidFill>
-                  <a:schemeClr val="tx1"/>
-                </a:solidFill>
-                <a:latin typeface="Calibri" pitchFamily="34" charset="0"/>
-                <a:ea typeface="宋体" pitchFamily="2" charset="-122"/>
-              </a:defRPr>
-            </a:lvl5pPr>
-            <a:lvl6pPr marL="457200" algn="ctr" rtl="0" fontAlgn="base">
-              <a:spcBef>
-                <a:spcPct val="0"/>
-              </a:spcBef>
-              <a:spcAft>
-                <a:spcPct val="0"/>
-              </a:spcAft>
-              <a:defRPr sz="4400">
-                <a:solidFill>
-                  <a:schemeClr val="tx1"/>
-                </a:solidFill>
-                <a:latin typeface="Calibri" pitchFamily="34" charset="0"/>
-                <a:ea typeface="宋体" pitchFamily="2" charset="-122"/>
-              </a:defRPr>
-            </a:lvl6pPr>
-            <a:lvl7pPr marL="914400" algn="ctr" rtl="0" fontAlgn="base">
-              <a:spcBef>
-                <a:spcPct val="0"/>
-              </a:spcBef>
-              <a:spcAft>
-                <a:spcPct val="0"/>
-              </a:spcAft>
-              <a:defRPr sz="4400">
-                <a:solidFill>
-                  <a:schemeClr val="tx1"/>
-                </a:solidFill>
-                <a:latin typeface="Calibri" pitchFamily="34" charset="0"/>
-                <a:ea typeface="宋体" pitchFamily="2" charset="-122"/>
-              </a:defRPr>
-            </a:lvl7pPr>
-            <a:lvl8pPr marL="1371600" algn="ctr" rtl="0" fontAlgn="base">
-              <a:spcBef>
-                <a:spcPct val="0"/>
-              </a:spcBef>
-              <a:spcAft>
-                <a:spcPct val="0"/>
-              </a:spcAft>
-              <a:defRPr sz="4400">
-                <a:solidFill>
-                  <a:schemeClr val="tx1"/>
-                </a:solidFill>
-                <a:latin typeface="Calibri" pitchFamily="34" charset="0"/>
-                <a:ea typeface="宋体" pitchFamily="2" charset="-122"/>
-              </a:defRPr>
-            </a:lvl8pPr>
-            <a:lvl9pPr marL="1828800" algn="ctr" rtl="0" fontAlgn="base">
-              <a:spcBef>
-                <a:spcPct val="0"/>
-              </a:spcBef>
-              <a:spcAft>
-                <a:spcPct val="0"/>
-              </a:spcAft>
-              <a:defRPr sz="4400">
-                <a:solidFill>
-                  <a:schemeClr val="tx1"/>
-                </a:solidFill>
-                <a:latin typeface="Calibri" pitchFamily="34" charset="0"/>
-                <a:ea typeface="宋体" pitchFamily="2" charset="-122"/>
-              </a:defRPr>
-            </a:lvl9pPr>
-          </a:lstStyle>
-          <a:p>
-            <a:pPr algn="l"/>
-            <a:r>
-              <a:rPr lang="zh-CN" altLang="en-US" b="1" dirty="0">
-                <a:latin typeface="Adobe 楷体 Std R" panose="02020400000000000000" pitchFamily="18" charset="-122"/>
-                <a:ea typeface="Adobe 楷体 Std R" panose="02020400000000000000" pitchFamily="18" charset="-122"/>
-              </a:rPr>
-              <a:t>目录</a:t>
-            </a:r>
-          </a:p>
-        </p:txBody>
-      </p:sp>
-    </p:spTree>
-    <p:extLst>
-      <p:ext uri="{BB962C8B-B14F-4D97-AF65-F5344CB8AC3E}">
-        <p14:creationId xmlns:p14="http://schemas.microsoft.com/office/powerpoint/2010/main" val="4016667854"/>
-      </p:ext>
-    </p:extLst>
-  </p:cSld>
-  <p:clrMapOvr>
-    <a:masterClrMapping/>
-  </p:clrMapOvr>
-</p:sld>
-</file>
-
 <file path=ppt/slides/slide41.xml><?xml version="1.0" encoding="utf-8"?>
 <p:sld xmlns:a="http://schemas.openxmlformats.org/drawingml/2006/main" xmlns:r="http://schemas.openxmlformats.org/officeDocument/2006/relationships" xmlns:p="http://schemas.openxmlformats.org/presentationml/2006/main">
   <p:cSld>
@@ -14493,117 +14686,424 @@
       </p:grpSpPr>
       <p:sp>
         <p:nvSpPr>
-          <p:cNvPr id="2" name="标题 1"/>
-          <p:cNvSpPr>
-            <a:spLocks noGrp="1"/>
+          <p:cNvPr id="2" name="内容占位符 2"/>
+          <p:cNvSpPr txBox="1">
+            <a:spLocks/>
           </p:cNvSpPr>
-          <p:nvPr>
-            <p:ph type="title"/>
-          </p:nvPr>
-        </p:nvSpPr>
-        <p:spPr/>
-        <p:txBody>
-          <a:bodyPr/>
-          <a:lstStyle/>
-          <a:p>
-            <a:r>
-              <a:rPr lang="zh-CN" altLang="en-US" dirty="0"/>
-              <a:t>运算符优先级</a:t>
-            </a:r>
-          </a:p>
-        </p:txBody>
-      </p:sp>
-      <p:sp>
-        <p:nvSpPr>
-          <p:cNvPr id="4" name="TextBox 3"/>
-          <p:cNvSpPr txBox="1"/>
           <p:nvPr/>
         </p:nvSpPr>
         <p:spPr>
           <a:xfrm>
-            <a:off x="971600" y="2492896"/>
-            <a:ext cx="7488832" cy="3724096"/>
+            <a:off x="827584" y="2420888"/>
+            <a:ext cx="8229600" cy="3384376"/>
           </a:xfrm>
           <a:prstGeom prst="rect">
             <a:avLst/>
           </a:prstGeom>
-          <a:noFill/>
         </p:spPr>
         <p:txBody>
-          <a:bodyPr wrap="square" rtlCol="0">
-            <a:spAutoFit/>
-          </a:bodyPr>
-          <a:lstStyle/>
-          <a:p>
-            <a:r>
-              <a:rPr lang="en-US" altLang="zh-CN" sz="3200" dirty="0"/>
-              <a:t>1</a:t>
-            </a:r>
-            <a:r>
-              <a:rPr lang="zh-CN" altLang="en-US" sz="3200" dirty="0"/>
-              <a:t>、先算哪部分？</a:t>
-            </a:r>
-            <a:endParaRPr lang="en-US" altLang="zh-CN" sz="3200" dirty="0"/>
-          </a:p>
-          <a:p>
-            <a:r>
-              <a:rPr lang="en-US" altLang="zh-CN" sz="3200" dirty="0"/>
-              <a:t>2</a:t>
-            </a:r>
-            <a:r>
-              <a:rPr lang="zh-CN" altLang="en-US" sz="3200" dirty="0"/>
-              <a:t>、会不会受到写法的影响？</a:t>
-            </a:r>
-            <a:endParaRPr lang="en-US" altLang="zh-CN" sz="3200" dirty="0"/>
-          </a:p>
-          <a:p>
-            <a:endParaRPr lang="en-US" altLang="zh-CN" dirty="0"/>
-          </a:p>
-          <a:p>
-            <a:r>
-              <a:rPr lang="en-US" altLang="zh-CN" dirty="0"/>
-              <a:t>0x07 	+	 0x01	 &lt;&lt; 	3 </a:t>
-            </a:r>
-          </a:p>
-          <a:p>
-            <a:r>
-              <a:rPr lang="en-US" altLang="zh-CN" dirty="0"/>
-              <a:t>0x07	+	0x01&lt;&lt; 3</a:t>
-            </a:r>
-          </a:p>
-          <a:p>
-            <a:r>
-              <a:rPr lang="en-US" altLang="zh-CN" dirty="0"/>
-              <a:t>0x07+0x01	&lt;&lt;  3 </a:t>
-            </a:r>
-          </a:p>
-          <a:p>
-            <a:endParaRPr lang="en-US" altLang="zh-CN" dirty="0"/>
-          </a:p>
-          <a:p>
-            <a:endParaRPr lang="en-US" altLang="zh-CN" dirty="0"/>
-          </a:p>
-          <a:p>
-            <a:r>
-              <a:rPr lang="zh-CN" altLang="en-US" sz="3200" dirty="0">
+          <a:bodyPr/>
+          <a:lstStyle>
+            <a:lvl1pPr marL="342900" indent="-342900" algn="l" rtl="0" eaLnBrk="0" fontAlgn="base" hangingPunct="0">
+              <a:spcBef>
+                <a:spcPct val="20000"/>
+              </a:spcBef>
+              <a:spcAft>
+                <a:spcPct val="0"/>
+              </a:spcAft>
+              <a:buFont typeface="Arial" charset="0"/>
+              <a:buChar char="•"/>
+              <a:defRPr sz="3200" kern="1200">
+                <a:solidFill>
+                  <a:schemeClr val="tx1"/>
+                </a:solidFill>
+                <a:latin typeface="+mn-lt"/>
+                <a:ea typeface="+mn-ea"/>
+                <a:cs typeface="+mn-cs"/>
+              </a:defRPr>
+            </a:lvl1pPr>
+            <a:lvl2pPr marL="742950" indent="-285750" algn="l" rtl="0" eaLnBrk="0" fontAlgn="base" hangingPunct="0">
+              <a:spcBef>
+                <a:spcPct val="20000"/>
+              </a:spcBef>
+              <a:spcAft>
+                <a:spcPct val="0"/>
+              </a:spcAft>
+              <a:buFont typeface="Arial" charset="0"/>
+              <a:buChar char="–"/>
+              <a:defRPr sz="2800" kern="1200">
+                <a:solidFill>
+                  <a:schemeClr val="tx1"/>
+                </a:solidFill>
+                <a:latin typeface="+mn-lt"/>
+                <a:ea typeface="+mn-ea"/>
+                <a:cs typeface="+mn-cs"/>
+              </a:defRPr>
+            </a:lvl2pPr>
+            <a:lvl3pPr marL="1143000" indent="-228600" algn="l" rtl="0" eaLnBrk="0" fontAlgn="base" hangingPunct="0">
+              <a:spcBef>
+                <a:spcPct val="20000"/>
+              </a:spcBef>
+              <a:spcAft>
+                <a:spcPct val="0"/>
+              </a:spcAft>
+              <a:buFont typeface="Arial" charset="0"/>
+              <a:buChar char="•"/>
+              <a:defRPr sz="2400" kern="1200">
+                <a:solidFill>
+                  <a:schemeClr val="tx1"/>
+                </a:solidFill>
+                <a:latin typeface="+mn-lt"/>
+                <a:ea typeface="+mn-ea"/>
+                <a:cs typeface="+mn-cs"/>
+              </a:defRPr>
+            </a:lvl3pPr>
+            <a:lvl4pPr marL="1600200" indent="-228600" algn="l" rtl="0" eaLnBrk="0" fontAlgn="base" hangingPunct="0">
+              <a:spcBef>
+                <a:spcPct val="20000"/>
+              </a:spcBef>
+              <a:spcAft>
+                <a:spcPct val="0"/>
+              </a:spcAft>
+              <a:buFont typeface="Arial" charset="0"/>
+              <a:buChar char="–"/>
+              <a:defRPr sz="2000" kern="1200">
+                <a:solidFill>
+                  <a:schemeClr val="tx1"/>
+                </a:solidFill>
+                <a:latin typeface="+mn-lt"/>
+                <a:ea typeface="+mn-ea"/>
+                <a:cs typeface="+mn-cs"/>
+              </a:defRPr>
+            </a:lvl4pPr>
+            <a:lvl5pPr marL="2057400" indent="-228600" algn="l" rtl="0" eaLnBrk="0" fontAlgn="base" hangingPunct="0">
+              <a:spcBef>
+                <a:spcPct val="20000"/>
+              </a:spcBef>
+              <a:spcAft>
+                <a:spcPct val="0"/>
+              </a:spcAft>
+              <a:buFont typeface="Arial" charset="0"/>
+              <a:buChar char="»"/>
+              <a:defRPr sz="2000" kern="1200">
+                <a:solidFill>
+                  <a:schemeClr val="tx1"/>
+                </a:solidFill>
+                <a:latin typeface="+mn-lt"/>
+                <a:ea typeface="+mn-ea"/>
+                <a:cs typeface="+mn-cs"/>
+              </a:defRPr>
+            </a:lvl5pPr>
+            <a:lvl6pPr marL="2514600" indent="-228600" algn="l" defTabSz="914400" rtl="0" eaLnBrk="1" latinLnBrk="0" hangingPunct="1">
+              <a:spcBef>
+                <a:spcPct val="20000"/>
+              </a:spcBef>
+              <a:buFont typeface="Arial" pitchFamily="34" charset="0"/>
+              <a:buChar char="•"/>
+              <a:defRPr sz="2000" kern="1200">
+                <a:solidFill>
+                  <a:schemeClr val="tx1"/>
+                </a:solidFill>
+                <a:latin typeface="+mn-lt"/>
+                <a:ea typeface="+mn-ea"/>
+                <a:cs typeface="+mn-cs"/>
+              </a:defRPr>
+            </a:lvl6pPr>
+            <a:lvl7pPr marL="2971800" indent="-228600" algn="l" defTabSz="914400" rtl="0" eaLnBrk="1" latinLnBrk="0" hangingPunct="1">
+              <a:spcBef>
+                <a:spcPct val="20000"/>
+              </a:spcBef>
+              <a:buFont typeface="Arial" pitchFamily="34" charset="0"/>
+              <a:buChar char="•"/>
+              <a:defRPr sz="2000" kern="1200">
+                <a:solidFill>
+                  <a:schemeClr val="tx1"/>
+                </a:solidFill>
+                <a:latin typeface="+mn-lt"/>
+                <a:ea typeface="+mn-ea"/>
+                <a:cs typeface="+mn-cs"/>
+              </a:defRPr>
+            </a:lvl7pPr>
+            <a:lvl8pPr marL="3429000" indent="-228600" algn="l" defTabSz="914400" rtl="0" eaLnBrk="1" latinLnBrk="0" hangingPunct="1">
+              <a:spcBef>
+                <a:spcPct val="20000"/>
+              </a:spcBef>
+              <a:buFont typeface="Arial" pitchFamily="34" charset="0"/>
+              <a:buChar char="•"/>
+              <a:defRPr sz="2000" kern="1200">
+                <a:solidFill>
+                  <a:schemeClr val="tx1"/>
+                </a:solidFill>
+                <a:latin typeface="+mn-lt"/>
+                <a:ea typeface="+mn-ea"/>
+                <a:cs typeface="+mn-cs"/>
+              </a:defRPr>
+            </a:lvl8pPr>
+            <a:lvl9pPr marL="3886200" indent="-228600" algn="l" defTabSz="914400" rtl="0" eaLnBrk="1" latinLnBrk="0" hangingPunct="1">
+              <a:spcBef>
+                <a:spcPct val="20000"/>
+              </a:spcBef>
+              <a:buFont typeface="Arial" pitchFamily="34" charset="0"/>
+              <a:buChar char="•"/>
+              <a:defRPr sz="2000" kern="1200">
+                <a:solidFill>
+                  <a:schemeClr val="tx1"/>
+                </a:solidFill>
+                <a:latin typeface="+mn-lt"/>
+                <a:ea typeface="+mn-ea"/>
+                <a:cs typeface="+mn-cs"/>
+              </a:defRPr>
+            </a:lvl9pPr>
+          </a:lstStyle>
+          <a:p>
+            <a:r>
+              <a:rPr lang="zh-CN" altLang="en-US" dirty="0">
+                <a:latin typeface="Adobe 楷体 Std R" panose="02020400000000000000" pitchFamily="18" charset="-122"/>
+                <a:ea typeface="Adobe 楷体 Std R" panose="02020400000000000000" pitchFamily="18" charset="-122"/>
+              </a:rPr>
+              <a:t>标识符相关</a:t>
+            </a:r>
+            <a:endParaRPr lang="en-US" altLang="zh-CN" dirty="0">
+              <a:latin typeface="Adobe 楷体 Std R" panose="02020400000000000000" pitchFamily="18" charset="-122"/>
+              <a:ea typeface="Adobe 楷体 Std R" panose="02020400000000000000" pitchFamily="18" charset="-122"/>
+            </a:endParaRPr>
+          </a:p>
+          <a:p>
+            <a:r>
+              <a:rPr lang="zh-CN" altLang="en-US" dirty="0">
+                <a:latin typeface="Adobe 楷体 Std R" panose="02020400000000000000" pitchFamily="18" charset="-122"/>
+                <a:ea typeface="Adobe 楷体 Std R" panose="02020400000000000000" pitchFamily="18" charset="-122"/>
+              </a:rPr>
+              <a:t>注释相关</a:t>
+            </a:r>
+            <a:endParaRPr lang="en-US" altLang="zh-CN" dirty="0">
+              <a:latin typeface="Adobe 楷体 Std R" panose="02020400000000000000" pitchFamily="18" charset="-122"/>
+              <a:ea typeface="Adobe 楷体 Std R" panose="02020400000000000000" pitchFamily="18" charset="-122"/>
+            </a:endParaRPr>
+          </a:p>
+          <a:p>
+            <a:r>
+              <a:rPr lang="zh-CN" altLang="en-US" dirty="0">
+                <a:latin typeface="Adobe 楷体 Std R" panose="02020400000000000000" pitchFamily="18" charset="-122"/>
+                <a:ea typeface="Adobe 楷体 Std R" panose="02020400000000000000" pitchFamily="18" charset="-122"/>
+              </a:rPr>
+              <a:t>逻辑相关</a:t>
+            </a:r>
+            <a:endParaRPr lang="en-US" altLang="zh-CN" dirty="0">
+              <a:latin typeface="Adobe 楷体 Std R" panose="02020400000000000000" pitchFamily="18" charset="-122"/>
+              <a:ea typeface="Adobe 楷体 Std R" panose="02020400000000000000" pitchFamily="18" charset="-122"/>
+            </a:endParaRPr>
+          </a:p>
+          <a:p>
+            <a:r>
+              <a:rPr lang="zh-CN" altLang="en-US" dirty="0">
                 <a:solidFill>
                   <a:srgbClr val="FF0000"/>
                 </a:solidFill>
-              </a:rPr>
-              <a:t>即便能记得住，也还是用“（）” 处理一下吧</a:t>
-            </a:r>
-            <a:endParaRPr lang="en-US" altLang="zh-CN" sz="3200" dirty="0">
+                <a:latin typeface="Adobe 楷体 Std R" panose="02020400000000000000" pitchFamily="18" charset="-122"/>
+                <a:ea typeface="Adobe 楷体 Std R" panose="02020400000000000000" pitchFamily="18" charset="-122"/>
+              </a:rPr>
+              <a:t>特殊问题</a:t>
+            </a:r>
+            <a:endParaRPr lang="en-US" altLang="zh-CN" dirty="0">
               <a:solidFill>
                 <a:srgbClr val="FF0000"/>
               </a:solidFill>
+              <a:latin typeface="Adobe 楷体 Std R" panose="02020400000000000000" pitchFamily="18" charset="-122"/>
+              <a:ea typeface="Adobe 楷体 Std R" panose="02020400000000000000" pitchFamily="18" charset="-122"/>
             </a:endParaRPr>
+          </a:p>
+          <a:p>
+            <a:r>
+              <a:rPr lang="zh-CN" altLang="en-US" dirty="0">
+                <a:latin typeface="Adobe 楷体 Std R" panose="02020400000000000000" pitchFamily="18" charset="-122"/>
+                <a:ea typeface="Adobe 楷体 Std R" panose="02020400000000000000" pitchFamily="18" charset="-122"/>
+              </a:rPr>
+              <a:t>异常相关</a:t>
+            </a:r>
+            <a:endParaRPr lang="en-US" altLang="zh-CN" dirty="0">
+              <a:latin typeface="Adobe 楷体 Std R" panose="02020400000000000000" pitchFamily="18" charset="-122"/>
+              <a:ea typeface="Adobe 楷体 Std R" panose="02020400000000000000" pitchFamily="18" charset="-122"/>
+            </a:endParaRPr>
+          </a:p>
+          <a:p>
+            <a:endParaRPr lang="en-US" altLang="zh-CN" sz="1600" dirty="0"/>
+          </a:p>
+        </p:txBody>
+      </p:sp>
+      <p:sp>
+        <p:nvSpPr>
+          <p:cNvPr id="3" name="标题 1"/>
+          <p:cNvSpPr txBox="1">
+            <a:spLocks/>
+          </p:cNvSpPr>
+          <p:nvPr/>
+        </p:nvSpPr>
+        <p:spPr>
+          <a:xfrm>
+            <a:off x="539552" y="1196752"/>
+            <a:ext cx="8208912" cy="952500"/>
+          </a:xfrm>
+          <a:prstGeom prst="rect">
+            <a:avLst/>
+          </a:prstGeom>
+        </p:spPr>
+        <p:txBody>
+          <a:bodyPr/>
+          <a:lstStyle>
+            <a:lvl1pPr algn="ctr" rtl="0" eaLnBrk="0" fontAlgn="base" hangingPunct="0">
+              <a:spcBef>
+                <a:spcPct val="0"/>
+              </a:spcBef>
+              <a:spcAft>
+                <a:spcPct val="0"/>
+              </a:spcAft>
+              <a:defRPr sz="4400" kern="1200">
+                <a:solidFill>
+                  <a:schemeClr val="tx1"/>
+                </a:solidFill>
+                <a:latin typeface="+mj-lt"/>
+                <a:ea typeface="+mj-ea"/>
+                <a:cs typeface="+mj-cs"/>
+              </a:defRPr>
+            </a:lvl1pPr>
+            <a:lvl2pPr algn="ctr" rtl="0" eaLnBrk="0" fontAlgn="base" hangingPunct="0">
+              <a:spcBef>
+                <a:spcPct val="0"/>
+              </a:spcBef>
+              <a:spcAft>
+                <a:spcPct val="0"/>
+              </a:spcAft>
+              <a:defRPr sz="4400">
+                <a:solidFill>
+                  <a:schemeClr val="tx1"/>
+                </a:solidFill>
+                <a:latin typeface="Calibri" pitchFamily="34" charset="0"/>
+                <a:ea typeface="宋体" pitchFamily="2" charset="-122"/>
+              </a:defRPr>
+            </a:lvl2pPr>
+            <a:lvl3pPr algn="ctr" rtl="0" eaLnBrk="0" fontAlgn="base" hangingPunct="0">
+              <a:spcBef>
+                <a:spcPct val="0"/>
+              </a:spcBef>
+              <a:spcAft>
+                <a:spcPct val="0"/>
+              </a:spcAft>
+              <a:defRPr sz="4400">
+                <a:solidFill>
+                  <a:schemeClr val="tx1"/>
+                </a:solidFill>
+                <a:latin typeface="Calibri" pitchFamily="34" charset="0"/>
+                <a:ea typeface="宋体" pitchFamily="2" charset="-122"/>
+              </a:defRPr>
+            </a:lvl3pPr>
+            <a:lvl4pPr algn="ctr" rtl="0" eaLnBrk="0" fontAlgn="base" hangingPunct="0">
+              <a:spcBef>
+                <a:spcPct val="0"/>
+              </a:spcBef>
+              <a:spcAft>
+                <a:spcPct val="0"/>
+              </a:spcAft>
+              <a:defRPr sz="4400">
+                <a:solidFill>
+                  <a:schemeClr val="tx1"/>
+                </a:solidFill>
+                <a:latin typeface="Calibri" pitchFamily="34" charset="0"/>
+                <a:ea typeface="宋体" pitchFamily="2" charset="-122"/>
+              </a:defRPr>
+            </a:lvl4pPr>
+            <a:lvl5pPr algn="ctr" rtl="0" eaLnBrk="0" fontAlgn="base" hangingPunct="0">
+              <a:spcBef>
+                <a:spcPct val="0"/>
+              </a:spcBef>
+              <a:spcAft>
+                <a:spcPct val="0"/>
+              </a:spcAft>
+              <a:defRPr sz="4400">
+                <a:solidFill>
+                  <a:schemeClr val="tx1"/>
+                </a:solidFill>
+                <a:latin typeface="Calibri" pitchFamily="34" charset="0"/>
+                <a:ea typeface="宋体" pitchFamily="2" charset="-122"/>
+              </a:defRPr>
+            </a:lvl5pPr>
+            <a:lvl6pPr marL="457200" algn="ctr" rtl="0" fontAlgn="base">
+              <a:spcBef>
+                <a:spcPct val="0"/>
+              </a:spcBef>
+              <a:spcAft>
+                <a:spcPct val="0"/>
+              </a:spcAft>
+              <a:defRPr sz="4400">
+                <a:solidFill>
+                  <a:schemeClr val="tx1"/>
+                </a:solidFill>
+                <a:latin typeface="Calibri" pitchFamily="34" charset="0"/>
+                <a:ea typeface="宋体" pitchFamily="2" charset="-122"/>
+              </a:defRPr>
+            </a:lvl6pPr>
+            <a:lvl7pPr marL="914400" algn="ctr" rtl="0" fontAlgn="base">
+              <a:spcBef>
+                <a:spcPct val="0"/>
+              </a:spcBef>
+              <a:spcAft>
+                <a:spcPct val="0"/>
+              </a:spcAft>
+              <a:defRPr sz="4400">
+                <a:solidFill>
+                  <a:schemeClr val="tx1"/>
+                </a:solidFill>
+                <a:latin typeface="Calibri" pitchFamily="34" charset="0"/>
+                <a:ea typeface="宋体" pitchFamily="2" charset="-122"/>
+              </a:defRPr>
+            </a:lvl7pPr>
+            <a:lvl8pPr marL="1371600" algn="ctr" rtl="0" fontAlgn="base">
+              <a:spcBef>
+                <a:spcPct val="0"/>
+              </a:spcBef>
+              <a:spcAft>
+                <a:spcPct val="0"/>
+              </a:spcAft>
+              <a:defRPr sz="4400">
+                <a:solidFill>
+                  <a:schemeClr val="tx1"/>
+                </a:solidFill>
+                <a:latin typeface="Calibri" pitchFamily="34" charset="0"/>
+                <a:ea typeface="宋体" pitchFamily="2" charset="-122"/>
+              </a:defRPr>
+            </a:lvl8pPr>
+            <a:lvl9pPr marL="1828800" algn="ctr" rtl="0" fontAlgn="base">
+              <a:spcBef>
+                <a:spcPct val="0"/>
+              </a:spcBef>
+              <a:spcAft>
+                <a:spcPct val="0"/>
+              </a:spcAft>
+              <a:defRPr sz="4400">
+                <a:solidFill>
+                  <a:schemeClr val="tx1"/>
+                </a:solidFill>
+                <a:latin typeface="Calibri" pitchFamily="34" charset="0"/>
+                <a:ea typeface="宋体" pitchFamily="2" charset="-122"/>
+              </a:defRPr>
+            </a:lvl9pPr>
+          </a:lstStyle>
+          <a:p>
+            <a:pPr algn="l"/>
+            <a:r>
+              <a:rPr lang="zh-CN" altLang="en-US" b="1" dirty="0">
+                <a:latin typeface="Adobe 楷体 Std R" panose="02020400000000000000" pitchFamily="18" charset="-122"/>
+                <a:ea typeface="Adobe 楷体 Std R" panose="02020400000000000000" pitchFamily="18" charset="-122"/>
+              </a:rPr>
+              <a:t>目录</a:t>
+            </a:r>
           </a:p>
         </p:txBody>
       </p:sp>
     </p:spTree>
     <p:extLst>
       <p:ext uri="{BB962C8B-B14F-4D97-AF65-F5344CB8AC3E}">
-        <p14:creationId xmlns:p14="http://schemas.microsoft.com/office/powerpoint/2010/main" val="406964540"/>
+        <p14:creationId xmlns:p14="http://schemas.microsoft.com/office/powerpoint/2010/main" val="4016667854"/>
       </p:ext>
     </p:extLst>
   </p:cSld>
@@ -14647,79 +15147,102 @@
           <a:p>
             <a:r>
               <a:rPr lang="zh-CN" altLang="en-US" dirty="0"/>
-              <a:t>数值运算</a:t>
-            </a:r>
-          </a:p>
-        </p:txBody>
-      </p:sp>
-      <p:sp>
-        <p:nvSpPr>
-          <p:cNvPr id="3" name="内容占位符 2"/>
-          <p:cNvSpPr>
-            <a:spLocks noGrp="1"/>
-          </p:cNvSpPr>
-          <p:nvPr>
-            <p:ph idx="1"/>
-          </p:nvPr>
+              <a:t>运算符优先级</a:t>
+            </a:r>
+          </a:p>
+        </p:txBody>
+      </p:sp>
+      <p:sp>
+        <p:nvSpPr>
+          <p:cNvPr id="4" name="TextBox 3"/>
+          <p:cNvSpPr txBox="1"/>
+          <p:nvPr/>
         </p:nvSpPr>
         <p:spPr>
           <a:xfrm>
-            <a:off x="1168400" y="2564904"/>
-            <a:ext cx="7076008" cy="3252192"/>
+            <a:off x="971600" y="2492896"/>
+            <a:ext cx="7488832" cy="2862322"/>
           </a:xfrm>
+          <a:prstGeom prst="rect">
+            <a:avLst/>
+          </a:prstGeom>
+          <a:noFill/>
         </p:spPr>
         <p:txBody>
-          <a:bodyPr/>
+          <a:bodyPr wrap="square" rtlCol="0">
+            <a:spAutoFit/>
+          </a:bodyPr>
           <a:lstStyle/>
           <a:p>
             <a:r>
-              <a:rPr lang="zh-CN" altLang="en-US" dirty="0"/>
-              <a:t>基本数的值范围</a:t>
-            </a:r>
-            <a:endParaRPr lang="en-US" altLang="zh-CN" dirty="0"/>
-          </a:p>
-          <a:p>
-            <a:r>
-              <a:rPr lang="zh-CN" altLang="en-US" dirty="0"/>
-              <a:t>涉及到精度问题，请减少</a:t>
-            </a:r>
-            <a:r>
-              <a:rPr lang="en-US" altLang="zh-CN" dirty="0"/>
-              <a:t>float</a:t>
-            </a:r>
-            <a:r>
-              <a:rPr lang="zh-CN" altLang="en-US" dirty="0"/>
-              <a:t>、</a:t>
-            </a:r>
-            <a:r>
-              <a:rPr lang="en-US" altLang="zh-CN" dirty="0"/>
-              <a:t>double</a:t>
-            </a:r>
-            <a:r>
-              <a:rPr lang="zh-CN" altLang="en-US" dirty="0"/>
-              <a:t>等类型的使用</a:t>
-            </a:r>
-          </a:p>
-          <a:p>
-            <a:r>
-              <a:rPr lang="zh-CN" altLang="en-US" dirty="0"/>
-              <a:t>位操作</a:t>
-            </a:r>
-            <a:endParaRPr lang="en-US" altLang="zh-CN" dirty="0"/>
-          </a:p>
-          <a:p>
-            <a:r>
-              <a:rPr lang="zh-CN" altLang="en-US" dirty="0"/>
-              <a:t>容易产生的溢出</a:t>
-            </a:r>
-            <a:endParaRPr lang="en-US" altLang="zh-CN" dirty="0"/>
+              <a:rPr lang="en-US" altLang="zh-CN" sz="2000" dirty="0"/>
+              <a:t>1</a:t>
+            </a:r>
+            <a:r>
+              <a:rPr lang="zh-CN" altLang="en-US" sz="2000" dirty="0"/>
+              <a:t>、先算哪部分？</a:t>
+            </a:r>
+            <a:endParaRPr lang="en-US" altLang="zh-CN" sz="2000" dirty="0"/>
+          </a:p>
+          <a:p>
+            <a:r>
+              <a:rPr lang="en-US" altLang="zh-CN" sz="2000" dirty="0"/>
+              <a:t>2</a:t>
+            </a:r>
+            <a:r>
+              <a:rPr lang="zh-CN" altLang="en-US" sz="2000" dirty="0"/>
+              <a:t>、会不会受到写法的影响？</a:t>
+            </a:r>
+            <a:endParaRPr lang="en-US" altLang="zh-CN" sz="2000" dirty="0"/>
+          </a:p>
+          <a:p>
+            <a:endParaRPr lang="en-US" altLang="zh-CN" sz="2000" dirty="0"/>
+          </a:p>
+          <a:p>
+            <a:r>
+              <a:rPr lang="en-US" altLang="zh-CN" sz="2000" dirty="0"/>
+              <a:t>0x07 	+	 0x01	 &lt;&lt; 	3 </a:t>
+            </a:r>
+          </a:p>
+          <a:p>
+            <a:r>
+              <a:rPr lang="en-US" altLang="zh-CN" sz="2000" dirty="0"/>
+              <a:t>0x07	+	0x01&lt;&lt; 3</a:t>
+            </a:r>
+          </a:p>
+          <a:p>
+            <a:r>
+              <a:rPr lang="en-US" altLang="zh-CN" sz="2000" dirty="0"/>
+              <a:t>0x07+0x01	&lt;&lt;  3 </a:t>
+            </a:r>
+          </a:p>
+          <a:p>
+            <a:endParaRPr lang="en-US" altLang="zh-CN" sz="2000" dirty="0"/>
+          </a:p>
+          <a:p>
+            <a:endParaRPr lang="en-US" altLang="zh-CN" sz="2000" dirty="0"/>
+          </a:p>
+          <a:p>
+            <a:r>
+              <a:rPr lang="zh-CN" altLang="en-US" sz="2000" dirty="0">
+                <a:solidFill>
+                  <a:srgbClr val="FF0000"/>
+                </a:solidFill>
+              </a:rPr>
+              <a:t>即便能记得住，也还是用“（）” 处理一下吧</a:t>
+            </a:r>
+            <a:endParaRPr lang="en-US" altLang="zh-CN" sz="2000" dirty="0">
+              <a:solidFill>
+                <a:srgbClr val="FF0000"/>
+              </a:solidFill>
+            </a:endParaRPr>
           </a:p>
         </p:txBody>
       </p:sp>
     </p:spTree>
     <p:extLst>
       <p:ext uri="{BB962C8B-B14F-4D97-AF65-F5344CB8AC3E}">
-        <p14:creationId xmlns:p14="http://schemas.microsoft.com/office/powerpoint/2010/main" val="1200342310"/>
+        <p14:creationId xmlns:p14="http://schemas.microsoft.com/office/powerpoint/2010/main" val="406964540"/>
       </p:ext>
     </p:extLst>
   </p:cSld>
@@ -14763,7 +15286,7 @@
           <a:p>
             <a:r>
               <a:rPr lang="zh-CN" altLang="en-US" dirty="0"/>
-              <a:t>字符串格式化</a:t>
+              <a:t>数值运算</a:t>
             </a:r>
           </a:p>
         </p:txBody>
@@ -14778,83 +15301,97 @@
             <p:ph idx="1"/>
           </p:nvPr>
         </p:nvSpPr>
-        <p:spPr/>
+        <p:spPr>
+          <a:xfrm>
+            <a:off x="1168400" y="2564904"/>
+            <a:ext cx="7076008" cy="3252192"/>
+          </a:xfrm>
+        </p:spPr>
         <p:txBody>
           <a:bodyPr/>
           <a:lstStyle/>
           <a:p>
             <a:r>
-              <a:rPr lang="en-US" altLang="zh-CN" dirty="0"/>
-              <a:t>format</a:t>
-            </a:r>
-          </a:p>
-          <a:p>
-            <a:r>
-              <a:rPr lang="en-US" altLang="zh-CN" dirty="0" err="1"/>
-              <a:t>sprintf</a:t>
-            </a:r>
-            <a:r>
-              <a:rPr lang="zh-CN" altLang="en-US" dirty="0"/>
+              <a:rPr lang="zh-CN" altLang="en-US" dirty="0">
+                <a:latin typeface="Adobe 楷体 Std R" panose="02020400000000000000" pitchFamily="18" charset="-122"/>
+                <a:ea typeface="Adobe 楷体 Std R" panose="02020400000000000000" pitchFamily="18" charset="-122"/>
+              </a:rPr>
+              <a:t>基本数的值范围</a:t>
+            </a:r>
+            <a:endParaRPr lang="en-US" altLang="zh-CN" dirty="0">
+              <a:latin typeface="Adobe 楷体 Std R" panose="02020400000000000000" pitchFamily="18" charset="-122"/>
+              <a:ea typeface="Adobe 楷体 Std R" panose="02020400000000000000" pitchFamily="18" charset="-122"/>
+            </a:endParaRPr>
+          </a:p>
+          <a:p>
+            <a:r>
+              <a:rPr lang="zh-CN" altLang="en-US" dirty="0">
+                <a:latin typeface="Adobe 楷体 Std R" panose="02020400000000000000" pitchFamily="18" charset="-122"/>
+                <a:ea typeface="Adobe 楷体 Std R" panose="02020400000000000000" pitchFamily="18" charset="-122"/>
+              </a:rPr>
+              <a:t>涉及到精度问题，请减少</a:t>
+            </a:r>
+            <a:r>
+              <a:rPr lang="en-US" altLang="zh-CN" dirty="0">
+                <a:latin typeface="Adobe 楷体 Std R" panose="02020400000000000000" pitchFamily="18" charset="-122"/>
+                <a:ea typeface="Adobe 楷体 Std R" panose="02020400000000000000" pitchFamily="18" charset="-122"/>
+              </a:rPr>
+              <a:t>float</a:t>
+            </a:r>
+            <a:r>
+              <a:rPr lang="zh-CN" altLang="en-US" dirty="0">
+                <a:latin typeface="Adobe 楷体 Std R" panose="02020400000000000000" pitchFamily="18" charset="-122"/>
+                <a:ea typeface="Adobe 楷体 Std R" panose="02020400000000000000" pitchFamily="18" charset="-122"/>
+              </a:rPr>
               <a:t>、</a:t>
             </a:r>
             <a:r>
-              <a:rPr lang="en-US" altLang="zh-CN" dirty="0" err="1"/>
-              <a:t>snprintf</a:t>
-            </a:r>
-            <a:r>
-              <a:rPr lang="zh-CN" altLang="en-US" dirty="0"/>
-              <a:t>等函数</a:t>
-            </a:r>
-            <a:endParaRPr lang="en-US" altLang="zh-CN" dirty="0"/>
-          </a:p>
-          <a:p>
-            <a:r>
-              <a:rPr lang="zh-CN" altLang="en-US" dirty="0"/>
-              <a:t>最关键的</a:t>
-            </a:r>
-            <a:r>
-              <a:rPr lang="en-US" altLang="zh-CN" dirty="0"/>
-              <a:t>%</a:t>
-            </a:r>
-            <a:r>
-              <a:rPr lang="en-US" altLang="zh-CN" dirty="0" err="1"/>
-              <a:t>s,%d,%u</a:t>
-            </a:r>
-            <a:r>
-              <a:rPr lang="zh-CN" altLang="en-US" dirty="0"/>
-              <a:t>等等，不好进行覆盖性测试，请尽量避免使用，用</a:t>
-            </a:r>
-            <a:r>
-              <a:rPr lang="en-US" altLang="zh-CN" dirty="0" err="1"/>
-              <a:t>stringstream</a:t>
-            </a:r>
-            <a:r>
-              <a:rPr lang="zh-CN" altLang="en-US" dirty="0"/>
-              <a:t>、字符串拼接等方式替代</a:t>
-            </a:r>
-            <a:endParaRPr lang="en-US" altLang="zh-CN" dirty="0"/>
-          </a:p>
-          <a:p>
-            <a:r>
-              <a:rPr lang="zh-CN" altLang="en-US" dirty="0"/>
-              <a:t>实现</a:t>
-            </a:r>
-            <a:r>
-              <a:rPr lang="en-US" altLang="zh-CN" dirty="0" err="1"/>
-              <a:t>toString</a:t>
-            </a:r>
-            <a:r>
-              <a:rPr lang="en-US" altLang="zh-CN" dirty="0"/>
-              <a:t>()</a:t>
-            </a:r>
-            <a:endParaRPr lang="zh-CN" altLang="en-US" dirty="0"/>
+              <a:rPr lang="en-US" altLang="zh-CN" dirty="0">
+                <a:latin typeface="Adobe 楷体 Std R" panose="02020400000000000000" pitchFamily="18" charset="-122"/>
+                <a:ea typeface="Adobe 楷体 Std R" panose="02020400000000000000" pitchFamily="18" charset="-122"/>
+              </a:rPr>
+              <a:t>double</a:t>
+            </a:r>
+            <a:r>
+              <a:rPr lang="zh-CN" altLang="en-US" dirty="0">
+                <a:latin typeface="Adobe 楷体 Std R" panose="02020400000000000000" pitchFamily="18" charset="-122"/>
+                <a:ea typeface="Adobe 楷体 Std R" panose="02020400000000000000" pitchFamily="18" charset="-122"/>
+              </a:rPr>
+              <a:t>等类型的使用</a:t>
+            </a:r>
+          </a:p>
+          <a:p>
+            <a:r>
+              <a:rPr lang="zh-CN" altLang="en-US" dirty="0">
+                <a:latin typeface="Adobe 楷体 Std R" panose="02020400000000000000" pitchFamily="18" charset="-122"/>
+                <a:ea typeface="Adobe 楷体 Std R" panose="02020400000000000000" pitchFamily="18" charset="-122"/>
+              </a:rPr>
+              <a:t>位操作</a:t>
+            </a:r>
+            <a:endParaRPr lang="en-US" altLang="zh-CN" dirty="0">
+              <a:latin typeface="Adobe 楷体 Std R" panose="02020400000000000000" pitchFamily="18" charset="-122"/>
+              <a:ea typeface="Adobe 楷体 Std R" panose="02020400000000000000" pitchFamily="18" charset="-122"/>
+            </a:endParaRPr>
+          </a:p>
+          <a:p>
+            <a:r>
+              <a:rPr lang="zh-CN" altLang="en-US" dirty="0">
+                <a:latin typeface="Adobe 楷体 Std R" panose="02020400000000000000" pitchFamily="18" charset="-122"/>
+                <a:ea typeface="Adobe 楷体 Std R" panose="02020400000000000000" pitchFamily="18" charset="-122"/>
+              </a:rPr>
+              <a:t>容易产生的溢出</a:t>
+            </a:r>
+            <a:endParaRPr lang="en-US" altLang="zh-CN" dirty="0">
+              <a:latin typeface="Adobe 楷体 Std R" panose="02020400000000000000" pitchFamily="18" charset="-122"/>
+              <a:ea typeface="Adobe 楷体 Std R" panose="02020400000000000000" pitchFamily="18" charset="-122"/>
+            </a:endParaRPr>
           </a:p>
         </p:txBody>
       </p:sp>
     </p:spTree>
     <p:extLst>
       <p:ext uri="{BB962C8B-B14F-4D97-AF65-F5344CB8AC3E}">
-        <p14:creationId xmlns:p14="http://schemas.microsoft.com/office/powerpoint/2010/main" val="1410736634"/>
+        <p14:creationId xmlns:p14="http://schemas.microsoft.com/office/powerpoint/2010/main" val="1200342310"/>
       </p:ext>
     </p:extLst>
   </p:cSld>
@@ -14898,13 +15435,8 @@
           <a:p>
             <a:r>
               <a:rPr lang="zh-CN" altLang="en-US" dirty="0"/>
-              <a:t>关于</a:t>
-            </a:r>
-            <a:r>
-              <a:rPr lang="en-US" altLang="zh-CN" dirty="0"/>
-              <a:t>NULL/null</a:t>
-            </a:r>
-            <a:endParaRPr lang="zh-CN" altLang="en-US" dirty="0"/>
+              <a:t>字符串格式化</a:t>
+            </a:r>
           </a:p>
         </p:txBody>
       </p:sp>
@@ -14924,23 +15456,128 @@
           <a:lstStyle/>
           <a:p>
             <a:r>
-              <a:rPr lang="zh-CN" altLang="en-US" dirty="0"/>
-              <a:t>对空指针、对象、引用对象都要进行有效的判断和处理</a:t>
-            </a:r>
-            <a:endParaRPr lang="en-US" altLang="zh-CN" dirty="0"/>
-          </a:p>
-          <a:p>
-            <a:r>
-              <a:rPr lang="zh-CN" altLang="en-US" dirty="0"/>
-              <a:t>不要等着系统的异常处理来处理这些可预见性的问题</a:t>
-            </a:r>
+              <a:rPr lang="en-US" altLang="zh-CN" dirty="0">
+                <a:latin typeface="Adobe 楷体 Std R" panose="02020400000000000000" pitchFamily="18" charset="-122"/>
+                <a:ea typeface="Adobe 楷体 Std R" panose="02020400000000000000" pitchFamily="18" charset="-122"/>
+              </a:rPr>
+              <a:t>format</a:t>
+            </a:r>
+          </a:p>
+          <a:p>
+            <a:r>
+              <a:rPr lang="en-US" altLang="zh-CN" dirty="0" err="1">
+                <a:latin typeface="Adobe 楷体 Std R" panose="02020400000000000000" pitchFamily="18" charset="-122"/>
+                <a:ea typeface="Adobe 楷体 Std R" panose="02020400000000000000" pitchFamily="18" charset="-122"/>
+              </a:rPr>
+              <a:t>sprintf</a:t>
+            </a:r>
+            <a:r>
+              <a:rPr lang="zh-CN" altLang="en-US" dirty="0">
+                <a:latin typeface="Adobe 楷体 Std R" panose="02020400000000000000" pitchFamily="18" charset="-122"/>
+                <a:ea typeface="Adobe 楷体 Std R" panose="02020400000000000000" pitchFamily="18" charset="-122"/>
+              </a:rPr>
+              <a:t>、</a:t>
+            </a:r>
+            <a:r>
+              <a:rPr lang="en-US" altLang="zh-CN" dirty="0" err="1">
+                <a:latin typeface="Adobe 楷体 Std R" panose="02020400000000000000" pitchFamily="18" charset="-122"/>
+                <a:ea typeface="Adobe 楷体 Std R" panose="02020400000000000000" pitchFamily="18" charset="-122"/>
+              </a:rPr>
+              <a:t>snprintf</a:t>
+            </a:r>
+            <a:r>
+              <a:rPr lang="zh-CN" altLang="en-US" dirty="0">
+                <a:latin typeface="Adobe 楷体 Std R" panose="02020400000000000000" pitchFamily="18" charset="-122"/>
+                <a:ea typeface="Adobe 楷体 Std R" panose="02020400000000000000" pitchFamily="18" charset="-122"/>
+              </a:rPr>
+              <a:t>等函数</a:t>
+            </a:r>
+            <a:endParaRPr lang="en-US" altLang="zh-CN" dirty="0">
+              <a:latin typeface="Adobe 楷体 Std R" panose="02020400000000000000" pitchFamily="18" charset="-122"/>
+              <a:ea typeface="Adobe 楷体 Std R" panose="02020400000000000000" pitchFamily="18" charset="-122"/>
+            </a:endParaRPr>
+          </a:p>
+          <a:p>
+            <a:r>
+              <a:rPr lang="zh-CN" altLang="en-US" dirty="0">
+                <a:latin typeface="Adobe 楷体 Std R" panose="02020400000000000000" pitchFamily="18" charset="-122"/>
+                <a:ea typeface="Adobe 楷体 Std R" panose="02020400000000000000" pitchFamily="18" charset="-122"/>
+              </a:rPr>
+              <a:t>最关键的</a:t>
+            </a:r>
+            <a:r>
+              <a:rPr lang="en-US" altLang="zh-CN" dirty="0">
+                <a:latin typeface="Adobe 楷体 Std R" panose="02020400000000000000" pitchFamily="18" charset="-122"/>
+                <a:ea typeface="Adobe 楷体 Std R" panose="02020400000000000000" pitchFamily="18" charset="-122"/>
+              </a:rPr>
+              <a:t>%</a:t>
+            </a:r>
+            <a:r>
+              <a:rPr lang="en-US" altLang="zh-CN" dirty="0" err="1">
+                <a:latin typeface="Adobe 楷体 Std R" panose="02020400000000000000" pitchFamily="18" charset="-122"/>
+                <a:ea typeface="Adobe 楷体 Std R" panose="02020400000000000000" pitchFamily="18" charset="-122"/>
+              </a:rPr>
+              <a:t>s,%d,%u</a:t>
+            </a:r>
+            <a:r>
+              <a:rPr lang="zh-CN" altLang="en-US" dirty="0">
+                <a:latin typeface="Adobe 楷体 Std R" panose="02020400000000000000" pitchFamily="18" charset="-122"/>
+                <a:ea typeface="Adobe 楷体 Std R" panose="02020400000000000000" pitchFamily="18" charset="-122"/>
+              </a:rPr>
+              <a:t>等等，不好进行覆盖性测试，请尽量避免使用，用</a:t>
+            </a:r>
+            <a:r>
+              <a:rPr lang="en-US" altLang="zh-CN" dirty="0" err="1">
+                <a:latin typeface="Adobe 楷体 Std R" panose="02020400000000000000" pitchFamily="18" charset="-122"/>
+                <a:ea typeface="Adobe 楷体 Std R" panose="02020400000000000000" pitchFamily="18" charset="-122"/>
+              </a:rPr>
+              <a:t>stringstream</a:t>
+            </a:r>
+            <a:r>
+              <a:rPr lang="zh-CN" altLang="en-US" dirty="0">
+                <a:latin typeface="Adobe 楷体 Std R" panose="02020400000000000000" pitchFamily="18" charset="-122"/>
+                <a:ea typeface="Adobe 楷体 Std R" panose="02020400000000000000" pitchFamily="18" charset="-122"/>
+              </a:rPr>
+              <a:t>、字符串拼接等方式替代</a:t>
+            </a:r>
+            <a:endParaRPr lang="en-US" altLang="zh-CN" dirty="0">
+              <a:latin typeface="Adobe 楷体 Std R" panose="02020400000000000000" pitchFamily="18" charset="-122"/>
+              <a:ea typeface="Adobe 楷体 Std R" panose="02020400000000000000" pitchFamily="18" charset="-122"/>
+            </a:endParaRPr>
+          </a:p>
+          <a:p>
+            <a:r>
+              <a:rPr lang="zh-CN" altLang="en-US" dirty="0">
+                <a:latin typeface="Adobe 楷体 Std R" panose="02020400000000000000" pitchFamily="18" charset="-122"/>
+                <a:ea typeface="Adobe 楷体 Std R" panose="02020400000000000000" pitchFamily="18" charset="-122"/>
+              </a:rPr>
+              <a:t>实现</a:t>
+            </a:r>
+            <a:r>
+              <a:rPr lang="en-US" altLang="zh-CN" dirty="0" err="1">
+                <a:latin typeface="Adobe 楷体 Std R" panose="02020400000000000000" pitchFamily="18" charset="-122"/>
+                <a:ea typeface="Adobe 楷体 Std R" panose="02020400000000000000" pitchFamily="18" charset="-122"/>
+              </a:rPr>
+              <a:t>toString</a:t>
+            </a:r>
+            <a:r>
+              <a:rPr lang="en-US" altLang="zh-CN" dirty="0">
+                <a:latin typeface="Adobe 楷体 Std R" panose="02020400000000000000" pitchFamily="18" charset="-122"/>
+                <a:ea typeface="Adobe 楷体 Std R" panose="02020400000000000000" pitchFamily="18" charset="-122"/>
+              </a:rPr>
+              <a:t>()</a:t>
+            </a:r>
+            <a:endParaRPr lang="zh-CN" altLang="en-US" dirty="0">
+              <a:latin typeface="Adobe 楷体 Std R" panose="02020400000000000000" pitchFamily="18" charset="-122"/>
+              <a:ea typeface="Adobe 楷体 Std R" panose="02020400000000000000" pitchFamily="18" charset="-122"/>
+            </a:endParaRPr>
           </a:p>
         </p:txBody>
       </p:sp>
     </p:spTree>
     <p:extLst>
       <p:ext uri="{BB962C8B-B14F-4D97-AF65-F5344CB8AC3E}">
-        <p14:creationId xmlns:p14="http://schemas.microsoft.com/office/powerpoint/2010/main" val="3116276634"/>
+        <p14:creationId xmlns:p14="http://schemas.microsoft.com/office/powerpoint/2010/main" val="1410736634"/>
       </p:ext>
     </p:extLst>
   </p:cSld>
@@ -14984,8 +15621,13 @@
           <a:p>
             <a:r>
               <a:rPr lang="zh-CN" altLang="en-US" dirty="0"/>
-              <a:t>关于调试</a:t>
-            </a:r>
+              <a:t>关于</a:t>
+            </a:r>
+            <a:r>
+              <a:rPr lang="en-US" altLang="zh-CN" dirty="0"/>
+              <a:t>NULL/null</a:t>
+            </a:r>
+            <a:endParaRPr lang="zh-CN" altLang="en-US" dirty="0"/>
           </a:p>
         </p:txBody>
       </p:sp>
@@ -15005,73 +15647,32 @@
           <a:lstStyle/>
           <a:p>
             <a:r>
-              <a:rPr lang="zh-CN" altLang="en-US" dirty="0"/>
-              <a:t>提交的代码中，请让调试的信息失效</a:t>
-            </a:r>
-            <a:endParaRPr lang="en-US" altLang="zh-CN" dirty="0"/>
-          </a:p>
-          <a:p>
-            <a:r>
-              <a:rPr lang="zh-CN" altLang="en-US" dirty="0"/>
-              <a:t>请不要使用</a:t>
-            </a:r>
-            <a:r>
-              <a:rPr lang="en-US" altLang="zh-CN" dirty="0" err="1"/>
-              <a:t>printf</a:t>
-            </a:r>
-            <a:r>
-              <a:rPr lang="en-US" altLang="zh-CN" dirty="0"/>
-              <a:t>/print/</a:t>
-            </a:r>
-            <a:r>
-              <a:rPr lang="en-US" altLang="zh-CN" dirty="0" err="1"/>
-              <a:t>println</a:t>
-            </a:r>
-            <a:r>
-              <a:rPr lang="en-US" altLang="zh-CN" dirty="0"/>
-              <a:t>/</a:t>
-            </a:r>
-            <a:r>
-              <a:rPr lang="en-US" altLang="zh-CN" dirty="0" err="1"/>
-              <a:t>cout</a:t>
-            </a:r>
-            <a:r>
-              <a:rPr lang="en-US" altLang="zh-CN" dirty="0"/>
-              <a:t>&lt;&lt;</a:t>
-            </a:r>
-            <a:r>
-              <a:rPr lang="zh-CN" altLang="en-US" dirty="0"/>
-              <a:t>这类输出到标准输出设备的方式输出调试信息</a:t>
-            </a:r>
-            <a:endParaRPr lang="en-US" altLang="zh-CN" dirty="0"/>
-          </a:p>
-          <a:p>
-            <a:r>
-              <a:rPr lang="zh-CN" altLang="en-US" dirty="0"/>
-              <a:t>宏</a:t>
-            </a:r>
-            <a:r>
-              <a:rPr lang="zh-CN" altLang="en-US"/>
-              <a:t>覆盖调试</a:t>
-            </a:r>
-            <a:endParaRPr lang="en-US" altLang="zh-CN" dirty="0"/>
-          </a:p>
-          <a:p>
-            <a:r>
-              <a:rPr lang="zh-CN" altLang="en-US" dirty="0"/>
-              <a:t>便于调试的方法</a:t>
-            </a:r>
-            <a:endParaRPr lang="en-US" altLang="zh-CN" dirty="0"/>
-          </a:p>
-          <a:p>
-            <a:endParaRPr lang="zh-CN" altLang="en-US" dirty="0"/>
+              <a:rPr lang="zh-CN" altLang="en-US" dirty="0">
+                <a:latin typeface="Adobe 楷体 Std R" panose="02020400000000000000" pitchFamily="18" charset="-122"/>
+                <a:ea typeface="Adobe 楷体 Std R" panose="02020400000000000000" pitchFamily="18" charset="-122"/>
+              </a:rPr>
+              <a:t>对空指针、对象、引用对象都要进行有效的判断和处理</a:t>
+            </a:r>
+            <a:endParaRPr lang="en-US" altLang="zh-CN" dirty="0">
+              <a:latin typeface="Adobe 楷体 Std R" panose="02020400000000000000" pitchFamily="18" charset="-122"/>
+              <a:ea typeface="Adobe 楷体 Std R" panose="02020400000000000000" pitchFamily="18" charset="-122"/>
+            </a:endParaRPr>
+          </a:p>
+          <a:p>
+            <a:r>
+              <a:rPr lang="zh-CN" altLang="en-US" dirty="0">
+                <a:latin typeface="Adobe 楷体 Std R" panose="02020400000000000000" pitchFamily="18" charset="-122"/>
+                <a:ea typeface="Adobe 楷体 Std R" panose="02020400000000000000" pitchFamily="18" charset="-122"/>
+              </a:rPr>
+              <a:t>不要等着系统的异常处理来处理这些可预见性的问题</a:t>
+            </a:r>
           </a:p>
         </p:txBody>
       </p:sp>
     </p:spTree>
     <p:extLst>
       <p:ext uri="{BB962C8B-B14F-4D97-AF65-F5344CB8AC3E}">
-        <p14:creationId xmlns:p14="http://schemas.microsoft.com/office/powerpoint/2010/main" val="2239026490"/>
+        <p14:creationId xmlns:p14="http://schemas.microsoft.com/office/powerpoint/2010/main" val="3116276634"/>
       </p:ext>
     </p:extLst>
   </p:cSld>
@@ -15100,182 +15701,47 @@
       </p:grpSpPr>
       <p:sp>
         <p:nvSpPr>
-          <p:cNvPr id="2" name="内容占位符 2"/>
-          <p:cNvSpPr txBox="1">
-            <a:spLocks/>
+          <p:cNvPr id="2" name="标题 1"/>
+          <p:cNvSpPr>
+            <a:spLocks noGrp="1"/>
           </p:cNvSpPr>
-          <p:nvPr/>
-        </p:nvSpPr>
-        <p:spPr>
-          <a:xfrm>
-            <a:off x="827584" y="2420888"/>
-            <a:ext cx="8229600" cy="3384376"/>
-          </a:xfrm>
-          <a:prstGeom prst="rect">
-            <a:avLst/>
-          </a:prstGeom>
-        </p:spPr>
+          <p:nvPr>
+            <p:ph type="title"/>
+          </p:nvPr>
+        </p:nvSpPr>
+        <p:spPr/>
         <p:txBody>
           <a:bodyPr/>
-          <a:lstStyle>
-            <a:lvl1pPr marL="342900" indent="-342900" algn="l" rtl="0" eaLnBrk="0" fontAlgn="base" hangingPunct="0">
-              <a:spcBef>
-                <a:spcPct val="20000"/>
-              </a:spcBef>
-              <a:spcAft>
-                <a:spcPct val="0"/>
-              </a:spcAft>
-              <a:buFont typeface="Arial" charset="0"/>
-              <a:buChar char="•"/>
-              <a:defRPr sz="3200" kern="1200">
-                <a:solidFill>
-                  <a:schemeClr val="tx1"/>
-                </a:solidFill>
-                <a:latin typeface="+mn-lt"/>
-                <a:ea typeface="+mn-ea"/>
-                <a:cs typeface="+mn-cs"/>
-              </a:defRPr>
-            </a:lvl1pPr>
-            <a:lvl2pPr marL="742950" indent="-285750" algn="l" rtl="0" eaLnBrk="0" fontAlgn="base" hangingPunct="0">
-              <a:spcBef>
-                <a:spcPct val="20000"/>
-              </a:spcBef>
-              <a:spcAft>
-                <a:spcPct val="0"/>
-              </a:spcAft>
-              <a:buFont typeface="Arial" charset="0"/>
-              <a:buChar char="–"/>
-              <a:defRPr sz="2800" kern="1200">
-                <a:solidFill>
-                  <a:schemeClr val="tx1"/>
-                </a:solidFill>
-                <a:latin typeface="+mn-lt"/>
-                <a:ea typeface="+mn-ea"/>
-                <a:cs typeface="+mn-cs"/>
-              </a:defRPr>
-            </a:lvl2pPr>
-            <a:lvl3pPr marL="1143000" indent="-228600" algn="l" rtl="0" eaLnBrk="0" fontAlgn="base" hangingPunct="0">
-              <a:spcBef>
-                <a:spcPct val="20000"/>
-              </a:spcBef>
-              <a:spcAft>
-                <a:spcPct val="0"/>
-              </a:spcAft>
-              <a:buFont typeface="Arial" charset="0"/>
-              <a:buChar char="•"/>
-              <a:defRPr sz="2400" kern="1200">
-                <a:solidFill>
-                  <a:schemeClr val="tx1"/>
-                </a:solidFill>
-                <a:latin typeface="+mn-lt"/>
-                <a:ea typeface="+mn-ea"/>
-                <a:cs typeface="+mn-cs"/>
-              </a:defRPr>
-            </a:lvl3pPr>
-            <a:lvl4pPr marL="1600200" indent="-228600" algn="l" rtl="0" eaLnBrk="0" fontAlgn="base" hangingPunct="0">
-              <a:spcBef>
-                <a:spcPct val="20000"/>
-              </a:spcBef>
-              <a:spcAft>
-                <a:spcPct val="0"/>
-              </a:spcAft>
-              <a:buFont typeface="Arial" charset="0"/>
-              <a:buChar char="–"/>
-              <a:defRPr sz="2000" kern="1200">
-                <a:solidFill>
-                  <a:schemeClr val="tx1"/>
-                </a:solidFill>
-                <a:latin typeface="+mn-lt"/>
-                <a:ea typeface="+mn-ea"/>
-                <a:cs typeface="+mn-cs"/>
-              </a:defRPr>
-            </a:lvl4pPr>
-            <a:lvl5pPr marL="2057400" indent="-228600" algn="l" rtl="0" eaLnBrk="0" fontAlgn="base" hangingPunct="0">
-              <a:spcBef>
-                <a:spcPct val="20000"/>
-              </a:spcBef>
-              <a:spcAft>
-                <a:spcPct val="0"/>
-              </a:spcAft>
-              <a:buFont typeface="Arial" charset="0"/>
-              <a:buChar char="»"/>
-              <a:defRPr sz="2000" kern="1200">
-                <a:solidFill>
-                  <a:schemeClr val="tx1"/>
-                </a:solidFill>
-                <a:latin typeface="+mn-lt"/>
-                <a:ea typeface="+mn-ea"/>
-                <a:cs typeface="+mn-cs"/>
-              </a:defRPr>
-            </a:lvl5pPr>
-            <a:lvl6pPr marL="2514600" indent="-228600" algn="l" defTabSz="914400" rtl="0" eaLnBrk="1" latinLnBrk="0" hangingPunct="1">
-              <a:spcBef>
-                <a:spcPct val="20000"/>
-              </a:spcBef>
-              <a:buFont typeface="Arial" pitchFamily="34" charset="0"/>
-              <a:buChar char="•"/>
-              <a:defRPr sz="2000" kern="1200">
-                <a:solidFill>
-                  <a:schemeClr val="tx1"/>
-                </a:solidFill>
-                <a:latin typeface="+mn-lt"/>
-                <a:ea typeface="+mn-ea"/>
-                <a:cs typeface="+mn-cs"/>
-              </a:defRPr>
-            </a:lvl6pPr>
-            <a:lvl7pPr marL="2971800" indent="-228600" algn="l" defTabSz="914400" rtl="0" eaLnBrk="1" latinLnBrk="0" hangingPunct="1">
-              <a:spcBef>
-                <a:spcPct val="20000"/>
-              </a:spcBef>
-              <a:buFont typeface="Arial" pitchFamily="34" charset="0"/>
-              <a:buChar char="•"/>
-              <a:defRPr sz="2000" kern="1200">
-                <a:solidFill>
-                  <a:schemeClr val="tx1"/>
-                </a:solidFill>
-                <a:latin typeface="+mn-lt"/>
-                <a:ea typeface="+mn-ea"/>
-                <a:cs typeface="+mn-cs"/>
-              </a:defRPr>
-            </a:lvl7pPr>
-            <a:lvl8pPr marL="3429000" indent="-228600" algn="l" defTabSz="914400" rtl="0" eaLnBrk="1" latinLnBrk="0" hangingPunct="1">
-              <a:spcBef>
-                <a:spcPct val="20000"/>
-              </a:spcBef>
-              <a:buFont typeface="Arial" pitchFamily="34" charset="0"/>
-              <a:buChar char="•"/>
-              <a:defRPr sz="2000" kern="1200">
-                <a:solidFill>
-                  <a:schemeClr val="tx1"/>
-                </a:solidFill>
-                <a:latin typeface="+mn-lt"/>
-                <a:ea typeface="+mn-ea"/>
-                <a:cs typeface="+mn-cs"/>
-              </a:defRPr>
-            </a:lvl8pPr>
-            <a:lvl9pPr marL="3886200" indent="-228600" algn="l" defTabSz="914400" rtl="0" eaLnBrk="1" latinLnBrk="0" hangingPunct="1">
-              <a:spcBef>
-                <a:spcPct val="20000"/>
-              </a:spcBef>
-              <a:buFont typeface="Arial" pitchFamily="34" charset="0"/>
-              <a:buChar char="•"/>
-              <a:defRPr sz="2000" kern="1200">
-                <a:solidFill>
-                  <a:schemeClr val="tx1"/>
-                </a:solidFill>
-                <a:latin typeface="+mn-lt"/>
-                <a:ea typeface="+mn-ea"/>
-                <a:cs typeface="+mn-cs"/>
-              </a:defRPr>
-            </a:lvl9pPr>
-          </a:lstStyle>
+          <a:lstStyle/>
+          <a:p>
+            <a:r>
+              <a:rPr lang="zh-CN" altLang="en-US" dirty="0"/>
+              <a:t>关于调试</a:t>
+            </a:r>
+          </a:p>
+        </p:txBody>
+      </p:sp>
+      <p:sp>
+        <p:nvSpPr>
+          <p:cNvPr id="3" name="内容占位符 2"/>
+          <p:cNvSpPr>
+            <a:spLocks noGrp="1"/>
+          </p:cNvSpPr>
+          <p:nvPr>
+            <p:ph idx="1"/>
+          </p:nvPr>
+        </p:nvSpPr>
+        <p:spPr/>
+        <p:txBody>
+          <a:bodyPr/>
+          <a:lstStyle/>
           <a:p>
             <a:r>
               <a:rPr lang="zh-CN" altLang="en-US" dirty="0">
                 <a:latin typeface="Adobe 楷体 Std R" panose="02020400000000000000" pitchFamily="18" charset="-122"/>
                 <a:ea typeface="Adobe 楷体 Std R" panose="02020400000000000000" pitchFamily="18" charset="-122"/>
               </a:rPr>
-              <a:t>标识符相关</a:t>
+              <a:t>提交的代码中，请让调试的信息失效</a:t>
             </a:r>
             <a:endParaRPr lang="en-US" altLang="zh-CN" dirty="0">
               <a:latin typeface="Adobe 楷体 Std R" panose="02020400000000000000" pitchFamily="18" charset="-122"/>
@@ -15288,7 +15754,56 @@
                 <a:latin typeface="Adobe 楷体 Std R" panose="02020400000000000000" pitchFamily="18" charset="-122"/>
                 <a:ea typeface="Adobe 楷体 Std R" panose="02020400000000000000" pitchFamily="18" charset="-122"/>
               </a:rPr>
-              <a:t>注释相关</a:t>
+              <a:t>请不要使用</a:t>
+            </a:r>
+            <a:r>
+              <a:rPr lang="en-US" altLang="zh-CN" dirty="0" err="1">
+                <a:latin typeface="Adobe 楷体 Std R" panose="02020400000000000000" pitchFamily="18" charset="-122"/>
+                <a:ea typeface="Adobe 楷体 Std R" panose="02020400000000000000" pitchFamily="18" charset="-122"/>
+              </a:rPr>
+              <a:t>printf</a:t>
+            </a:r>
+            <a:r>
+              <a:rPr lang="en-US" altLang="zh-CN" dirty="0">
+                <a:latin typeface="Adobe 楷体 Std R" panose="02020400000000000000" pitchFamily="18" charset="-122"/>
+                <a:ea typeface="Adobe 楷体 Std R" panose="02020400000000000000" pitchFamily="18" charset="-122"/>
+              </a:rPr>
+              <a:t>/print/</a:t>
+            </a:r>
+            <a:r>
+              <a:rPr lang="en-US" altLang="zh-CN" dirty="0" err="1">
+                <a:latin typeface="Adobe 楷体 Std R" panose="02020400000000000000" pitchFamily="18" charset="-122"/>
+                <a:ea typeface="Adobe 楷体 Std R" panose="02020400000000000000" pitchFamily="18" charset="-122"/>
+              </a:rPr>
+              <a:t>println</a:t>
+            </a:r>
+            <a:r>
+              <a:rPr lang="en-US" altLang="zh-CN" dirty="0">
+                <a:latin typeface="Adobe 楷体 Std R" panose="02020400000000000000" pitchFamily="18" charset="-122"/>
+                <a:ea typeface="Adobe 楷体 Std R" panose="02020400000000000000" pitchFamily="18" charset="-122"/>
+              </a:rPr>
+              <a:t>/</a:t>
+            </a:r>
+            <a:r>
+              <a:rPr lang="en-US" altLang="zh-CN" dirty="0" err="1">
+                <a:latin typeface="Adobe 楷体 Std R" panose="02020400000000000000" pitchFamily="18" charset="-122"/>
+                <a:ea typeface="Adobe 楷体 Std R" panose="02020400000000000000" pitchFamily="18" charset="-122"/>
+              </a:rPr>
+              <a:t>cout</a:t>
+            </a:r>
+            <a:r>
+              <a:rPr lang="en-US" altLang="zh-CN" dirty="0">
+                <a:latin typeface="Adobe 楷体 Std R" panose="02020400000000000000" pitchFamily="18" charset="-122"/>
+                <a:ea typeface="Adobe 楷体 Std R" panose="02020400000000000000" pitchFamily="18" charset="-122"/>
+              </a:rPr>
+              <a:t>&lt;&lt;</a:t>
+            </a:r>
+            <a:r>
+              <a:rPr lang="zh-CN" altLang="en-US" dirty="0">
+                <a:latin typeface="Adobe 楷体 Std R" panose="02020400000000000000" pitchFamily="18" charset="-122"/>
+                <a:ea typeface="Adobe 楷体 Std R" panose="02020400000000000000" pitchFamily="18" charset="-122"/>
+              </a:rPr>
+              <a:t>这类输出到标准输出设备的方式输出调试信息</a:t>
             </a:r>
             <a:endParaRPr lang="en-US" altLang="zh-CN" dirty="0">
               <a:latin typeface="Adobe 楷体 Std R" panose="02020400000000000000" pitchFamily="18" charset="-122"/>
@@ -15301,7 +15816,7 @@
                 <a:latin typeface="Adobe 楷体 Std R" panose="02020400000000000000" pitchFamily="18" charset="-122"/>
                 <a:ea typeface="Adobe 楷体 Std R" panose="02020400000000000000" pitchFamily="18" charset="-122"/>
               </a:rPr>
-              <a:t>逻辑相关</a:t>
+              <a:t>宏覆盖调试</a:t>
             </a:r>
             <a:endParaRPr lang="en-US" altLang="zh-CN" dirty="0">
               <a:latin typeface="Adobe 楷体 Std R" panose="02020400000000000000" pitchFamily="18" charset="-122"/>
@@ -15314,7 +15829,7 @@
                 <a:latin typeface="Adobe 楷体 Std R" panose="02020400000000000000" pitchFamily="18" charset="-122"/>
                 <a:ea typeface="Adobe 楷体 Std R" panose="02020400000000000000" pitchFamily="18" charset="-122"/>
               </a:rPr>
-              <a:t>特殊问题</a:t>
+              <a:t>便于调试的方法</a:t>
             </a:r>
             <a:endParaRPr lang="en-US" altLang="zh-CN" dirty="0">
               <a:latin typeface="Adobe 楷体 Std R" panose="02020400000000000000" pitchFamily="18" charset="-122"/>
@@ -15322,202 +15837,14 @@
             </a:endParaRPr>
           </a:p>
           <a:p>
-            <a:r>
-              <a:rPr lang="zh-CN" altLang="en-US" dirty="0">
-                <a:solidFill>
-                  <a:srgbClr val="FF0000"/>
-                </a:solidFill>
-                <a:latin typeface="Adobe 楷体 Std R" panose="02020400000000000000" pitchFamily="18" charset="-122"/>
-                <a:ea typeface="Adobe 楷体 Std R" panose="02020400000000000000" pitchFamily="18" charset="-122"/>
-              </a:rPr>
-              <a:t>异常相关</a:t>
-            </a:r>
-            <a:endParaRPr lang="en-US" altLang="zh-CN" dirty="0">
-              <a:solidFill>
-                <a:srgbClr val="FF0000"/>
-              </a:solidFill>
-              <a:latin typeface="Adobe 楷体 Std R" panose="02020400000000000000" pitchFamily="18" charset="-122"/>
-              <a:ea typeface="Adobe 楷体 Std R" panose="02020400000000000000" pitchFamily="18" charset="-122"/>
-            </a:endParaRPr>
-          </a:p>
-          <a:p>
-            <a:endParaRPr lang="en-US" altLang="zh-CN" sz="1600" dirty="0"/>
-          </a:p>
-        </p:txBody>
-      </p:sp>
-      <p:sp>
-        <p:nvSpPr>
-          <p:cNvPr id="3" name="标题 1"/>
-          <p:cNvSpPr txBox="1">
-            <a:spLocks/>
-          </p:cNvSpPr>
-          <p:nvPr/>
-        </p:nvSpPr>
-        <p:spPr>
-          <a:xfrm>
-            <a:off x="539552" y="1196752"/>
-            <a:ext cx="8208912" cy="952500"/>
-          </a:xfrm>
-          <a:prstGeom prst="rect">
-            <a:avLst/>
-          </a:prstGeom>
-        </p:spPr>
-        <p:txBody>
-          <a:bodyPr/>
-          <a:lstStyle>
-            <a:lvl1pPr algn="ctr" rtl="0" eaLnBrk="0" fontAlgn="base" hangingPunct="0">
-              <a:spcBef>
-                <a:spcPct val="0"/>
-              </a:spcBef>
-              <a:spcAft>
-                <a:spcPct val="0"/>
-              </a:spcAft>
-              <a:defRPr sz="4400" kern="1200">
-                <a:solidFill>
-                  <a:schemeClr val="tx1"/>
-                </a:solidFill>
-                <a:latin typeface="+mj-lt"/>
-                <a:ea typeface="+mj-ea"/>
-                <a:cs typeface="+mj-cs"/>
-              </a:defRPr>
-            </a:lvl1pPr>
-            <a:lvl2pPr algn="ctr" rtl="0" eaLnBrk="0" fontAlgn="base" hangingPunct="0">
-              <a:spcBef>
-                <a:spcPct val="0"/>
-              </a:spcBef>
-              <a:spcAft>
-                <a:spcPct val="0"/>
-              </a:spcAft>
-              <a:defRPr sz="4400">
-                <a:solidFill>
-                  <a:schemeClr val="tx1"/>
-                </a:solidFill>
-                <a:latin typeface="Calibri" pitchFamily="34" charset="0"/>
-                <a:ea typeface="宋体" pitchFamily="2" charset="-122"/>
-              </a:defRPr>
-            </a:lvl2pPr>
-            <a:lvl3pPr algn="ctr" rtl="0" eaLnBrk="0" fontAlgn="base" hangingPunct="0">
-              <a:spcBef>
-                <a:spcPct val="0"/>
-              </a:spcBef>
-              <a:spcAft>
-                <a:spcPct val="0"/>
-              </a:spcAft>
-              <a:defRPr sz="4400">
-                <a:solidFill>
-                  <a:schemeClr val="tx1"/>
-                </a:solidFill>
-                <a:latin typeface="Calibri" pitchFamily="34" charset="0"/>
-                <a:ea typeface="宋体" pitchFamily="2" charset="-122"/>
-              </a:defRPr>
-            </a:lvl3pPr>
-            <a:lvl4pPr algn="ctr" rtl="0" eaLnBrk="0" fontAlgn="base" hangingPunct="0">
-              <a:spcBef>
-                <a:spcPct val="0"/>
-              </a:spcBef>
-              <a:spcAft>
-                <a:spcPct val="0"/>
-              </a:spcAft>
-              <a:defRPr sz="4400">
-                <a:solidFill>
-                  <a:schemeClr val="tx1"/>
-                </a:solidFill>
-                <a:latin typeface="Calibri" pitchFamily="34" charset="0"/>
-                <a:ea typeface="宋体" pitchFamily="2" charset="-122"/>
-              </a:defRPr>
-            </a:lvl4pPr>
-            <a:lvl5pPr algn="ctr" rtl="0" eaLnBrk="0" fontAlgn="base" hangingPunct="0">
-              <a:spcBef>
-                <a:spcPct val="0"/>
-              </a:spcBef>
-              <a:spcAft>
-                <a:spcPct val="0"/>
-              </a:spcAft>
-              <a:defRPr sz="4400">
-                <a:solidFill>
-                  <a:schemeClr val="tx1"/>
-                </a:solidFill>
-                <a:latin typeface="Calibri" pitchFamily="34" charset="0"/>
-                <a:ea typeface="宋体" pitchFamily="2" charset="-122"/>
-              </a:defRPr>
-            </a:lvl5pPr>
-            <a:lvl6pPr marL="457200" algn="ctr" rtl="0" fontAlgn="base">
-              <a:spcBef>
-                <a:spcPct val="0"/>
-              </a:spcBef>
-              <a:spcAft>
-                <a:spcPct val="0"/>
-              </a:spcAft>
-              <a:defRPr sz="4400">
-                <a:solidFill>
-                  <a:schemeClr val="tx1"/>
-                </a:solidFill>
-                <a:latin typeface="Calibri" pitchFamily="34" charset="0"/>
-                <a:ea typeface="宋体" pitchFamily="2" charset="-122"/>
-              </a:defRPr>
-            </a:lvl6pPr>
-            <a:lvl7pPr marL="914400" algn="ctr" rtl="0" fontAlgn="base">
-              <a:spcBef>
-                <a:spcPct val="0"/>
-              </a:spcBef>
-              <a:spcAft>
-                <a:spcPct val="0"/>
-              </a:spcAft>
-              <a:defRPr sz="4400">
-                <a:solidFill>
-                  <a:schemeClr val="tx1"/>
-                </a:solidFill>
-                <a:latin typeface="Calibri" pitchFamily="34" charset="0"/>
-                <a:ea typeface="宋体" pitchFamily="2" charset="-122"/>
-              </a:defRPr>
-            </a:lvl7pPr>
-            <a:lvl8pPr marL="1371600" algn="ctr" rtl="0" fontAlgn="base">
-              <a:spcBef>
-                <a:spcPct val="0"/>
-              </a:spcBef>
-              <a:spcAft>
-                <a:spcPct val="0"/>
-              </a:spcAft>
-              <a:defRPr sz="4400">
-                <a:solidFill>
-                  <a:schemeClr val="tx1"/>
-                </a:solidFill>
-                <a:latin typeface="Calibri" pitchFamily="34" charset="0"/>
-                <a:ea typeface="宋体" pitchFamily="2" charset="-122"/>
-              </a:defRPr>
-            </a:lvl8pPr>
-            <a:lvl9pPr marL="1828800" algn="ctr" rtl="0" fontAlgn="base">
-              <a:spcBef>
-                <a:spcPct val="0"/>
-              </a:spcBef>
-              <a:spcAft>
-                <a:spcPct val="0"/>
-              </a:spcAft>
-              <a:defRPr sz="4400">
-                <a:solidFill>
-                  <a:schemeClr val="tx1"/>
-                </a:solidFill>
-                <a:latin typeface="Calibri" pitchFamily="34" charset="0"/>
-                <a:ea typeface="宋体" pitchFamily="2" charset="-122"/>
-              </a:defRPr>
-            </a:lvl9pPr>
-          </a:lstStyle>
-          <a:p>
-            <a:pPr algn="l"/>
-            <a:r>
-              <a:rPr lang="zh-CN" altLang="en-US" b="1" dirty="0">
-                <a:latin typeface="Adobe 楷体 Std R" panose="02020400000000000000" pitchFamily="18" charset="-122"/>
-                <a:ea typeface="Adobe 楷体 Std R" panose="02020400000000000000" pitchFamily="18" charset="-122"/>
-              </a:rPr>
-              <a:t>目录</a:t>
-            </a:r>
+            <a:endParaRPr lang="zh-CN" altLang="en-US" dirty="0"/>
           </a:p>
         </p:txBody>
       </p:sp>
     </p:spTree>
     <p:extLst>
       <p:ext uri="{BB962C8B-B14F-4D97-AF65-F5344CB8AC3E}">
-        <p14:creationId xmlns:p14="http://schemas.microsoft.com/office/powerpoint/2010/main" val="2507469890"/>
+        <p14:creationId xmlns:p14="http://schemas.microsoft.com/office/powerpoint/2010/main" val="2239026490"/>
       </p:ext>
     </p:extLst>
   </p:cSld>
@@ -15546,6 +15873,452 @@
       </p:grpSpPr>
       <p:sp>
         <p:nvSpPr>
+          <p:cNvPr id="2" name="内容占位符 2"/>
+          <p:cNvSpPr txBox="1">
+            <a:spLocks/>
+          </p:cNvSpPr>
+          <p:nvPr/>
+        </p:nvSpPr>
+        <p:spPr>
+          <a:xfrm>
+            <a:off x="827584" y="2420888"/>
+            <a:ext cx="8229600" cy="3384376"/>
+          </a:xfrm>
+          <a:prstGeom prst="rect">
+            <a:avLst/>
+          </a:prstGeom>
+        </p:spPr>
+        <p:txBody>
+          <a:bodyPr/>
+          <a:lstStyle>
+            <a:lvl1pPr marL="342900" indent="-342900" algn="l" rtl="0" eaLnBrk="0" fontAlgn="base" hangingPunct="0">
+              <a:spcBef>
+                <a:spcPct val="20000"/>
+              </a:spcBef>
+              <a:spcAft>
+                <a:spcPct val="0"/>
+              </a:spcAft>
+              <a:buFont typeface="Arial" charset="0"/>
+              <a:buChar char="•"/>
+              <a:defRPr sz="3200" kern="1200">
+                <a:solidFill>
+                  <a:schemeClr val="tx1"/>
+                </a:solidFill>
+                <a:latin typeface="+mn-lt"/>
+                <a:ea typeface="+mn-ea"/>
+                <a:cs typeface="+mn-cs"/>
+              </a:defRPr>
+            </a:lvl1pPr>
+            <a:lvl2pPr marL="742950" indent="-285750" algn="l" rtl="0" eaLnBrk="0" fontAlgn="base" hangingPunct="0">
+              <a:spcBef>
+                <a:spcPct val="20000"/>
+              </a:spcBef>
+              <a:spcAft>
+                <a:spcPct val="0"/>
+              </a:spcAft>
+              <a:buFont typeface="Arial" charset="0"/>
+              <a:buChar char="–"/>
+              <a:defRPr sz="2800" kern="1200">
+                <a:solidFill>
+                  <a:schemeClr val="tx1"/>
+                </a:solidFill>
+                <a:latin typeface="+mn-lt"/>
+                <a:ea typeface="+mn-ea"/>
+                <a:cs typeface="+mn-cs"/>
+              </a:defRPr>
+            </a:lvl2pPr>
+            <a:lvl3pPr marL="1143000" indent="-228600" algn="l" rtl="0" eaLnBrk="0" fontAlgn="base" hangingPunct="0">
+              <a:spcBef>
+                <a:spcPct val="20000"/>
+              </a:spcBef>
+              <a:spcAft>
+                <a:spcPct val="0"/>
+              </a:spcAft>
+              <a:buFont typeface="Arial" charset="0"/>
+              <a:buChar char="•"/>
+              <a:defRPr sz="2400" kern="1200">
+                <a:solidFill>
+                  <a:schemeClr val="tx1"/>
+                </a:solidFill>
+                <a:latin typeface="+mn-lt"/>
+                <a:ea typeface="+mn-ea"/>
+                <a:cs typeface="+mn-cs"/>
+              </a:defRPr>
+            </a:lvl3pPr>
+            <a:lvl4pPr marL="1600200" indent="-228600" algn="l" rtl="0" eaLnBrk="0" fontAlgn="base" hangingPunct="0">
+              <a:spcBef>
+                <a:spcPct val="20000"/>
+              </a:spcBef>
+              <a:spcAft>
+                <a:spcPct val="0"/>
+              </a:spcAft>
+              <a:buFont typeface="Arial" charset="0"/>
+              <a:buChar char="–"/>
+              <a:defRPr sz="2000" kern="1200">
+                <a:solidFill>
+                  <a:schemeClr val="tx1"/>
+                </a:solidFill>
+                <a:latin typeface="+mn-lt"/>
+                <a:ea typeface="+mn-ea"/>
+                <a:cs typeface="+mn-cs"/>
+              </a:defRPr>
+            </a:lvl4pPr>
+            <a:lvl5pPr marL="2057400" indent="-228600" algn="l" rtl="0" eaLnBrk="0" fontAlgn="base" hangingPunct="0">
+              <a:spcBef>
+                <a:spcPct val="20000"/>
+              </a:spcBef>
+              <a:spcAft>
+                <a:spcPct val="0"/>
+              </a:spcAft>
+              <a:buFont typeface="Arial" charset="0"/>
+              <a:buChar char="»"/>
+              <a:defRPr sz="2000" kern="1200">
+                <a:solidFill>
+                  <a:schemeClr val="tx1"/>
+                </a:solidFill>
+                <a:latin typeface="+mn-lt"/>
+                <a:ea typeface="+mn-ea"/>
+                <a:cs typeface="+mn-cs"/>
+              </a:defRPr>
+            </a:lvl5pPr>
+            <a:lvl6pPr marL="2514600" indent="-228600" algn="l" defTabSz="914400" rtl="0" eaLnBrk="1" latinLnBrk="0" hangingPunct="1">
+              <a:spcBef>
+                <a:spcPct val="20000"/>
+              </a:spcBef>
+              <a:buFont typeface="Arial" pitchFamily="34" charset="0"/>
+              <a:buChar char="•"/>
+              <a:defRPr sz="2000" kern="1200">
+                <a:solidFill>
+                  <a:schemeClr val="tx1"/>
+                </a:solidFill>
+                <a:latin typeface="+mn-lt"/>
+                <a:ea typeface="+mn-ea"/>
+                <a:cs typeface="+mn-cs"/>
+              </a:defRPr>
+            </a:lvl6pPr>
+            <a:lvl7pPr marL="2971800" indent="-228600" algn="l" defTabSz="914400" rtl="0" eaLnBrk="1" latinLnBrk="0" hangingPunct="1">
+              <a:spcBef>
+                <a:spcPct val="20000"/>
+              </a:spcBef>
+              <a:buFont typeface="Arial" pitchFamily="34" charset="0"/>
+              <a:buChar char="•"/>
+              <a:defRPr sz="2000" kern="1200">
+                <a:solidFill>
+                  <a:schemeClr val="tx1"/>
+                </a:solidFill>
+                <a:latin typeface="+mn-lt"/>
+                <a:ea typeface="+mn-ea"/>
+                <a:cs typeface="+mn-cs"/>
+              </a:defRPr>
+            </a:lvl7pPr>
+            <a:lvl8pPr marL="3429000" indent="-228600" algn="l" defTabSz="914400" rtl="0" eaLnBrk="1" latinLnBrk="0" hangingPunct="1">
+              <a:spcBef>
+                <a:spcPct val="20000"/>
+              </a:spcBef>
+              <a:buFont typeface="Arial" pitchFamily="34" charset="0"/>
+              <a:buChar char="•"/>
+              <a:defRPr sz="2000" kern="1200">
+                <a:solidFill>
+                  <a:schemeClr val="tx1"/>
+                </a:solidFill>
+                <a:latin typeface="+mn-lt"/>
+                <a:ea typeface="+mn-ea"/>
+                <a:cs typeface="+mn-cs"/>
+              </a:defRPr>
+            </a:lvl8pPr>
+            <a:lvl9pPr marL="3886200" indent="-228600" algn="l" defTabSz="914400" rtl="0" eaLnBrk="1" latinLnBrk="0" hangingPunct="1">
+              <a:spcBef>
+                <a:spcPct val="20000"/>
+              </a:spcBef>
+              <a:buFont typeface="Arial" pitchFamily="34" charset="0"/>
+              <a:buChar char="•"/>
+              <a:defRPr sz="2000" kern="1200">
+                <a:solidFill>
+                  <a:schemeClr val="tx1"/>
+                </a:solidFill>
+                <a:latin typeface="+mn-lt"/>
+                <a:ea typeface="+mn-ea"/>
+                <a:cs typeface="+mn-cs"/>
+              </a:defRPr>
+            </a:lvl9pPr>
+          </a:lstStyle>
+          <a:p>
+            <a:r>
+              <a:rPr lang="zh-CN" altLang="en-US" dirty="0">
+                <a:latin typeface="Adobe 楷体 Std R" panose="02020400000000000000" pitchFamily="18" charset="-122"/>
+                <a:ea typeface="Adobe 楷体 Std R" panose="02020400000000000000" pitchFamily="18" charset="-122"/>
+              </a:rPr>
+              <a:t>标识符相关</a:t>
+            </a:r>
+            <a:endParaRPr lang="en-US" altLang="zh-CN" dirty="0">
+              <a:latin typeface="Adobe 楷体 Std R" panose="02020400000000000000" pitchFamily="18" charset="-122"/>
+              <a:ea typeface="Adobe 楷体 Std R" panose="02020400000000000000" pitchFamily="18" charset="-122"/>
+            </a:endParaRPr>
+          </a:p>
+          <a:p>
+            <a:r>
+              <a:rPr lang="zh-CN" altLang="en-US" dirty="0">
+                <a:latin typeface="Adobe 楷体 Std R" panose="02020400000000000000" pitchFamily="18" charset="-122"/>
+                <a:ea typeface="Adobe 楷体 Std R" panose="02020400000000000000" pitchFamily="18" charset="-122"/>
+              </a:rPr>
+              <a:t>注释相关</a:t>
+            </a:r>
+            <a:endParaRPr lang="en-US" altLang="zh-CN" dirty="0">
+              <a:latin typeface="Adobe 楷体 Std R" panose="02020400000000000000" pitchFamily="18" charset="-122"/>
+              <a:ea typeface="Adobe 楷体 Std R" panose="02020400000000000000" pitchFamily="18" charset="-122"/>
+            </a:endParaRPr>
+          </a:p>
+          <a:p>
+            <a:r>
+              <a:rPr lang="zh-CN" altLang="en-US" dirty="0">
+                <a:latin typeface="Adobe 楷体 Std R" panose="02020400000000000000" pitchFamily="18" charset="-122"/>
+                <a:ea typeface="Adobe 楷体 Std R" panose="02020400000000000000" pitchFamily="18" charset="-122"/>
+              </a:rPr>
+              <a:t>逻辑相关</a:t>
+            </a:r>
+            <a:endParaRPr lang="en-US" altLang="zh-CN" dirty="0">
+              <a:latin typeface="Adobe 楷体 Std R" panose="02020400000000000000" pitchFamily="18" charset="-122"/>
+              <a:ea typeface="Adobe 楷体 Std R" panose="02020400000000000000" pitchFamily="18" charset="-122"/>
+            </a:endParaRPr>
+          </a:p>
+          <a:p>
+            <a:r>
+              <a:rPr lang="zh-CN" altLang="en-US" dirty="0">
+                <a:latin typeface="Adobe 楷体 Std R" panose="02020400000000000000" pitchFamily="18" charset="-122"/>
+                <a:ea typeface="Adobe 楷体 Std R" panose="02020400000000000000" pitchFamily="18" charset="-122"/>
+              </a:rPr>
+              <a:t>特殊问题</a:t>
+            </a:r>
+            <a:endParaRPr lang="en-US" altLang="zh-CN" dirty="0">
+              <a:latin typeface="Adobe 楷体 Std R" panose="02020400000000000000" pitchFamily="18" charset="-122"/>
+              <a:ea typeface="Adobe 楷体 Std R" panose="02020400000000000000" pitchFamily="18" charset="-122"/>
+            </a:endParaRPr>
+          </a:p>
+          <a:p>
+            <a:r>
+              <a:rPr lang="zh-CN" altLang="en-US" dirty="0">
+                <a:solidFill>
+                  <a:srgbClr val="FF0000"/>
+                </a:solidFill>
+                <a:latin typeface="Adobe 楷体 Std R" panose="02020400000000000000" pitchFamily="18" charset="-122"/>
+                <a:ea typeface="Adobe 楷体 Std R" panose="02020400000000000000" pitchFamily="18" charset="-122"/>
+              </a:rPr>
+              <a:t>异常相关</a:t>
+            </a:r>
+            <a:endParaRPr lang="en-US" altLang="zh-CN" dirty="0">
+              <a:solidFill>
+                <a:srgbClr val="FF0000"/>
+              </a:solidFill>
+              <a:latin typeface="Adobe 楷体 Std R" panose="02020400000000000000" pitchFamily="18" charset="-122"/>
+              <a:ea typeface="Adobe 楷体 Std R" panose="02020400000000000000" pitchFamily="18" charset="-122"/>
+            </a:endParaRPr>
+          </a:p>
+          <a:p>
+            <a:endParaRPr lang="en-US" altLang="zh-CN" sz="1600" dirty="0"/>
+          </a:p>
+        </p:txBody>
+      </p:sp>
+      <p:sp>
+        <p:nvSpPr>
+          <p:cNvPr id="3" name="标题 1"/>
+          <p:cNvSpPr txBox="1">
+            <a:spLocks/>
+          </p:cNvSpPr>
+          <p:nvPr/>
+        </p:nvSpPr>
+        <p:spPr>
+          <a:xfrm>
+            <a:off x="539552" y="1196752"/>
+            <a:ext cx="8208912" cy="952500"/>
+          </a:xfrm>
+          <a:prstGeom prst="rect">
+            <a:avLst/>
+          </a:prstGeom>
+        </p:spPr>
+        <p:txBody>
+          <a:bodyPr/>
+          <a:lstStyle>
+            <a:lvl1pPr algn="ctr" rtl="0" eaLnBrk="0" fontAlgn="base" hangingPunct="0">
+              <a:spcBef>
+                <a:spcPct val="0"/>
+              </a:spcBef>
+              <a:spcAft>
+                <a:spcPct val="0"/>
+              </a:spcAft>
+              <a:defRPr sz="4400" kern="1200">
+                <a:solidFill>
+                  <a:schemeClr val="tx1"/>
+                </a:solidFill>
+                <a:latin typeface="+mj-lt"/>
+                <a:ea typeface="+mj-ea"/>
+                <a:cs typeface="+mj-cs"/>
+              </a:defRPr>
+            </a:lvl1pPr>
+            <a:lvl2pPr algn="ctr" rtl="0" eaLnBrk="0" fontAlgn="base" hangingPunct="0">
+              <a:spcBef>
+                <a:spcPct val="0"/>
+              </a:spcBef>
+              <a:spcAft>
+                <a:spcPct val="0"/>
+              </a:spcAft>
+              <a:defRPr sz="4400">
+                <a:solidFill>
+                  <a:schemeClr val="tx1"/>
+                </a:solidFill>
+                <a:latin typeface="Calibri" pitchFamily="34" charset="0"/>
+                <a:ea typeface="宋体" pitchFamily="2" charset="-122"/>
+              </a:defRPr>
+            </a:lvl2pPr>
+            <a:lvl3pPr algn="ctr" rtl="0" eaLnBrk="0" fontAlgn="base" hangingPunct="0">
+              <a:spcBef>
+                <a:spcPct val="0"/>
+              </a:spcBef>
+              <a:spcAft>
+                <a:spcPct val="0"/>
+              </a:spcAft>
+              <a:defRPr sz="4400">
+                <a:solidFill>
+                  <a:schemeClr val="tx1"/>
+                </a:solidFill>
+                <a:latin typeface="Calibri" pitchFamily="34" charset="0"/>
+                <a:ea typeface="宋体" pitchFamily="2" charset="-122"/>
+              </a:defRPr>
+            </a:lvl3pPr>
+            <a:lvl4pPr algn="ctr" rtl="0" eaLnBrk="0" fontAlgn="base" hangingPunct="0">
+              <a:spcBef>
+                <a:spcPct val="0"/>
+              </a:spcBef>
+              <a:spcAft>
+                <a:spcPct val="0"/>
+              </a:spcAft>
+              <a:defRPr sz="4400">
+                <a:solidFill>
+                  <a:schemeClr val="tx1"/>
+                </a:solidFill>
+                <a:latin typeface="Calibri" pitchFamily="34" charset="0"/>
+                <a:ea typeface="宋体" pitchFamily="2" charset="-122"/>
+              </a:defRPr>
+            </a:lvl4pPr>
+            <a:lvl5pPr algn="ctr" rtl="0" eaLnBrk="0" fontAlgn="base" hangingPunct="0">
+              <a:spcBef>
+                <a:spcPct val="0"/>
+              </a:spcBef>
+              <a:spcAft>
+                <a:spcPct val="0"/>
+              </a:spcAft>
+              <a:defRPr sz="4400">
+                <a:solidFill>
+                  <a:schemeClr val="tx1"/>
+                </a:solidFill>
+                <a:latin typeface="Calibri" pitchFamily="34" charset="0"/>
+                <a:ea typeface="宋体" pitchFamily="2" charset="-122"/>
+              </a:defRPr>
+            </a:lvl5pPr>
+            <a:lvl6pPr marL="457200" algn="ctr" rtl="0" fontAlgn="base">
+              <a:spcBef>
+                <a:spcPct val="0"/>
+              </a:spcBef>
+              <a:spcAft>
+                <a:spcPct val="0"/>
+              </a:spcAft>
+              <a:defRPr sz="4400">
+                <a:solidFill>
+                  <a:schemeClr val="tx1"/>
+                </a:solidFill>
+                <a:latin typeface="Calibri" pitchFamily="34" charset="0"/>
+                <a:ea typeface="宋体" pitchFamily="2" charset="-122"/>
+              </a:defRPr>
+            </a:lvl6pPr>
+            <a:lvl7pPr marL="914400" algn="ctr" rtl="0" fontAlgn="base">
+              <a:spcBef>
+                <a:spcPct val="0"/>
+              </a:spcBef>
+              <a:spcAft>
+                <a:spcPct val="0"/>
+              </a:spcAft>
+              <a:defRPr sz="4400">
+                <a:solidFill>
+                  <a:schemeClr val="tx1"/>
+                </a:solidFill>
+                <a:latin typeface="Calibri" pitchFamily="34" charset="0"/>
+                <a:ea typeface="宋体" pitchFamily="2" charset="-122"/>
+              </a:defRPr>
+            </a:lvl7pPr>
+            <a:lvl8pPr marL="1371600" algn="ctr" rtl="0" fontAlgn="base">
+              <a:spcBef>
+                <a:spcPct val="0"/>
+              </a:spcBef>
+              <a:spcAft>
+                <a:spcPct val="0"/>
+              </a:spcAft>
+              <a:defRPr sz="4400">
+                <a:solidFill>
+                  <a:schemeClr val="tx1"/>
+                </a:solidFill>
+                <a:latin typeface="Calibri" pitchFamily="34" charset="0"/>
+                <a:ea typeface="宋体" pitchFamily="2" charset="-122"/>
+              </a:defRPr>
+            </a:lvl8pPr>
+            <a:lvl9pPr marL="1828800" algn="ctr" rtl="0" fontAlgn="base">
+              <a:spcBef>
+                <a:spcPct val="0"/>
+              </a:spcBef>
+              <a:spcAft>
+                <a:spcPct val="0"/>
+              </a:spcAft>
+              <a:defRPr sz="4400">
+                <a:solidFill>
+                  <a:schemeClr val="tx1"/>
+                </a:solidFill>
+                <a:latin typeface="Calibri" pitchFamily="34" charset="0"/>
+                <a:ea typeface="宋体" pitchFamily="2" charset="-122"/>
+              </a:defRPr>
+            </a:lvl9pPr>
+          </a:lstStyle>
+          <a:p>
+            <a:pPr algn="l"/>
+            <a:r>
+              <a:rPr lang="zh-CN" altLang="en-US" b="1" dirty="0">
+                <a:latin typeface="Adobe 楷体 Std R" panose="02020400000000000000" pitchFamily="18" charset="-122"/>
+                <a:ea typeface="Adobe 楷体 Std R" panose="02020400000000000000" pitchFamily="18" charset="-122"/>
+              </a:rPr>
+              <a:t>目录</a:t>
+            </a:r>
+          </a:p>
+        </p:txBody>
+      </p:sp>
+    </p:spTree>
+    <p:extLst>
+      <p:ext uri="{BB962C8B-B14F-4D97-AF65-F5344CB8AC3E}">
+        <p14:creationId xmlns:p14="http://schemas.microsoft.com/office/powerpoint/2010/main" val="2507469890"/>
+      </p:ext>
+    </p:extLst>
+  </p:cSld>
+  <p:clrMapOvr>
+    <a:masterClrMapping/>
+  </p:clrMapOvr>
+</p:sld>
+</file>
+
+<file path=ppt/slides/slide48.xml><?xml version="1.0" encoding="utf-8"?>
+<p:sld xmlns:a="http://schemas.openxmlformats.org/drawingml/2006/main" xmlns:r="http://schemas.openxmlformats.org/officeDocument/2006/relationships" xmlns:p="http://schemas.openxmlformats.org/presentationml/2006/main">
+  <p:cSld>
+    <p:spTree>
+      <p:nvGrpSpPr>
+        <p:cNvPr id="1" name=""/>
+        <p:cNvGrpSpPr/>
+        <p:nvPr/>
+      </p:nvGrpSpPr>
+      <p:grpSpPr>
+        <a:xfrm>
+          <a:off x="0" y="0"/>
+          <a:ext cx="0" cy="0"/>
+          <a:chOff x="0" y="0"/>
+          <a:chExt cx="0" cy="0"/>
+        </a:xfrm>
+      </p:grpSpPr>
+      <p:sp>
+        <p:nvSpPr>
           <p:cNvPr id="2" name="标题 1"/>
           <p:cNvSpPr>
             <a:spLocks noGrp="1"/>
@@ -15576,119 +16349,211 @@
             <p:ph idx="1"/>
           </p:nvPr>
         </p:nvSpPr>
-        <p:spPr/>
+        <p:spPr>
+          <a:xfrm>
+            <a:off x="1176338" y="2490788"/>
+            <a:ext cx="7356102" cy="3444875"/>
+          </a:xfrm>
+        </p:spPr>
         <p:txBody>
           <a:bodyPr/>
           <a:lstStyle/>
           <a:p>
             <a:r>
-              <a:rPr lang="zh-CN" altLang="en-US" dirty="0"/>
+              <a:rPr lang="zh-CN" altLang="en-US" dirty="0">
+                <a:latin typeface="Adobe 楷体 Std R" panose="02020400000000000000" pitchFamily="18" charset="-122"/>
+                <a:ea typeface="Adobe 楷体 Std R" panose="02020400000000000000" pitchFamily="18" charset="-122"/>
+              </a:rPr>
               <a:t>尽量采用三段式结构：</a:t>
             </a:r>
-            <a:endParaRPr lang="en-US" altLang="zh-CN" dirty="0"/>
+            <a:endParaRPr lang="en-US" altLang="zh-CN" dirty="0">
+              <a:latin typeface="Adobe 楷体 Std R" panose="02020400000000000000" pitchFamily="18" charset="-122"/>
+              <a:ea typeface="Adobe 楷体 Std R" panose="02020400000000000000" pitchFamily="18" charset="-122"/>
+            </a:endParaRPr>
           </a:p>
           <a:p>
             <a:pPr lvl="1"/>
             <a:r>
-              <a:rPr lang="en-US" altLang="zh-CN" sz="2400" dirty="0"/>
+              <a:rPr lang="en-US" altLang="zh-CN" sz="2400" dirty="0">
+                <a:latin typeface="Adobe 楷体 Std R" panose="02020400000000000000" pitchFamily="18" charset="-122"/>
+                <a:ea typeface="Adobe 楷体 Std R" panose="02020400000000000000" pitchFamily="18" charset="-122"/>
+              </a:rPr>
               <a:t> </a:t>
             </a:r>
             <a:r>
-              <a:rPr lang="en-US" altLang="zh-CN" sz="2400" b="1" dirty="0"/>
+              <a:rPr lang="en-US" altLang="zh-CN" sz="2400" b="1" dirty="0">
+                <a:latin typeface="Adobe 楷体 Std R" panose="02020400000000000000" pitchFamily="18" charset="-122"/>
+                <a:ea typeface="Adobe 楷体 Std R" panose="02020400000000000000" pitchFamily="18" charset="-122"/>
+              </a:rPr>
               <a:t> try{</a:t>
             </a:r>
             <a:br>
-              <a:rPr lang="en-US" altLang="zh-CN" sz="2400" dirty="0"/>
+              <a:rPr lang="en-US" altLang="zh-CN" sz="2400" dirty="0">
+                <a:latin typeface="Adobe 楷体 Std R" panose="02020400000000000000" pitchFamily="18" charset="-122"/>
+                <a:ea typeface="Adobe 楷体 Std R" panose="02020400000000000000" pitchFamily="18" charset="-122"/>
+              </a:rPr>
             </a:br>
             <a:r>
-              <a:rPr lang="en-US" altLang="zh-CN" sz="2400" dirty="0"/>
+              <a:rPr lang="en-US" altLang="zh-CN" sz="2400" dirty="0">
+                <a:latin typeface="Adobe 楷体 Std R" panose="02020400000000000000" pitchFamily="18" charset="-122"/>
+                <a:ea typeface="Adobe 楷体 Std R" panose="02020400000000000000" pitchFamily="18" charset="-122"/>
+              </a:rPr>
               <a:t>        //</a:t>
             </a:r>
             <a:r>
-              <a:rPr lang="zh-CN" altLang="en-US" sz="2400" dirty="0"/>
+              <a:rPr lang="zh-CN" altLang="en-US" sz="2400" dirty="0">
+                <a:latin typeface="Adobe 楷体 Std R" panose="02020400000000000000" pitchFamily="18" charset="-122"/>
+                <a:ea typeface="Adobe 楷体 Std R" panose="02020400000000000000" pitchFamily="18" charset="-122"/>
+              </a:rPr>
               <a:t>做你要做的事情</a:t>
             </a:r>
             <a:br>
-              <a:rPr lang="zh-CN" altLang="en-US" sz="2400" dirty="0"/>
+              <a:rPr lang="zh-CN" altLang="en-US" sz="2400" dirty="0">
+                <a:latin typeface="Adobe 楷体 Std R" panose="02020400000000000000" pitchFamily="18" charset="-122"/>
+                <a:ea typeface="Adobe 楷体 Std R" panose="02020400000000000000" pitchFamily="18" charset="-122"/>
+              </a:rPr>
             </a:br>
             <a:r>
-              <a:rPr lang="zh-CN" altLang="en-US" sz="2400" dirty="0"/>
+              <a:rPr lang="zh-CN" altLang="en-US" sz="2400" dirty="0">
+                <a:latin typeface="Adobe 楷体 Std R" panose="02020400000000000000" pitchFamily="18" charset="-122"/>
+                <a:ea typeface="Adobe 楷体 Std R" panose="02020400000000000000" pitchFamily="18" charset="-122"/>
+              </a:rPr>
               <a:t>    </a:t>
             </a:r>
             <a:r>
-              <a:rPr lang="en-US" altLang="zh-CN" sz="2400" dirty="0"/>
+              <a:rPr lang="en-US" altLang="zh-CN" sz="2400" dirty="0">
+                <a:latin typeface="Adobe 楷体 Std R" panose="02020400000000000000" pitchFamily="18" charset="-122"/>
+                <a:ea typeface="Adobe 楷体 Std R" panose="02020400000000000000" pitchFamily="18" charset="-122"/>
+              </a:rPr>
               <a:t>} </a:t>
             </a:r>
             <a:r>
-              <a:rPr lang="en-US" altLang="zh-CN" sz="2400" b="1" dirty="0"/>
+              <a:rPr lang="en-US" altLang="zh-CN" sz="2400" b="1" dirty="0">
+                <a:latin typeface="Adobe 楷体 Std R" panose="02020400000000000000" pitchFamily="18" charset="-122"/>
+                <a:ea typeface="Adobe 楷体 Std R" panose="02020400000000000000" pitchFamily="18" charset="-122"/>
+              </a:rPr>
               <a:t>catch(</a:t>
             </a:r>
             <a:r>
-              <a:rPr lang="zh-CN" altLang="en-US" sz="2400" dirty="0"/>
+              <a:rPr lang="zh-CN" altLang="en-US" sz="2400" dirty="0">
+                <a:latin typeface="Adobe 楷体 Std R" panose="02020400000000000000" pitchFamily="18" charset="-122"/>
+                <a:ea typeface="Adobe 楷体 Std R" panose="02020400000000000000" pitchFamily="18" charset="-122"/>
+              </a:rPr>
               <a:t>你能处理的</a:t>
             </a:r>
             <a:r>
-              <a:rPr lang="en-US" altLang="zh-CN" sz="2400" dirty="0"/>
+              <a:rPr lang="en-US" altLang="zh-CN" sz="2400" dirty="0">
+                <a:latin typeface="Adobe 楷体 Std R" panose="02020400000000000000" pitchFamily="18" charset="-122"/>
+                <a:ea typeface="Adobe 楷体 Std R" panose="02020400000000000000" pitchFamily="18" charset="-122"/>
+              </a:rPr>
               <a:t>Exception e){</a:t>
             </a:r>
             <a:br>
-              <a:rPr lang="en-US" altLang="zh-CN" sz="2400" dirty="0"/>
+              <a:rPr lang="en-US" altLang="zh-CN" sz="2400" dirty="0">
+                <a:latin typeface="Adobe 楷体 Std R" panose="02020400000000000000" pitchFamily="18" charset="-122"/>
+                <a:ea typeface="Adobe 楷体 Std R" panose="02020400000000000000" pitchFamily="18" charset="-122"/>
+              </a:rPr>
             </a:br>
             <a:r>
-              <a:rPr lang="en-US" altLang="zh-CN" sz="2400" dirty="0"/>
+              <a:rPr lang="en-US" altLang="zh-CN" sz="2400" dirty="0">
+                <a:latin typeface="Adobe 楷体 Std R" panose="02020400000000000000" pitchFamily="18" charset="-122"/>
+                <a:ea typeface="Adobe 楷体 Std R" panose="02020400000000000000" pitchFamily="18" charset="-122"/>
+              </a:rPr>
               <a:t>        //</a:t>
             </a:r>
             <a:r>
-              <a:rPr lang="zh-CN" altLang="en-US" sz="2400" dirty="0"/>
+              <a:rPr lang="zh-CN" altLang="en-US" sz="2400" dirty="0">
+                <a:latin typeface="Adobe 楷体 Std R" panose="02020400000000000000" pitchFamily="18" charset="-122"/>
+                <a:ea typeface="Adobe 楷体 Std R" panose="02020400000000000000" pitchFamily="18" charset="-122"/>
+              </a:rPr>
               <a:t>处理你能解决的问题，不能解决的，向上抛出</a:t>
             </a:r>
             <a:br>
-              <a:rPr lang="zh-CN" altLang="en-US" sz="2400" dirty="0"/>
+              <a:rPr lang="zh-CN" altLang="en-US" sz="2400" dirty="0">
+                <a:latin typeface="Adobe 楷体 Std R" panose="02020400000000000000" pitchFamily="18" charset="-122"/>
+                <a:ea typeface="Adobe 楷体 Std R" panose="02020400000000000000" pitchFamily="18" charset="-122"/>
+              </a:rPr>
             </a:br>
             <a:r>
-              <a:rPr lang="zh-CN" altLang="en-US" sz="2400" dirty="0"/>
+              <a:rPr lang="zh-CN" altLang="en-US" sz="2400" dirty="0">
+                <a:latin typeface="Adobe 楷体 Std R" panose="02020400000000000000" pitchFamily="18" charset="-122"/>
+                <a:ea typeface="Adobe 楷体 Std R" panose="02020400000000000000" pitchFamily="18" charset="-122"/>
+              </a:rPr>
               <a:t>    </a:t>
             </a:r>
             <a:r>
-              <a:rPr lang="en-US" altLang="zh-CN" sz="2400" dirty="0"/>
+              <a:rPr lang="en-US" altLang="zh-CN" sz="2400" dirty="0">
+                <a:latin typeface="Adobe 楷体 Std R" panose="02020400000000000000" pitchFamily="18" charset="-122"/>
+                <a:ea typeface="Adobe 楷体 Std R" panose="02020400000000000000" pitchFamily="18" charset="-122"/>
+              </a:rPr>
               <a:t>} </a:t>
             </a:r>
             <a:r>
-              <a:rPr lang="en-US" altLang="zh-CN" sz="2400" b="1" dirty="0"/>
+              <a:rPr lang="en-US" altLang="zh-CN" sz="2400" b="1" dirty="0">
+                <a:latin typeface="Adobe 楷体 Std R" panose="02020400000000000000" pitchFamily="18" charset="-122"/>
+                <a:ea typeface="Adobe 楷体 Std R" panose="02020400000000000000" pitchFamily="18" charset="-122"/>
+              </a:rPr>
               <a:t>finally </a:t>
             </a:r>
             <a:r>
-              <a:rPr lang="en-US" altLang="zh-CN" sz="2400" dirty="0"/>
+              <a:rPr lang="en-US" altLang="zh-CN" sz="2400" dirty="0">
+                <a:latin typeface="Adobe 楷体 Std R" panose="02020400000000000000" pitchFamily="18" charset="-122"/>
+                <a:ea typeface="Adobe 楷体 Std R" panose="02020400000000000000" pitchFamily="18" charset="-122"/>
+              </a:rPr>
               <a:t>{    </a:t>
             </a:r>
             <a:br>
-              <a:rPr lang="en-US" altLang="zh-CN" sz="2400" dirty="0"/>
+              <a:rPr lang="en-US" altLang="zh-CN" sz="2400" dirty="0">
+                <a:latin typeface="Adobe 楷体 Std R" panose="02020400000000000000" pitchFamily="18" charset="-122"/>
+                <a:ea typeface="Adobe 楷体 Std R" panose="02020400000000000000" pitchFamily="18" charset="-122"/>
+              </a:rPr>
             </a:br>
             <a:r>
-              <a:rPr lang="en-US" altLang="zh-CN" sz="2400" dirty="0"/>
+              <a:rPr lang="en-US" altLang="zh-CN" sz="2400" dirty="0">
+                <a:latin typeface="Adobe 楷体 Std R" panose="02020400000000000000" pitchFamily="18" charset="-122"/>
+                <a:ea typeface="Adobe 楷体 Std R" panose="02020400000000000000" pitchFamily="18" charset="-122"/>
+              </a:rPr>
               <a:t>        //</a:t>
             </a:r>
             <a:r>
-              <a:rPr lang="zh-CN" altLang="en-US" sz="2400" dirty="0"/>
+              <a:rPr lang="zh-CN" altLang="en-US" sz="2400" dirty="0">
+                <a:latin typeface="Adobe 楷体 Std R" panose="02020400000000000000" pitchFamily="18" charset="-122"/>
+                <a:ea typeface="Adobe 楷体 Std R" panose="02020400000000000000" pitchFamily="18" charset="-122"/>
+              </a:rPr>
               <a:t>不管问题有没有发生</a:t>
             </a:r>
             <a:r>
-              <a:rPr lang="en-US" altLang="zh-CN" sz="2400" dirty="0"/>
+              <a:rPr lang="en-US" altLang="zh-CN" sz="2400" dirty="0">
+                <a:latin typeface="Adobe 楷体 Std R" panose="02020400000000000000" pitchFamily="18" charset="-122"/>
+                <a:ea typeface="Adobe 楷体 Std R" panose="02020400000000000000" pitchFamily="18" charset="-122"/>
+              </a:rPr>
               <a:t>, </a:t>
             </a:r>
             <a:r>
-              <a:rPr lang="zh-CN" altLang="en-US" sz="2400" dirty="0"/>
+              <a:rPr lang="zh-CN" altLang="en-US" sz="2400" dirty="0">
+                <a:latin typeface="Adobe 楷体 Std R" panose="02020400000000000000" pitchFamily="18" charset="-122"/>
+                <a:ea typeface="Adobe 楷体 Std R" panose="02020400000000000000" pitchFamily="18" charset="-122"/>
+              </a:rPr>
               <a:t>都要处理的工作</a:t>
             </a:r>
             <a:br>
-              <a:rPr lang="zh-CN" altLang="en-US" sz="2400" dirty="0"/>
+              <a:rPr lang="zh-CN" altLang="en-US" sz="2400" dirty="0">
+                <a:latin typeface="Adobe 楷体 Std R" panose="02020400000000000000" pitchFamily="18" charset="-122"/>
+                <a:ea typeface="Adobe 楷体 Std R" panose="02020400000000000000" pitchFamily="18" charset="-122"/>
+              </a:rPr>
             </a:br>
             <a:r>
-              <a:rPr lang="zh-CN" altLang="en-US" sz="2400" dirty="0"/>
+              <a:rPr lang="zh-CN" altLang="en-US" sz="2400" dirty="0">
+                <a:latin typeface="Adobe 楷体 Std R" panose="02020400000000000000" pitchFamily="18" charset="-122"/>
+                <a:ea typeface="Adobe 楷体 Std R" panose="02020400000000000000" pitchFamily="18" charset="-122"/>
+              </a:rPr>
               <a:t>    </a:t>
             </a:r>
             <a:r>
-              <a:rPr lang="en-US" altLang="zh-CN" sz="2400" dirty="0"/>
+              <a:rPr lang="en-US" altLang="zh-CN" sz="2400" dirty="0">
+                <a:latin typeface="Adobe 楷体 Std R" panose="02020400000000000000" pitchFamily="18" charset="-122"/>
+                <a:ea typeface="Adobe 楷体 Std R" panose="02020400000000000000" pitchFamily="18" charset="-122"/>
+              </a:rPr>
               <a:t>}</a:t>
             </a:r>
           </a:p>
@@ -15707,7 +16572,7 @@
 </p:sld>
 </file>
 
-<file path=ppt/slides/slide48.xml><?xml version="1.0" encoding="utf-8"?>
+<file path=ppt/slides/slide49.xml><?xml version="1.0" encoding="utf-8"?>
 <p:sld xmlns:a="http://schemas.openxmlformats.org/drawingml/2006/main" xmlns:r="http://schemas.openxmlformats.org/officeDocument/2006/relationships" xmlns:p="http://schemas.openxmlformats.org/presentationml/2006/main">
   <p:cSld>
     <p:spTree>
@@ -15809,7 +16674,7 @@
 </p:sld>
 </file>
 
-<file path=ppt/slides/slide49.xml><?xml version="1.0" encoding="utf-8"?>
+<file path=ppt/slides/slide5.xml><?xml version="1.0" encoding="utf-8"?>
 <p:sld xmlns:a="http://schemas.openxmlformats.org/drawingml/2006/main" xmlns:r="http://schemas.openxmlformats.org/officeDocument/2006/relationships" xmlns:p="http://schemas.openxmlformats.org/presentationml/2006/main">
   <p:cSld>
     <p:spTree>
@@ -15842,8 +16707,11 @@
           <a:lstStyle/>
           <a:p>
             <a:r>
-              <a:rPr lang="zh-CN" altLang="en-US" dirty="0"/>
-              <a:t>异常处理原则</a:t>
+              <a:rPr lang="zh-CN" altLang="en-US" dirty="0">
+                <a:latin typeface="Adobe 黑体 Std R" panose="020B0400000000000000" pitchFamily="34" charset="-122"/>
+                <a:ea typeface="Adobe 黑体 Std R" panose="020B0400000000000000" pitchFamily="34" charset="-122"/>
+              </a:rPr>
+              <a:t>标识符</a:t>
             </a:r>
           </a:p>
         </p:txBody>
@@ -15860,6 +16728,303 @@
         </p:nvSpPr>
         <p:spPr>
           <a:xfrm>
+            <a:off x="914400" y="2512132"/>
+            <a:ext cx="8229600" cy="3396208"/>
+          </a:xfrm>
+        </p:spPr>
+        <p:txBody>
+          <a:bodyPr/>
+          <a:lstStyle/>
+          <a:p>
+            <a:r>
+              <a:rPr lang="en-US" altLang="zh-CN" sz="2000" b="1" dirty="0">
+                <a:latin typeface="华文楷体" panose="02010600040101010101" pitchFamily="2" charset="-122"/>
+                <a:ea typeface="华文楷体" panose="02010600040101010101" pitchFamily="2" charset="-122"/>
+              </a:rPr>
+              <a:t>x/X p/P u/U w/W z/Z v/V k/K(</a:t>
+            </a:r>
+            <a:r>
+              <a:rPr lang="zh-CN" altLang="zh-CN" sz="2000" b="1" dirty="0">
+                <a:latin typeface="华文楷体" panose="02010600040101010101" pitchFamily="2" charset="-122"/>
+                <a:ea typeface="华文楷体" panose="02010600040101010101" pitchFamily="2" charset="-122"/>
+              </a:rPr>
+              <a:t>大小写相近的字母容易用错，不要同时出现，同时是指作用域范围内</a:t>
+            </a:r>
+            <a:r>
+              <a:rPr lang="en-US" altLang="zh-CN" sz="2000" b="1" dirty="0">
+                <a:latin typeface="华文楷体" panose="02010600040101010101" pitchFamily="2" charset="-122"/>
+                <a:ea typeface="华文楷体" panose="02010600040101010101" pitchFamily="2" charset="-122"/>
+              </a:rPr>
+              <a:t>)</a:t>
+            </a:r>
+            <a:endParaRPr lang="zh-CN" altLang="zh-CN" sz="2000" b="1" dirty="0">
+              <a:latin typeface="华文楷体" panose="02010600040101010101" pitchFamily="2" charset="-122"/>
+              <a:ea typeface="华文楷体" panose="02010600040101010101" pitchFamily="2" charset="-122"/>
+            </a:endParaRPr>
+          </a:p>
+          <a:p>
+            <a:r>
+              <a:rPr lang="en-US" altLang="zh-CN" sz="2000" b="1" dirty="0">
+                <a:latin typeface="华文楷体" panose="02010600040101010101" pitchFamily="2" charset="-122"/>
+                <a:ea typeface="华文楷体" panose="02010600040101010101" pitchFamily="2" charset="-122"/>
+              </a:rPr>
+              <a:t>o/O/</a:t>
+            </a:r>
+            <a:r>
+              <a:rPr lang="zh-CN" altLang="zh-CN" sz="2000" b="1" dirty="0">
+                <a:latin typeface="华文楷体" panose="02010600040101010101" pitchFamily="2" charset="-122"/>
+                <a:ea typeface="华文楷体" panose="02010600040101010101" pitchFamily="2" charset="-122"/>
+              </a:rPr>
+              <a:t>（</a:t>
+            </a:r>
+            <a:r>
+              <a:rPr lang="en-US" altLang="zh-CN" sz="2000" b="1" dirty="0" err="1">
+                <a:latin typeface="华文楷体" panose="02010600040101010101" pitchFamily="2" charset="-122"/>
+                <a:ea typeface="华文楷体" panose="02010600040101010101" pitchFamily="2" charset="-122"/>
+              </a:rPr>
+              <a:t>i</a:t>
+            </a:r>
+            <a:r>
+              <a:rPr lang="zh-CN" altLang="zh-CN" sz="2000" b="1" dirty="0">
+                <a:latin typeface="华文楷体" panose="02010600040101010101" pitchFamily="2" charset="-122"/>
+                <a:ea typeface="华文楷体" panose="02010600040101010101" pitchFamily="2" charset="-122"/>
+              </a:rPr>
+              <a:t>和</a:t>
+            </a:r>
+            <a:r>
+              <a:rPr lang="en-US" altLang="zh-CN" sz="2000" b="1" dirty="0">
+                <a:latin typeface="华文楷体" panose="02010600040101010101" pitchFamily="2" charset="-122"/>
+                <a:ea typeface="华文楷体" panose="02010600040101010101" pitchFamily="2" charset="-122"/>
+              </a:rPr>
+              <a:t>p</a:t>
+            </a:r>
+            <a:r>
+              <a:rPr lang="zh-CN" altLang="zh-CN" sz="2000" b="1" dirty="0">
+                <a:latin typeface="华文楷体" panose="02010600040101010101" pitchFamily="2" charset="-122"/>
+                <a:ea typeface="华文楷体" panose="02010600040101010101" pitchFamily="2" charset="-122"/>
+              </a:rPr>
+              <a:t>中间的字母） 数字</a:t>
+            </a:r>
+            <a:r>
+              <a:rPr lang="en-US" altLang="zh-CN" sz="2000" b="1" dirty="0">
+                <a:latin typeface="华文楷体" panose="02010600040101010101" pitchFamily="2" charset="-122"/>
+                <a:ea typeface="华文楷体" panose="02010600040101010101" pitchFamily="2" charset="-122"/>
+              </a:rPr>
+              <a:t>0  l (L</a:t>
+            </a:r>
+            <a:r>
+              <a:rPr lang="zh-CN" altLang="zh-CN" sz="2000" b="1" dirty="0">
+                <a:latin typeface="华文楷体" panose="02010600040101010101" pitchFamily="2" charset="-122"/>
+                <a:ea typeface="华文楷体" panose="02010600040101010101" pitchFamily="2" charset="-122"/>
+              </a:rPr>
+              <a:t>的小写</a:t>
+            </a:r>
+            <a:r>
+              <a:rPr lang="en-US" altLang="zh-CN" sz="2000" b="1" dirty="0">
+                <a:latin typeface="华文楷体" panose="02010600040101010101" pitchFamily="2" charset="-122"/>
+                <a:ea typeface="华文楷体" panose="02010600040101010101" pitchFamily="2" charset="-122"/>
+              </a:rPr>
+              <a:t>)</a:t>
+            </a:r>
+            <a:r>
+              <a:rPr lang="zh-CN" altLang="zh-CN" sz="2000" b="1" dirty="0">
+                <a:latin typeface="华文楷体" panose="02010600040101010101" pitchFamily="2" charset="-122"/>
+                <a:ea typeface="华文楷体" panose="02010600040101010101" pitchFamily="2" charset="-122"/>
+              </a:rPr>
+              <a:t>和 数字</a:t>
+            </a:r>
+            <a:r>
+              <a:rPr lang="en-US" altLang="zh-CN" sz="2000" b="1" dirty="0">
+                <a:latin typeface="华文楷体" panose="02010600040101010101" pitchFamily="2" charset="-122"/>
+                <a:ea typeface="华文楷体" panose="02010600040101010101" pitchFamily="2" charset="-122"/>
+              </a:rPr>
+              <a:t>1  </a:t>
+            </a:r>
+            <a:r>
+              <a:rPr lang="zh-CN" altLang="zh-CN" sz="2000" b="1" dirty="0">
+                <a:latin typeface="华文楷体" panose="02010600040101010101" pitchFamily="2" charset="-122"/>
+                <a:ea typeface="华文楷体" panose="02010600040101010101" pitchFamily="2" charset="-122"/>
+              </a:rPr>
+              <a:t>容易写错</a:t>
+            </a:r>
+          </a:p>
+          <a:p>
+            <a:pPr marL="0" indent="0">
+              <a:buNone/>
+            </a:pPr>
+            <a:endParaRPr lang="zh-CN" altLang="en-US" sz="1600" dirty="0"/>
+          </a:p>
+        </p:txBody>
+      </p:sp>
+      <p:pic>
+        <p:nvPicPr>
+          <p:cNvPr id="2052" name="Picture 4" descr="C:\Users\devuser\Desktop\foo2.jpg"/>
+          <p:cNvPicPr>
+            <a:picLocks noChangeAspect="1" noChangeArrowheads="1"/>
+          </p:cNvPicPr>
+          <p:nvPr/>
+        </p:nvPicPr>
+        <p:blipFill>
+          <a:blip r:embed="rId2">
+            <a:extLst>
+              <a:ext uri="{28A0092B-C50C-407E-A947-70E740481C1C}">
+                <a14:useLocalDpi xmlns:a14="http://schemas.microsoft.com/office/drawing/2010/main" val="0"/>
+              </a:ext>
+            </a:extLst>
+          </a:blip>
+          <a:srcRect/>
+          <a:stretch>
+            <a:fillRect/>
+          </a:stretch>
+        </p:blipFill>
+        <p:spPr bwMode="auto">
+          <a:xfrm>
+            <a:off x="3555948" y="3789040"/>
+            <a:ext cx="4704783" cy="1411436"/>
+          </a:xfrm>
+          <a:prstGeom prst="rect">
+            <a:avLst/>
+          </a:prstGeom>
+          <a:noFill/>
+          <a:extLst>
+            <a:ext uri="{909E8E84-426E-40DD-AFC4-6F175D3DCCD1}">
+              <a14:hiddenFill xmlns:a14="http://schemas.microsoft.com/office/drawing/2010/main">
+                <a:solidFill>
+                  <a:srgbClr val="FFFFFF"/>
+                </a:solidFill>
+              </a14:hiddenFill>
+            </a:ext>
+          </a:extLst>
+        </p:spPr>
+      </p:pic>
+      <p:pic>
+        <p:nvPicPr>
+          <p:cNvPr id="2051" name="Picture 3"/>
+          <p:cNvPicPr>
+            <a:picLocks noChangeAspect="1" noChangeArrowheads="1"/>
+          </p:cNvPicPr>
+          <p:nvPr/>
+        </p:nvPicPr>
+        <p:blipFill>
+          <a:blip r:embed="rId3">
+            <a:extLst>
+              <a:ext uri="{28A0092B-C50C-407E-A947-70E740481C1C}">
+                <a14:useLocalDpi xmlns:a14="http://schemas.microsoft.com/office/drawing/2010/main" val="0"/>
+              </a:ext>
+            </a:extLst>
+          </a:blip>
+          <a:srcRect/>
+          <a:stretch>
+            <a:fillRect/>
+          </a:stretch>
+        </p:blipFill>
+        <p:spPr bwMode="auto">
+          <a:xfrm>
+            <a:off x="1115616" y="3789040"/>
+            <a:ext cx="2811307" cy="1953530"/>
+          </a:xfrm>
+          <a:prstGeom prst="rect">
+            <a:avLst/>
+          </a:prstGeom>
+          <a:noFill/>
+          <a:ln>
+            <a:noFill/>
+          </a:ln>
+          <a:effectLst/>
+          <a:extLst>
+            <a:ext uri="{909E8E84-426E-40DD-AFC4-6F175D3DCCD1}">
+              <a14:hiddenFill xmlns:a14="http://schemas.microsoft.com/office/drawing/2010/main">
+                <a:solidFill>
+                  <a:schemeClr val="accent1"/>
+                </a:solidFill>
+              </a14:hiddenFill>
+            </a:ext>
+            <a:ext uri="{91240B29-F687-4F45-9708-019B960494DF}">
+              <a14:hiddenLine xmlns:a14="http://schemas.microsoft.com/office/drawing/2010/main" w="9525">
+                <a:solidFill>
+                  <a:schemeClr val="tx1"/>
+                </a:solidFill>
+                <a:miter lim="800000"/>
+                <a:headEnd/>
+                <a:tailEnd/>
+              </a14:hiddenLine>
+            </a:ext>
+            <a:ext uri="{AF507438-7753-43E0-B8FC-AC1667EBCBE1}">
+              <a14:hiddenEffects xmlns:a14="http://schemas.microsoft.com/office/drawing/2010/main">
+                <a:effectLst>
+                  <a:outerShdw dist="35921" dir="2700000" algn="ctr" rotWithShape="0">
+                    <a:schemeClr val="bg2"/>
+                  </a:outerShdw>
+                </a:effectLst>
+              </a14:hiddenEffects>
+            </a:ext>
+          </a:extLst>
+        </p:spPr>
+      </p:pic>
+    </p:spTree>
+    <p:extLst>
+      <p:ext uri="{BB962C8B-B14F-4D97-AF65-F5344CB8AC3E}">
+        <p14:creationId xmlns:p14="http://schemas.microsoft.com/office/powerpoint/2010/main" val="1938763139"/>
+      </p:ext>
+    </p:extLst>
+  </p:cSld>
+  <p:clrMapOvr>
+    <a:masterClrMapping/>
+  </p:clrMapOvr>
+</p:sld>
+</file>
+
+<file path=ppt/slides/slide50.xml><?xml version="1.0" encoding="utf-8"?>
+<p:sld xmlns:a="http://schemas.openxmlformats.org/drawingml/2006/main" xmlns:r="http://schemas.openxmlformats.org/officeDocument/2006/relationships" xmlns:p="http://schemas.openxmlformats.org/presentationml/2006/main">
+  <p:cSld>
+    <p:spTree>
+      <p:nvGrpSpPr>
+        <p:cNvPr id="1" name=""/>
+        <p:cNvGrpSpPr/>
+        <p:nvPr/>
+      </p:nvGrpSpPr>
+      <p:grpSpPr>
+        <a:xfrm>
+          <a:off x="0" y="0"/>
+          <a:ext cx="0" cy="0"/>
+          <a:chOff x="0" y="0"/>
+          <a:chExt cx="0" cy="0"/>
+        </a:xfrm>
+      </p:grpSpPr>
+      <p:sp>
+        <p:nvSpPr>
+          <p:cNvPr id="2" name="标题 1"/>
+          <p:cNvSpPr>
+            <a:spLocks noGrp="1"/>
+          </p:cNvSpPr>
+          <p:nvPr>
+            <p:ph type="title"/>
+          </p:nvPr>
+        </p:nvSpPr>
+        <p:spPr/>
+        <p:txBody>
+          <a:bodyPr/>
+          <a:lstStyle/>
+          <a:p>
+            <a:r>
+              <a:rPr lang="zh-CN" altLang="en-US" dirty="0"/>
+              <a:t>异常处理原则</a:t>
+            </a:r>
+          </a:p>
+        </p:txBody>
+      </p:sp>
+      <p:sp>
+        <p:nvSpPr>
+          <p:cNvPr id="3" name="内容占位符 2"/>
+          <p:cNvSpPr>
+            <a:spLocks noGrp="1"/>
+          </p:cNvSpPr>
+          <p:nvPr>
+            <p:ph idx="1"/>
+          </p:nvPr>
+        </p:nvSpPr>
+        <p:spPr>
+          <a:xfrm>
             <a:off x="914400" y="2492896"/>
             <a:ext cx="8229600" cy="3684240"/>
           </a:xfrm>
@@ -15869,29 +17034,50 @@
           <a:lstStyle/>
           <a:p>
             <a:r>
-              <a:rPr lang="zh-CN" altLang="en-US" dirty="0"/>
+              <a:rPr lang="zh-CN" altLang="en-US" dirty="0">
+                <a:latin typeface="Adobe 楷体 Std R" panose="02020400000000000000" pitchFamily="18" charset="-122"/>
+                <a:ea typeface="Adobe 楷体 Std R" panose="02020400000000000000" pitchFamily="18" charset="-122"/>
+              </a:rPr>
               <a:t>具体明确 （不要总是抛出捕获</a:t>
             </a:r>
             <a:r>
-              <a:rPr lang="en-US" altLang="zh-CN" dirty="0"/>
+              <a:rPr lang="en-US" altLang="zh-CN" dirty="0">
+                <a:latin typeface="Adobe 楷体 Std R" panose="02020400000000000000" pitchFamily="18" charset="-122"/>
+                <a:ea typeface="Adobe 楷体 Std R" panose="02020400000000000000" pitchFamily="18" charset="-122"/>
+              </a:rPr>
               <a:t>Exception e</a:t>
             </a:r>
             <a:r>
-              <a:rPr lang="zh-CN" altLang="en-US" dirty="0"/>
+              <a:rPr lang="zh-CN" altLang="en-US" dirty="0">
+                <a:latin typeface="Adobe 楷体 Std R" panose="02020400000000000000" pitchFamily="18" charset="-122"/>
+                <a:ea typeface="Adobe 楷体 Std R" panose="02020400000000000000" pitchFamily="18" charset="-122"/>
+              </a:rPr>
               <a:t>）</a:t>
             </a:r>
-            <a:endParaRPr lang="en-US" altLang="zh-CN" dirty="0"/>
-          </a:p>
-          <a:p>
-            <a:r>
-              <a:rPr lang="zh-CN" altLang="en-US" dirty="0"/>
+            <a:endParaRPr lang="en-US" altLang="zh-CN" dirty="0">
+              <a:latin typeface="Adobe 楷体 Std R" panose="02020400000000000000" pitchFamily="18" charset="-122"/>
+              <a:ea typeface="Adobe 楷体 Std R" panose="02020400000000000000" pitchFamily="18" charset="-122"/>
+            </a:endParaRPr>
+          </a:p>
+          <a:p>
+            <a:r>
+              <a:rPr lang="zh-CN" altLang="en-US" dirty="0">
+                <a:latin typeface="Adobe 楷体 Std R" panose="02020400000000000000" pitchFamily="18" charset="-122"/>
+                <a:ea typeface="Adobe 楷体 Std R" panose="02020400000000000000" pitchFamily="18" charset="-122"/>
+              </a:rPr>
               <a:t>尽早抛出</a:t>
             </a:r>
-            <a:endParaRPr lang="en-US" altLang="zh-CN" dirty="0"/>
-          </a:p>
-          <a:p>
-            <a:r>
-              <a:rPr lang="zh-CN" altLang="en-US" dirty="0"/>
+            <a:endParaRPr lang="en-US" altLang="zh-CN" dirty="0">
+              <a:latin typeface="Adobe 楷体 Std R" panose="02020400000000000000" pitchFamily="18" charset="-122"/>
+              <a:ea typeface="Adobe 楷体 Std R" panose="02020400000000000000" pitchFamily="18" charset="-122"/>
+            </a:endParaRPr>
+          </a:p>
+          <a:p>
+            <a:r>
+              <a:rPr lang="zh-CN" altLang="en-US" dirty="0">
+                <a:latin typeface="Adobe 楷体 Std R" panose="02020400000000000000" pitchFamily="18" charset="-122"/>
+                <a:ea typeface="Adobe 楷体 Std R" panose="02020400000000000000" pitchFamily="18" charset="-122"/>
+              </a:rPr>
               <a:t>延迟捕获</a:t>
             </a:r>
           </a:p>
@@ -15974,307 +17160,7 @@
 </p:sld>
 </file>
 
-<file path=ppt/slides/slide5.xml><?xml version="1.0" encoding="utf-8"?>
-<p:sld xmlns:a="http://schemas.openxmlformats.org/drawingml/2006/main" xmlns:r="http://schemas.openxmlformats.org/officeDocument/2006/relationships" xmlns:p="http://schemas.openxmlformats.org/presentationml/2006/main">
-  <p:cSld>
-    <p:spTree>
-      <p:nvGrpSpPr>
-        <p:cNvPr id="1" name=""/>
-        <p:cNvGrpSpPr/>
-        <p:nvPr/>
-      </p:nvGrpSpPr>
-      <p:grpSpPr>
-        <a:xfrm>
-          <a:off x="0" y="0"/>
-          <a:ext cx="0" cy="0"/>
-          <a:chOff x="0" y="0"/>
-          <a:chExt cx="0" cy="0"/>
-        </a:xfrm>
-      </p:grpSpPr>
-      <p:sp>
-        <p:nvSpPr>
-          <p:cNvPr id="2" name="标题 1"/>
-          <p:cNvSpPr>
-            <a:spLocks noGrp="1"/>
-          </p:cNvSpPr>
-          <p:nvPr>
-            <p:ph type="title"/>
-          </p:nvPr>
-        </p:nvSpPr>
-        <p:spPr/>
-        <p:txBody>
-          <a:bodyPr/>
-          <a:lstStyle/>
-          <a:p>
-            <a:r>
-              <a:rPr lang="zh-CN" altLang="en-US" dirty="0">
-                <a:latin typeface="Adobe 黑体 Std R" panose="020B0400000000000000" pitchFamily="34" charset="-122"/>
-                <a:ea typeface="Adobe 黑体 Std R" panose="020B0400000000000000" pitchFamily="34" charset="-122"/>
-              </a:rPr>
-              <a:t>标识符</a:t>
-            </a:r>
-          </a:p>
-        </p:txBody>
-      </p:sp>
-      <p:sp>
-        <p:nvSpPr>
-          <p:cNvPr id="3" name="内容占位符 2"/>
-          <p:cNvSpPr>
-            <a:spLocks noGrp="1"/>
-          </p:cNvSpPr>
-          <p:nvPr>
-            <p:ph idx="1"/>
-          </p:nvPr>
-        </p:nvSpPr>
-        <p:spPr>
-          <a:xfrm>
-            <a:off x="914400" y="2512132"/>
-            <a:ext cx="8229600" cy="3396208"/>
-          </a:xfrm>
-        </p:spPr>
-        <p:txBody>
-          <a:bodyPr/>
-          <a:lstStyle/>
-          <a:p>
-            <a:r>
-              <a:rPr lang="en-US" altLang="zh-CN" b="1" dirty="0">
-                <a:latin typeface="华文新魏" panose="02010800040101010101" pitchFamily="2" charset="-122"/>
-                <a:ea typeface="华文新魏" panose="02010800040101010101" pitchFamily="2" charset="-122"/>
-              </a:rPr>
-              <a:t>x/X p/P u/U w/W z/Z v/V k/K(</a:t>
-            </a:r>
-            <a:r>
-              <a:rPr lang="zh-CN" altLang="zh-CN" b="1" dirty="0">
-                <a:latin typeface="华文新魏" panose="02010800040101010101" pitchFamily="2" charset="-122"/>
-                <a:ea typeface="华文新魏" panose="02010800040101010101" pitchFamily="2" charset="-122"/>
-              </a:rPr>
-              <a:t>大小写相近的字母容易用错，不要同时出现，同时是指作用域范围内</a:t>
-            </a:r>
-            <a:r>
-              <a:rPr lang="en-US" altLang="zh-CN" b="1" dirty="0">
-                <a:latin typeface="华文新魏" panose="02010800040101010101" pitchFamily="2" charset="-122"/>
-                <a:ea typeface="华文新魏" panose="02010800040101010101" pitchFamily="2" charset="-122"/>
-              </a:rPr>
-              <a:t>)</a:t>
-            </a:r>
-            <a:endParaRPr lang="zh-CN" altLang="zh-CN" b="1" dirty="0">
-              <a:latin typeface="华文新魏" panose="02010800040101010101" pitchFamily="2" charset="-122"/>
-              <a:ea typeface="华文新魏" panose="02010800040101010101" pitchFamily="2" charset="-122"/>
-            </a:endParaRPr>
-          </a:p>
-          <a:p>
-            <a:r>
-              <a:rPr lang="en-US" altLang="zh-CN" b="1" dirty="0">
-                <a:latin typeface="华文新魏" panose="02010800040101010101" pitchFamily="2" charset="-122"/>
-                <a:ea typeface="华文新魏" panose="02010800040101010101" pitchFamily="2" charset="-122"/>
-              </a:rPr>
-              <a:t>o/O/</a:t>
-            </a:r>
-            <a:r>
-              <a:rPr lang="zh-CN" altLang="zh-CN" b="1" dirty="0">
-                <a:latin typeface="华文新魏" panose="02010800040101010101" pitchFamily="2" charset="-122"/>
-                <a:ea typeface="华文新魏" panose="02010800040101010101" pitchFamily="2" charset="-122"/>
-              </a:rPr>
-              <a:t>（</a:t>
-            </a:r>
-            <a:r>
-              <a:rPr lang="en-US" altLang="zh-CN" b="1" dirty="0" err="1">
-                <a:latin typeface="华文新魏" panose="02010800040101010101" pitchFamily="2" charset="-122"/>
-                <a:ea typeface="华文新魏" panose="02010800040101010101" pitchFamily="2" charset="-122"/>
-              </a:rPr>
-              <a:t>i</a:t>
-            </a:r>
-            <a:r>
-              <a:rPr lang="zh-CN" altLang="zh-CN" b="1" dirty="0">
-                <a:latin typeface="华文新魏" panose="02010800040101010101" pitchFamily="2" charset="-122"/>
-                <a:ea typeface="华文新魏" panose="02010800040101010101" pitchFamily="2" charset="-122"/>
-              </a:rPr>
-              <a:t>和</a:t>
-            </a:r>
-            <a:r>
-              <a:rPr lang="en-US" altLang="zh-CN" b="1" dirty="0">
-                <a:latin typeface="华文新魏" panose="02010800040101010101" pitchFamily="2" charset="-122"/>
-                <a:ea typeface="华文新魏" panose="02010800040101010101" pitchFamily="2" charset="-122"/>
-              </a:rPr>
-              <a:t>p</a:t>
-            </a:r>
-            <a:r>
-              <a:rPr lang="zh-CN" altLang="zh-CN" b="1" dirty="0">
-                <a:latin typeface="华文新魏" panose="02010800040101010101" pitchFamily="2" charset="-122"/>
-                <a:ea typeface="华文新魏" panose="02010800040101010101" pitchFamily="2" charset="-122"/>
-              </a:rPr>
-              <a:t>中间的字母） 数字</a:t>
-            </a:r>
-            <a:r>
-              <a:rPr lang="en-US" altLang="zh-CN" b="1" dirty="0">
-                <a:latin typeface="华文新魏" panose="02010800040101010101" pitchFamily="2" charset="-122"/>
-                <a:ea typeface="华文新魏" panose="02010800040101010101" pitchFamily="2" charset="-122"/>
-              </a:rPr>
-              <a:t>0  l (L</a:t>
-            </a:r>
-            <a:r>
-              <a:rPr lang="zh-CN" altLang="zh-CN" b="1" dirty="0">
-                <a:latin typeface="华文新魏" panose="02010800040101010101" pitchFamily="2" charset="-122"/>
-                <a:ea typeface="华文新魏" panose="02010800040101010101" pitchFamily="2" charset="-122"/>
-              </a:rPr>
-              <a:t>的小写</a:t>
-            </a:r>
-            <a:r>
-              <a:rPr lang="en-US" altLang="zh-CN" b="1" dirty="0">
-                <a:latin typeface="华文新魏" panose="02010800040101010101" pitchFamily="2" charset="-122"/>
-                <a:ea typeface="华文新魏" panose="02010800040101010101" pitchFamily="2" charset="-122"/>
-              </a:rPr>
-              <a:t>)</a:t>
-            </a:r>
-            <a:r>
-              <a:rPr lang="zh-CN" altLang="zh-CN" b="1" dirty="0">
-                <a:latin typeface="华文新魏" panose="02010800040101010101" pitchFamily="2" charset="-122"/>
-                <a:ea typeface="华文新魏" panose="02010800040101010101" pitchFamily="2" charset="-122"/>
-              </a:rPr>
-              <a:t>和 数字</a:t>
-            </a:r>
-            <a:r>
-              <a:rPr lang="en-US" altLang="zh-CN" b="1" dirty="0">
-                <a:latin typeface="华文新魏" panose="02010800040101010101" pitchFamily="2" charset="-122"/>
-                <a:ea typeface="华文新魏" panose="02010800040101010101" pitchFamily="2" charset="-122"/>
-              </a:rPr>
-              <a:t>1  </a:t>
-            </a:r>
-            <a:r>
-              <a:rPr lang="zh-CN" altLang="zh-CN" b="1" dirty="0">
-                <a:latin typeface="华文新魏" panose="02010800040101010101" pitchFamily="2" charset="-122"/>
-                <a:ea typeface="华文新魏" panose="02010800040101010101" pitchFamily="2" charset="-122"/>
-              </a:rPr>
-              <a:t>容易写错</a:t>
-            </a:r>
-          </a:p>
-          <a:p>
-            <a:pPr marL="0" indent="0">
-              <a:buNone/>
-            </a:pPr>
-            <a:endParaRPr lang="zh-CN" altLang="en-US" sz="1600" dirty="0"/>
-          </a:p>
-        </p:txBody>
-      </p:sp>
-      <p:pic>
-        <p:nvPicPr>
-          <p:cNvPr id="2052" name="Picture 4" descr="C:\Users\devuser\Desktop\foo2.jpg"/>
-          <p:cNvPicPr>
-            <a:picLocks noChangeAspect="1" noChangeArrowheads="1"/>
-          </p:cNvPicPr>
-          <p:nvPr/>
-        </p:nvPicPr>
-        <p:blipFill>
-          <a:blip r:embed="rId2">
-            <a:extLst>
-              <a:ext uri="{28A0092B-C50C-407E-A947-70E740481C1C}">
-                <a14:useLocalDpi xmlns:a14="http://schemas.microsoft.com/office/drawing/2010/main" val="0"/>
-              </a:ext>
-            </a:extLst>
-          </a:blip>
-          <a:srcRect/>
-          <a:stretch>
-            <a:fillRect/>
-          </a:stretch>
-        </p:blipFill>
-        <p:spPr bwMode="auto">
-          <a:xfrm>
-            <a:off x="3683641" y="4247617"/>
-            <a:ext cx="4704783" cy="1411436"/>
-          </a:xfrm>
-          <a:prstGeom prst="rect">
-            <a:avLst/>
-          </a:prstGeom>
-          <a:noFill/>
-          <a:extLst>
-            <a:ext uri="{909E8E84-426E-40DD-AFC4-6F175D3DCCD1}">
-              <a14:hiddenFill xmlns:a14="http://schemas.microsoft.com/office/drawing/2010/main">
-                <a:solidFill>
-                  <a:srgbClr val="FFFFFF"/>
-                </a:solidFill>
-              </a14:hiddenFill>
-            </a:ext>
-          </a:extLst>
-        </p:spPr>
-      </p:pic>
-      <p:pic>
-        <p:nvPicPr>
-          <p:cNvPr id="2051" name="Picture 3"/>
-          <p:cNvPicPr>
-            <a:picLocks noChangeAspect="1" noChangeArrowheads="1"/>
-          </p:cNvPicPr>
-          <p:nvPr/>
-        </p:nvPicPr>
-        <p:blipFill>
-          <a:blip r:embed="rId3">
-            <a:extLst>
-              <a:ext uri="{28A0092B-C50C-407E-A947-70E740481C1C}">
-                <a14:useLocalDpi xmlns:a14="http://schemas.microsoft.com/office/drawing/2010/main" val="0"/>
-              </a:ext>
-            </a:extLst>
-          </a:blip>
-          <a:srcRect/>
-          <a:stretch>
-            <a:fillRect/>
-          </a:stretch>
-        </p:blipFill>
-        <p:spPr bwMode="auto">
-          <a:xfrm>
-            <a:off x="1043608" y="4149080"/>
-            <a:ext cx="2811307" cy="1953530"/>
-          </a:xfrm>
-          <a:prstGeom prst="rect">
-            <a:avLst/>
-          </a:prstGeom>
-          <a:noFill/>
-          <a:ln>
-            <a:noFill/>
-          </a:ln>
-          <a:effectLst/>
-          <a:extLst>
-            <a:ext uri="{909E8E84-426E-40DD-AFC4-6F175D3DCCD1}">
-              <a14:hiddenFill xmlns:a14="http://schemas.microsoft.com/office/drawing/2010/main">
-                <a:solidFill>
-                  <a:schemeClr val="accent1"/>
-                </a:solidFill>
-              </a14:hiddenFill>
-            </a:ext>
-            <a:ext uri="{91240B29-F687-4F45-9708-019B960494DF}">
-              <a14:hiddenLine xmlns:a14="http://schemas.microsoft.com/office/drawing/2010/main" w="9525">
-                <a:solidFill>
-                  <a:schemeClr val="tx1"/>
-                </a:solidFill>
-                <a:miter lim="800000"/>
-                <a:headEnd/>
-                <a:tailEnd/>
-              </a14:hiddenLine>
-            </a:ext>
-            <a:ext uri="{AF507438-7753-43E0-B8FC-AC1667EBCBE1}">
-              <a14:hiddenEffects xmlns:a14="http://schemas.microsoft.com/office/drawing/2010/main">
-                <a:effectLst>
-                  <a:outerShdw dist="35921" dir="2700000" algn="ctr" rotWithShape="0">
-                    <a:schemeClr val="bg2"/>
-                  </a:outerShdw>
-                </a:effectLst>
-              </a14:hiddenEffects>
-            </a:ext>
-          </a:extLst>
-        </p:spPr>
-      </p:pic>
-    </p:spTree>
-    <p:extLst>
-      <p:ext uri="{BB962C8B-B14F-4D97-AF65-F5344CB8AC3E}">
-        <p14:creationId xmlns:p14="http://schemas.microsoft.com/office/powerpoint/2010/main" val="1938763139"/>
-      </p:ext>
-    </p:extLst>
-  </p:cSld>
-  <p:clrMapOvr>
-    <a:masterClrMapping/>
-  </p:clrMapOvr>
-</p:sld>
-</file>
-
-<file path=ppt/slides/slide50.xml><?xml version="1.0" encoding="utf-8"?>
+<file path=ppt/slides/slide51.xml><?xml version="1.0" encoding="utf-8"?>
 <p:sld xmlns:a="http://schemas.openxmlformats.org/drawingml/2006/main" xmlns:r="http://schemas.openxmlformats.org/officeDocument/2006/relationships" xmlns:p="http://schemas.openxmlformats.org/presentationml/2006/main">
   <p:cSld>
     <p:spTree>
@@ -16368,7 +17254,7 @@
 </p:sld>
 </file>
 
-<file path=ppt/slides/slide51.xml><?xml version="1.0" encoding="utf-8"?>
+<file path=ppt/slides/slide52.xml><?xml version="1.0" encoding="utf-8"?>
 <p:sld xmlns:a="http://schemas.openxmlformats.org/drawingml/2006/main" xmlns:r="http://schemas.openxmlformats.org/officeDocument/2006/relationships" xmlns:p="http://schemas.openxmlformats.org/presentationml/2006/main">
   <p:cSld>
     <p:spTree>
@@ -16503,7 +17389,7 @@
 </p:sld>
 </file>
 
-<file path=ppt/slides/slide52.xml><?xml version="1.0" encoding="utf-8"?>
+<file path=ppt/slides/slide53.xml><?xml version="1.0" encoding="utf-8"?>
 <p:sld xmlns:a="http://schemas.openxmlformats.org/drawingml/2006/main" xmlns:r="http://schemas.openxmlformats.org/officeDocument/2006/relationships" xmlns:p="http://schemas.openxmlformats.org/presentationml/2006/main">
   <p:cSld>
     <p:spTree>
@@ -16541,10 +17427,16 @@
           <a:lstStyle/>
           <a:p>
             <a:r>
-              <a:rPr lang="zh-CN" altLang="en-US" dirty="0"/>
+              <a:rPr lang="zh-CN" altLang="en-US" dirty="0">
+                <a:latin typeface="Adobe 楷体 Std R" panose="02020400000000000000" pitchFamily="18" charset="-122"/>
+                <a:ea typeface="Adobe 楷体 Std R" panose="02020400000000000000" pitchFamily="18" charset="-122"/>
+              </a:rPr>
               <a:t>别把异常当正常！ 对可预料到的问题（错误），请不要用“抛出异常然后捕获”的方式进行处理（不要把抛出的异常对象，当作返回值使用）</a:t>
             </a:r>
-            <a:endParaRPr lang="en-US" altLang="zh-CN" dirty="0"/>
+            <a:endParaRPr lang="en-US" altLang="zh-CN" dirty="0">
+              <a:latin typeface="Adobe 楷体 Std R" panose="02020400000000000000" pitchFamily="18" charset="-122"/>
+              <a:ea typeface="Adobe 楷体 Std R" panose="02020400000000000000" pitchFamily="18" charset="-122"/>
+            </a:endParaRPr>
           </a:p>
           <a:p>
             <a:endParaRPr lang="zh-CN" altLang="en-US" dirty="0"/>
@@ -16564,7 +17456,7 @@
 </p:sld>
 </file>
 
-<file path=ppt/slides/slide53.xml><?xml version="1.0" encoding="utf-8"?>
+<file path=ppt/slides/slide54.xml><?xml version="1.0" encoding="utf-8"?>
 <p:sld xmlns:a="http://schemas.openxmlformats.org/drawingml/2006/main" xmlns:r="http://schemas.openxmlformats.org/officeDocument/2006/relationships" xmlns:p="http://schemas.openxmlformats.org/presentationml/2006/main">
   <p:cSld>
     <p:spTree>
@@ -16755,7 +17647,7 @@
 </p:sld>
 </file>
 
-<file path=ppt/slides/slide54.xml><?xml version="1.0" encoding="utf-8"?>
+<file path=ppt/slides/slide55.xml><?xml version="1.0" encoding="utf-8"?>
 <p:sld xmlns:a="http://schemas.openxmlformats.org/drawingml/2006/main" xmlns:r="http://schemas.openxmlformats.org/officeDocument/2006/relationships" xmlns:p="http://schemas.openxmlformats.org/presentationml/2006/main">
   <p:cSld>
     <p:spTree>
@@ -16900,7 +17792,7 @@
 </p:sld>
 </file>
 
-<file path=ppt/slides/slide55.xml><?xml version="1.0" encoding="utf-8"?>
+<file path=ppt/slides/slide56.xml><?xml version="1.0" encoding="utf-8"?>
 <p:sld xmlns:a="http://schemas.openxmlformats.org/drawingml/2006/main" xmlns:r="http://schemas.openxmlformats.org/officeDocument/2006/relationships" xmlns:p="http://schemas.openxmlformats.org/presentationml/2006/main">
   <p:cSld>
     <p:spTree>
@@ -17004,7 +17896,7 @@
 </p:sld>
 </file>
 
-<file path=ppt/slides/slide56.xml><?xml version="1.0" encoding="utf-8"?>
+<file path=ppt/slides/slide57.xml><?xml version="1.0" encoding="utf-8"?>
 <p:sld xmlns:a="http://schemas.openxmlformats.org/drawingml/2006/main" xmlns:r="http://schemas.openxmlformats.org/officeDocument/2006/relationships" xmlns:p="http://schemas.openxmlformats.org/presentationml/2006/main">
   <p:cSld>
     <p:spTree>
@@ -17525,70 +18417,118 @@
           <a:lstStyle/>
           <a:p>
             <a:r>
-              <a:rPr lang="zh-CN" altLang="en-US" dirty="0"/>
+              <a:rPr lang="zh-CN" altLang="en-US" dirty="0">
+                <a:latin typeface="Adobe 楷体 Std R" panose="02020400000000000000" pitchFamily="18" charset="-122"/>
+                <a:ea typeface="Adobe 楷体 Std R" panose="02020400000000000000" pitchFamily="18" charset="-122"/>
+              </a:rPr>
               <a:t>命名要能反映出其作用</a:t>
             </a:r>
-            <a:endParaRPr lang="en-US" altLang="zh-CN" dirty="0"/>
-          </a:p>
-          <a:p>
-            <a:r>
-              <a:rPr lang="zh-CN" altLang="en-US" dirty="0"/>
+            <a:endParaRPr lang="en-US" altLang="zh-CN" dirty="0">
+              <a:latin typeface="Adobe 楷体 Std R" panose="02020400000000000000" pitchFamily="18" charset="-122"/>
+              <a:ea typeface="Adobe 楷体 Std R" panose="02020400000000000000" pitchFamily="18" charset="-122"/>
+            </a:endParaRPr>
+          </a:p>
+          <a:p>
+            <a:r>
+              <a:rPr lang="zh-CN" altLang="en-US" dirty="0">
+                <a:latin typeface="Adobe 楷体 Std R" panose="02020400000000000000" pitchFamily="18" charset="-122"/>
+                <a:ea typeface="Adobe 楷体 Std R" panose="02020400000000000000" pitchFamily="18" charset="-122"/>
+              </a:rPr>
               <a:t>命名要有呼应</a:t>
             </a:r>
-            <a:endParaRPr lang="en-US" altLang="zh-CN" dirty="0"/>
+            <a:endParaRPr lang="en-US" altLang="zh-CN" dirty="0">
+              <a:latin typeface="Adobe 楷体 Std R" panose="02020400000000000000" pitchFamily="18" charset="-122"/>
+              <a:ea typeface="Adobe 楷体 Std R" panose="02020400000000000000" pitchFamily="18" charset="-122"/>
+            </a:endParaRPr>
           </a:p>
           <a:p>
             <a:pPr lvl="1"/>
             <a:r>
-              <a:rPr lang="en-US" altLang="zh-CN" dirty="0"/>
+              <a:rPr lang="en-US" altLang="zh-CN" dirty="0">
+                <a:latin typeface="Adobe 楷体 Std R" panose="02020400000000000000" pitchFamily="18" charset="-122"/>
+                <a:ea typeface="Adobe 楷体 Std R" panose="02020400000000000000" pitchFamily="18" charset="-122"/>
+              </a:rPr>
               <a:t>Init()/Clear()  </a:t>
             </a:r>
           </a:p>
           <a:p>
             <a:pPr lvl="1"/>
             <a:r>
-              <a:rPr lang="en-US" altLang="zh-CN" dirty="0" err="1"/>
+              <a:rPr lang="en-US" altLang="zh-CN" dirty="0" err="1">
+                <a:latin typeface="Adobe 楷体 Std R" panose="02020400000000000000" pitchFamily="18" charset="-122"/>
+                <a:ea typeface="Adobe 楷体 Std R" panose="02020400000000000000" pitchFamily="18" charset="-122"/>
+              </a:rPr>
               <a:t>CreateInstance</a:t>
             </a:r>
             <a:r>
-              <a:rPr lang="en-US" altLang="zh-CN" dirty="0"/>
+              <a:rPr lang="en-US" altLang="zh-CN" dirty="0">
+                <a:latin typeface="Adobe 楷体 Std R" panose="02020400000000000000" pitchFamily="18" charset="-122"/>
+                <a:ea typeface="Adobe 楷体 Std R" panose="02020400000000000000" pitchFamily="18" charset="-122"/>
+              </a:rPr>
               <a:t>/</a:t>
             </a:r>
             <a:r>
-              <a:rPr lang="en-US" altLang="zh-CN" dirty="0" err="1"/>
+              <a:rPr lang="en-US" altLang="zh-CN" dirty="0" err="1">
+                <a:latin typeface="Adobe 楷体 Std R" panose="02020400000000000000" pitchFamily="18" charset="-122"/>
+                <a:ea typeface="Adobe 楷体 Std R" panose="02020400000000000000" pitchFamily="18" charset="-122"/>
+              </a:rPr>
               <a:t>DestroyInstance</a:t>
             </a:r>
-            <a:endParaRPr lang="en-US" altLang="zh-CN" dirty="0"/>
+            <a:endParaRPr lang="en-US" altLang="zh-CN" dirty="0">
+              <a:latin typeface="Adobe 楷体 Std R" panose="02020400000000000000" pitchFamily="18" charset="-122"/>
+              <a:ea typeface="Adobe 楷体 Std R" panose="02020400000000000000" pitchFamily="18" charset="-122"/>
+            </a:endParaRPr>
           </a:p>
           <a:p>
             <a:pPr lvl="1"/>
             <a:r>
-              <a:rPr lang="en-US" altLang="zh-CN" dirty="0"/>
+              <a:rPr lang="en-US" altLang="zh-CN" dirty="0">
+                <a:latin typeface="Adobe 楷体 Std R" panose="02020400000000000000" pitchFamily="18" charset="-122"/>
+                <a:ea typeface="Adobe 楷体 Std R" panose="02020400000000000000" pitchFamily="18" charset="-122"/>
+              </a:rPr>
               <a:t>MIN/MAX</a:t>
             </a:r>
           </a:p>
           <a:p>
             <a:r>
-              <a:rPr lang="zh-CN" altLang="en-US" dirty="0"/>
+              <a:rPr lang="zh-CN" altLang="en-US" dirty="0">
+                <a:latin typeface="Adobe 楷体 Std R" panose="02020400000000000000" pitchFamily="18" charset="-122"/>
+                <a:ea typeface="Adobe 楷体 Std R" panose="02020400000000000000" pitchFamily="18" charset="-122"/>
+              </a:rPr>
               <a:t>建议采用驼峰</a:t>
             </a:r>
             <a:r>
-              <a:rPr lang="en-US" altLang="zh-CN" dirty="0"/>
+              <a:rPr lang="en-US" altLang="zh-CN" dirty="0">
+                <a:latin typeface="Adobe 楷体 Std R" panose="02020400000000000000" pitchFamily="18" charset="-122"/>
+                <a:ea typeface="Adobe 楷体 Std R" panose="02020400000000000000" pitchFamily="18" charset="-122"/>
+              </a:rPr>
               <a:t>/</a:t>
             </a:r>
             <a:r>
-              <a:rPr lang="zh-CN" altLang="en-US" dirty="0"/>
+              <a:rPr lang="zh-CN" altLang="en-US" dirty="0">
+                <a:latin typeface="Adobe 楷体 Std R" panose="02020400000000000000" pitchFamily="18" charset="-122"/>
+                <a:ea typeface="Adobe 楷体 Std R" panose="02020400000000000000" pitchFamily="18" charset="-122"/>
+              </a:rPr>
               <a:t>帕斯卡</a:t>
             </a:r>
             <a:r>
-              <a:rPr lang="en-US" altLang="zh-CN" dirty="0"/>
+              <a:rPr lang="en-US" altLang="zh-CN" dirty="0">
+                <a:latin typeface="Adobe 楷体 Std R" panose="02020400000000000000" pitchFamily="18" charset="-122"/>
+                <a:ea typeface="Adobe 楷体 Std R" panose="02020400000000000000" pitchFamily="18" charset="-122"/>
+              </a:rPr>
               <a:t>/</a:t>
             </a:r>
             <a:r>
-              <a:rPr lang="zh-CN" altLang="en-US" dirty="0"/>
+              <a:rPr lang="zh-CN" altLang="en-US" dirty="0">
+                <a:latin typeface="Adobe 楷体 Std R" panose="02020400000000000000" pitchFamily="18" charset="-122"/>
+                <a:ea typeface="Adobe 楷体 Std R" panose="02020400000000000000" pitchFamily="18" charset="-122"/>
+              </a:rPr>
               <a:t>匈牙利命名法</a:t>
             </a:r>
-            <a:endParaRPr lang="en-US" altLang="zh-CN" dirty="0"/>
+            <a:endParaRPr lang="en-US" altLang="zh-CN" dirty="0">
+              <a:latin typeface="Adobe 楷体 Std R" panose="02020400000000000000" pitchFamily="18" charset="-122"/>
+              <a:ea typeface="Adobe 楷体 Std R" panose="02020400000000000000" pitchFamily="18" charset="-122"/>
+            </a:endParaRPr>
           </a:p>
           <a:p>
             <a:pPr marL="457200" lvl="1" indent="0">

--- a/software/Ch_3_rules_demo.pptx
+++ b/software/Ch_3_rules_demo.pptx
@@ -210,6 +210,222 @@
     </p:ext>
   </p:extLst>
 </p:presentation>
+</file>
+
+<file path=ppt/ink/ink1.xml><?xml version="1.0" encoding="utf-8"?>
+<inkml:ink xmlns:inkml="http://www.w3.org/2003/InkML">
+  <inkml:definitions>
+    <inkml:context xml:id="ctx0">
+      <inkml:inkSource xml:id="inkSrc0">
+        <inkml:traceFormat>
+          <inkml:channel name="X" type="integer" min="-2.14748E9" max="2.14748E9" units="cm"/>
+          <inkml:channel name="Y" type="integer" min="-2.14748E9" max="2.14748E9" units="cm"/>
+        </inkml:traceFormat>
+        <inkml:channelProperties>
+          <inkml:channelProperty channel="X" name="resolution" value="1000" units="1/cm"/>
+          <inkml:channelProperty channel="Y" name="resolution" value="1000" units="1/cm"/>
+        </inkml:channelProperties>
+      </inkml:inkSource>
+      <inkml:timestamp xml:id="ts0" timeString="2020-03-27T01:33:45.780"/>
+    </inkml:context>
+    <inkml:brush xml:id="br0">
+      <inkml:brushProperty name="width" value="0.35" units="cm"/>
+      <inkml:brushProperty name="height" value="0.35" units="cm"/>
+      <inkml:brushProperty name="color" value="#CC0066"/>
+      <inkml:brushProperty name="ignorePressure" value="1"/>
+    </inkml:brush>
+  </inkml:definitions>
+  <inkml:trace contextRef="#ctx0" brushRef="#br0">1 0,'0'0</inkml:trace>
+</inkml:ink>
+</file>
+
+<file path=ppt/ink/ink2.xml><?xml version="1.0" encoding="utf-8"?>
+<inkml:ink xmlns:inkml="http://www.w3.org/2003/InkML">
+  <inkml:definitions>
+    <inkml:context xml:id="ctx0">
+      <inkml:inkSource xml:id="inkSrc0">
+        <inkml:traceFormat>
+          <inkml:channel name="X" type="integer" min="-2.14748E9" max="2.14748E9" units="cm"/>
+          <inkml:channel name="Y" type="integer" min="-2.14748E9" max="2.14748E9" units="cm"/>
+        </inkml:traceFormat>
+        <inkml:channelProperties>
+          <inkml:channelProperty channel="X" name="resolution" value="1000" units="1/cm"/>
+          <inkml:channelProperty channel="Y" name="resolution" value="1000" units="1/cm"/>
+        </inkml:channelProperties>
+      </inkml:inkSource>
+      <inkml:timestamp xml:id="ts0" timeString="2020-03-27T01:33:46.379"/>
+    </inkml:context>
+    <inkml:brush xml:id="br0">
+      <inkml:brushProperty name="width" value="0.35" units="cm"/>
+      <inkml:brushProperty name="height" value="0.35" units="cm"/>
+      <inkml:brushProperty name="color" value="#CC0066"/>
+      <inkml:brushProperty name="ignorePressure" value="1"/>
+    </inkml:brush>
+  </inkml:definitions>
+  <inkml:trace contextRef="#ctx0" brushRef="#br0">0 1,'0'0</inkml:trace>
+</inkml:ink>
+</file>
+
+<file path=ppt/ink/ink3.xml><?xml version="1.0" encoding="utf-8"?>
+<inkml:ink xmlns:inkml="http://www.w3.org/2003/InkML">
+  <inkml:definitions>
+    <inkml:context xml:id="ctx0">
+      <inkml:inkSource xml:id="inkSrc0">
+        <inkml:traceFormat>
+          <inkml:channel name="X" type="integer" min="-2.14748E9" max="2.14748E9" units="cm"/>
+          <inkml:channel name="Y" type="integer" min="-2.14748E9" max="2.14748E9" units="cm"/>
+        </inkml:traceFormat>
+        <inkml:channelProperties>
+          <inkml:channelProperty channel="X" name="resolution" value="1000" units="1/cm"/>
+          <inkml:channelProperty channel="Y" name="resolution" value="1000" units="1/cm"/>
+        </inkml:channelProperties>
+      </inkml:inkSource>
+      <inkml:timestamp xml:id="ts0" timeString="2020-03-27T01:36:10.698"/>
+    </inkml:context>
+    <inkml:brush xml:id="br0">
+      <inkml:brushProperty name="width" value="0.35" units="cm"/>
+      <inkml:brushProperty name="height" value="0.35" units="cm"/>
+      <inkml:brushProperty name="color" value="#FF0066"/>
+      <inkml:brushProperty name="ignorePressure" value="1"/>
+    </inkml:brush>
+  </inkml:definitions>
+  <inkml:trace contextRef="#ctx0" brushRef="#br0">0 0,'41'455,"-22"-315,-5 1,-6 59,-6 226,47-144,-50 750,1-646,0-362</inkml:trace>
+</inkml:ink>
+</file>
+
+<file path=ppt/ink/ink4.xml><?xml version="1.0" encoding="utf-8"?>
+<inkml:ink xmlns:inkml="http://www.w3.org/2003/InkML">
+  <inkml:definitions>
+    <inkml:context xml:id="ctx0">
+      <inkml:inkSource xml:id="inkSrc0">
+        <inkml:traceFormat>
+          <inkml:channel name="X" type="integer" min="-2.14748E9" max="2.14748E9" units="cm"/>
+          <inkml:channel name="Y" type="integer" min="-2.14748E9" max="2.14748E9" units="cm"/>
+        </inkml:traceFormat>
+        <inkml:channelProperties>
+          <inkml:channelProperty channel="X" name="resolution" value="1000" units="1/cm"/>
+          <inkml:channelProperty channel="Y" name="resolution" value="1000" units="1/cm"/>
+        </inkml:channelProperties>
+      </inkml:inkSource>
+      <inkml:timestamp xml:id="ts0" timeString="2020-03-27T01:36:12.537"/>
+    </inkml:context>
+    <inkml:brush xml:id="br0">
+      <inkml:brushProperty name="width" value="0.35" units="cm"/>
+      <inkml:brushProperty name="height" value="0.35" units="cm"/>
+      <inkml:brushProperty name="color" value="#FF0066"/>
+      <inkml:brushProperty name="ignorePressure" value="1"/>
+    </inkml:brush>
+  </inkml:definitions>
+  <inkml:trace contextRef="#ctx0" brushRef="#br0">1 1,'0'0</inkml:trace>
+</inkml:ink>
+</file>
+
+<file path=ppt/ink/ink5.xml><?xml version="1.0" encoding="utf-8"?>
+<inkml:ink xmlns:inkml="http://www.w3.org/2003/InkML">
+  <inkml:definitions>
+    <inkml:context xml:id="ctx0">
+      <inkml:inkSource xml:id="inkSrc0">
+        <inkml:traceFormat>
+          <inkml:channel name="X" type="integer" min="-2.14748E9" max="2.14748E9" units="cm"/>
+          <inkml:channel name="Y" type="integer" min="-2.14748E9" max="2.14748E9" units="cm"/>
+        </inkml:traceFormat>
+        <inkml:channelProperties>
+          <inkml:channelProperty channel="X" name="resolution" value="1000" units="1/cm"/>
+          <inkml:channelProperty channel="Y" name="resolution" value="1000" units="1/cm"/>
+        </inkml:channelProperties>
+      </inkml:inkSource>
+      <inkml:timestamp xml:id="ts0" timeString="2020-03-27T01:39:10.449"/>
+    </inkml:context>
+    <inkml:brush xml:id="br0">
+      <inkml:brushProperty name="width" value="0.35" units="cm"/>
+      <inkml:brushProperty name="height" value="0.35" units="cm"/>
+      <inkml:brushProperty name="color" value="#FF0066"/>
+      <inkml:brushProperty name="ignorePressure" value="1"/>
+    </inkml:brush>
+  </inkml:definitions>
+  <inkml:trace contextRef="#ctx0" brushRef="#br0">1 1,'1169'0,"-692"26,1129-26,-1533-5,-52-1</inkml:trace>
+</inkml:ink>
+</file>
+
+<file path=ppt/ink/ink6.xml><?xml version="1.0" encoding="utf-8"?>
+<inkml:ink xmlns:inkml="http://www.w3.org/2003/InkML">
+  <inkml:definitions>
+    <inkml:context xml:id="ctx0">
+      <inkml:inkSource xml:id="inkSrc0">
+        <inkml:traceFormat>
+          <inkml:channel name="X" type="integer" min="-2.14748E9" max="2.14748E9" units="cm"/>
+          <inkml:channel name="Y" type="integer" min="-2.14748E9" max="2.14748E9" units="cm"/>
+        </inkml:traceFormat>
+        <inkml:channelProperties>
+          <inkml:channelProperty channel="X" name="resolution" value="1000" units="1/cm"/>
+          <inkml:channelProperty channel="Y" name="resolution" value="1000" units="1/cm"/>
+        </inkml:channelProperties>
+      </inkml:inkSource>
+      <inkml:timestamp xml:id="ts0" timeString="2020-03-27T01:39:14.860"/>
+    </inkml:context>
+    <inkml:brush xml:id="br0">
+      <inkml:brushProperty name="width" value="0.35" units="cm"/>
+      <inkml:brushProperty name="height" value="0.35" units="cm"/>
+      <inkml:brushProperty name="color" value="#FF0066"/>
+      <inkml:brushProperty name="ignorePressure" value="1"/>
+    </inkml:brush>
+  </inkml:definitions>
+  <inkml:trace contextRef="#ctx0" brushRef="#br0">1 1,'77'31,"-14"-5,1-3,1-3,0-2,1-4,1-2,0-3,1-4,0-2,24-4,1035 13,-439-2,-414-32,473 72,-506-72,86-12,-293 26</inkml:trace>
+</inkml:ink>
+</file>
+
+<file path=ppt/ink/ink7.xml><?xml version="1.0" encoding="utf-8"?>
+<inkml:ink xmlns:inkml="http://www.w3.org/2003/InkML">
+  <inkml:definitions>
+    <inkml:context xml:id="ctx0">
+      <inkml:inkSource xml:id="inkSrc0">
+        <inkml:traceFormat>
+          <inkml:channel name="X" type="integer" min="-2.14748E9" max="2.14748E9" units="cm"/>
+          <inkml:channel name="Y" type="integer" min="-2.14748E9" max="2.14748E9" units="cm"/>
+        </inkml:traceFormat>
+        <inkml:channelProperties>
+          <inkml:channelProperty channel="X" name="resolution" value="1000" units="1/cm"/>
+          <inkml:channelProperty channel="Y" name="resolution" value="1000" units="1/cm"/>
+        </inkml:channelProperties>
+      </inkml:inkSource>
+      <inkml:timestamp xml:id="ts0" timeString="2020-03-27T01:39:23.612"/>
+    </inkml:context>
+    <inkml:brush xml:id="br0">
+      <inkml:brushProperty name="width" value="0.35" units="cm"/>
+      <inkml:brushProperty name="height" value="0.35" units="cm"/>
+      <inkml:brushProperty name="color" value="#FF0066"/>
+      <inkml:brushProperty name="ignorePressure" value="1"/>
+    </inkml:brush>
+  </inkml:definitions>
+  <inkml:trace contextRef="#ctx0" brushRef="#br0">160 1,'-1'252,"-49"-55,1 9,-10 55,59-239</inkml:trace>
+</inkml:ink>
+</file>
+
+<file path=ppt/ink/ink8.xml><?xml version="1.0" encoding="utf-8"?>
+<inkml:ink xmlns:inkml="http://www.w3.org/2003/InkML">
+  <inkml:definitions>
+    <inkml:context xml:id="ctx0">
+      <inkml:inkSource xml:id="inkSrc0">
+        <inkml:traceFormat>
+          <inkml:channel name="X" type="integer" min="-2.14748E9" max="2.14748E9" units="cm"/>
+          <inkml:channel name="Y" type="integer" min="-2.14748E9" max="2.14748E9" units="cm"/>
+        </inkml:traceFormat>
+        <inkml:channelProperties>
+          <inkml:channelProperty channel="X" name="resolution" value="1000" units="1/cm"/>
+          <inkml:channelProperty channel="Y" name="resolution" value="1000" units="1/cm"/>
+        </inkml:channelProperties>
+      </inkml:inkSource>
+      <inkml:timestamp xml:id="ts0" timeString="2020-03-27T01:39:26.304"/>
+    </inkml:context>
+    <inkml:brush xml:id="br0">
+      <inkml:brushProperty name="width" value="0.35" units="cm"/>
+      <inkml:brushProperty name="height" value="0.35" units="cm"/>
+      <inkml:brushProperty name="color" value="#FF0066"/>
+      <inkml:brushProperty name="ignorePressure" value="1"/>
+    </inkml:brush>
+  </inkml:definitions>
+  <inkml:trace contextRef="#ctx0" brushRef="#br0">209 110,'11'1,"0"-2,0 1,0-1,0-1,-1 0,1-1,0 0,-1 0,0-1,0 0,6-4,16-7,0 2,0 2,1 0,1 3,0 0,0 3,0 0,1 2,-1 2,1 1,-1 2,9 2,-39-3,0-1,-1 1,1 0,-1 0,1 1,-1-1,0 1,1-1,-1 1,0 0,0 0,0 1,-1-1,1 1,0-1,-1 1,0 0,1 0,-1 0,0 0,0 0,-1 0,1 1,-1-1,0 1,0-1,0 1,0-1,0 3,4 115,-6-91,-2-13,-1 0,0 0,-1-1,-1 1,-1-1,0 0,-1-1,0 0,-1 0,-1 0,-1-2,0 1,0-1,-11 8,-15 15,-2-2,-1-1,-1-3,-2-1,0-2,-2-2,-10 2,-40 25,-199 142,294-194,-1 0,1 0,0 0,-1 1,1-1,-1 0,1 0,0 0,-1 1,1-1,0 0,-1 1,1-1,0 0,0 1,-1-1,1 0,0 1,0-1,-1 0,1 1,0-1,0 1,0-1,0 1,0-1,0 0,0 1,0-1,0 1,0-1,0 1,0-1,0 1,0-1,0 0,0 1,0-1,0 1,0-1,1 0,-1 1,0-1,0 1,1-1,-1 0,0 1,1-1,-1 0,0 0,1 1,-1-1,0 0,1 0,-1 1,0-1,1 0,-1 0,1 0,-1 0,1 1,-1-1,0 0,1 0,-1 0,1 0,-1 0,1 0,-1 0,1 0,39 3,-34-3,300-28,-142 15,-1-7,42-15,47 21,-229 11,-4-3</inkml:trace>
+</inkml:ink>
 </file>
 
 <file path=ppt/notesMasters/notesMaster1.xml><?xml version="1.0" encoding="utf-8"?>
@@ -8245,7 +8461,7 @@
         </p:blipFill>
         <p:spPr>
           <a:xfrm>
-            <a:off x="2587927" y="1700808"/>
+            <a:off x="2267744" y="1988840"/>
             <a:ext cx="3968145" cy="4104456"/>
           </a:xfrm>
           <a:prstGeom prst="rect">
@@ -8557,6 +8773,18 @@
                 <a:latin typeface="Adobe 楷体 Std R" panose="02020400000000000000" pitchFamily="18" charset="-122"/>
                 <a:ea typeface="Adobe 楷体 Std R" panose="02020400000000000000" pitchFamily="18" charset="-122"/>
               </a:rPr>
+              <a:t>	int x;  int xxx; int xxxxx_2;</a:t>
+            </a:r>
+          </a:p>
+          <a:p>
+            <a:pPr marL="0" indent="0">
+              <a:buNone/>
+            </a:pPr>
+            <a:r>
+              <a:rPr lang="en-US" altLang="zh-CN" sz="1800" dirty="0">
+                <a:latin typeface="Adobe 楷体 Std R" panose="02020400000000000000" pitchFamily="18" charset="-122"/>
+                <a:ea typeface="Adobe 楷体 Std R" panose="02020400000000000000" pitchFamily="18" charset="-122"/>
+              </a:rPr>
               <a:t>	</a:t>
             </a:r>
             <a:r>
@@ -8564,56 +8792,42 @@
                 <a:latin typeface="Adobe 楷体 Std R" panose="02020400000000000000" pitchFamily="18" charset="-122"/>
                 <a:ea typeface="Adobe 楷体 Std R" panose="02020400000000000000" pitchFamily="18" charset="-122"/>
               </a:rPr>
-              <a:t>int</a:t>
+              <a:t>xxxxxx</a:t>
             </a:r>
             <a:r>
               <a:rPr lang="en-US" altLang="zh-CN" sz="1800" dirty="0">
                 <a:latin typeface="Adobe 楷体 Std R" panose="02020400000000000000" pitchFamily="18" charset="-122"/>
                 <a:ea typeface="Adobe 楷体 Std R" panose="02020400000000000000" pitchFamily="18" charset="-122"/>
               </a:rPr>
-              <a:t> x;  </a:t>
+              <a:t>      </a:t>
             </a:r>
             <a:r>
               <a:rPr lang="en-US" altLang="zh-CN" sz="1800" dirty="0" err="1">
                 <a:latin typeface="Adobe 楷体 Std R" panose="02020400000000000000" pitchFamily="18" charset="-122"/>
                 <a:ea typeface="Adobe 楷体 Std R" panose="02020400000000000000" pitchFamily="18" charset="-122"/>
               </a:rPr>
-              <a:t>int</a:t>
-            </a:r>
-            <a:r>
-              <a:rPr lang="en-US" altLang="zh-CN" sz="1800" dirty="0">
-                <a:latin typeface="Adobe 楷体 Std R" panose="02020400000000000000" pitchFamily="18" charset="-122"/>
-                <a:ea typeface="Adobe 楷体 Std R" panose="02020400000000000000" pitchFamily="18" charset="-122"/>
-              </a:rPr>
-              <a:t> xxx; </a:t>
-            </a:r>
-            <a:r>
-              <a:rPr lang="en-US" altLang="zh-CN" sz="1800" dirty="0" err="1">
-                <a:latin typeface="Adobe 楷体 Std R" panose="02020400000000000000" pitchFamily="18" charset="-122"/>
-                <a:ea typeface="Adobe 楷体 Std R" panose="02020400000000000000" pitchFamily="18" charset="-122"/>
-              </a:rPr>
-              <a:t>int</a:t>
-            </a:r>
-            <a:r>
-              <a:rPr lang="en-US" altLang="zh-CN" sz="1800" dirty="0">
-                <a:latin typeface="Adobe 楷体 Std R" panose="02020400000000000000" pitchFamily="18" charset="-122"/>
-                <a:ea typeface="Adobe 楷体 Std R" panose="02020400000000000000" pitchFamily="18" charset="-122"/>
-              </a:rPr>
-              <a:t> xxxxx_2;</a:t>
-            </a:r>
-          </a:p>
-          <a:p>
-            <a:r>
-              <a:rPr lang="zh-CN" altLang="en-US" sz="1800" dirty="0">
-                <a:latin typeface="Adobe 楷体 Std R" panose="02020400000000000000" pitchFamily="18" charset="-122"/>
-                <a:ea typeface="Adobe 楷体 Std R" panose="02020400000000000000" pitchFamily="18" charset="-122"/>
-              </a:rPr>
-              <a:t>常量值尽可能描述清楚意义</a:t>
+              <a:t>xxxxxxx</a:t>
             </a:r>
             <a:endParaRPr lang="en-US" altLang="zh-CN" sz="1800" dirty="0">
               <a:latin typeface="Adobe 楷体 Std R" panose="02020400000000000000" pitchFamily="18" charset="-122"/>
               <a:ea typeface="Adobe 楷体 Std R" panose="02020400000000000000" pitchFamily="18" charset="-122"/>
             </a:endParaRPr>
+          </a:p>
+          <a:p>
+            <a:r>
+              <a:rPr lang="zh-CN" altLang="en-US" sz="1800" dirty="0">
+                <a:latin typeface="Adobe 楷体 Std R" panose="02020400000000000000" pitchFamily="18" charset="-122"/>
+                <a:ea typeface="Adobe 楷体 Std R" panose="02020400000000000000" pitchFamily="18" charset="-122"/>
+              </a:rPr>
+              <a:t>常量值尽可能描述清楚意义 </a:t>
+            </a:r>
+            <a:r>
+              <a:rPr lang="en-US" altLang="zh-CN" sz="1800" dirty="0">
+                <a:latin typeface="Adobe 楷体 Std R" panose="02020400000000000000" pitchFamily="18" charset="-122"/>
+                <a:ea typeface="Adobe 楷体 Std R" panose="02020400000000000000" pitchFamily="18" charset="-122"/>
+              </a:rPr>
+              <a:t>x &gt; 1500   , 0&lt;x &amp;&amp; x &lt;5</a:t>
+            </a:r>
           </a:p>
           <a:p>
             <a:pPr marL="457200" lvl="1" indent="0">
@@ -8888,7 +9102,7 @@
                 <a:latin typeface="Adobe 楷体 Std R" panose="02020400000000000000" pitchFamily="18" charset="-122"/>
                 <a:ea typeface="Adobe 楷体 Std R" panose="02020400000000000000" pitchFamily="18" charset="-122"/>
               </a:rPr>
-              <a:t>            </a:t>
+              <a:t>          to  </a:t>
             </a:r>
           </a:p>
           <a:p>
@@ -9035,8 +9249,8 @@
         </p:nvSpPr>
         <p:spPr>
           <a:xfrm>
-            <a:off x="1331640" y="2600908"/>
-            <a:ext cx="6768752" cy="1656184"/>
+            <a:off x="729916" y="1844824"/>
+            <a:ext cx="7704856" cy="2376264"/>
           </a:xfrm>
         </p:spPr>
         <p:txBody>
@@ -9047,13 +9261,13 @@
               <a:buNone/>
             </a:pPr>
             <a:r>
-              <a:rPr lang="zh-CN" altLang="en-US" sz="2800" dirty="0">
+              <a:rPr lang="zh-CN" altLang="en-US" sz="2000" dirty="0">
                 <a:latin typeface="Adobe 楷体 Std R" panose="02020400000000000000" pitchFamily="18" charset="-122"/>
                 <a:ea typeface="Adobe 楷体 Std R" panose="02020400000000000000" pitchFamily="18" charset="-122"/>
               </a:rPr>
               <a:t>常量的定义方法</a:t>
             </a:r>
-            <a:endParaRPr lang="en-US" altLang="zh-CN" sz="2800" dirty="0">
+            <a:endParaRPr lang="en-US" altLang="zh-CN" sz="2000" dirty="0">
               <a:latin typeface="Adobe 楷体 Std R" panose="02020400000000000000" pitchFamily="18" charset="-122"/>
               <a:ea typeface="Adobe 楷体 Std R" panose="02020400000000000000" pitchFamily="18" charset="-122"/>
             </a:endParaRPr>
@@ -9063,42 +9277,42 @@
               <a:buNone/>
             </a:pPr>
             <a:r>
-              <a:rPr lang="en-US" altLang="zh-CN" sz="2800" dirty="0">
+              <a:rPr lang="en-US" altLang="zh-CN" sz="2000" dirty="0">
                 <a:latin typeface="Adobe 楷体 Std R" panose="02020400000000000000" pitchFamily="18" charset="-122"/>
                 <a:ea typeface="Adobe 楷体 Std R" panose="02020400000000000000" pitchFamily="18" charset="-122"/>
               </a:rPr>
               <a:t>   	</a:t>
             </a:r>
             <a:r>
-              <a:rPr lang="zh-CN" altLang="en-US" sz="2800" dirty="0">
+              <a:rPr lang="zh-CN" altLang="en-US" sz="2000" dirty="0">
                 <a:latin typeface="Adobe 楷体 Std R" panose="02020400000000000000" pitchFamily="18" charset="-122"/>
                 <a:ea typeface="Adobe 楷体 Std R" panose="02020400000000000000" pitchFamily="18" charset="-122"/>
               </a:rPr>
               <a:t>关键字  </a:t>
             </a:r>
             <a:r>
-              <a:rPr lang="en-US" altLang="zh-CN" sz="2800" dirty="0" err="1">
+              <a:rPr lang="en-US" altLang="zh-CN" sz="2000" dirty="0" err="1">
                 <a:latin typeface="Adobe 楷体 Std R" panose="02020400000000000000" pitchFamily="18" charset="-122"/>
                 <a:ea typeface="Adobe 楷体 Std R" panose="02020400000000000000" pitchFamily="18" charset="-122"/>
               </a:rPr>
               <a:t>const</a:t>
             </a:r>
             <a:r>
-              <a:rPr lang="en-US" altLang="zh-CN" sz="2800" dirty="0">
+              <a:rPr lang="en-US" altLang="zh-CN" sz="2000" dirty="0">
                 <a:latin typeface="Adobe 楷体 Std R" panose="02020400000000000000" pitchFamily="18" charset="-122"/>
                 <a:ea typeface="Adobe 楷体 Std R" panose="02020400000000000000" pitchFamily="18" charset="-122"/>
               </a:rPr>
               <a:t> static </a:t>
             </a:r>
             <a:r>
-              <a:rPr lang="zh-CN" altLang="en-US" sz="2800" dirty="0">
+              <a:rPr lang="zh-CN" altLang="en-US" sz="2000" dirty="0">
                 <a:latin typeface="Adobe 楷体 Std R" panose="02020400000000000000" pitchFamily="18" charset="-122"/>
                 <a:ea typeface="Adobe 楷体 Std R" panose="02020400000000000000" pitchFamily="18" charset="-122"/>
               </a:rPr>
               <a:t> </a:t>
             </a:r>
             <a:r>
-              <a:rPr lang="en-US" altLang="zh-CN" sz="2800" dirty="0">
+              <a:rPr lang="en-US" altLang="zh-CN" sz="2000" dirty="0">
                 <a:latin typeface="Adobe 楷体 Std R" panose="02020400000000000000" pitchFamily="18" charset="-122"/>
                 <a:ea typeface="Adobe 楷体 Std R" panose="02020400000000000000" pitchFamily="18" charset="-122"/>
               </a:rPr>
@@ -9110,43 +9324,80 @@
               <a:buNone/>
             </a:pPr>
             <a:r>
-              <a:rPr lang="en-US" altLang="zh-CN" sz="2800" dirty="0">
+              <a:rPr lang="en-US" altLang="zh-CN" sz="2000" dirty="0">
                 <a:latin typeface="Adobe 楷体 Std R" panose="02020400000000000000" pitchFamily="18" charset="-122"/>
                 <a:ea typeface="Adobe 楷体 Std R" panose="02020400000000000000" pitchFamily="18" charset="-122"/>
               </a:rPr>
               <a:t>	</a:t>
             </a:r>
             <a:r>
-              <a:rPr lang="zh-CN" altLang="en-US" sz="2800" dirty="0">
-                <a:latin typeface="Adobe 楷体 Std R" panose="02020400000000000000" pitchFamily="18" charset="-122"/>
-                <a:ea typeface="Adobe 楷体 Std R" panose="02020400000000000000" pitchFamily="18" charset="-122"/>
-              </a:rPr>
-              <a:t>宏   （不利于调试）</a:t>
-            </a:r>
-            <a:endParaRPr lang="en-US" altLang="zh-CN" sz="2800" dirty="0">
-              <a:latin typeface="Adobe 楷体 Std R" panose="02020400000000000000" pitchFamily="18" charset="-122"/>
-              <a:ea typeface="Adobe 楷体 Std R" panose="02020400000000000000" pitchFamily="18" charset="-122"/>
-            </a:endParaRPr>
+              <a:rPr lang="zh-CN" altLang="en-US" sz="2000" dirty="0">
+                <a:latin typeface="Adobe 楷体 Std R" panose="02020400000000000000" pitchFamily="18" charset="-122"/>
+                <a:ea typeface="Adobe 楷体 Std R" panose="02020400000000000000" pitchFamily="18" charset="-122"/>
+              </a:rPr>
+              <a:t>宏   （不利于调试） </a:t>
+            </a:r>
+            <a:r>
+              <a:rPr lang="en-US" altLang="zh-CN" sz="2000" dirty="0">
+                <a:latin typeface="Adobe 楷体 Std R" panose="02020400000000000000" pitchFamily="18" charset="-122"/>
+                <a:ea typeface="Adobe 楷体 Std R" panose="02020400000000000000" pitchFamily="18" charset="-122"/>
+              </a:rPr>
+              <a:t>#define max 65535</a:t>
+            </a:r>
           </a:p>
           <a:p>
             <a:pPr marL="0" indent="0">
               <a:buNone/>
             </a:pPr>
             <a:r>
-              <a:rPr lang="zh-CN" altLang="en-US" sz="1800" dirty="0"/>
-              <a:t>                </a:t>
-            </a:r>
+              <a:rPr lang="en-US" altLang="zh-CN" sz="2000" dirty="0">
+                <a:latin typeface="Adobe 楷体 Std R" panose="02020400000000000000" pitchFamily="18" charset="-122"/>
+                <a:ea typeface="Adobe 楷体 Std R" panose="02020400000000000000" pitchFamily="18" charset="-122"/>
+              </a:rPr>
+              <a:t>						const static int max = 65535</a:t>
+            </a:r>
+          </a:p>
+          <a:p>
+            <a:pPr marL="0" indent="0">
+              <a:buNone/>
+            </a:pPr>
+            <a:r>
+              <a:rPr lang="en-US" altLang="zh-CN" sz="2000" dirty="0">
+                <a:latin typeface="Adobe 楷体 Std R" panose="02020400000000000000" pitchFamily="18" charset="-122"/>
+                <a:ea typeface="Adobe 楷体 Std R" panose="02020400000000000000" pitchFamily="18" charset="-122"/>
+              </a:rPr>
+              <a:t>						</a:t>
+            </a:r>
+            <a:r>
+              <a:rPr lang="en-US" altLang="zh-CN" sz="2000" dirty="0" err="1">
+                <a:latin typeface="Adobe 楷体 Std R" panose="02020400000000000000" pitchFamily="18" charset="-122"/>
+                <a:ea typeface="Adobe 楷体 Std R" panose="02020400000000000000" pitchFamily="18" charset="-122"/>
+              </a:rPr>
+              <a:t>max_value</a:t>
+            </a:r>
+            <a:r>
+              <a:rPr lang="en-US" altLang="zh-CN" sz="2000" dirty="0">
+                <a:latin typeface="Adobe 楷体 Std R" panose="02020400000000000000" pitchFamily="18" charset="-122"/>
+                <a:ea typeface="Adobe 楷体 Std R" panose="02020400000000000000" pitchFamily="18" charset="-122"/>
+              </a:rPr>
+              <a:t>   65535_value</a:t>
+            </a:r>
+          </a:p>
+          <a:p>
+            <a:pPr marL="0" indent="0">
+              <a:buNone/>
+            </a:pPr>
             <a:r>
               <a:rPr lang="zh-CN" altLang="en-US" sz="2000" dirty="0"/>
-              <a:t> </a:t>
+              <a:t>                 </a:t>
             </a:r>
             <a:br>
-              <a:rPr lang="en-US" altLang="zh-CN" dirty="0"/>
+              <a:rPr lang="en-US" altLang="zh-CN" sz="2000" dirty="0"/>
             </a:br>
             <a:br>
-              <a:rPr lang="en-US" altLang="zh-CN" dirty="0"/>
+              <a:rPr lang="en-US" altLang="zh-CN" sz="2000" dirty="0"/>
             </a:br>
-            <a:endParaRPr lang="zh-CN" altLang="en-US" dirty="0"/>
+            <a:endParaRPr lang="zh-CN" altLang="en-US" sz="2000" dirty="0"/>
           </a:p>
         </p:txBody>
       </p:sp>
@@ -9467,7 +9718,7 @@
         <p:spPr>
           <a:xfrm>
             <a:off x="755576" y="2348880"/>
-            <a:ext cx="6336704" cy="3771900"/>
+            <a:ext cx="8064896" cy="3771900"/>
           </a:xfrm>
         </p:spPr>
         <p:txBody>
@@ -9522,12 +9773,36 @@
                 <a:latin typeface="Adobe 楷体 Std R" panose="02020400000000000000" pitchFamily="18" charset="-122"/>
                 <a:ea typeface="Adobe 楷体 Std R" panose="02020400000000000000" pitchFamily="18" charset="-122"/>
               </a:rPr>
-              <a:t>避免大文件，大类，大函数体</a:t>
-            </a:r>
-            <a:endParaRPr lang="en-US" altLang="zh-CN" dirty="0">
-              <a:latin typeface="Adobe 楷体 Std R" panose="02020400000000000000" pitchFamily="18" charset="-122"/>
-              <a:ea typeface="Adobe 楷体 Std R" panose="02020400000000000000" pitchFamily="18" charset="-122"/>
-            </a:endParaRPr>
+              <a:t>避免大文件，大类，大函数体 </a:t>
+            </a:r>
+            <a:r>
+              <a:rPr lang="en-US" altLang="zh-CN" dirty="0" err="1">
+                <a:latin typeface="Adobe 楷体 Std R" panose="02020400000000000000" pitchFamily="18" charset="-122"/>
+                <a:ea typeface="Adobe 楷体 Std R" panose="02020400000000000000" pitchFamily="18" charset="-122"/>
+              </a:rPr>
+              <a:t>setFullScreen</a:t>
+            </a:r>
+            <a:r>
+              <a:rPr lang="en-US" altLang="zh-CN" dirty="0">
+                <a:latin typeface="Adobe 楷体 Std R" panose="02020400000000000000" pitchFamily="18" charset="-122"/>
+                <a:ea typeface="Adobe 楷体 Std R" panose="02020400000000000000" pitchFamily="18" charset="-122"/>
+              </a:rPr>
+              <a:t>(); </a:t>
+            </a:r>
+            <a:r>
+              <a:rPr lang="en-US" altLang="zh-CN" dirty="0" err="1">
+                <a:latin typeface="Adobe 楷体 Std R" panose="02020400000000000000" pitchFamily="18" charset="-122"/>
+                <a:ea typeface="Adobe 楷体 Std R" panose="02020400000000000000" pitchFamily="18" charset="-122"/>
+              </a:rPr>
+              <a:t>setFullScreen</a:t>
+            </a:r>
+            <a:r>
+              <a:rPr lang="en-US" altLang="zh-CN" dirty="0">
+                <a:latin typeface="Adobe 楷体 Std R" panose="02020400000000000000" pitchFamily="18" charset="-122"/>
+                <a:ea typeface="Adobe 楷体 Std R" panose="02020400000000000000" pitchFamily="18" charset="-122"/>
+              </a:rPr>
+              <a:t>(v=true);</a:t>
+            </a:r>
           </a:p>
           <a:p>
             <a:endParaRPr lang="zh-CN" altLang="en-US" dirty="0"/>
@@ -9556,7 +9831,7 @@
         </p:blipFill>
         <p:spPr>
           <a:xfrm>
-            <a:off x="1043608" y="3860570"/>
+            <a:off x="4139952" y="3826999"/>
             <a:ext cx="4536504" cy="2389765"/>
           </a:xfrm>
           <a:prstGeom prst="rect">
@@ -10473,10 +10748,13 @@
               </a:rPr>
               <a:t>方法被频繁重写不是好设计</a:t>
             </a:r>
-            <a:endParaRPr lang="en-US" altLang="zh-CN" dirty="0">
-              <a:latin typeface="Adobe 楷体 Std R" panose="02020400000000000000" pitchFamily="18" charset="-122"/>
-              <a:ea typeface="Adobe 楷体 Std R" panose="02020400000000000000" pitchFamily="18" charset="-122"/>
-            </a:endParaRPr>
+            <a:r>
+              <a:rPr lang="en-US" altLang="zh-CN" dirty="0">
+                <a:latin typeface="Adobe 楷体 Std R" panose="02020400000000000000" pitchFamily="18" charset="-122"/>
+                <a:ea typeface="Adobe 楷体 Std R" panose="02020400000000000000" pitchFamily="18" charset="-122"/>
+              </a:rPr>
+              <a:t>overwrite/override</a:t>
+            </a:r>
           </a:p>
           <a:p>
             <a:pPr lvl="1"/>
@@ -11295,7 +11573,7 @@
                 <a:latin typeface="Adobe 楷体 Std R" panose="02020400000000000000" pitchFamily="18" charset="-122"/>
                 <a:ea typeface="Adobe 楷体 Std R" panose="02020400000000000000" pitchFamily="18" charset="-122"/>
               </a:rPr>
-              <a:t>！ 无意义的注释</a:t>
+              <a:t>！ 无意义的注释 </a:t>
             </a:r>
             <a:endParaRPr lang="en-US" altLang="zh-CN" dirty="0">
               <a:latin typeface="Adobe 楷体 Std R" panose="02020400000000000000" pitchFamily="18" charset="-122"/>
@@ -11998,7 +12276,7 @@
                 <a:latin typeface="Adobe 楷体 Std R" panose="02020400000000000000" pitchFamily="18" charset="-122"/>
                 <a:ea typeface="Adobe 楷体 Std R" panose="02020400000000000000" pitchFamily="18" charset="-122"/>
               </a:rPr>
-              <a:t>*</a:t>
+              <a:t>*为***设计的类。。</a:t>
             </a:r>
             <a:endParaRPr lang="en-US" altLang="zh-CN" dirty="0">
               <a:latin typeface="Adobe 楷体 Std R" panose="02020400000000000000" pitchFamily="18" charset="-122"/>
@@ -13163,7 +13441,7 @@
         </p:blipFill>
         <p:spPr bwMode="auto">
           <a:xfrm>
-            <a:off x="1053530" y="2420888"/>
+            <a:off x="1302800" y="3429000"/>
             <a:ext cx="3333750" cy="3228975"/>
           </a:xfrm>
           <a:prstGeom prst="rect">
@@ -13227,7 +13505,7 @@
         </p:blipFill>
         <p:spPr bwMode="auto">
           <a:xfrm>
-            <a:off x="4611935" y="2420888"/>
+            <a:off x="4716016" y="2492896"/>
             <a:ext cx="3488457" cy="3857156"/>
           </a:xfrm>
           <a:prstGeom prst="rect">
@@ -13268,6 +13546,60 @@
           </a:extLst>
         </p:spPr>
       </p:pic>
+      <p:sp>
+        <p:nvSpPr>
+          <p:cNvPr id="3" name="文本框 2">
+            <a:extLst>
+              <a:ext uri="{FF2B5EF4-FFF2-40B4-BE49-F238E27FC236}">
+                <a16:creationId xmlns:a16="http://schemas.microsoft.com/office/drawing/2014/main" id="{EC83447D-EA7E-4405-B3B1-4579F2571190}"/>
+              </a:ext>
+            </a:extLst>
+          </p:cNvPr>
+          <p:cNvSpPr txBox="1"/>
+          <p:nvPr/>
+        </p:nvSpPr>
+        <p:spPr>
+          <a:xfrm>
+            <a:off x="1274839" y="2363370"/>
+            <a:ext cx="2952328" cy="1200329"/>
+          </a:xfrm>
+          <a:prstGeom prst="rect">
+            <a:avLst/>
+          </a:prstGeom>
+          <a:noFill/>
+        </p:spPr>
+        <p:txBody>
+          <a:bodyPr wrap="square" rtlCol="0">
+            <a:spAutoFit/>
+          </a:bodyPr>
+          <a:lstStyle/>
+          <a:p>
+            <a:r>
+              <a:rPr lang="en-US" altLang="zh-CN" dirty="0"/>
+              <a:t>if(a=57)    ====[a=57; if(a)]</a:t>
+            </a:r>
+          </a:p>
+          <a:p>
+            <a:r>
+              <a:rPr lang="en-US" altLang="zh-CN" dirty="0"/>
+              <a:t>{</a:t>
+            </a:r>
+          </a:p>
+          <a:p>
+            <a:r>
+              <a:rPr lang="en-US" altLang="zh-CN" dirty="0"/>
+              <a:t>}</a:t>
+            </a:r>
+          </a:p>
+          <a:p>
+            <a:r>
+              <a:rPr lang="en-US" altLang="zh-CN" dirty="0"/>
+              <a:t>If(57 == a)</a:t>
+            </a:r>
+            <a:endParaRPr lang="zh-CN" altLang="en-US" dirty="0"/>
+          </a:p>
+        </p:txBody>
+      </p:sp>
     </p:spTree>
     <p:extLst>
       <p:ext uri="{BB962C8B-B14F-4D97-AF65-F5344CB8AC3E}">
@@ -13633,7 +13965,7 @@
         </p:blipFill>
         <p:spPr bwMode="auto">
           <a:xfrm>
-            <a:off x="5046439" y="2420888"/>
+            <a:off x="5085366" y="2405103"/>
             <a:ext cx="2905125" cy="3600450"/>
           </a:xfrm>
           <a:prstGeom prst="rect">
@@ -14169,7 +14501,7 @@
         </p:blipFill>
         <p:spPr bwMode="auto">
           <a:xfrm>
-            <a:off x="3059832" y="2348880"/>
+            <a:off x="3131840" y="2348880"/>
             <a:ext cx="3816424" cy="3898792"/>
           </a:xfrm>
           <a:prstGeom prst="rect">
@@ -14187,6 +14519,108 @@
           </a:extLst>
         </p:spPr>
       </p:pic>
+      <mc:AlternateContent xmlns:mc="http://schemas.openxmlformats.org/markup-compatibility/2006">
+        <mc:Choice xmlns:p14="http://schemas.microsoft.com/office/powerpoint/2010/main" Requires="p14">
+          <p:contentPart p14:bwMode="auto" r:id="rId3">
+            <p14:nvContentPartPr>
+              <p14:cNvPr id="8" name="墨迹 7">
+                <a:extLst>
+                  <a:ext uri="{FF2B5EF4-FFF2-40B4-BE49-F238E27FC236}">
+                    <a16:creationId xmlns:a16="http://schemas.microsoft.com/office/drawing/2014/main" id="{291BA3F0-DA71-4D41-A1A9-252B97E97132}"/>
+                  </a:ext>
+                </a:extLst>
+              </p14:cNvPr>
+              <p14:cNvContentPartPr/>
+              <p14:nvPr/>
+            </p14:nvContentPartPr>
+            <p14:xfrm>
+              <a:off x="3412076" y="5467398"/>
+              <a:ext cx="360" cy="360"/>
+            </p14:xfrm>
+          </p:contentPart>
+        </mc:Choice>
+        <mc:Fallback>
+          <p:pic>
+            <p:nvPicPr>
+              <p:cNvPr id="8" name="墨迹 7">
+                <a:extLst>
+                  <a:ext uri="{FF2B5EF4-FFF2-40B4-BE49-F238E27FC236}">
+                    <a16:creationId xmlns:a16="http://schemas.microsoft.com/office/drawing/2014/main" id="{291BA3F0-DA71-4D41-A1A9-252B97E97132}"/>
+                  </a:ext>
+                </a:extLst>
+              </p:cNvPr>
+              <p:cNvPicPr/>
+              <p:nvPr/>
+            </p:nvPicPr>
+            <p:blipFill>
+              <a:blip r:embed="rId4"/>
+              <a:stretch>
+                <a:fillRect/>
+              </a:stretch>
+            </p:blipFill>
+            <p:spPr>
+              <a:xfrm>
+                <a:off x="3349436" y="5404398"/>
+                <a:ext cx="126000" cy="126000"/>
+              </a:xfrm>
+              <a:prstGeom prst="rect">
+                <a:avLst/>
+              </a:prstGeom>
+            </p:spPr>
+          </p:pic>
+        </mc:Fallback>
+      </mc:AlternateContent>
+      <mc:AlternateContent xmlns:mc="http://schemas.openxmlformats.org/markup-compatibility/2006">
+        <mc:Choice xmlns:p14="http://schemas.microsoft.com/office/powerpoint/2010/main" Requires="p14">
+          <p:contentPart p14:bwMode="auto" r:id="rId5">
+            <p14:nvContentPartPr>
+              <p14:cNvPr id="9" name="墨迹 8">
+                <a:extLst>
+                  <a:ext uri="{FF2B5EF4-FFF2-40B4-BE49-F238E27FC236}">
+                    <a16:creationId xmlns:a16="http://schemas.microsoft.com/office/drawing/2014/main" id="{98E98F0F-1127-4D04-B309-249D5742990F}"/>
+                  </a:ext>
+                </a:extLst>
+              </p14:cNvPr>
+              <p14:cNvContentPartPr/>
+              <p14:nvPr/>
+            </p14:nvContentPartPr>
+            <p14:xfrm>
+              <a:off x="3487676" y="5853318"/>
+              <a:ext cx="360" cy="360"/>
+            </p14:xfrm>
+          </p:contentPart>
+        </mc:Choice>
+        <mc:Fallback>
+          <p:pic>
+            <p:nvPicPr>
+              <p:cNvPr id="9" name="墨迹 8">
+                <a:extLst>
+                  <a:ext uri="{FF2B5EF4-FFF2-40B4-BE49-F238E27FC236}">
+                    <a16:creationId xmlns:a16="http://schemas.microsoft.com/office/drawing/2014/main" id="{98E98F0F-1127-4D04-B309-249D5742990F}"/>
+                  </a:ext>
+                </a:extLst>
+              </p:cNvPr>
+              <p:cNvPicPr/>
+              <p:nvPr/>
+            </p:nvPicPr>
+            <p:blipFill>
+              <a:blip r:embed="rId4"/>
+              <a:stretch>
+                <a:fillRect/>
+              </a:stretch>
+            </p:blipFill>
+            <p:spPr>
+              <a:xfrm>
+                <a:off x="3424676" y="5790678"/>
+                <a:ext cx="126000" cy="126000"/>
+              </a:xfrm>
+              <a:prstGeom prst="rect">
+                <a:avLst/>
+              </a:prstGeom>
+            </p:spPr>
+          </p:pic>
+        </mc:Fallback>
+      </mc:AlternateContent>
     </p:spTree>
     <p:extLst>
       <p:ext uri="{BB962C8B-B14F-4D97-AF65-F5344CB8AC3E}">
@@ -14325,6 +14759,108 @@
           </a:extLst>
         </p:spPr>
       </p:pic>
+      <mc:AlternateContent xmlns:mc="http://schemas.openxmlformats.org/markup-compatibility/2006">
+        <mc:Choice xmlns:p14="http://schemas.microsoft.com/office/powerpoint/2010/main" Requires="p14">
+          <p:contentPart p14:bwMode="auto" r:id="rId4">
+            <p14:nvContentPartPr>
+              <p14:cNvPr id="4" name="墨迹 3">
+                <a:extLst>
+                  <a:ext uri="{FF2B5EF4-FFF2-40B4-BE49-F238E27FC236}">
+                    <a16:creationId xmlns:a16="http://schemas.microsoft.com/office/drawing/2014/main" id="{E16F2BC0-2099-4A6D-BFED-40D01491DAF3}"/>
+                  </a:ext>
+                </a:extLst>
+              </p14:cNvPr>
+              <p14:cNvContentPartPr/>
+              <p14:nvPr/>
+            </p14:nvContentPartPr>
+            <p14:xfrm>
+              <a:off x="5184356" y="4505838"/>
+              <a:ext cx="48240" cy="1111320"/>
+            </p14:xfrm>
+          </p:contentPart>
+        </mc:Choice>
+        <mc:Fallback>
+          <p:pic>
+            <p:nvPicPr>
+              <p:cNvPr id="4" name="墨迹 3">
+                <a:extLst>
+                  <a:ext uri="{FF2B5EF4-FFF2-40B4-BE49-F238E27FC236}">
+                    <a16:creationId xmlns:a16="http://schemas.microsoft.com/office/drawing/2014/main" id="{E16F2BC0-2099-4A6D-BFED-40D01491DAF3}"/>
+                  </a:ext>
+                </a:extLst>
+              </p:cNvPr>
+              <p:cNvPicPr/>
+              <p:nvPr/>
+            </p:nvPicPr>
+            <p:blipFill>
+              <a:blip r:embed="rId5"/>
+              <a:stretch>
+                <a:fillRect/>
+              </a:stretch>
+            </p:blipFill>
+            <p:spPr>
+              <a:xfrm>
+                <a:off x="5121356" y="4442838"/>
+                <a:ext cx="173880" cy="1236960"/>
+              </a:xfrm>
+              <a:prstGeom prst="rect">
+                <a:avLst/>
+              </a:prstGeom>
+            </p:spPr>
+          </p:pic>
+        </mc:Fallback>
+      </mc:AlternateContent>
+      <mc:AlternateContent xmlns:mc="http://schemas.openxmlformats.org/markup-compatibility/2006">
+        <mc:Choice xmlns:p14="http://schemas.microsoft.com/office/powerpoint/2010/main" Requires="p14">
+          <p:contentPart p14:bwMode="auto" r:id="rId6">
+            <p14:nvContentPartPr>
+              <p14:cNvPr id="5" name="墨迹 4">
+                <a:extLst>
+                  <a:ext uri="{FF2B5EF4-FFF2-40B4-BE49-F238E27FC236}">
+                    <a16:creationId xmlns:a16="http://schemas.microsoft.com/office/drawing/2014/main" id="{37AF3270-4D4E-4656-B7B4-30B31113FEDC}"/>
+                  </a:ext>
+                </a:extLst>
+              </p14:cNvPr>
+              <p14:cNvContentPartPr/>
+              <p14:nvPr/>
+            </p14:nvContentPartPr>
+            <p14:xfrm>
+              <a:off x="4816796" y="3600798"/>
+              <a:ext cx="360" cy="360"/>
+            </p14:xfrm>
+          </p:contentPart>
+        </mc:Choice>
+        <mc:Fallback>
+          <p:pic>
+            <p:nvPicPr>
+              <p:cNvPr id="5" name="墨迹 4">
+                <a:extLst>
+                  <a:ext uri="{FF2B5EF4-FFF2-40B4-BE49-F238E27FC236}">
+                    <a16:creationId xmlns:a16="http://schemas.microsoft.com/office/drawing/2014/main" id="{37AF3270-4D4E-4656-B7B4-30B31113FEDC}"/>
+                  </a:ext>
+                </a:extLst>
+              </p:cNvPr>
+              <p:cNvPicPr/>
+              <p:nvPr/>
+            </p:nvPicPr>
+            <p:blipFill>
+              <a:blip r:embed="rId7"/>
+              <a:stretch>
+                <a:fillRect/>
+              </a:stretch>
+            </p:blipFill>
+            <p:spPr>
+              <a:xfrm>
+                <a:off x="4754156" y="3538158"/>
+                <a:ext cx="126000" cy="126000"/>
+              </a:xfrm>
+              <a:prstGeom prst="rect">
+                <a:avLst/>
+              </a:prstGeom>
+            </p:spPr>
+          </p:pic>
+        </mc:Fallback>
+      </mc:AlternateContent>
     </p:spTree>
     <p:extLst>
       <p:ext uri="{BB962C8B-B14F-4D97-AF65-F5344CB8AC3E}">
@@ -14619,7 +15155,7 @@
           <a:graphicData uri="http://schemas.openxmlformats.org/presentationml/2006/ole">
             <mc:AlternateContent xmlns:mc="http://schemas.openxmlformats.org/markup-compatibility/2006">
               <mc:Choice xmlns:v="urn:schemas-microsoft-com:vml" Requires="v">
-                <p:oleObj spid="_x0000_s1072" name="PicObj Class" r:id="rId3" imgW="4543560" imgH="3876840" progId="Picture.PicObj.1">
+                <p:oleObj spid="_x0000_s1104" name="PicObj Class" r:id="rId3" imgW="4543560" imgH="3876840" progId="Picture.PicObj.1">
                   <p:embed/>
                 </p:oleObj>
               </mc:Choice>
@@ -15161,7 +15697,7 @@
         <p:spPr>
           <a:xfrm>
             <a:off x="971600" y="2492896"/>
-            <a:ext cx="7488832" cy="2862322"/>
+            <a:ext cx="7488832" cy="4401205"/>
           </a:xfrm>
           <a:prstGeom prst="rect">
             <a:avLst/>
@@ -15211,10 +15747,31 @@
             </a:r>
           </a:p>
           <a:p>
+            <a:endParaRPr lang="en-US" altLang="zh-CN" sz="2000" dirty="0"/>
+          </a:p>
+          <a:p>
             <a:r>
               <a:rPr lang="en-US" altLang="zh-CN" sz="2000" dirty="0"/>
               <a:t>0x07+0x01	&lt;&lt;  3 </a:t>
             </a:r>
+          </a:p>
+          <a:p>
+            <a:endParaRPr lang="en-US" altLang="zh-CN" sz="2000" dirty="0"/>
+          </a:p>
+          <a:p>
+            <a:r>
+              <a:rPr lang="en-US" altLang="zh-CN" sz="2000" dirty="0"/>
+              <a:t>(0x07+0x01) &lt;&lt;  3 </a:t>
+            </a:r>
+          </a:p>
+          <a:p>
+            <a:r>
+              <a:rPr lang="en-US" altLang="zh-CN" sz="2000" dirty="0"/>
+              <a:t>0x07+(0x01&lt;&lt;  3 )</a:t>
+            </a:r>
+          </a:p>
+          <a:p>
+            <a:endParaRPr lang="en-US" altLang="zh-CN" sz="2000" dirty="0"/>
           </a:p>
           <a:p>
             <a:endParaRPr lang="en-US" altLang="zh-CN" sz="2000" dirty="0"/>
@@ -15239,6 +15796,210 @@
           </a:p>
         </p:txBody>
       </p:sp>
+      <mc:AlternateContent xmlns:mc="http://schemas.openxmlformats.org/markup-compatibility/2006">
+        <mc:Choice xmlns:p14="http://schemas.microsoft.com/office/powerpoint/2010/main" Requires="p14">
+          <p:contentPart p14:bwMode="auto" r:id="rId2">
+            <p14:nvContentPartPr>
+              <p14:cNvPr id="6" name="墨迹 5">
+                <a:extLst>
+                  <a:ext uri="{FF2B5EF4-FFF2-40B4-BE49-F238E27FC236}">
+                    <a16:creationId xmlns:a16="http://schemas.microsoft.com/office/drawing/2014/main" id="{4768B1C2-4161-4A8F-A1D7-025382969E9D}"/>
+                  </a:ext>
+                </a:extLst>
+              </p14:cNvPr>
+              <p14:cNvContentPartPr/>
+              <p14:nvPr/>
+            </p14:nvContentPartPr>
+            <p14:xfrm>
+              <a:off x="2855876" y="4109838"/>
+              <a:ext cx="1205280" cy="10080"/>
+            </p14:xfrm>
+          </p:contentPart>
+        </mc:Choice>
+        <mc:Fallback>
+          <p:pic>
+            <p:nvPicPr>
+              <p:cNvPr id="6" name="墨迹 5">
+                <a:extLst>
+                  <a:ext uri="{FF2B5EF4-FFF2-40B4-BE49-F238E27FC236}">
+                    <a16:creationId xmlns:a16="http://schemas.microsoft.com/office/drawing/2014/main" id="{4768B1C2-4161-4A8F-A1D7-025382969E9D}"/>
+                  </a:ext>
+                </a:extLst>
+              </p:cNvPr>
+              <p:cNvPicPr/>
+              <p:nvPr/>
+            </p:nvPicPr>
+            <p:blipFill>
+              <a:blip r:embed="rId3"/>
+              <a:stretch>
+                <a:fillRect/>
+              </a:stretch>
+            </p:blipFill>
+            <p:spPr>
+              <a:xfrm>
+                <a:off x="2793236" y="4047198"/>
+                <a:ext cx="1330920" cy="135720"/>
+              </a:xfrm>
+              <a:prstGeom prst="rect">
+                <a:avLst/>
+              </a:prstGeom>
+            </p:spPr>
+          </p:pic>
+        </mc:Fallback>
+      </mc:AlternateContent>
+      <mc:AlternateContent xmlns:mc="http://schemas.openxmlformats.org/markup-compatibility/2006">
+        <mc:Choice xmlns:p14="http://schemas.microsoft.com/office/powerpoint/2010/main" Requires="p14">
+          <p:contentPart p14:bwMode="auto" r:id="rId4">
+            <p14:nvContentPartPr>
+              <p14:cNvPr id="7" name="墨迹 6">
+                <a:extLst>
+                  <a:ext uri="{FF2B5EF4-FFF2-40B4-BE49-F238E27FC236}">
+                    <a16:creationId xmlns:a16="http://schemas.microsoft.com/office/drawing/2014/main" id="{A56BF024-4DD1-4BF9-A677-302B4201FA25}"/>
+                  </a:ext>
+                </a:extLst>
+              </p14:cNvPr>
+              <p14:cNvContentPartPr/>
+              <p14:nvPr/>
+            </p14:nvContentPartPr>
+            <p14:xfrm>
+              <a:off x="960836" y="4637598"/>
+              <a:ext cx="1512720" cy="76320"/>
+            </p14:xfrm>
+          </p:contentPart>
+        </mc:Choice>
+        <mc:Fallback>
+          <p:pic>
+            <p:nvPicPr>
+              <p:cNvPr id="7" name="墨迹 6">
+                <a:extLst>
+                  <a:ext uri="{FF2B5EF4-FFF2-40B4-BE49-F238E27FC236}">
+                    <a16:creationId xmlns:a16="http://schemas.microsoft.com/office/drawing/2014/main" id="{A56BF024-4DD1-4BF9-A677-302B4201FA25}"/>
+                  </a:ext>
+                </a:extLst>
+              </p:cNvPr>
+              <p:cNvPicPr/>
+              <p:nvPr/>
+            </p:nvPicPr>
+            <p:blipFill>
+              <a:blip r:embed="rId5"/>
+              <a:stretch>
+                <a:fillRect/>
+              </a:stretch>
+            </p:blipFill>
+            <p:spPr>
+              <a:xfrm>
+                <a:off x="898196" y="4574958"/>
+                <a:ext cx="1638360" cy="201960"/>
+              </a:xfrm>
+              <a:prstGeom prst="rect">
+                <a:avLst/>
+              </a:prstGeom>
+            </p:spPr>
+          </p:pic>
+        </mc:Fallback>
+      </mc:AlternateContent>
+      <mc:AlternateContent xmlns:mc="http://schemas.openxmlformats.org/markup-compatibility/2006">
+        <mc:Choice xmlns:p14="http://schemas.microsoft.com/office/powerpoint/2010/main" Requires="p14">
+          <p:contentPart p14:bwMode="auto" r:id="rId6">
+            <p14:nvContentPartPr>
+              <p14:cNvPr id="10" name="墨迹 9">
+                <a:extLst>
+                  <a:ext uri="{FF2B5EF4-FFF2-40B4-BE49-F238E27FC236}">
+                    <a16:creationId xmlns:a16="http://schemas.microsoft.com/office/drawing/2014/main" id="{CB90B6D0-C977-4FAC-A916-9CFFDCF8D2C9}"/>
+                  </a:ext>
+                </a:extLst>
+              </p14:cNvPr>
+              <p14:cNvContentPartPr/>
+              <p14:nvPr/>
+            </p14:nvContentPartPr>
+            <p14:xfrm>
+              <a:off x="5183636" y="3798438"/>
+              <a:ext cx="57600" cy="338040"/>
+            </p14:xfrm>
+          </p:contentPart>
+        </mc:Choice>
+        <mc:Fallback>
+          <p:pic>
+            <p:nvPicPr>
+              <p:cNvPr id="10" name="墨迹 9">
+                <a:extLst>
+                  <a:ext uri="{FF2B5EF4-FFF2-40B4-BE49-F238E27FC236}">
+                    <a16:creationId xmlns:a16="http://schemas.microsoft.com/office/drawing/2014/main" id="{CB90B6D0-C977-4FAC-A916-9CFFDCF8D2C9}"/>
+                  </a:ext>
+                </a:extLst>
+              </p:cNvPr>
+              <p:cNvPicPr/>
+              <p:nvPr/>
+            </p:nvPicPr>
+            <p:blipFill>
+              <a:blip r:embed="rId7"/>
+              <a:stretch>
+                <a:fillRect/>
+              </a:stretch>
+            </p:blipFill>
+            <p:spPr>
+              <a:xfrm>
+                <a:off x="5120996" y="3735798"/>
+                <a:ext cx="183240" cy="463680"/>
+              </a:xfrm>
+              <a:prstGeom prst="rect">
+                <a:avLst/>
+              </a:prstGeom>
+            </p:spPr>
+          </p:pic>
+        </mc:Fallback>
+      </mc:AlternateContent>
+      <mc:AlternateContent xmlns:mc="http://schemas.openxmlformats.org/markup-compatibility/2006">
+        <mc:Choice xmlns:p14="http://schemas.microsoft.com/office/powerpoint/2010/main" Requires="p14">
+          <p:contentPart p14:bwMode="auto" r:id="rId8">
+            <p14:nvContentPartPr>
+              <p14:cNvPr id="11" name="墨迹 10">
+                <a:extLst>
+                  <a:ext uri="{FF2B5EF4-FFF2-40B4-BE49-F238E27FC236}">
+                    <a16:creationId xmlns:a16="http://schemas.microsoft.com/office/drawing/2014/main" id="{7DA5252B-101C-4AAD-BCC5-F77C9F03C166}"/>
+                  </a:ext>
+                </a:extLst>
+              </p14:cNvPr>
+              <p14:cNvContentPartPr/>
+              <p14:nvPr/>
+            </p14:nvContentPartPr>
+            <p14:xfrm>
+              <a:off x="5033876" y="4447158"/>
+              <a:ext cx="428760" cy="352080"/>
+            </p14:xfrm>
+          </p:contentPart>
+        </mc:Choice>
+        <mc:Fallback>
+          <p:pic>
+            <p:nvPicPr>
+              <p:cNvPr id="11" name="墨迹 10">
+                <a:extLst>
+                  <a:ext uri="{FF2B5EF4-FFF2-40B4-BE49-F238E27FC236}">
+                    <a16:creationId xmlns:a16="http://schemas.microsoft.com/office/drawing/2014/main" id="{7DA5252B-101C-4AAD-BCC5-F77C9F03C166}"/>
+                  </a:ext>
+                </a:extLst>
+              </p:cNvPr>
+              <p:cNvPicPr/>
+              <p:nvPr/>
+            </p:nvPicPr>
+            <p:blipFill>
+              <a:blip r:embed="rId9"/>
+              <a:stretch>
+                <a:fillRect/>
+              </a:stretch>
+            </p:blipFill>
+            <p:spPr>
+              <a:xfrm>
+                <a:off x="4971236" y="4384158"/>
+                <a:ext cx="554400" cy="477720"/>
+              </a:xfrm>
+              <a:prstGeom prst="rect">
+                <a:avLst/>
+              </a:prstGeom>
+            </p:spPr>
+          </p:pic>
+        </mc:Fallback>
+      </mc:AlternateContent>
     </p:spTree>
     <p:extLst>
       <p:ext uri="{BB962C8B-B14F-4D97-AF65-F5344CB8AC3E}">
@@ -15660,6 +16421,29 @@
           </a:p>
           <a:p>
             <a:r>
+              <a:rPr lang="en-US" altLang="zh-CN" dirty="0">
+                <a:latin typeface="Adobe 楷体 Std R" panose="02020400000000000000" pitchFamily="18" charset="-122"/>
+                <a:ea typeface="Adobe 楷体 Std R" panose="02020400000000000000" pitchFamily="18" charset="-122"/>
+              </a:rPr>
+              <a:t>if(null != p) </a:t>
+            </a:r>
+            <a:r>
+              <a:rPr lang="en-US" altLang="zh-CN" dirty="0" err="1">
+                <a:latin typeface="Adobe 楷体 Std R" panose="02020400000000000000" pitchFamily="18" charset="-122"/>
+                <a:ea typeface="Adobe 楷体 Std R" panose="02020400000000000000" pitchFamily="18" charset="-122"/>
+              </a:rPr>
+              <a:t>p.show</a:t>
+            </a:r>
+            <a:r>
+              <a:rPr lang="en-US" altLang="zh-CN" dirty="0">
+                <a:latin typeface="Adobe 楷体 Std R" panose="02020400000000000000" pitchFamily="18" charset="-122"/>
+                <a:ea typeface="Adobe 楷体 Std R" panose="02020400000000000000" pitchFamily="18" charset="-122"/>
+              </a:rPr>
+              <a:t>();</a:t>
+            </a:r>
+          </a:p>
+          <a:p>
+            <a:r>
               <a:rPr lang="zh-CN" altLang="en-US" dirty="0">
                 <a:latin typeface="Adobe 楷体 Std R" panose="02020400000000000000" pitchFamily="18" charset="-122"/>
                 <a:ea typeface="Adobe 楷体 Std R" panose="02020400000000000000" pitchFamily="18" charset="-122"/>
@@ -15731,7 +16515,12 @@
             <p:ph idx="1"/>
           </p:nvPr>
         </p:nvSpPr>
-        <p:spPr/>
+        <p:spPr>
+          <a:xfrm>
+            <a:off x="1172369" y="2223545"/>
+            <a:ext cx="6799262" cy="3869751"/>
+          </a:xfrm>
+        </p:spPr>
         <p:txBody>
           <a:bodyPr/>
           <a:lstStyle/>
@@ -15809,6 +16598,61 @@
               <a:latin typeface="Adobe 楷体 Std R" panose="02020400000000000000" pitchFamily="18" charset="-122"/>
               <a:ea typeface="Adobe 楷体 Std R" panose="02020400000000000000" pitchFamily="18" charset="-122"/>
             </a:endParaRPr>
+          </a:p>
+          <a:p>
+            <a:r>
+              <a:rPr lang="en-US" altLang="zh-CN" dirty="0">
+                <a:latin typeface="Adobe 楷体 Std R" panose="02020400000000000000" pitchFamily="18" charset="-122"/>
+                <a:ea typeface="Adobe 楷体 Std R" panose="02020400000000000000" pitchFamily="18" charset="-122"/>
+              </a:rPr>
+              <a:t>If(debug())</a:t>
+            </a:r>
+          </a:p>
+          <a:p>
+            <a:r>
+              <a:rPr lang="en-US" altLang="zh-CN" dirty="0">
+                <a:latin typeface="Adobe 楷体 Std R" panose="02020400000000000000" pitchFamily="18" charset="-122"/>
+                <a:ea typeface="Adobe 楷体 Std R" panose="02020400000000000000" pitchFamily="18" charset="-122"/>
+              </a:rPr>
+              <a:t>{  // std::</a:t>
+            </a:r>
+            <a:r>
+              <a:rPr lang="en-US" altLang="zh-CN" dirty="0" err="1">
+                <a:latin typeface="Adobe 楷体 Std R" panose="02020400000000000000" pitchFamily="18" charset="-122"/>
+                <a:ea typeface="Adobe 楷体 Std R" panose="02020400000000000000" pitchFamily="18" charset="-122"/>
+              </a:rPr>
+              <a:t>cout</a:t>
+            </a:r>
+            <a:r>
+              <a:rPr lang="en-US" altLang="zh-CN" dirty="0">
+                <a:latin typeface="Adobe 楷体 Std R" panose="02020400000000000000" pitchFamily="18" charset="-122"/>
+                <a:ea typeface="Adobe 楷体 Std R" panose="02020400000000000000" pitchFamily="18" charset="-122"/>
+              </a:rPr>
+              <a:t>&lt;&lt;;     </a:t>
+            </a:r>
+            <a:r>
+              <a:rPr lang="en-US" altLang="zh-CN" dirty="0" err="1">
+                <a:latin typeface="Adobe 楷体 Std R" panose="02020400000000000000" pitchFamily="18" charset="-122"/>
+                <a:ea typeface="Adobe 楷体 Std R" panose="02020400000000000000" pitchFamily="18" charset="-122"/>
+              </a:rPr>
+              <a:t>println</a:t>
+            </a:r>
+            <a:r>
+              <a:rPr lang="en-US" altLang="zh-CN" dirty="0">
+                <a:latin typeface="Adobe 楷体 Std R" panose="02020400000000000000" pitchFamily="18" charset="-122"/>
+                <a:ea typeface="Adobe 楷体 Std R" panose="02020400000000000000" pitchFamily="18" charset="-122"/>
+              </a:rPr>
+              <a:t>();</a:t>
+            </a:r>
+          </a:p>
+          <a:p>
+            <a:r>
+              <a:rPr lang="en-US" altLang="zh-CN" dirty="0">
+                <a:latin typeface="Adobe 楷体 Std R" panose="02020400000000000000" pitchFamily="18" charset="-122"/>
+                <a:ea typeface="Adobe 楷体 Std R" panose="02020400000000000000" pitchFamily="18" charset="-122"/>
+              </a:rPr>
+              <a:t>}</a:t>
+            </a:r>
           </a:p>
           <a:p>
             <a:r>
@@ -16729,7 +17573,7 @@
         <p:spPr>
           <a:xfrm>
             <a:off x="914400" y="2512132"/>
-            <a:ext cx="8229600" cy="3396208"/>
+            <a:ext cx="7346331" cy="3396208"/>
           </a:xfrm>
         </p:spPr>
         <p:txBody>
@@ -16879,7 +17723,7 @@
         </p:blipFill>
         <p:spPr bwMode="auto">
           <a:xfrm>
-            <a:off x="3555948" y="3789040"/>
+            <a:off x="3555948" y="3988482"/>
             <a:ext cx="4704783" cy="1411436"/>
           </a:xfrm>
           <a:prstGeom prst="rect">
@@ -16920,7 +17764,7 @@
         </p:blipFill>
         <p:spPr bwMode="auto">
           <a:xfrm>
-            <a:off x="1115616" y="3789040"/>
+            <a:off x="1043608" y="3988482"/>
             <a:ext cx="2811307" cy="1953530"/>
           </a:xfrm>
           <a:prstGeom prst="rect">
@@ -18707,8 +19551,19 @@
             </a:r>
             <a:r>
               <a:rPr lang="en-US" altLang="zh-CN" dirty="0"/>
-              <a:t>(); </a:t>
-            </a:r>
+              <a:t>();  </a:t>
+            </a:r>
+            <a:r>
+              <a:rPr lang="zh-CN" altLang="en-US" sz="2800" dirty="0">
+                <a:latin typeface="Adobe 楷体 Std R" panose="02020400000000000000" pitchFamily="18" charset="-122"/>
+                <a:ea typeface="Adobe 楷体 Std R" panose="02020400000000000000" pitchFamily="18" charset="-122"/>
+              </a:rPr>
+              <a:t>帕斯卡命名法</a:t>
+            </a:r>
+            <a:endParaRPr lang="en-US" altLang="zh-CN" sz="2800" dirty="0">
+              <a:latin typeface="Adobe 楷体 Std R" panose="02020400000000000000" pitchFamily="18" charset="-122"/>
+              <a:ea typeface="Adobe 楷体 Std R" panose="02020400000000000000" pitchFamily="18" charset="-122"/>
+            </a:endParaRPr>
           </a:p>
         </p:txBody>
       </p:sp>
@@ -18846,13 +19701,7 @@
               <a:rPr lang="en-US" altLang="zh-CN" sz="3200" dirty="0">
                 <a:latin typeface="Lucida Grande"/>
               </a:rPr>
-              <a:t>* -&gt; </a:t>
-            </a:r>
-            <a:r>
-              <a:rPr lang="en-US" altLang="zh-CN" sz="3200" dirty="0" err="1">
-                <a:latin typeface="Lucida Grande"/>
-              </a:rPr>
-              <a:t>psz</a:t>
+              <a:t>* -&gt;p</a:t>
             </a:r>
             <a:br>
               <a:rPr lang="en-US" altLang="zh-CN" sz="3200" dirty="0">

--- a/software/Ch_3_rules_demo.pptx
+++ b/software/Ch_3_rules_demo.pptx
@@ -8038,7 +8038,7 @@
           <a:p>
             <a:pPr eaLnBrk="1" hangingPunct="1"/>
             <a:r>
-              <a:rPr lang="en-US" altLang="zh-CN" b="1" dirty="0">
+              <a:rPr lang="en-US" altLang="zh-CN" b="1" dirty="0" smtClean="0">
                 <a:ln>
                   <a:noFill/>
                 </a:ln>
@@ -8891,6 +8891,10 @@
             <a:pPr marL="457200" lvl="1" indent="0">
               <a:buNone/>
             </a:pPr>
+            <a:r>
+              <a:rPr lang="en-US" altLang="zh-CN" dirty="0"/>
+              <a:t/>
+            </a:r>
             <a:br>
               <a:rPr lang="en-US" altLang="zh-CN" dirty="0"/>
             </a:br>
@@ -9170,6 +9174,10 @@
             <a:pPr marL="457200" lvl="1" indent="0">
               <a:buNone/>
             </a:pPr>
+            <a:r>
+              <a:rPr lang="en-US" altLang="zh-CN" dirty="0"/>
+              <a:t/>
+            </a:r>
             <a:br>
               <a:rPr lang="en-US" altLang="zh-CN" dirty="0"/>
             </a:br>
@@ -9391,9 +9399,17 @@
               <a:rPr lang="zh-CN" altLang="en-US" sz="2000" dirty="0"/>
               <a:t>                 </a:t>
             </a:r>
+            <a:r>
+              <a:rPr lang="en-US" altLang="zh-CN" sz="2000" dirty="0"/>
+              <a:t/>
+            </a:r>
             <a:br>
               <a:rPr lang="en-US" altLang="zh-CN" sz="2000" dirty="0"/>
             </a:br>
+            <a:r>
+              <a:rPr lang="en-US" altLang="zh-CN" sz="2000" dirty="0"/>
+              <a:t/>
+            </a:r>
             <a:br>
               <a:rPr lang="en-US" altLang="zh-CN" sz="2000" dirty="0"/>
             </a:br>
@@ -12650,7 +12666,7 @@
                 <a:hlinkClick r:id="rId2">
                   <a:extLst>
                     <a:ext uri="{A12FA001-AC4F-418D-AE19-62706E023703}">
-                      <ahyp:hlinkClr xmlns:ahyp="http://schemas.microsoft.com/office/drawing/2018/hyperlinkcolor" val="tx"/>
+                      <ahyp:hlinkClr xmlns:ahyp="http://schemas.microsoft.com/office/drawing/2018/hyperlinkcolor" xmlns="" val="tx"/>
                     </a:ext>
                   </a:extLst>
                 </a:hlinkClick>
@@ -12664,7 +12680,7 @@
                 <a:hlinkClick r:id="rId2">
                   <a:extLst>
                     <a:ext uri="{A12FA001-AC4F-418D-AE19-62706E023703}">
-                      <ahyp:hlinkClr xmlns:ahyp="http://schemas.microsoft.com/office/drawing/2018/hyperlinkcolor" val="tx"/>
+                      <ahyp:hlinkClr xmlns:ahyp="http://schemas.microsoft.com/office/drawing/2018/hyperlinkcolor" xmlns="" val="tx"/>
                     </a:ext>
                   </a:extLst>
                 </a:hlinkClick>
@@ -12726,7 +12742,7 @@
                 <a:hlinkClick r:id="rId3">
                   <a:extLst>
                     <a:ext uri="{A12FA001-AC4F-418D-AE19-62706E023703}">
-                      <ahyp:hlinkClr xmlns:ahyp="http://schemas.microsoft.com/office/drawing/2018/hyperlinkcolor" val="tx"/>
+                      <ahyp:hlinkClr xmlns:ahyp="http://schemas.microsoft.com/office/drawing/2018/hyperlinkcolor" xmlns="" val="tx"/>
                     </a:ext>
                   </a:extLst>
                 </a:hlinkClick>
@@ -14519,8 +14535,8 @@
           </a:extLst>
         </p:spPr>
       </p:pic>
-      <mc:AlternateContent xmlns:mc="http://schemas.openxmlformats.org/markup-compatibility/2006">
-        <mc:Choice xmlns:p14="http://schemas.microsoft.com/office/powerpoint/2010/main" Requires="p14">
+      <mc:AlternateContent xmlns:mc="http://schemas.openxmlformats.org/markup-compatibility/2006" xmlns:p14="http://schemas.microsoft.com/office/powerpoint/2010/main">
+        <mc:Choice Requires="p14">
           <p:contentPart p14:bwMode="auto" r:id="rId3">
             <p14:nvContentPartPr>
               <p14:cNvPr id="8" name="墨迹 7">
@@ -14539,7 +14555,7 @@
             </p14:xfrm>
           </p:contentPart>
         </mc:Choice>
-        <mc:Fallback>
+        <mc:Fallback xmlns="">
           <p:pic>
             <p:nvPicPr>
               <p:cNvPr id="8" name="墨迹 7">
@@ -14570,8 +14586,8 @@
           </p:pic>
         </mc:Fallback>
       </mc:AlternateContent>
-      <mc:AlternateContent xmlns:mc="http://schemas.openxmlformats.org/markup-compatibility/2006">
-        <mc:Choice xmlns:p14="http://schemas.microsoft.com/office/powerpoint/2010/main" Requires="p14">
+      <mc:AlternateContent xmlns:mc="http://schemas.openxmlformats.org/markup-compatibility/2006" xmlns:p14="http://schemas.microsoft.com/office/powerpoint/2010/main">
+        <mc:Choice Requires="p14">
           <p:contentPart p14:bwMode="auto" r:id="rId5">
             <p14:nvContentPartPr>
               <p14:cNvPr id="9" name="墨迹 8">
@@ -14590,7 +14606,7 @@
             </p14:xfrm>
           </p:contentPart>
         </mc:Choice>
-        <mc:Fallback>
+        <mc:Fallback xmlns="">
           <p:pic>
             <p:nvPicPr>
               <p:cNvPr id="9" name="墨迹 8">
@@ -14759,8 +14775,8 @@
           </a:extLst>
         </p:spPr>
       </p:pic>
-      <mc:AlternateContent xmlns:mc="http://schemas.openxmlformats.org/markup-compatibility/2006">
-        <mc:Choice xmlns:p14="http://schemas.microsoft.com/office/powerpoint/2010/main" Requires="p14">
+      <mc:AlternateContent xmlns:mc="http://schemas.openxmlformats.org/markup-compatibility/2006" xmlns:p14="http://schemas.microsoft.com/office/powerpoint/2010/main">
+        <mc:Choice Requires="p14">
           <p:contentPart p14:bwMode="auto" r:id="rId4">
             <p14:nvContentPartPr>
               <p14:cNvPr id="4" name="墨迹 3">
@@ -14779,7 +14795,7 @@
             </p14:xfrm>
           </p:contentPart>
         </mc:Choice>
-        <mc:Fallback>
+        <mc:Fallback xmlns="">
           <p:pic>
             <p:nvPicPr>
               <p:cNvPr id="4" name="墨迹 3">
@@ -14810,8 +14826,8 @@
           </p:pic>
         </mc:Fallback>
       </mc:AlternateContent>
-      <mc:AlternateContent xmlns:mc="http://schemas.openxmlformats.org/markup-compatibility/2006">
-        <mc:Choice xmlns:p14="http://schemas.microsoft.com/office/powerpoint/2010/main" Requires="p14">
+      <mc:AlternateContent xmlns:mc="http://schemas.openxmlformats.org/markup-compatibility/2006" xmlns:p14="http://schemas.microsoft.com/office/powerpoint/2010/main">
+        <mc:Choice Requires="p14">
           <p:contentPart p14:bwMode="auto" r:id="rId6">
             <p14:nvContentPartPr>
               <p14:cNvPr id="5" name="墨迹 4">
@@ -14830,7 +14846,7 @@
             </p14:xfrm>
           </p:contentPart>
         </mc:Choice>
-        <mc:Fallback>
+        <mc:Fallback xmlns="">
           <p:pic>
             <p:nvPicPr>
               <p:cNvPr id="5" name="墨迹 4">
@@ -15006,7 +15022,7 @@
                 <a:hlinkClick r:id="rId2">
                   <a:extLst>
                     <a:ext uri="{A12FA001-AC4F-418D-AE19-62706E023703}">
-                      <ahyp:hlinkClr xmlns:ahyp="http://schemas.microsoft.com/office/drawing/2018/hyperlinkcolor" val="tx"/>
+                      <ahyp:hlinkClr xmlns:ahyp="http://schemas.microsoft.com/office/drawing/2018/hyperlinkcolor" xmlns="" val="tx"/>
                     </a:ext>
                   </a:extLst>
                 </a:hlinkClick>
@@ -15020,7 +15036,7 @@
                 <a:hlinkClick r:id="rId2">
                   <a:extLst>
                     <a:ext uri="{A12FA001-AC4F-418D-AE19-62706E023703}">
-                      <ahyp:hlinkClr xmlns:ahyp="http://schemas.microsoft.com/office/drawing/2018/hyperlinkcolor" val="tx"/>
+                      <ahyp:hlinkClr xmlns:ahyp="http://schemas.microsoft.com/office/drawing/2018/hyperlinkcolor" xmlns="" val="tx"/>
                     </a:ext>
                   </a:extLst>
                 </a:hlinkClick>
@@ -15041,7 +15057,7 @@
                 <a:hlinkClick r:id="rId3">
                   <a:extLst>
                     <a:ext uri="{A12FA001-AC4F-418D-AE19-62706E023703}">
-                      <ahyp:hlinkClr xmlns:ahyp="http://schemas.microsoft.com/office/drawing/2018/hyperlinkcolor" val="tx"/>
+                      <ahyp:hlinkClr xmlns:ahyp="http://schemas.microsoft.com/office/drawing/2018/hyperlinkcolor" xmlns="" val="tx"/>
                     </a:ext>
                   </a:extLst>
                 </a:hlinkClick>
@@ -15155,7 +15171,7 @@
           <a:graphicData uri="http://schemas.openxmlformats.org/presentationml/2006/ole">
             <mc:AlternateContent xmlns:mc="http://schemas.openxmlformats.org/markup-compatibility/2006">
               <mc:Choice xmlns:v="urn:schemas-microsoft-com:vml" Requires="v">
-                <p:oleObj spid="_x0000_s1104" name="PicObj Class" r:id="rId3" imgW="4543560" imgH="3876840" progId="Picture.PicObj.1">
+                <p:oleObj spid="_x0000_s1105" name="PicObj Class" r:id="rId3" imgW="4543560" imgH="3876840" progId="Picture.PicObj.1">
                   <p:embed/>
                 </p:oleObj>
               </mc:Choice>
@@ -15796,8 +15812,8 @@
           </a:p>
         </p:txBody>
       </p:sp>
-      <mc:AlternateContent xmlns:mc="http://schemas.openxmlformats.org/markup-compatibility/2006">
-        <mc:Choice xmlns:p14="http://schemas.microsoft.com/office/powerpoint/2010/main" Requires="p14">
+      <mc:AlternateContent xmlns:mc="http://schemas.openxmlformats.org/markup-compatibility/2006" xmlns:p14="http://schemas.microsoft.com/office/powerpoint/2010/main">
+        <mc:Choice Requires="p14">
           <p:contentPart p14:bwMode="auto" r:id="rId2">
             <p14:nvContentPartPr>
               <p14:cNvPr id="6" name="墨迹 5">
@@ -15816,7 +15832,7 @@
             </p14:xfrm>
           </p:contentPart>
         </mc:Choice>
-        <mc:Fallback>
+        <mc:Fallback xmlns="">
           <p:pic>
             <p:nvPicPr>
               <p:cNvPr id="6" name="墨迹 5">
@@ -15847,8 +15863,8 @@
           </p:pic>
         </mc:Fallback>
       </mc:AlternateContent>
-      <mc:AlternateContent xmlns:mc="http://schemas.openxmlformats.org/markup-compatibility/2006">
-        <mc:Choice xmlns:p14="http://schemas.microsoft.com/office/powerpoint/2010/main" Requires="p14">
+      <mc:AlternateContent xmlns:mc="http://schemas.openxmlformats.org/markup-compatibility/2006" xmlns:p14="http://schemas.microsoft.com/office/powerpoint/2010/main">
+        <mc:Choice Requires="p14">
           <p:contentPart p14:bwMode="auto" r:id="rId4">
             <p14:nvContentPartPr>
               <p14:cNvPr id="7" name="墨迹 6">
@@ -15867,7 +15883,7 @@
             </p14:xfrm>
           </p:contentPart>
         </mc:Choice>
-        <mc:Fallback>
+        <mc:Fallback xmlns="">
           <p:pic>
             <p:nvPicPr>
               <p:cNvPr id="7" name="墨迹 6">
@@ -15898,8 +15914,8 @@
           </p:pic>
         </mc:Fallback>
       </mc:AlternateContent>
-      <mc:AlternateContent xmlns:mc="http://schemas.openxmlformats.org/markup-compatibility/2006">
-        <mc:Choice xmlns:p14="http://schemas.microsoft.com/office/powerpoint/2010/main" Requires="p14">
+      <mc:AlternateContent xmlns:mc="http://schemas.openxmlformats.org/markup-compatibility/2006" xmlns:p14="http://schemas.microsoft.com/office/powerpoint/2010/main">
+        <mc:Choice Requires="p14">
           <p:contentPart p14:bwMode="auto" r:id="rId6">
             <p14:nvContentPartPr>
               <p14:cNvPr id="10" name="墨迹 9">
@@ -15918,7 +15934,7 @@
             </p14:xfrm>
           </p:contentPart>
         </mc:Choice>
-        <mc:Fallback>
+        <mc:Fallback xmlns="">
           <p:pic>
             <p:nvPicPr>
               <p:cNvPr id="10" name="墨迹 9">
@@ -15949,8 +15965,8 @@
           </p:pic>
         </mc:Fallback>
       </mc:AlternateContent>
-      <mc:AlternateContent xmlns:mc="http://schemas.openxmlformats.org/markup-compatibility/2006">
-        <mc:Choice xmlns:p14="http://schemas.microsoft.com/office/powerpoint/2010/main" Requires="p14">
+      <mc:AlternateContent xmlns:mc="http://schemas.openxmlformats.org/markup-compatibility/2006" xmlns:p14="http://schemas.microsoft.com/office/powerpoint/2010/main">
+        <mc:Choice Requires="p14">
           <p:contentPart p14:bwMode="auto" r:id="rId8">
             <p14:nvContentPartPr>
               <p14:cNvPr id="11" name="墨迹 10">
@@ -15969,7 +15985,7 @@
             </p14:xfrm>
           </p:contentPart>
         </mc:Choice>
-        <mc:Fallback>
+        <mc:Fallback xmlns="">
           <p:pic>
             <p:nvPicPr>
               <p:cNvPr id="11" name="墨迹 10">
@@ -17230,6 +17246,13 @@
                 <a:ea typeface="Adobe 楷体 Std R" panose="02020400000000000000" pitchFamily="18" charset="-122"/>
               </a:rPr>
               <a:t> try{</a:t>
+            </a:r>
+            <a:r>
+              <a:rPr lang="en-US" altLang="zh-CN" sz="2400" dirty="0">
+                <a:latin typeface="Adobe 楷体 Std R" panose="02020400000000000000" pitchFamily="18" charset="-122"/>
+                <a:ea typeface="Adobe 楷体 Std R" panose="02020400000000000000" pitchFamily="18" charset="-122"/>
+              </a:rPr>
+              <a:t/>
             </a:r>
             <a:br>
               <a:rPr lang="en-US" altLang="zh-CN" sz="2400" dirty="0">
@@ -19378,9 +19401,17 @@
             <a:pPr marL="457200" lvl="1" indent="0">
               <a:buNone/>
             </a:pPr>
+            <a:r>
+              <a:rPr lang="en-US" altLang="zh-CN" dirty="0"/>
+              <a:t/>
+            </a:r>
             <a:br>
               <a:rPr lang="en-US" altLang="zh-CN" dirty="0"/>
             </a:br>
+            <a:r>
+              <a:rPr lang="en-US" altLang="zh-CN" dirty="0"/>
+              <a:t/>
+            </a:r>
             <a:br>
               <a:rPr lang="en-US" altLang="zh-CN" dirty="0"/>
             </a:br>

--- a/software/Ch_3_rules_demo.pptx
+++ b/software/Ch_3_rules_demo.pptx
@@ -12666,7 +12666,7 @@
                 <a:hlinkClick r:id="rId2">
                   <a:extLst>
                     <a:ext uri="{A12FA001-AC4F-418D-AE19-62706E023703}">
-                      <ahyp:hlinkClr xmlns:ahyp="http://schemas.microsoft.com/office/drawing/2018/hyperlinkcolor" xmlns="" val="tx"/>
+                      <ahyp:hlinkClr xmlns="" xmlns:ahyp="http://schemas.microsoft.com/office/drawing/2018/hyperlinkcolor" val="tx"/>
                     </a:ext>
                   </a:extLst>
                 </a:hlinkClick>
@@ -12680,7 +12680,7 @@
                 <a:hlinkClick r:id="rId2">
                   <a:extLst>
                     <a:ext uri="{A12FA001-AC4F-418D-AE19-62706E023703}">
-                      <ahyp:hlinkClr xmlns:ahyp="http://schemas.microsoft.com/office/drawing/2018/hyperlinkcolor" xmlns="" val="tx"/>
+                      <ahyp:hlinkClr xmlns="" xmlns:ahyp="http://schemas.microsoft.com/office/drawing/2018/hyperlinkcolor" val="tx"/>
                     </a:ext>
                   </a:extLst>
                 </a:hlinkClick>
@@ -12742,7 +12742,7 @@
                 <a:hlinkClick r:id="rId3">
                   <a:extLst>
                     <a:ext uri="{A12FA001-AC4F-418D-AE19-62706E023703}">
-                      <ahyp:hlinkClr xmlns:ahyp="http://schemas.microsoft.com/office/drawing/2018/hyperlinkcolor" xmlns="" val="tx"/>
+                      <ahyp:hlinkClr xmlns="" xmlns:ahyp="http://schemas.microsoft.com/office/drawing/2018/hyperlinkcolor" val="tx"/>
                     </a:ext>
                   </a:extLst>
                 </a:hlinkClick>
@@ -13457,7 +13457,7 @@
         </p:blipFill>
         <p:spPr bwMode="auto">
           <a:xfrm>
-            <a:off x="1302800" y="3429000"/>
+            <a:off x="1176338" y="2492896"/>
             <a:ext cx="3333750" cy="3228975"/>
           </a:xfrm>
           <a:prstGeom prst="rect">
@@ -13521,7 +13521,7 @@
         </p:blipFill>
         <p:spPr bwMode="auto">
           <a:xfrm>
-            <a:off x="4716016" y="2492896"/>
+            <a:off x="4716016" y="2420888"/>
             <a:ext cx="3488457" cy="3857156"/>
           </a:xfrm>
           <a:prstGeom prst="rect">
@@ -13562,60 +13562,6 @@
           </a:extLst>
         </p:spPr>
       </p:pic>
-      <p:sp>
-        <p:nvSpPr>
-          <p:cNvPr id="3" name="文本框 2">
-            <a:extLst>
-              <a:ext uri="{FF2B5EF4-FFF2-40B4-BE49-F238E27FC236}">
-                <a16:creationId xmlns:a16="http://schemas.microsoft.com/office/drawing/2014/main" id="{EC83447D-EA7E-4405-B3B1-4579F2571190}"/>
-              </a:ext>
-            </a:extLst>
-          </p:cNvPr>
-          <p:cNvSpPr txBox="1"/>
-          <p:nvPr/>
-        </p:nvSpPr>
-        <p:spPr>
-          <a:xfrm>
-            <a:off x="1274839" y="2363370"/>
-            <a:ext cx="2952328" cy="1200329"/>
-          </a:xfrm>
-          <a:prstGeom prst="rect">
-            <a:avLst/>
-          </a:prstGeom>
-          <a:noFill/>
-        </p:spPr>
-        <p:txBody>
-          <a:bodyPr wrap="square" rtlCol="0">
-            <a:spAutoFit/>
-          </a:bodyPr>
-          <a:lstStyle/>
-          <a:p>
-            <a:r>
-              <a:rPr lang="en-US" altLang="zh-CN" dirty="0"/>
-              <a:t>if(a=57)    ====[a=57; if(a)]</a:t>
-            </a:r>
-          </a:p>
-          <a:p>
-            <a:r>
-              <a:rPr lang="en-US" altLang="zh-CN" dirty="0"/>
-              <a:t>{</a:t>
-            </a:r>
-          </a:p>
-          <a:p>
-            <a:r>
-              <a:rPr lang="en-US" altLang="zh-CN" dirty="0"/>
-              <a:t>}</a:t>
-            </a:r>
-          </a:p>
-          <a:p>
-            <a:r>
-              <a:rPr lang="en-US" altLang="zh-CN" dirty="0"/>
-              <a:t>If(57 == a)</a:t>
-            </a:r>
-            <a:endParaRPr lang="zh-CN" altLang="en-US" dirty="0"/>
-          </a:p>
-        </p:txBody>
-      </p:sp>
     </p:spTree>
     <p:extLst>
       <p:ext uri="{BB962C8B-B14F-4D97-AF65-F5344CB8AC3E}">
@@ -13783,8 +13729,8 @@
         </p:blipFill>
         <p:spPr bwMode="auto">
           <a:xfrm>
-            <a:off x="1037055" y="2348880"/>
-            <a:ext cx="3314286" cy="3960440"/>
+            <a:off x="1424777" y="2420888"/>
+            <a:ext cx="3168352" cy="3786055"/>
           </a:xfrm>
           <a:prstGeom prst="rect">
             <a:avLst/>
@@ -13824,7 +13770,7 @@
         </p:blipFill>
         <p:spPr bwMode="auto">
           <a:xfrm>
-            <a:off x="5364088" y="2492896"/>
+            <a:off x="4716016" y="2420888"/>
             <a:ext cx="2742857" cy="2742857"/>
           </a:xfrm>
           <a:prstGeom prst="rect">
@@ -13917,7 +13863,7 @@
         </p:blipFill>
         <p:spPr bwMode="auto">
           <a:xfrm>
-            <a:off x="1060003" y="2429247"/>
+            <a:off x="1619672" y="2492896"/>
             <a:ext cx="2905125" cy="2905125"/>
           </a:xfrm>
           <a:prstGeom prst="rect">
@@ -13981,7 +13927,7 @@
         </p:blipFill>
         <p:spPr bwMode="auto">
           <a:xfrm>
-            <a:off x="5085366" y="2405103"/>
+            <a:off x="4932040" y="2420888"/>
             <a:ext cx="2905125" cy="3600450"/>
           </a:xfrm>
           <a:prstGeom prst="rect">
@@ -14379,7 +14325,7 @@
         </p:blipFill>
         <p:spPr bwMode="auto">
           <a:xfrm>
-            <a:off x="638666" y="2420888"/>
+            <a:off x="827584" y="2372261"/>
             <a:ext cx="3933334" cy="3816424"/>
           </a:xfrm>
           <a:prstGeom prst="rect">
@@ -14420,7 +14366,7 @@
         </p:blipFill>
         <p:spPr bwMode="auto">
           <a:xfrm>
-            <a:off x="4860032" y="2398019"/>
+            <a:off x="4860032" y="2387450"/>
             <a:ext cx="3559909" cy="3839294"/>
           </a:xfrm>
           <a:prstGeom prst="rect">
@@ -14517,7 +14463,7 @@
         </p:blipFill>
         <p:spPr bwMode="auto">
           <a:xfrm>
-            <a:off x="3131840" y="2348880"/>
+            <a:off x="3059832" y="2420888"/>
             <a:ext cx="3816424" cy="3898792"/>
           </a:xfrm>
           <a:prstGeom prst="rect">
@@ -15022,7 +14968,7 @@
                 <a:hlinkClick r:id="rId2">
                   <a:extLst>
                     <a:ext uri="{A12FA001-AC4F-418D-AE19-62706E023703}">
-                      <ahyp:hlinkClr xmlns:ahyp="http://schemas.microsoft.com/office/drawing/2018/hyperlinkcolor" xmlns="" val="tx"/>
+                      <ahyp:hlinkClr xmlns="" xmlns:ahyp="http://schemas.microsoft.com/office/drawing/2018/hyperlinkcolor" val="tx"/>
                     </a:ext>
                   </a:extLst>
                 </a:hlinkClick>
@@ -15036,7 +14982,7 @@
                 <a:hlinkClick r:id="rId2">
                   <a:extLst>
                     <a:ext uri="{A12FA001-AC4F-418D-AE19-62706E023703}">
-                      <ahyp:hlinkClr xmlns:ahyp="http://schemas.microsoft.com/office/drawing/2018/hyperlinkcolor" xmlns="" val="tx"/>
+                      <ahyp:hlinkClr xmlns="" xmlns:ahyp="http://schemas.microsoft.com/office/drawing/2018/hyperlinkcolor" val="tx"/>
                     </a:ext>
                   </a:extLst>
                 </a:hlinkClick>
@@ -15057,7 +15003,7 @@
                 <a:hlinkClick r:id="rId3">
                   <a:extLst>
                     <a:ext uri="{A12FA001-AC4F-418D-AE19-62706E023703}">
-                      <ahyp:hlinkClr xmlns:ahyp="http://schemas.microsoft.com/office/drawing/2018/hyperlinkcolor" xmlns="" val="tx"/>
+                      <ahyp:hlinkClr xmlns="" xmlns:ahyp="http://schemas.microsoft.com/office/drawing/2018/hyperlinkcolor" val="tx"/>
                     </a:ext>
                   </a:extLst>
                 </a:hlinkClick>
@@ -15171,7 +15117,7 @@
           <a:graphicData uri="http://schemas.openxmlformats.org/presentationml/2006/ole">
             <mc:AlternateContent xmlns:mc="http://schemas.openxmlformats.org/markup-compatibility/2006">
               <mc:Choice xmlns:v="urn:schemas-microsoft-com:vml" Requires="v">
-                <p:oleObj spid="_x0000_s1105" name="PicObj Class" r:id="rId3" imgW="4543560" imgH="3876840" progId="Picture.PicObj.1">
+                <p:oleObj spid="_x0000_s1107" name="PicObj Class" r:id="rId3" imgW="4543560" imgH="3876840" progId="Picture.PicObj.1">
                   <p:embed/>
                 </p:oleObj>
               </mc:Choice>
@@ -18554,7 +18500,7 @@
         </p:blipFill>
         <p:spPr bwMode="auto">
           <a:xfrm>
-            <a:off x="683569" y="2678022"/>
+            <a:off x="683568" y="2492896"/>
             <a:ext cx="3816424" cy="3068951"/>
           </a:xfrm>
           <a:prstGeom prst="rect">
@@ -18595,7 +18541,7 @@
         </p:blipFill>
         <p:spPr bwMode="auto">
           <a:xfrm>
-            <a:off x="4355976" y="2678022"/>
+            <a:off x="4499992" y="2486040"/>
             <a:ext cx="4318453" cy="3068951"/>
           </a:xfrm>
           <a:prstGeom prst="rect">
@@ -18621,7 +18567,7 @@
         </p:nvSpPr>
         <p:spPr>
           <a:xfrm>
-            <a:off x="251520" y="1124744"/>
+            <a:off x="1979712" y="1484784"/>
             <a:ext cx="1656184" cy="369332"/>
           </a:xfrm>
           <a:prstGeom prst="rect">
